--- a/VKR_Volkova_VMO41.pptx
+++ b/VKR_Volkova_VMO41.pptx
@@ -19,13 +19,15 @@
     <p:sldId id="266" r:id="rId13"/>
     <p:sldId id="264" r:id="rId14"/>
     <p:sldId id="277" r:id="rId15"/>
-    <p:sldId id="272" r:id="rId16"/>
-    <p:sldId id="276" r:id="rId17"/>
-    <p:sldId id="273" r:id="rId18"/>
-    <p:sldId id="274" r:id="rId19"/>
-    <p:sldId id="275" r:id="rId20"/>
-    <p:sldId id="265" r:id="rId21"/>
-    <p:sldId id="271" r:id="rId22"/>
+    <p:sldId id="278" r:id="rId16"/>
+    <p:sldId id="279" r:id="rId17"/>
+    <p:sldId id="272" r:id="rId18"/>
+    <p:sldId id="276" r:id="rId19"/>
+    <p:sldId id="273" r:id="rId20"/>
+    <p:sldId id="274" r:id="rId21"/>
+    <p:sldId id="275" r:id="rId22"/>
+    <p:sldId id="265" r:id="rId23"/>
+    <p:sldId id="271" r:id="rId24"/>
   </p:sldIdLst>
   <p:sldSz cx="12192000" cy="6858000"/>
   <p:notesSz cx="6858000" cy="9144000"/>
@@ -14378,7 +14380,7 @@
           <p:cNvPr id="3" name="TextBox 2">
             <a:extLst>
               <a:ext uri="{FF2B5EF4-FFF2-40B4-BE49-F238E27FC236}">
-                <a16:creationId xmlns:a16="http://schemas.microsoft.com/office/drawing/2014/main" id="{12E9E607-A2FB-4893-82DE-6E231F0D5BA9}"/>
+                <a16:creationId xmlns:a16="http://schemas.microsoft.com/office/drawing/2014/main" id="{780B442A-40B3-4CD2-0FD2-93E6516017FC}"/>
               </a:ext>
             </a:extLst>
           </p:cNvPr>
@@ -14387,8 +14389,8 @@
         </p:nvSpPr>
         <p:spPr>
           <a:xfrm>
-            <a:off x="3157609" y="172114"/>
-            <a:ext cx="6106884" cy="523220"/>
+            <a:off x="3045152" y="195621"/>
+            <a:ext cx="6101696" cy="954107"/>
           </a:xfrm>
           <a:prstGeom prst="rect">
             <a:avLst/>
@@ -14408,9 +14410,21 @@
                 <a:ea typeface="+mn-lt"/>
                 <a:cs typeface="+mn-lt"/>
               </a:rPr>
-              <a:t>Инструменты разработки</a:t>
-            </a:r>
-            <a:endParaRPr lang="ru-RU" sz="2800" dirty="0"/>
+              <a:t>Схема алгоритма ввода данных из файла </a:t>
+            </a:r>
+            <a:r>
+              <a:rPr lang="en-US" sz="2800" dirty="0">
+                <a:latin typeface="Times New Roman"/>
+                <a:ea typeface="+mn-lt"/>
+                <a:cs typeface="+mn-lt"/>
+              </a:rPr>
+              <a:t>csv</a:t>
+            </a:r>
+            <a:endParaRPr lang="ru-RU" sz="2800" dirty="0">
+              <a:latin typeface="Times New Roman"/>
+              <a:ea typeface="+mn-lt"/>
+              <a:cs typeface="+mn-lt"/>
+            </a:endParaRPr>
           </a:p>
         </p:txBody>
       </p:sp>
@@ -14419,7 +14433,7 @@
           <p:cNvPr id="5" name="Рисунок 4">
             <a:extLst>
               <a:ext uri="{FF2B5EF4-FFF2-40B4-BE49-F238E27FC236}">
-                <a16:creationId xmlns:a16="http://schemas.microsoft.com/office/drawing/2014/main" id="{28ECD6B2-4A97-3B56-0DDD-99CCFC54C3E5}"/>
+                <a16:creationId xmlns:a16="http://schemas.microsoft.com/office/drawing/2014/main" id="{46E96622-D944-29FA-01C4-BEEAF99C5FAA}"/>
               </a:ext>
             </a:extLst>
           </p:cNvPr>
@@ -14429,7 +14443,7 @@
           <p:nvPr/>
         </p:nvPicPr>
         <p:blipFill>
-          <a:blip r:embed="rId2" cstate="print">
+          <a:blip r:embed="rId2">
             <a:extLst>
               <a:ext uri="{28A0092B-C50C-407E-A947-70E740481C1C}">
                 <a14:useLocalDpi xmlns:a14="http://schemas.microsoft.com/office/drawing/2010/main" val="0"/>
@@ -14442,200 +14456,20 @@
         </p:blipFill>
         <p:spPr>
           <a:xfrm>
-            <a:off x="394260" y="1371600"/>
-            <a:ext cx="3570514" cy="2008414"/>
+            <a:off x="3064202" y="1516523"/>
+            <a:ext cx="3619500" cy="4953000"/>
           </a:xfrm>
           <a:prstGeom prst="rect">
             <a:avLst/>
           </a:prstGeom>
         </p:spPr>
       </p:pic>
-      <p:pic>
-        <p:nvPicPr>
-          <p:cNvPr id="7" name="Рисунок 6">
+      <p:sp>
+        <p:nvSpPr>
+          <p:cNvPr id="6" name="Прямоугольник: скругленные углы 5">
             <a:extLst>
               <a:ext uri="{FF2B5EF4-FFF2-40B4-BE49-F238E27FC236}">
-                <a16:creationId xmlns:a16="http://schemas.microsoft.com/office/drawing/2014/main" id="{31DEB6EE-01EE-1F2A-DDCA-44DDD85F3A0D}"/>
-              </a:ext>
-            </a:extLst>
-          </p:cNvPr>
-          <p:cNvPicPr>
-            <a:picLocks noChangeAspect="1"/>
-          </p:cNvPicPr>
-          <p:nvPr/>
-        </p:nvPicPr>
-        <p:blipFill>
-          <a:blip r:embed="rId3" cstate="print">
-            <a:extLst>
-              <a:ext uri="{28A0092B-C50C-407E-A947-70E740481C1C}">
-                <a14:useLocalDpi xmlns:a14="http://schemas.microsoft.com/office/drawing/2010/main" val="0"/>
-              </a:ext>
-            </a:extLst>
-          </a:blip>
-          <a:stretch>
-            <a:fillRect/>
-          </a:stretch>
-        </p:blipFill>
-        <p:spPr>
-          <a:xfrm>
-            <a:off x="4498521" y="1282022"/>
-            <a:ext cx="3194958" cy="1797164"/>
-          </a:xfrm>
-          <a:prstGeom prst="rect">
-            <a:avLst/>
-          </a:prstGeom>
-        </p:spPr>
-      </p:pic>
-      <p:pic>
-        <p:nvPicPr>
-          <p:cNvPr id="9" name="Рисунок 8">
-            <a:extLst>
-              <a:ext uri="{FF2B5EF4-FFF2-40B4-BE49-F238E27FC236}">
-                <a16:creationId xmlns:a16="http://schemas.microsoft.com/office/drawing/2014/main" id="{21694D51-AAF7-EFC6-F087-268E8A9A74F9}"/>
-              </a:ext>
-            </a:extLst>
-          </p:cNvPr>
-          <p:cNvPicPr>
-            <a:picLocks noChangeAspect="1"/>
-          </p:cNvPicPr>
-          <p:nvPr/>
-        </p:nvPicPr>
-        <p:blipFill>
-          <a:blip r:embed="rId4">
-            <a:extLst>
-              <a:ext uri="{28A0092B-C50C-407E-A947-70E740481C1C}">
-                <a14:useLocalDpi xmlns:a14="http://schemas.microsoft.com/office/drawing/2010/main" val="0"/>
-              </a:ext>
-            </a:extLst>
-          </a:blip>
-          <a:stretch>
-            <a:fillRect/>
-          </a:stretch>
-        </p:blipFill>
-        <p:spPr>
-          <a:xfrm>
-            <a:off x="3592287" y="3637682"/>
-            <a:ext cx="4457778" cy="1485926"/>
-          </a:xfrm>
-          <a:prstGeom prst="rect">
-            <a:avLst/>
-          </a:prstGeom>
-        </p:spPr>
-      </p:pic>
-      <p:pic>
-        <p:nvPicPr>
-          <p:cNvPr id="11" name="Рисунок 10">
-            <a:extLst>
-              <a:ext uri="{FF2B5EF4-FFF2-40B4-BE49-F238E27FC236}">
-                <a16:creationId xmlns:a16="http://schemas.microsoft.com/office/drawing/2014/main" id="{63029E88-F5D2-EE99-57E0-7563365E5FD9}"/>
-              </a:ext>
-            </a:extLst>
-          </p:cNvPr>
-          <p:cNvPicPr>
-            <a:picLocks noChangeAspect="1"/>
-          </p:cNvPicPr>
-          <p:nvPr/>
-        </p:nvPicPr>
-        <p:blipFill>
-          <a:blip r:embed="rId5" cstate="print">
-            <a:extLst>
-              <a:ext uri="{28A0092B-C50C-407E-A947-70E740481C1C}">
-                <a14:useLocalDpi xmlns:a14="http://schemas.microsoft.com/office/drawing/2010/main" val="0"/>
-              </a:ext>
-            </a:extLst>
-          </a:blip>
-          <a:stretch>
-            <a:fillRect/>
-          </a:stretch>
-        </p:blipFill>
-        <p:spPr>
-          <a:xfrm>
-            <a:off x="5274129" y="4943968"/>
-            <a:ext cx="4239783" cy="1717112"/>
-          </a:xfrm>
-          <a:prstGeom prst="rect">
-            <a:avLst/>
-          </a:prstGeom>
-        </p:spPr>
-      </p:pic>
-      <p:pic>
-        <p:nvPicPr>
-          <p:cNvPr id="13" name="Рисунок 12">
-            <a:extLst>
-              <a:ext uri="{FF2B5EF4-FFF2-40B4-BE49-F238E27FC236}">
-                <a16:creationId xmlns:a16="http://schemas.microsoft.com/office/drawing/2014/main" id="{1472138F-5BAF-698F-3453-127473669E1B}"/>
-              </a:ext>
-            </a:extLst>
-          </p:cNvPr>
-          <p:cNvPicPr>
-            <a:picLocks noChangeAspect="1"/>
-          </p:cNvPicPr>
-          <p:nvPr/>
-        </p:nvPicPr>
-        <p:blipFill>
-          <a:blip r:embed="rId6" cstate="print">
-            <a:extLst>
-              <a:ext uri="{28A0092B-C50C-407E-A947-70E740481C1C}">
-                <a14:useLocalDpi xmlns:a14="http://schemas.microsoft.com/office/drawing/2010/main" val="0"/>
-              </a:ext>
-            </a:extLst>
-          </a:blip>
-          <a:stretch>
-            <a:fillRect/>
-          </a:stretch>
-        </p:blipFill>
-        <p:spPr>
-          <a:xfrm>
-            <a:off x="9264493" y="2418847"/>
-            <a:ext cx="2389125" cy="2389125"/>
-          </a:xfrm>
-          <a:prstGeom prst="rect">
-            <a:avLst/>
-          </a:prstGeom>
-        </p:spPr>
-      </p:pic>
-      <p:pic>
-        <p:nvPicPr>
-          <p:cNvPr id="15" name="Рисунок 14">
-            <a:extLst>
-              <a:ext uri="{FF2B5EF4-FFF2-40B4-BE49-F238E27FC236}">
-                <a16:creationId xmlns:a16="http://schemas.microsoft.com/office/drawing/2014/main" id="{3FF92514-84FF-837C-4A16-D3757357C396}"/>
-              </a:ext>
-            </a:extLst>
-          </p:cNvPr>
-          <p:cNvPicPr>
-            <a:picLocks noChangeAspect="1"/>
-          </p:cNvPicPr>
-          <p:nvPr/>
-        </p:nvPicPr>
-        <p:blipFill>
-          <a:blip r:embed="rId7" cstate="print">
-            <a:extLst>
-              <a:ext uri="{28A0092B-C50C-407E-A947-70E740481C1C}">
-                <a14:useLocalDpi xmlns:a14="http://schemas.microsoft.com/office/drawing/2010/main" val="0"/>
-              </a:ext>
-            </a:extLst>
-          </a:blip>
-          <a:stretch>
-            <a:fillRect/>
-          </a:stretch>
-        </p:blipFill>
-        <p:spPr>
-          <a:xfrm>
-            <a:off x="1153267" y="4381605"/>
-            <a:ext cx="1589179" cy="1589179"/>
-          </a:xfrm>
-          <a:prstGeom prst="rect">
-            <a:avLst/>
-          </a:prstGeom>
-        </p:spPr>
-      </p:pic>
-      <p:sp>
-        <p:nvSpPr>
-          <p:cNvPr id="4" name="Прямоугольник: скругленные углы 3">
-            <a:extLst>
-              <a:ext uri="{FF2B5EF4-FFF2-40B4-BE49-F238E27FC236}">
-                <a16:creationId xmlns:a16="http://schemas.microsoft.com/office/drawing/2014/main" id="{79852D0A-5B1D-47C5-CAAE-CD4516B44B03}"/>
+                <a16:creationId xmlns:a16="http://schemas.microsoft.com/office/drawing/2014/main" id="{C427D4BC-0CA2-A190-C861-2B618B3BBD80}"/>
               </a:ext>
             </a:extLst>
           </p:cNvPr>
@@ -14676,10 +14510,10 @@
       </p:sp>
       <p:sp>
         <p:nvSpPr>
-          <p:cNvPr id="6" name="TextBox 5">
+          <p:cNvPr id="7" name="TextBox 6">
             <a:extLst>
               <a:ext uri="{FF2B5EF4-FFF2-40B4-BE49-F238E27FC236}">
-                <a16:creationId xmlns:a16="http://schemas.microsoft.com/office/drawing/2014/main" id="{26A81BD9-9DFB-13E8-78E8-CB31FFF7AE26}"/>
+                <a16:creationId xmlns:a16="http://schemas.microsoft.com/office/drawing/2014/main" id="{C75F3A0C-AD52-B84F-4678-6CABF0BC109F}"/>
               </a:ext>
             </a:extLst>
           </p:cNvPr>
@@ -14713,15 +14547,38 @@
                   </a:outerShdw>
                 </a:effectLst>
               </a:rPr>
-              <a:t>15</a:t>
-            </a:r>
+              <a:t>1</a:t>
+            </a:r>
+            <a:r>
+              <a:rPr lang="en-US" sz="2400" dirty="0">
+                <a:ln w="0"/>
+                <a:effectLst>
+                  <a:outerShdw blurRad="38100" dist="19050" dir="2700000" algn="tl" rotWithShape="0">
+                    <a:schemeClr val="dk1">
+                      <a:alpha val="40000"/>
+                    </a:schemeClr>
+                  </a:outerShdw>
+                </a:effectLst>
+              </a:rPr>
+              <a:t>5</a:t>
+            </a:r>
+            <a:endParaRPr lang="ru-RU" sz="2400" dirty="0">
+              <a:ln w="0"/>
+              <a:effectLst>
+                <a:outerShdw blurRad="38100" dist="19050" dir="2700000" algn="tl" rotWithShape="0">
+                  <a:schemeClr val="dk1">
+                    <a:alpha val="40000"/>
+                  </a:schemeClr>
+                </a:outerShdw>
+              </a:effectLst>
+            </a:endParaRPr>
           </a:p>
         </p:txBody>
       </p:sp>
     </p:spTree>
     <p:extLst>
       <p:ext uri="{BB962C8B-B14F-4D97-AF65-F5344CB8AC3E}">
-        <p14:creationId xmlns:p14="http://schemas.microsoft.com/office/powerpoint/2010/main" val="2267591996"/>
+        <p14:creationId xmlns:p14="http://schemas.microsoft.com/office/powerpoint/2010/main" val="2057432142"/>
       </p:ext>
     </p:extLst>
   </p:cSld>
@@ -14753,7 +14610,7 @@
           <p:cNvPr id="3" name="TextBox 2">
             <a:extLst>
               <a:ext uri="{FF2B5EF4-FFF2-40B4-BE49-F238E27FC236}">
-                <a16:creationId xmlns:a16="http://schemas.microsoft.com/office/drawing/2014/main" id="{40329D57-974E-5DF3-2110-9052FBD09829}"/>
+                <a16:creationId xmlns:a16="http://schemas.microsoft.com/office/drawing/2014/main" id="{071CBC89-5A45-8DFF-9261-77E4DB800CD4}"/>
               </a:ext>
             </a:extLst>
           </p:cNvPr>
@@ -14762,8 +14619,8 @@
         </p:nvSpPr>
         <p:spPr>
           <a:xfrm>
-            <a:off x="2536371" y="174562"/>
-            <a:ext cx="7119257" cy="954107"/>
+            <a:off x="3045152" y="229805"/>
+            <a:ext cx="6101696" cy="954107"/>
           </a:xfrm>
           <a:prstGeom prst="rect">
             <a:avLst/>
@@ -14778,22 +14635,13 @@
           <a:p>
             <a:pPr algn="ctr"/>
             <a:r>
-              <a:rPr lang="en-US" sz="2800" dirty="0">
-                <a:latin typeface="Times New Roman"/>
-                <a:ea typeface="+mn-lt"/>
-                <a:cs typeface="+mn-lt"/>
-              </a:rPr>
-              <a:t>UML</a:t>
-            </a:r>
-            <a:r>
               <a:rPr lang="ru-RU" sz="2800" dirty="0">
                 <a:latin typeface="Times New Roman"/>
                 <a:ea typeface="+mn-lt"/>
                 <a:cs typeface="+mn-lt"/>
               </a:rPr>
-              <a:t>-диаграмма классов программного средства</a:t>
-            </a:r>
-            <a:endParaRPr lang="ru-RU" sz="2800" dirty="0"/>
+              <a:t>Схема алгоритма экспорта результатов моделирования</a:t>
+            </a:r>
           </a:p>
         </p:txBody>
       </p:sp>
@@ -14802,7 +14650,7 @@
           <p:cNvPr id="5" name="Рисунок 4">
             <a:extLst>
               <a:ext uri="{FF2B5EF4-FFF2-40B4-BE49-F238E27FC236}">
-                <a16:creationId xmlns:a16="http://schemas.microsoft.com/office/drawing/2014/main" id="{0CAD9AA1-2A9C-FDC8-2CA6-B95253997D3F}"/>
+                <a16:creationId xmlns:a16="http://schemas.microsoft.com/office/drawing/2014/main" id="{448770EB-0B87-07E6-DB69-08EBCB8EA4BE}"/>
               </a:ext>
             </a:extLst>
           </p:cNvPr>
@@ -14812,7 +14660,7 @@
           <p:nvPr/>
         </p:nvPicPr>
         <p:blipFill>
-          <a:blip r:embed="rId2" cstate="print">
+          <a:blip r:embed="rId2">
             <a:extLst>
               <a:ext uri="{28A0092B-C50C-407E-A947-70E740481C1C}">
                 <a14:useLocalDpi xmlns:a14="http://schemas.microsoft.com/office/drawing/2010/main" val="0"/>
@@ -14825,8 +14673,8 @@
         </p:blipFill>
         <p:spPr>
           <a:xfrm>
-            <a:off x="3178626" y="1128669"/>
-            <a:ext cx="2917373" cy="5617825"/>
+            <a:off x="2456026" y="1183912"/>
+            <a:ext cx="5143500" cy="5429250"/>
           </a:xfrm>
           <a:prstGeom prst="rect">
             <a:avLst/>
@@ -14835,10 +14683,10 @@
       </p:pic>
       <p:sp>
         <p:nvSpPr>
-          <p:cNvPr id="7" name="Прямоугольник: скругленные углы 6">
+          <p:cNvPr id="6" name="Прямоугольник: скругленные углы 5">
             <a:extLst>
               <a:ext uri="{FF2B5EF4-FFF2-40B4-BE49-F238E27FC236}">
-                <a16:creationId xmlns:a16="http://schemas.microsoft.com/office/drawing/2014/main" id="{41270650-856F-F69D-D2B3-DFA4AC6D2CC5}"/>
+                <a16:creationId xmlns:a16="http://schemas.microsoft.com/office/drawing/2014/main" id="{51F2BCE3-95E5-80D7-D109-70A6A6251600}"/>
               </a:ext>
             </a:extLst>
           </p:cNvPr>
@@ -14879,10 +14727,10 @@
       </p:sp>
       <p:sp>
         <p:nvSpPr>
-          <p:cNvPr id="8" name="TextBox 7">
+          <p:cNvPr id="7" name="TextBox 6">
             <a:extLst>
               <a:ext uri="{FF2B5EF4-FFF2-40B4-BE49-F238E27FC236}">
-                <a16:creationId xmlns:a16="http://schemas.microsoft.com/office/drawing/2014/main" id="{8DF78A8A-BDD9-9804-2EBE-9EE46D4C75F6}"/>
+                <a16:creationId xmlns:a16="http://schemas.microsoft.com/office/drawing/2014/main" id="{90CC47DD-A8FB-B398-7658-2D66A3F2BDF3}"/>
               </a:ext>
             </a:extLst>
           </p:cNvPr>
@@ -14924,7 +14772,7 @@
     </p:spTree>
     <p:extLst>
       <p:ext uri="{BB962C8B-B14F-4D97-AF65-F5344CB8AC3E}">
-        <p14:creationId xmlns:p14="http://schemas.microsoft.com/office/powerpoint/2010/main" val="1065390783"/>
+        <p14:creationId xmlns:p14="http://schemas.microsoft.com/office/powerpoint/2010/main" val="4212052396"/>
       </p:ext>
     </p:extLst>
   </p:cSld>
@@ -14956,7 +14804,7 @@
           <p:cNvPr id="3" name="TextBox 2">
             <a:extLst>
               <a:ext uri="{FF2B5EF4-FFF2-40B4-BE49-F238E27FC236}">
-                <a16:creationId xmlns:a16="http://schemas.microsoft.com/office/drawing/2014/main" id="{CDA10D64-3DA3-E510-EBAC-3D7BB0036B8C}"/>
+                <a16:creationId xmlns:a16="http://schemas.microsoft.com/office/drawing/2014/main" id="{12E9E607-A2FB-4893-82DE-6E231F0D5BA9}"/>
               </a:ext>
             </a:extLst>
           </p:cNvPr>
@@ -14965,7 +14813,7 @@
         </p:nvSpPr>
         <p:spPr>
           <a:xfrm>
-            <a:off x="3042558" y="111721"/>
+            <a:off x="3157609" y="172114"/>
             <a:ext cx="6106884" cy="523220"/>
           </a:xfrm>
           <a:prstGeom prst="rect">
@@ -14986,17 +14834,18 @@
                 <a:ea typeface="+mn-lt"/>
                 <a:cs typeface="+mn-lt"/>
               </a:rPr>
-              <a:t>Главное окно</a:t>
-            </a:r>
+              <a:t>Инструменты разработки</a:t>
+            </a:r>
+            <a:endParaRPr lang="ru-RU" sz="2800" dirty="0"/>
           </a:p>
         </p:txBody>
       </p:sp>
       <p:pic>
         <p:nvPicPr>
-          <p:cNvPr id="8" name="Рисунок 7">
+          <p:cNvPr id="5" name="Рисунок 4">
             <a:extLst>
               <a:ext uri="{FF2B5EF4-FFF2-40B4-BE49-F238E27FC236}">
-                <a16:creationId xmlns:a16="http://schemas.microsoft.com/office/drawing/2014/main" id="{032C7392-B1D9-F6BE-9DCB-9D67BEB17D68}"/>
+                <a16:creationId xmlns:a16="http://schemas.microsoft.com/office/drawing/2014/main" id="{28ECD6B2-4A97-3B56-0DDD-99CCFC54C3E5}"/>
               </a:ext>
             </a:extLst>
           </p:cNvPr>
@@ -15006,43 +14855,33 @@
           <p:nvPr/>
         </p:nvPicPr>
         <p:blipFill>
-          <a:blip r:embed="rId2"/>
+          <a:blip r:embed="rId2" cstate="print">
+            <a:extLst>
+              <a:ext uri="{28A0092B-C50C-407E-A947-70E740481C1C}">
+                <a14:useLocalDpi xmlns:a14="http://schemas.microsoft.com/office/drawing/2010/main" val="0"/>
+              </a:ext>
+            </a:extLst>
+          </a:blip>
           <a:stretch>
             <a:fillRect/>
           </a:stretch>
         </p:blipFill>
         <p:spPr>
           <a:xfrm>
-            <a:off x="329412" y="715480"/>
-            <a:ext cx="6457785" cy="3471312"/>
+            <a:off x="394260" y="1371600"/>
+            <a:ext cx="3570514" cy="2008414"/>
           </a:xfrm>
           <a:prstGeom prst="rect">
             <a:avLst/>
           </a:prstGeom>
-          <a:ln w="38100" cap="sq">
-            <a:solidFill>
-              <a:schemeClr val="bg2">
-                <a:lumMod val="75000"/>
-              </a:schemeClr>
-            </a:solidFill>
-            <a:prstDash val="solid"/>
-            <a:miter lim="800000"/>
-          </a:ln>
-          <a:effectLst>
-            <a:outerShdw blurRad="50800" dist="38100" dir="2700000" algn="tl" rotWithShape="0">
-              <a:srgbClr val="000000">
-                <a:alpha val="43000"/>
-              </a:srgbClr>
-            </a:outerShdw>
-          </a:effectLst>
         </p:spPr>
       </p:pic>
       <p:pic>
         <p:nvPicPr>
-          <p:cNvPr id="10" name="Рисунок 9">
+          <p:cNvPr id="7" name="Рисунок 6">
             <a:extLst>
               <a:ext uri="{FF2B5EF4-FFF2-40B4-BE49-F238E27FC236}">
-                <a16:creationId xmlns:a16="http://schemas.microsoft.com/office/drawing/2014/main" id="{EBC93357-7635-42AB-14A9-C789616EDDE3}"/>
+                <a16:creationId xmlns:a16="http://schemas.microsoft.com/office/drawing/2014/main" id="{31DEB6EE-01EE-1F2A-DDCA-44DDD85F3A0D}"/>
               </a:ext>
             </a:extLst>
           </p:cNvPr>
@@ -15052,43 +14891,177 @@
           <p:nvPr/>
         </p:nvPicPr>
         <p:blipFill>
-          <a:blip r:embed="rId3"/>
+          <a:blip r:embed="rId3" cstate="print">
+            <a:extLst>
+              <a:ext uri="{28A0092B-C50C-407E-A947-70E740481C1C}">
+                <a14:useLocalDpi xmlns:a14="http://schemas.microsoft.com/office/drawing/2010/main" val="0"/>
+              </a:ext>
+            </a:extLst>
+          </a:blip>
           <a:stretch>
             <a:fillRect/>
           </a:stretch>
         </p:blipFill>
         <p:spPr>
           <a:xfrm>
-            <a:off x="5424513" y="2862843"/>
-            <a:ext cx="6438075" cy="3471312"/>
+            <a:off x="4498521" y="1282022"/>
+            <a:ext cx="3194958" cy="1797164"/>
           </a:xfrm>
           <a:prstGeom prst="rect">
             <a:avLst/>
           </a:prstGeom>
-          <a:ln w="38100" cap="sq">
-            <a:solidFill>
-              <a:schemeClr val="bg2">
-                <a:lumMod val="75000"/>
-              </a:schemeClr>
-            </a:solidFill>
-            <a:prstDash val="solid"/>
-            <a:miter lim="800000"/>
-          </a:ln>
-          <a:effectLst>
-            <a:outerShdw blurRad="50800" dist="38100" dir="2700000" algn="tl" rotWithShape="0">
-              <a:srgbClr val="000000">
-                <a:alpha val="43000"/>
-              </a:srgbClr>
-            </a:outerShdw>
-          </a:effectLst>
+        </p:spPr>
+      </p:pic>
+      <p:pic>
+        <p:nvPicPr>
+          <p:cNvPr id="9" name="Рисунок 8">
+            <a:extLst>
+              <a:ext uri="{FF2B5EF4-FFF2-40B4-BE49-F238E27FC236}">
+                <a16:creationId xmlns:a16="http://schemas.microsoft.com/office/drawing/2014/main" id="{21694D51-AAF7-EFC6-F087-268E8A9A74F9}"/>
+              </a:ext>
+            </a:extLst>
+          </p:cNvPr>
+          <p:cNvPicPr>
+            <a:picLocks noChangeAspect="1"/>
+          </p:cNvPicPr>
+          <p:nvPr/>
+        </p:nvPicPr>
+        <p:blipFill>
+          <a:blip r:embed="rId4">
+            <a:extLst>
+              <a:ext uri="{28A0092B-C50C-407E-A947-70E740481C1C}">
+                <a14:useLocalDpi xmlns:a14="http://schemas.microsoft.com/office/drawing/2010/main" val="0"/>
+              </a:ext>
+            </a:extLst>
+          </a:blip>
+          <a:stretch>
+            <a:fillRect/>
+          </a:stretch>
+        </p:blipFill>
+        <p:spPr>
+          <a:xfrm>
+            <a:off x="3592287" y="3637682"/>
+            <a:ext cx="4457778" cy="1485926"/>
+          </a:xfrm>
+          <a:prstGeom prst="rect">
+            <a:avLst/>
+          </a:prstGeom>
+        </p:spPr>
+      </p:pic>
+      <p:pic>
+        <p:nvPicPr>
+          <p:cNvPr id="11" name="Рисунок 10">
+            <a:extLst>
+              <a:ext uri="{FF2B5EF4-FFF2-40B4-BE49-F238E27FC236}">
+                <a16:creationId xmlns:a16="http://schemas.microsoft.com/office/drawing/2014/main" id="{63029E88-F5D2-EE99-57E0-7563365E5FD9}"/>
+              </a:ext>
+            </a:extLst>
+          </p:cNvPr>
+          <p:cNvPicPr>
+            <a:picLocks noChangeAspect="1"/>
+          </p:cNvPicPr>
+          <p:nvPr/>
+        </p:nvPicPr>
+        <p:blipFill>
+          <a:blip r:embed="rId5" cstate="print">
+            <a:extLst>
+              <a:ext uri="{28A0092B-C50C-407E-A947-70E740481C1C}">
+                <a14:useLocalDpi xmlns:a14="http://schemas.microsoft.com/office/drawing/2010/main" val="0"/>
+              </a:ext>
+            </a:extLst>
+          </a:blip>
+          <a:stretch>
+            <a:fillRect/>
+          </a:stretch>
+        </p:blipFill>
+        <p:spPr>
+          <a:xfrm>
+            <a:off x="5274129" y="4943968"/>
+            <a:ext cx="4239783" cy="1717112"/>
+          </a:xfrm>
+          <a:prstGeom prst="rect">
+            <a:avLst/>
+          </a:prstGeom>
+        </p:spPr>
+      </p:pic>
+      <p:pic>
+        <p:nvPicPr>
+          <p:cNvPr id="13" name="Рисунок 12">
+            <a:extLst>
+              <a:ext uri="{FF2B5EF4-FFF2-40B4-BE49-F238E27FC236}">
+                <a16:creationId xmlns:a16="http://schemas.microsoft.com/office/drawing/2014/main" id="{1472138F-5BAF-698F-3453-127473669E1B}"/>
+              </a:ext>
+            </a:extLst>
+          </p:cNvPr>
+          <p:cNvPicPr>
+            <a:picLocks noChangeAspect="1"/>
+          </p:cNvPicPr>
+          <p:nvPr/>
+        </p:nvPicPr>
+        <p:blipFill>
+          <a:blip r:embed="rId6" cstate="print">
+            <a:extLst>
+              <a:ext uri="{28A0092B-C50C-407E-A947-70E740481C1C}">
+                <a14:useLocalDpi xmlns:a14="http://schemas.microsoft.com/office/drawing/2010/main" val="0"/>
+              </a:ext>
+            </a:extLst>
+          </a:blip>
+          <a:stretch>
+            <a:fillRect/>
+          </a:stretch>
+        </p:blipFill>
+        <p:spPr>
+          <a:xfrm>
+            <a:off x="9264493" y="2418847"/>
+            <a:ext cx="2389125" cy="2389125"/>
+          </a:xfrm>
+          <a:prstGeom prst="rect">
+            <a:avLst/>
+          </a:prstGeom>
+        </p:spPr>
+      </p:pic>
+      <p:pic>
+        <p:nvPicPr>
+          <p:cNvPr id="15" name="Рисунок 14">
+            <a:extLst>
+              <a:ext uri="{FF2B5EF4-FFF2-40B4-BE49-F238E27FC236}">
+                <a16:creationId xmlns:a16="http://schemas.microsoft.com/office/drawing/2014/main" id="{3FF92514-84FF-837C-4A16-D3757357C396}"/>
+              </a:ext>
+            </a:extLst>
+          </p:cNvPr>
+          <p:cNvPicPr>
+            <a:picLocks noChangeAspect="1"/>
+          </p:cNvPicPr>
+          <p:nvPr/>
+        </p:nvPicPr>
+        <p:blipFill>
+          <a:blip r:embed="rId7" cstate="print">
+            <a:extLst>
+              <a:ext uri="{28A0092B-C50C-407E-A947-70E740481C1C}">
+                <a14:useLocalDpi xmlns:a14="http://schemas.microsoft.com/office/drawing/2010/main" val="0"/>
+              </a:ext>
+            </a:extLst>
+          </a:blip>
+          <a:stretch>
+            <a:fillRect/>
+          </a:stretch>
+        </p:blipFill>
+        <p:spPr>
+          <a:xfrm>
+            <a:off x="1153267" y="4381605"/>
+            <a:ext cx="1589179" cy="1589179"/>
+          </a:xfrm>
+          <a:prstGeom prst="rect">
+            <a:avLst/>
+          </a:prstGeom>
         </p:spPr>
       </p:pic>
       <p:sp>
         <p:nvSpPr>
-          <p:cNvPr id="2" name="Прямоугольник: скругленные углы 1">
+          <p:cNvPr id="4" name="Прямоугольник: скругленные углы 3">
             <a:extLst>
               <a:ext uri="{FF2B5EF4-FFF2-40B4-BE49-F238E27FC236}">
-                <a16:creationId xmlns:a16="http://schemas.microsoft.com/office/drawing/2014/main" id="{43E9638E-1970-DAEC-71D1-5D351C2F5226}"/>
+                <a16:creationId xmlns:a16="http://schemas.microsoft.com/office/drawing/2014/main" id="{79852D0A-5B1D-47C5-CAAE-CD4516B44B03}"/>
               </a:ext>
             </a:extLst>
           </p:cNvPr>
@@ -15129,10 +15102,10 @@
       </p:sp>
       <p:sp>
         <p:nvSpPr>
-          <p:cNvPr id="4" name="TextBox 3">
+          <p:cNvPr id="6" name="TextBox 5">
             <a:extLst>
               <a:ext uri="{FF2B5EF4-FFF2-40B4-BE49-F238E27FC236}">
-                <a16:creationId xmlns:a16="http://schemas.microsoft.com/office/drawing/2014/main" id="{121833A6-B38A-2C42-1FD4-1B7965B98FE5}"/>
+                <a16:creationId xmlns:a16="http://schemas.microsoft.com/office/drawing/2014/main" id="{26A81BD9-9DFB-13E8-78E8-CB31FFF7AE26}"/>
               </a:ext>
             </a:extLst>
           </p:cNvPr>
@@ -15171,95 +15144,10 @@
           </a:p>
         </p:txBody>
       </p:sp>
-      <p:pic>
-        <p:nvPicPr>
-          <p:cNvPr id="13" name="Рисунок 12">
-            <a:extLst>
-              <a:ext uri="{FF2B5EF4-FFF2-40B4-BE49-F238E27FC236}">
-                <a16:creationId xmlns:a16="http://schemas.microsoft.com/office/drawing/2014/main" id="{221AC767-2D42-0137-0F5E-B0B21B47B863}"/>
-              </a:ext>
-            </a:extLst>
-          </p:cNvPr>
-          <p:cNvPicPr>
-            <a:picLocks noChangeAspect="1"/>
-          </p:cNvPicPr>
-          <p:nvPr/>
-        </p:nvPicPr>
-        <p:blipFill>
-          <a:blip r:embed="rId4"/>
-          <a:stretch>
-            <a:fillRect/>
-          </a:stretch>
-        </p:blipFill>
-        <p:spPr>
-          <a:xfrm>
-            <a:off x="976238" y="3287033"/>
-            <a:ext cx="3591706" cy="3169861"/>
-          </a:xfrm>
-          <a:prstGeom prst="rect">
-            <a:avLst/>
-          </a:prstGeom>
-          <a:ln w="38100" cap="sq">
-            <a:solidFill>
-              <a:schemeClr val="bg2">
-                <a:lumMod val="75000"/>
-              </a:schemeClr>
-            </a:solidFill>
-            <a:prstDash val="solid"/>
-            <a:miter lim="800000"/>
-          </a:ln>
-          <a:effectLst>
-            <a:outerShdw blurRad="50800" dist="38100" dir="2700000" algn="tl" rotWithShape="0">
-              <a:srgbClr val="000000">
-                <a:alpha val="43000"/>
-              </a:srgbClr>
-            </a:outerShdw>
-          </a:effectLst>
-        </p:spPr>
-      </p:pic>
-      <p:cxnSp>
-        <p:nvCxnSpPr>
-          <p:cNvPr id="15" name="Прямая со стрелкой 14">
-            <a:extLst>
-              <a:ext uri="{FF2B5EF4-FFF2-40B4-BE49-F238E27FC236}">
-                <a16:creationId xmlns:a16="http://schemas.microsoft.com/office/drawing/2014/main" id="{19B170FF-82B7-BF7D-7E38-4EA8B38D0A0D}"/>
-              </a:ext>
-            </a:extLst>
-          </p:cNvPr>
-          <p:cNvCxnSpPr/>
-          <p:nvPr/>
-        </p:nvCxnSpPr>
-        <p:spPr>
-          <a:xfrm>
-            <a:off x="529839" y="2230452"/>
-            <a:ext cx="828942" cy="1119499"/>
-          </a:xfrm>
-          <a:prstGeom prst="straightConnector1">
-            <a:avLst/>
-          </a:prstGeom>
-          <a:ln>
-            <a:tailEnd type="triangle"/>
-          </a:ln>
-        </p:spPr>
-        <p:style>
-          <a:lnRef idx="3">
-            <a:schemeClr val="accent1"/>
-          </a:lnRef>
-          <a:fillRef idx="0">
-            <a:schemeClr val="accent1"/>
-          </a:fillRef>
-          <a:effectRef idx="2">
-            <a:schemeClr val="accent1"/>
-          </a:effectRef>
-          <a:fontRef idx="minor">
-            <a:schemeClr val="tx1"/>
-          </a:fontRef>
-        </p:style>
-      </p:cxnSp>
     </p:spTree>
     <p:extLst>
       <p:ext uri="{BB962C8B-B14F-4D97-AF65-F5344CB8AC3E}">
-        <p14:creationId xmlns:p14="http://schemas.microsoft.com/office/powerpoint/2010/main" val="3124822085"/>
+        <p14:creationId xmlns:p14="http://schemas.microsoft.com/office/powerpoint/2010/main" val="2267591996"/>
       </p:ext>
     </p:extLst>
   </p:cSld>
@@ -15288,10 +15176,10 @@
       </p:grpSpPr>
       <p:sp>
         <p:nvSpPr>
-          <p:cNvPr id="2" name="TextBox 1">
+          <p:cNvPr id="3" name="TextBox 2">
             <a:extLst>
               <a:ext uri="{FF2B5EF4-FFF2-40B4-BE49-F238E27FC236}">
-                <a16:creationId xmlns:a16="http://schemas.microsoft.com/office/drawing/2014/main" id="{3BAA62E1-1AE9-4948-4ED2-755564414EE6}"/>
+                <a16:creationId xmlns:a16="http://schemas.microsoft.com/office/drawing/2014/main" id="{40329D57-974E-5DF3-2110-9052FBD09829}"/>
               </a:ext>
             </a:extLst>
           </p:cNvPr>
@@ -15300,8 +15188,8 @@
         </p:nvSpPr>
         <p:spPr>
           <a:xfrm>
-            <a:off x="3340215" y="108297"/>
-            <a:ext cx="6106884" cy="523220"/>
+            <a:off x="2536371" y="174562"/>
+            <a:ext cx="7119257" cy="954107"/>
           </a:xfrm>
           <a:prstGeom prst="rect">
             <a:avLst/>
@@ -15316,35 +15204,31 @@
           <a:p>
             <a:pPr algn="ctr"/>
             <a:r>
+              <a:rPr lang="en-US" sz="2800" dirty="0">
+                <a:latin typeface="Times New Roman"/>
+                <a:ea typeface="+mn-lt"/>
+                <a:cs typeface="+mn-lt"/>
+              </a:rPr>
+              <a:t>UML</a:t>
+            </a:r>
+            <a:r>
               <a:rPr lang="ru-RU" sz="2800" dirty="0">
                 <a:latin typeface="Times New Roman"/>
                 <a:ea typeface="+mn-lt"/>
                 <a:cs typeface="+mn-lt"/>
               </a:rPr>
-              <a:t>Загрузка данных из файла </a:t>
-            </a:r>
-            <a:r>
-              <a:rPr lang="en-US" sz="2800" dirty="0">
-                <a:latin typeface="Times New Roman"/>
-                <a:ea typeface="+mn-lt"/>
-                <a:cs typeface="+mn-lt"/>
-              </a:rPr>
-              <a:t>csv</a:t>
-            </a:r>
-            <a:endParaRPr lang="ru-RU" sz="2800" dirty="0">
-              <a:latin typeface="Times New Roman"/>
-              <a:ea typeface="+mn-lt"/>
-              <a:cs typeface="+mn-lt"/>
-            </a:endParaRPr>
+              <a:t>-диаграмма классов программного средства</a:t>
+            </a:r>
+            <a:endParaRPr lang="ru-RU" sz="2800" dirty="0"/>
           </a:p>
         </p:txBody>
       </p:sp>
       <p:pic>
         <p:nvPicPr>
-          <p:cNvPr id="4" name="Рисунок 3">
+          <p:cNvPr id="5" name="Рисунок 4">
             <a:extLst>
               <a:ext uri="{FF2B5EF4-FFF2-40B4-BE49-F238E27FC236}">
-                <a16:creationId xmlns:a16="http://schemas.microsoft.com/office/drawing/2014/main" id="{82D574D5-747B-427F-FDEC-77062D314165}"/>
+                <a16:creationId xmlns:a16="http://schemas.microsoft.com/office/drawing/2014/main" id="{0CAD9AA1-2A9C-FDC8-2CA6-B95253997D3F}"/>
               </a:ext>
             </a:extLst>
           </p:cNvPr>
@@ -15354,385 +15238,33 @@
           <p:nvPr/>
         </p:nvPicPr>
         <p:blipFill>
-          <a:blip r:embed="rId2"/>
+          <a:blip r:embed="rId2" cstate="print">
+            <a:extLst>
+              <a:ext uri="{28A0092B-C50C-407E-A947-70E740481C1C}">
+                <a14:useLocalDpi xmlns:a14="http://schemas.microsoft.com/office/drawing/2010/main" val="0"/>
+              </a:ext>
+            </a:extLst>
+          </a:blip>
           <a:stretch>
             <a:fillRect/>
           </a:stretch>
         </p:blipFill>
         <p:spPr>
           <a:xfrm>
-            <a:off x="4600865" y="826071"/>
-            <a:ext cx="3586933" cy="2005142"/>
+            <a:off x="3178626" y="1128669"/>
+            <a:ext cx="2917373" cy="5617825"/>
           </a:xfrm>
           <a:prstGeom prst="rect">
             <a:avLst/>
           </a:prstGeom>
-          <a:ln w="38100" cap="sq">
-            <a:solidFill>
-              <a:schemeClr val="bg2">
-                <a:lumMod val="75000"/>
-              </a:schemeClr>
-            </a:solidFill>
-            <a:prstDash val="solid"/>
-            <a:miter lim="800000"/>
-          </a:ln>
-          <a:effectLst>
-            <a:outerShdw blurRad="50800" dist="38100" dir="2700000" algn="tl" rotWithShape="0">
-              <a:srgbClr val="000000">
-                <a:alpha val="43000"/>
-              </a:srgbClr>
-            </a:outerShdw>
-          </a:effectLst>
         </p:spPr>
       </p:pic>
-      <p:pic>
-        <p:nvPicPr>
-          <p:cNvPr id="6" name="Рисунок 5">
+      <p:sp>
+        <p:nvSpPr>
+          <p:cNvPr id="7" name="Прямоугольник: скругленные углы 6">
             <a:extLst>
               <a:ext uri="{FF2B5EF4-FFF2-40B4-BE49-F238E27FC236}">
-                <a16:creationId xmlns:a16="http://schemas.microsoft.com/office/drawing/2014/main" id="{0C54ADF8-8F07-0514-E339-721136764DD2}"/>
-              </a:ext>
-            </a:extLst>
-          </p:cNvPr>
-          <p:cNvPicPr>
-            <a:picLocks noChangeAspect="1"/>
-          </p:cNvPicPr>
-          <p:nvPr/>
-        </p:nvPicPr>
-        <p:blipFill>
-          <a:blip r:embed="rId3"/>
-          <a:stretch>
-            <a:fillRect/>
-          </a:stretch>
-        </p:blipFill>
-        <p:spPr>
-          <a:xfrm>
-            <a:off x="399303" y="940847"/>
-            <a:ext cx="3230633" cy="978340"/>
-          </a:xfrm>
-          <a:prstGeom prst="rect">
-            <a:avLst/>
-          </a:prstGeom>
-          <a:ln w="38100" cap="sq">
-            <a:solidFill>
-              <a:schemeClr val="bg2">
-                <a:lumMod val="75000"/>
-              </a:schemeClr>
-            </a:solidFill>
-            <a:prstDash val="solid"/>
-            <a:miter lim="800000"/>
-          </a:ln>
-          <a:effectLst>
-            <a:outerShdw blurRad="50800" dist="38100" dir="2700000" algn="tl" rotWithShape="0">
-              <a:srgbClr val="000000">
-                <a:alpha val="43000"/>
-              </a:srgbClr>
-            </a:outerShdw>
-          </a:effectLst>
-        </p:spPr>
-      </p:pic>
-      <p:pic>
-        <p:nvPicPr>
-          <p:cNvPr id="8" name="Рисунок 7">
-            <a:extLst>
-              <a:ext uri="{FF2B5EF4-FFF2-40B4-BE49-F238E27FC236}">
-                <a16:creationId xmlns:a16="http://schemas.microsoft.com/office/drawing/2014/main" id="{A36D67F4-6E6A-F43E-AF36-92A146923532}"/>
-              </a:ext>
-            </a:extLst>
-          </p:cNvPr>
-          <p:cNvPicPr>
-            <a:picLocks noChangeAspect="1"/>
-          </p:cNvPicPr>
-          <p:nvPr/>
-        </p:nvPicPr>
-        <p:blipFill>
-          <a:blip r:embed="rId4"/>
-          <a:stretch>
-            <a:fillRect/>
-          </a:stretch>
-        </p:blipFill>
-        <p:spPr>
-          <a:xfrm>
-            <a:off x="1109359" y="2474990"/>
-            <a:ext cx="2230856" cy="1816074"/>
-          </a:xfrm>
-          <a:prstGeom prst="rect">
-            <a:avLst/>
-          </a:prstGeom>
-          <a:ln w="38100" cap="sq">
-            <a:solidFill>
-              <a:schemeClr val="bg2">
-                <a:lumMod val="75000"/>
-              </a:schemeClr>
-            </a:solidFill>
-            <a:prstDash val="solid"/>
-            <a:miter lim="800000"/>
-          </a:ln>
-          <a:effectLst>
-            <a:outerShdw blurRad="50800" dist="38100" dir="2700000" algn="tl" rotWithShape="0">
-              <a:srgbClr val="000000">
-                <a:alpha val="43000"/>
-              </a:srgbClr>
-            </a:outerShdw>
-          </a:effectLst>
-        </p:spPr>
-      </p:pic>
-      <p:pic>
-        <p:nvPicPr>
-          <p:cNvPr id="10" name="Рисунок 9">
-            <a:extLst>
-              <a:ext uri="{FF2B5EF4-FFF2-40B4-BE49-F238E27FC236}">
-                <a16:creationId xmlns:a16="http://schemas.microsoft.com/office/drawing/2014/main" id="{59FBBFCE-1148-1AFC-0569-60273505A4F8}"/>
-              </a:ext>
-            </a:extLst>
-          </p:cNvPr>
-          <p:cNvPicPr>
-            <a:picLocks noChangeAspect="1"/>
-          </p:cNvPicPr>
-          <p:nvPr/>
-        </p:nvPicPr>
-        <p:blipFill>
-          <a:blip r:embed="rId5"/>
-          <a:stretch>
-            <a:fillRect/>
-          </a:stretch>
-        </p:blipFill>
-        <p:spPr>
-          <a:xfrm>
-            <a:off x="359036" y="4701421"/>
-            <a:ext cx="2677536" cy="1123544"/>
-          </a:xfrm>
-          <a:prstGeom prst="rect">
-            <a:avLst/>
-          </a:prstGeom>
-          <a:ln w="38100" cap="sq">
-            <a:solidFill>
-              <a:schemeClr val="bg2">
-                <a:lumMod val="75000"/>
-              </a:schemeClr>
-            </a:solidFill>
-            <a:prstDash val="solid"/>
-            <a:miter lim="800000"/>
-          </a:ln>
-          <a:effectLst>
-            <a:outerShdw blurRad="50800" dist="38100" dir="2700000" algn="tl" rotWithShape="0">
-              <a:srgbClr val="000000">
-                <a:alpha val="43000"/>
-              </a:srgbClr>
-            </a:outerShdw>
-          </a:effectLst>
-        </p:spPr>
-      </p:pic>
-      <p:cxnSp>
-        <p:nvCxnSpPr>
-          <p:cNvPr id="18" name="Прямая со стрелкой 17">
-            <a:extLst>
-              <a:ext uri="{FF2B5EF4-FFF2-40B4-BE49-F238E27FC236}">
-                <a16:creationId xmlns:a16="http://schemas.microsoft.com/office/drawing/2014/main" id="{B5C133D2-BF9D-E95C-7517-7FEF84FCAB91}"/>
-              </a:ext>
-            </a:extLst>
-          </p:cNvPr>
-          <p:cNvCxnSpPr/>
-          <p:nvPr/>
-        </p:nvCxnSpPr>
-        <p:spPr>
-          <a:xfrm>
-            <a:off x="3629936" y="1582615"/>
-            <a:ext cx="1153079" cy="606670"/>
-          </a:xfrm>
-          <a:prstGeom prst="straightConnector1">
-            <a:avLst/>
-          </a:prstGeom>
-          <a:ln>
-            <a:tailEnd type="triangle"/>
-          </a:ln>
-        </p:spPr>
-        <p:style>
-          <a:lnRef idx="3">
-            <a:schemeClr val="accent1"/>
-          </a:lnRef>
-          <a:fillRef idx="0">
-            <a:schemeClr val="accent1"/>
-          </a:fillRef>
-          <a:effectRef idx="2">
-            <a:schemeClr val="accent1"/>
-          </a:effectRef>
-          <a:fontRef idx="minor">
-            <a:schemeClr val="tx1"/>
-          </a:fontRef>
-        </p:style>
-      </p:cxnSp>
-      <p:cxnSp>
-        <p:nvCxnSpPr>
-          <p:cNvPr id="22" name="Прямая со стрелкой 21">
-            <a:extLst>
-              <a:ext uri="{FF2B5EF4-FFF2-40B4-BE49-F238E27FC236}">
-                <a16:creationId xmlns:a16="http://schemas.microsoft.com/office/drawing/2014/main" id="{47295B70-1378-5E10-697E-2EF7C79A1F93}"/>
-              </a:ext>
-            </a:extLst>
-          </p:cNvPr>
-          <p:cNvCxnSpPr/>
-          <p:nvPr/>
-        </p:nvCxnSpPr>
-        <p:spPr>
-          <a:xfrm flipH="1">
-            <a:off x="3270738" y="2356338"/>
-            <a:ext cx="1451060" cy="439616"/>
-          </a:xfrm>
-          <a:prstGeom prst="straightConnector1">
-            <a:avLst/>
-          </a:prstGeom>
-          <a:ln>
-            <a:tailEnd type="triangle"/>
-          </a:ln>
-        </p:spPr>
-        <p:style>
-          <a:lnRef idx="3">
-            <a:schemeClr val="accent1"/>
-          </a:lnRef>
-          <a:fillRef idx="0">
-            <a:schemeClr val="accent1"/>
-          </a:fillRef>
-          <a:effectRef idx="2">
-            <a:schemeClr val="accent1"/>
-          </a:effectRef>
-          <a:fontRef idx="minor">
-            <a:schemeClr val="tx1"/>
-          </a:fontRef>
-        </p:style>
-      </p:cxnSp>
-      <p:cxnSp>
-        <p:nvCxnSpPr>
-          <p:cNvPr id="24" name="Прямая со стрелкой 23">
-            <a:extLst>
-              <a:ext uri="{FF2B5EF4-FFF2-40B4-BE49-F238E27FC236}">
-                <a16:creationId xmlns:a16="http://schemas.microsoft.com/office/drawing/2014/main" id="{1DD6D987-2FFA-14F5-0908-AB8BAC7BE77B}"/>
-              </a:ext>
-            </a:extLst>
-          </p:cNvPr>
-          <p:cNvCxnSpPr>
-            <a:cxnSpLocks/>
-          </p:cNvCxnSpPr>
-          <p:nvPr/>
-        </p:nvCxnSpPr>
-        <p:spPr>
-          <a:xfrm flipH="1">
-            <a:off x="1109359" y="4097215"/>
-            <a:ext cx="1255772" cy="677008"/>
-          </a:xfrm>
-          <a:prstGeom prst="straightConnector1">
-            <a:avLst/>
-          </a:prstGeom>
-          <a:ln>
-            <a:tailEnd type="triangle"/>
-          </a:ln>
-        </p:spPr>
-        <p:style>
-          <a:lnRef idx="3">
-            <a:schemeClr val="accent1"/>
-          </a:lnRef>
-          <a:fillRef idx="0">
-            <a:schemeClr val="accent1"/>
-          </a:fillRef>
-          <a:effectRef idx="2">
-            <a:schemeClr val="accent1"/>
-          </a:effectRef>
-          <a:fontRef idx="minor">
-            <a:schemeClr val="tx1"/>
-          </a:fontRef>
-        </p:style>
-      </p:cxnSp>
-      <p:pic>
-        <p:nvPicPr>
-          <p:cNvPr id="5" name="Рисунок 4">
-            <a:extLst>
-              <a:ext uri="{FF2B5EF4-FFF2-40B4-BE49-F238E27FC236}">
-                <a16:creationId xmlns:a16="http://schemas.microsoft.com/office/drawing/2014/main" id="{8FD5CAF8-C1A7-B3AE-C366-5E3CCF644840}"/>
-              </a:ext>
-            </a:extLst>
-          </p:cNvPr>
-          <p:cNvPicPr>
-            <a:picLocks noChangeAspect="1"/>
-          </p:cNvPicPr>
-          <p:nvPr/>
-        </p:nvPicPr>
-        <p:blipFill>
-          <a:blip r:embed="rId6"/>
-          <a:stretch>
-            <a:fillRect/>
-          </a:stretch>
-        </p:blipFill>
-        <p:spPr>
-          <a:xfrm>
-            <a:off x="3996268" y="3081936"/>
-            <a:ext cx="1832201" cy="3562612"/>
-          </a:xfrm>
-          <a:prstGeom prst="rect">
-            <a:avLst/>
-          </a:prstGeom>
-          <a:ln w="38100" cap="sq">
-            <a:solidFill>
-              <a:schemeClr val="bg2">
-                <a:lumMod val="75000"/>
-              </a:schemeClr>
-            </a:solidFill>
-            <a:prstDash val="solid"/>
-            <a:miter lim="800000"/>
-          </a:ln>
-          <a:effectLst>
-            <a:outerShdw blurRad="50800" dist="38100" dir="2700000" algn="tl" rotWithShape="0">
-              <a:srgbClr val="000000">
-                <a:alpha val="43000"/>
-              </a:srgbClr>
-            </a:outerShdw>
-          </a:effectLst>
-        </p:spPr>
-      </p:pic>
-      <p:cxnSp>
-        <p:nvCxnSpPr>
-          <p:cNvPr id="9" name="Прямая со стрелкой 8">
-            <a:extLst>
-              <a:ext uri="{FF2B5EF4-FFF2-40B4-BE49-F238E27FC236}">
-                <a16:creationId xmlns:a16="http://schemas.microsoft.com/office/drawing/2014/main" id="{3F280520-A001-F1DC-1A0C-B461A8CA167E}"/>
-              </a:ext>
-            </a:extLst>
-          </p:cNvPr>
-          <p:cNvCxnSpPr/>
-          <p:nvPr/>
-        </p:nvCxnSpPr>
-        <p:spPr>
-          <a:xfrm>
-            <a:off x="2905570" y="5110385"/>
-            <a:ext cx="1239140" cy="264920"/>
-          </a:xfrm>
-          <a:prstGeom prst="straightConnector1">
-            <a:avLst/>
-          </a:prstGeom>
-          <a:ln>
-            <a:tailEnd type="triangle"/>
-          </a:ln>
-        </p:spPr>
-        <p:style>
-          <a:lnRef idx="3">
-            <a:schemeClr val="accent1"/>
-          </a:lnRef>
-          <a:fillRef idx="0">
-            <a:schemeClr val="accent1"/>
-          </a:fillRef>
-          <a:effectRef idx="2">
-            <a:schemeClr val="accent1"/>
-          </a:effectRef>
-          <a:fontRef idx="minor">
-            <a:schemeClr val="tx1"/>
-          </a:fontRef>
-        </p:style>
-      </p:cxnSp>
-      <p:sp>
-        <p:nvSpPr>
-          <p:cNvPr id="13" name="Прямоугольник: скругленные углы 12">
-            <a:extLst>
-              <a:ext uri="{FF2B5EF4-FFF2-40B4-BE49-F238E27FC236}">
-                <a16:creationId xmlns:a16="http://schemas.microsoft.com/office/drawing/2014/main" id="{D2EA9CB7-0DDB-8199-2B5C-C741C6A663AF}"/>
+                <a16:creationId xmlns:a16="http://schemas.microsoft.com/office/drawing/2014/main" id="{41270650-856F-F69D-D2B3-DFA4AC6D2CC5}"/>
               </a:ext>
             </a:extLst>
           </p:cNvPr>
@@ -15773,10 +15305,10 @@
       </p:sp>
       <p:sp>
         <p:nvSpPr>
-          <p:cNvPr id="15" name="TextBox 14">
+          <p:cNvPr id="8" name="TextBox 7">
             <a:extLst>
               <a:ext uri="{FF2B5EF4-FFF2-40B4-BE49-F238E27FC236}">
-                <a16:creationId xmlns:a16="http://schemas.microsoft.com/office/drawing/2014/main" id="{B222C4CB-F8CB-D001-9E25-F4DDB6243258}"/>
+                <a16:creationId xmlns:a16="http://schemas.microsoft.com/office/drawing/2014/main" id="{8DF78A8A-BDD9-9804-2EBE-9EE46D4C75F6}"/>
               </a:ext>
             </a:extLst>
           </p:cNvPr>
@@ -15815,95 +15347,10 @@
           </a:p>
         </p:txBody>
       </p:sp>
-      <p:pic>
-        <p:nvPicPr>
-          <p:cNvPr id="19" name="Рисунок 18">
-            <a:extLst>
-              <a:ext uri="{FF2B5EF4-FFF2-40B4-BE49-F238E27FC236}">
-                <a16:creationId xmlns:a16="http://schemas.microsoft.com/office/drawing/2014/main" id="{2A17DE9F-40C5-051D-8031-E6C99AA174B9}"/>
-              </a:ext>
-            </a:extLst>
-          </p:cNvPr>
-          <p:cNvPicPr>
-            <a:picLocks noChangeAspect="1"/>
-          </p:cNvPicPr>
-          <p:nvPr/>
-        </p:nvPicPr>
-        <p:blipFill>
-          <a:blip r:embed="rId7"/>
-          <a:stretch>
-            <a:fillRect/>
-          </a:stretch>
-        </p:blipFill>
-        <p:spPr>
-          <a:xfrm>
-            <a:off x="6614922" y="2974873"/>
-            <a:ext cx="5414204" cy="3776737"/>
-          </a:xfrm>
-          <a:prstGeom prst="rect">
-            <a:avLst/>
-          </a:prstGeom>
-          <a:ln w="38100" cap="sq">
-            <a:solidFill>
-              <a:schemeClr val="bg2">
-                <a:lumMod val="75000"/>
-              </a:schemeClr>
-            </a:solidFill>
-            <a:prstDash val="solid"/>
-            <a:miter lim="800000"/>
-          </a:ln>
-          <a:effectLst>
-            <a:outerShdw blurRad="50800" dist="38100" dir="2700000" algn="tl" rotWithShape="0">
-              <a:srgbClr val="000000">
-                <a:alpha val="43000"/>
-              </a:srgbClr>
-            </a:outerShdw>
-          </a:effectLst>
-        </p:spPr>
-      </p:pic>
-      <p:cxnSp>
-        <p:nvCxnSpPr>
-          <p:cNvPr id="21" name="Прямая со стрелкой 20">
-            <a:extLst>
-              <a:ext uri="{FF2B5EF4-FFF2-40B4-BE49-F238E27FC236}">
-                <a16:creationId xmlns:a16="http://schemas.microsoft.com/office/drawing/2014/main" id="{55C010DB-5647-CD3E-8602-A0A65CB87CAC}"/>
-              </a:ext>
-            </a:extLst>
-          </p:cNvPr>
-          <p:cNvCxnSpPr/>
-          <p:nvPr/>
-        </p:nvCxnSpPr>
-        <p:spPr>
-          <a:xfrm flipV="1">
-            <a:off x="5734228" y="5033473"/>
-            <a:ext cx="991312" cy="209372"/>
-          </a:xfrm>
-          <a:prstGeom prst="straightConnector1">
-            <a:avLst/>
-          </a:prstGeom>
-          <a:ln>
-            <a:tailEnd type="triangle"/>
-          </a:ln>
-        </p:spPr>
-        <p:style>
-          <a:lnRef idx="3">
-            <a:schemeClr val="accent1"/>
-          </a:lnRef>
-          <a:fillRef idx="0">
-            <a:schemeClr val="accent1"/>
-          </a:fillRef>
-          <a:effectRef idx="2">
-            <a:schemeClr val="accent1"/>
-          </a:effectRef>
-          <a:fontRef idx="minor">
-            <a:schemeClr val="tx1"/>
-          </a:fontRef>
-        </p:style>
-      </p:cxnSp>
     </p:spTree>
     <p:extLst>
       <p:ext uri="{BB962C8B-B14F-4D97-AF65-F5344CB8AC3E}">
-        <p14:creationId xmlns:p14="http://schemas.microsoft.com/office/powerpoint/2010/main" val="3002182876"/>
+        <p14:creationId xmlns:p14="http://schemas.microsoft.com/office/powerpoint/2010/main" val="1065390783"/>
       </p:ext>
     </p:extLst>
   </p:cSld>
@@ -15932,10 +15379,10 @@
       </p:grpSpPr>
       <p:sp>
         <p:nvSpPr>
-          <p:cNvPr id="2" name="TextBox 1">
+          <p:cNvPr id="3" name="TextBox 2">
             <a:extLst>
               <a:ext uri="{FF2B5EF4-FFF2-40B4-BE49-F238E27FC236}">
-                <a16:creationId xmlns:a16="http://schemas.microsoft.com/office/drawing/2014/main" id="{AB612B0B-C6E3-52A8-E889-FA39FFA898D2}"/>
+                <a16:creationId xmlns:a16="http://schemas.microsoft.com/office/drawing/2014/main" id="{CDA10D64-3DA3-E510-EBAC-3D7BB0036B8C}"/>
               </a:ext>
             </a:extLst>
           </p:cNvPr>
@@ -15944,8 +15391,8 @@
         </p:nvSpPr>
         <p:spPr>
           <a:xfrm>
-            <a:off x="2005065" y="65201"/>
-            <a:ext cx="8181870" cy="523220"/>
+            <a:off x="3042558" y="111721"/>
+            <a:ext cx="6106884" cy="523220"/>
           </a:xfrm>
           <a:prstGeom prst="rect">
             <a:avLst/>
@@ -15965,33 +15412,17 @@
                 <a:ea typeface="+mn-lt"/>
                 <a:cs typeface="+mn-lt"/>
               </a:rPr>
-              <a:t>Выгрузка результатов моделирования в </a:t>
-            </a:r>
-            <a:r>
-              <a:rPr lang="en-US" sz="2800" dirty="0">
-                <a:latin typeface="Times New Roman"/>
-                <a:ea typeface="+mn-lt"/>
-                <a:cs typeface="+mn-lt"/>
-              </a:rPr>
-              <a:t>Excel </a:t>
-            </a:r>
-            <a:r>
-              <a:rPr lang="ru-RU" sz="2800" dirty="0">
-                <a:latin typeface="Times New Roman"/>
-                <a:ea typeface="+mn-lt"/>
-                <a:cs typeface="+mn-lt"/>
-              </a:rPr>
-              <a:t>файл</a:t>
+              <a:t>Главное окно</a:t>
             </a:r>
           </a:p>
         </p:txBody>
       </p:sp>
       <p:pic>
         <p:nvPicPr>
-          <p:cNvPr id="6" name="Рисунок 5">
+          <p:cNvPr id="8" name="Рисунок 7">
             <a:extLst>
               <a:ext uri="{FF2B5EF4-FFF2-40B4-BE49-F238E27FC236}">
-                <a16:creationId xmlns:a16="http://schemas.microsoft.com/office/drawing/2014/main" id="{7C4AE680-C98C-8E67-8A38-1E0EB0E3A0AD}"/>
+                <a16:creationId xmlns:a16="http://schemas.microsoft.com/office/drawing/2014/main" id="{032C7392-B1D9-F6BE-9DCB-9D67BEB17D68}"/>
               </a:ext>
             </a:extLst>
           </p:cNvPr>
@@ -16008,8 +15439,8 @@
         </p:blipFill>
         <p:spPr>
           <a:xfrm>
-            <a:off x="162478" y="834268"/>
-            <a:ext cx="2983091" cy="703063"/>
+            <a:off x="329412" y="715480"/>
+            <a:ext cx="6457785" cy="3471312"/>
           </a:xfrm>
           <a:prstGeom prst="rect">
             <a:avLst/>
@@ -16034,10 +15465,10 @@
       </p:pic>
       <p:pic>
         <p:nvPicPr>
-          <p:cNvPr id="8" name="Рисунок 7">
+          <p:cNvPr id="10" name="Рисунок 9">
             <a:extLst>
               <a:ext uri="{FF2B5EF4-FFF2-40B4-BE49-F238E27FC236}">
-                <a16:creationId xmlns:a16="http://schemas.microsoft.com/office/drawing/2014/main" id="{48CB51D8-A702-2BD3-C99F-79071448860F}"/>
+                <a16:creationId xmlns:a16="http://schemas.microsoft.com/office/drawing/2014/main" id="{EBC93357-7635-42AB-14A9-C789616EDDE3}"/>
               </a:ext>
             </a:extLst>
           </p:cNvPr>
@@ -16054,8 +15485,8 @@
         </p:blipFill>
         <p:spPr>
           <a:xfrm>
-            <a:off x="3539621" y="1172058"/>
-            <a:ext cx="4178430" cy="2344763"/>
+            <a:off x="5424513" y="2862843"/>
+            <a:ext cx="6438075" cy="3471312"/>
           </a:xfrm>
           <a:prstGeom prst="rect">
             <a:avLst/>
@@ -16078,12 +15509,100 @@
           </a:effectLst>
         </p:spPr>
       </p:pic>
+      <p:sp>
+        <p:nvSpPr>
+          <p:cNvPr id="2" name="Прямоугольник: скругленные углы 1">
+            <a:extLst>
+              <a:ext uri="{FF2B5EF4-FFF2-40B4-BE49-F238E27FC236}">
+                <a16:creationId xmlns:a16="http://schemas.microsoft.com/office/drawing/2014/main" id="{43E9638E-1970-DAEC-71D1-5D351C2F5226}"/>
+              </a:ext>
+            </a:extLst>
+          </p:cNvPr>
+          <p:cNvSpPr/>
+          <p:nvPr/>
+        </p:nvSpPr>
+        <p:spPr>
+          <a:xfrm>
+            <a:off x="11614932" y="102645"/>
+            <a:ext cx="452927" cy="461665"/>
+          </a:xfrm>
+          <a:prstGeom prst="roundRect">
+            <a:avLst/>
+          </a:prstGeom>
+        </p:spPr>
+        <p:style>
+          <a:lnRef idx="0">
+            <a:schemeClr val="accent1"/>
+          </a:lnRef>
+          <a:fillRef idx="3">
+            <a:schemeClr val="accent1"/>
+          </a:fillRef>
+          <a:effectRef idx="3">
+            <a:schemeClr val="accent1"/>
+          </a:effectRef>
+          <a:fontRef idx="minor">
+            <a:schemeClr val="lt1"/>
+          </a:fontRef>
+        </p:style>
+        <p:txBody>
+          <a:bodyPr rtlCol="0" anchor="ctr"/>
+          <a:lstStyle/>
+          <a:p>
+            <a:pPr algn="ctr"/>
+            <a:endParaRPr lang="ru-RU"/>
+          </a:p>
+        </p:txBody>
+      </p:sp>
+      <p:sp>
+        <p:nvSpPr>
+          <p:cNvPr id="4" name="TextBox 3">
+            <a:extLst>
+              <a:ext uri="{FF2B5EF4-FFF2-40B4-BE49-F238E27FC236}">
+                <a16:creationId xmlns:a16="http://schemas.microsoft.com/office/drawing/2014/main" id="{121833A6-B38A-2C42-1FD4-1B7965B98FE5}"/>
+              </a:ext>
+            </a:extLst>
+          </p:cNvPr>
+          <p:cNvSpPr txBox="1"/>
+          <p:nvPr/>
+        </p:nvSpPr>
+        <p:spPr>
+          <a:xfrm>
+            <a:off x="11580137" y="102645"/>
+            <a:ext cx="522515" cy="461665"/>
+          </a:xfrm>
+          <a:prstGeom prst="rect">
+            <a:avLst/>
+          </a:prstGeom>
+          <a:noFill/>
+        </p:spPr>
+        <p:txBody>
+          <a:bodyPr wrap="square" rtlCol="0">
+            <a:spAutoFit/>
+          </a:bodyPr>
+          <a:lstStyle/>
+          <a:p>
+            <a:r>
+              <a:rPr lang="ru-RU" sz="2400" dirty="0">
+                <a:ln w="0"/>
+                <a:effectLst>
+                  <a:outerShdw blurRad="38100" dist="19050" dir="2700000" algn="tl" rotWithShape="0">
+                    <a:schemeClr val="dk1">
+                      <a:alpha val="40000"/>
+                    </a:schemeClr>
+                  </a:outerShdw>
+                </a:effectLst>
+              </a:rPr>
+              <a:t>19</a:t>
+            </a:r>
+          </a:p>
+        </p:txBody>
+      </p:sp>
       <p:pic>
         <p:nvPicPr>
-          <p:cNvPr id="10" name="Рисунок 9">
+          <p:cNvPr id="13" name="Рисунок 12">
             <a:extLst>
               <a:ext uri="{FF2B5EF4-FFF2-40B4-BE49-F238E27FC236}">
-                <a16:creationId xmlns:a16="http://schemas.microsoft.com/office/drawing/2014/main" id="{0682A5E2-9163-178F-9BDC-2E7028258D43}"/>
+                <a16:creationId xmlns:a16="http://schemas.microsoft.com/office/drawing/2014/main" id="{221AC767-2D42-0137-0F5E-B0B21B47B863}"/>
               </a:ext>
             </a:extLst>
           </p:cNvPr>
@@ -16100,8 +15619,8 @@
         </p:blipFill>
         <p:spPr>
           <a:xfrm>
-            <a:off x="7891175" y="1069366"/>
-            <a:ext cx="2209218" cy="1059022"/>
+            <a:off x="976238" y="3287033"/>
+            <a:ext cx="3591706" cy="3169861"/>
           </a:xfrm>
           <a:prstGeom prst="rect">
             <a:avLst/>
@@ -16124,104 +15643,12 @@
           </a:effectLst>
         </p:spPr>
       </p:pic>
-      <p:pic>
-        <p:nvPicPr>
-          <p:cNvPr id="12" name="Рисунок 11">
+      <p:cxnSp>
+        <p:nvCxnSpPr>
+          <p:cNvPr id="15" name="Прямая со стрелкой 14">
             <a:extLst>
               <a:ext uri="{FF2B5EF4-FFF2-40B4-BE49-F238E27FC236}">
-                <a16:creationId xmlns:a16="http://schemas.microsoft.com/office/drawing/2014/main" id="{08B64371-8AA3-CF18-5AF6-7A8E8C27187A}"/>
-              </a:ext>
-            </a:extLst>
-          </p:cNvPr>
-          <p:cNvPicPr>
-            <a:picLocks noChangeAspect="1"/>
-          </p:cNvPicPr>
-          <p:nvPr/>
-        </p:nvPicPr>
-        <p:blipFill>
-          <a:blip r:embed="rId5"/>
-          <a:stretch>
-            <a:fillRect/>
-          </a:stretch>
-        </p:blipFill>
-        <p:spPr>
-          <a:xfrm>
-            <a:off x="7891175" y="2453804"/>
-            <a:ext cx="4178430" cy="714315"/>
-          </a:xfrm>
-          <a:prstGeom prst="rect">
-            <a:avLst/>
-          </a:prstGeom>
-          <a:ln w="38100" cap="sq">
-            <a:solidFill>
-              <a:schemeClr val="bg2">
-                <a:lumMod val="75000"/>
-              </a:schemeClr>
-            </a:solidFill>
-            <a:prstDash val="solid"/>
-            <a:miter lim="800000"/>
-          </a:ln>
-          <a:effectLst>
-            <a:outerShdw blurRad="50800" dist="38100" dir="2700000" algn="tl" rotWithShape="0">
-              <a:srgbClr val="000000">
-                <a:alpha val="43000"/>
-              </a:srgbClr>
-            </a:outerShdw>
-          </a:effectLst>
-        </p:spPr>
-      </p:pic>
-      <p:pic>
-        <p:nvPicPr>
-          <p:cNvPr id="14" name="Рисунок 13">
-            <a:extLst>
-              <a:ext uri="{FF2B5EF4-FFF2-40B4-BE49-F238E27FC236}">
-                <a16:creationId xmlns:a16="http://schemas.microsoft.com/office/drawing/2014/main" id="{1DE1360E-F479-652B-3277-1CCAC828C8E3}"/>
-              </a:ext>
-            </a:extLst>
-          </p:cNvPr>
-          <p:cNvPicPr>
-            <a:picLocks noChangeAspect="1"/>
-          </p:cNvPicPr>
-          <p:nvPr/>
-        </p:nvPicPr>
-        <p:blipFill>
-          <a:blip r:embed="rId6"/>
-          <a:stretch>
-            <a:fillRect/>
-          </a:stretch>
-        </p:blipFill>
-        <p:spPr>
-          <a:xfrm>
-            <a:off x="8018850" y="3790275"/>
-            <a:ext cx="3805615" cy="1614106"/>
-          </a:xfrm>
-          <a:prstGeom prst="rect">
-            <a:avLst/>
-          </a:prstGeom>
-          <a:ln w="38100" cap="sq">
-            <a:solidFill>
-              <a:schemeClr val="bg2">
-                <a:lumMod val="75000"/>
-              </a:schemeClr>
-            </a:solidFill>
-            <a:prstDash val="solid"/>
-            <a:miter lim="800000"/>
-          </a:ln>
-          <a:effectLst>
-            <a:outerShdw blurRad="50800" dist="38100" dir="2700000" algn="tl" rotWithShape="0">
-              <a:srgbClr val="000000">
-                <a:alpha val="43000"/>
-              </a:srgbClr>
-            </a:outerShdw>
-          </a:effectLst>
-        </p:spPr>
-      </p:pic>
-      <p:cxnSp>
-        <p:nvCxnSpPr>
-          <p:cNvPr id="18" name="Прямая со стрелкой 17">
-            <a:extLst>
-              <a:ext uri="{FF2B5EF4-FFF2-40B4-BE49-F238E27FC236}">
-                <a16:creationId xmlns:a16="http://schemas.microsoft.com/office/drawing/2014/main" id="{5BF9CAA8-C9D0-3181-11FE-FA98679A54D8}"/>
+                <a16:creationId xmlns:a16="http://schemas.microsoft.com/office/drawing/2014/main" id="{19B170FF-82B7-BF7D-7E38-4EA8B38D0A0D}"/>
               </a:ext>
             </a:extLst>
           </p:cNvPr>
@@ -16230,474 +15657,8 @@
         </p:nvCxnSpPr>
         <p:spPr>
           <a:xfrm>
-            <a:off x="3055139" y="1080292"/>
-            <a:ext cx="808892" cy="492369"/>
-          </a:xfrm>
-          <a:prstGeom prst="straightConnector1">
-            <a:avLst/>
-          </a:prstGeom>
-          <a:ln>
-            <a:tailEnd type="triangle"/>
-          </a:ln>
-        </p:spPr>
-        <p:style>
-          <a:lnRef idx="3">
-            <a:schemeClr val="accent1"/>
-          </a:lnRef>
-          <a:fillRef idx="0">
-            <a:schemeClr val="accent1"/>
-          </a:fillRef>
-          <a:effectRef idx="2">
-            <a:schemeClr val="accent1"/>
-          </a:effectRef>
-          <a:fontRef idx="minor">
-            <a:schemeClr val="tx1"/>
-          </a:fontRef>
-        </p:style>
-      </p:cxnSp>
-      <p:cxnSp>
-        <p:nvCxnSpPr>
-          <p:cNvPr id="20" name="Прямая со стрелкой 19">
-            <a:extLst>
-              <a:ext uri="{FF2B5EF4-FFF2-40B4-BE49-F238E27FC236}">
-                <a16:creationId xmlns:a16="http://schemas.microsoft.com/office/drawing/2014/main" id="{48E6ED89-7AAE-3BAD-F274-3AC09F3DC7FC}"/>
-              </a:ext>
-            </a:extLst>
-          </p:cNvPr>
-          <p:cNvCxnSpPr/>
-          <p:nvPr/>
-        </p:nvCxnSpPr>
-        <p:spPr>
-          <a:xfrm>
-            <a:off x="7425886" y="1792307"/>
-            <a:ext cx="810570" cy="0"/>
-          </a:xfrm>
-          <a:prstGeom prst="straightConnector1">
-            <a:avLst/>
-          </a:prstGeom>
-          <a:ln>
-            <a:tailEnd type="triangle"/>
-          </a:ln>
-        </p:spPr>
-        <p:style>
-          <a:lnRef idx="3">
-            <a:schemeClr val="accent1"/>
-          </a:lnRef>
-          <a:fillRef idx="0">
-            <a:schemeClr val="accent1"/>
-          </a:fillRef>
-          <a:effectRef idx="2">
-            <a:schemeClr val="accent1"/>
-          </a:effectRef>
-          <a:fontRef idx="minor">
-            <a:schemeClr val="tx1"/>
-          </a:fontRef>
-        </p:style>
-      </p:cxnSp>
-      <p:cxnSp>
-        <p:nvCxnSpPr>
-          <p:cNvPr id="22" name="Прямая со стрелкой 21">
-            <a:extLst>
-              <a:ext uri="{FF2B5EF4-FFF2-40B4-BE49-F238E27FC236}">
-                <a16:creationId xmlns:a16="http://schemas.microsoft.com/office/drawing/2014/main" id="{C899677C-9AE6-8C49-C5F5-06136CBD0118}"/>
-              </a:ext>
-            </a:extLst>
-          </p:cNvPr>
-          <p:cNvCxnSpPr/>
-          <p:nvPr/>
-        </p:nvCxnSpPr>
-        <p:spPr>
-          <a:xfrm>
-            <a:off x="8695592" y="2013438"/>
-            <a:ext cx="300192" cy="641839"/>
-          </a:xfrm>
-          <a:prstGeom prst="straightConnector1">
-            <a:avLst/>
-          </a:prstGeom>
-          <a:ln>
-            <a:tailEnd type="triangle"/>
-          </a:ln>
-        </p:spPr>
-        <p:style>
-          <a:lnRef idx="3">
-            <a:schemeClr val="accent1"/>
-          </a:lnRef>
-          <a:fillRef idx="0">
-            <a:schemeClr val="accent1"/>
-          </a:fillRef>
-          <a:effectRef idx="2">
-            <a:schemeClr val="accent1"/>
-          </a:effectRef>
-          <a:fontRef idx="minor">
-            <a:schemeClr val="tx1"/>
-          </a:fontRef>
-        </p:style>
-      </p:cxnSp>
-      <p:cxnSp>
-        <p:nvCxnSpPr>
-          <p:cNvPr id="24" name="Прямая со стрелкой 23">
-            <a:extLst>
-              <a:ext uri="{FF2B5EF4-FFF2-40B4-BE49-F238E27FC236}">
-                <a16:creationId xmlns:a16="http://schemas.microsoft.com/office/drawing/2014/main" id="{B1920CCE-B0BF-9A9D-7AEE-ACE4AF2639C5}"/>
-              </a:ext>
-            </a:extLst>
-          </p:cNvPr>
-          <p:cNvCxnSpPr/>
-          <p:nvPr/>
-        </p:nvCxnSpPr>
-        <p:spPr>
-          <a:xfrm>
-            <a:off x="9539654" y="3050931"/>
-            <a:ext cx="307731" cy="817684"/>
-          </a:xfrm>
-          <a:prstGeom prst="straightConnector1">
-            <a:avLst/>
-          </a:prstGeom>
-          <a:ln>
-            <a:tailEnd type="triangle"/>
-          </a:ln>
-        </p:spPr>
-        <p:style>
-          <a:lnRef idx="3">
-            <a:schemeClr val="accent1"/>
-          </a:lnRef>
-          <a:fillRef idx="0">
-            <a:schemeClr val="accent1"/>
-          </a:fillRef>
-          <a:effectRef idx="2">
-            <a:schemeClr val="accent1"/>
-          </a:effectRef>
-          <a:fontRef idx="minor">
-            <a:schemeClr val="tx1"/>
-          </a:fontRef>
-        </p:style>
-      </p:cxnSp>
-      <p:pic>
-        <p:nvPicPr>
-          <p:cNvPr id="26" name="Рисунок 25">
-            <a:extLst>
-              <a:ext uri="{FF2B5EF4-FFF2-40B4-BE49-F238E27FC236}">
-                <a16:creationId xmlns:a16="http://schemas.microsoft.com/office/drawing/2014/main" id="{24272B50-9D0F-F9E7-5254-9B11EB18781C}"/>
-              </a:ext>
-            </a:extLst>
-          </p:cNvPr>
-          <p:cNvPicPr>
-            <a:picLocks noChangeAspect="1"/>
-          </p:cNvPicPr>
-          <p:nvPr/>
-        </p:nvPicPr>
-        <p:blipFill>
-          <a:blip r:embed="rId7"/>
-          <a:stretch>
-            <a:fillRect/>
-          </a:stretch>
-        </p:blipFill>
-        <p:spPr>
-          <a:xfrm>
-            <a:off x="7831171" y="5975751"/>
-            <a:ext cx="4324954" cy="695422"/>
-          </a:xfrm>
-          <a:prstGeom prst="rect">
-            <a:avLst/>
-          </a:prstGeom>
-          <a:ln w="38100" cap="sq">
-            <a:solidFill>
-              <a:schemeClr val="bg2">
-                <a:lumMod val="75000"/>
-              </a:schemeClr>
-            </a:solidFill>
-            <a:prstDash val="solid"/>
-            <a:miter lim="800000"/>
-          </a:ln>
-          <a:effectLst>
-            <a:outerShdw blurRad="50800" dist="38100" dir="2700000" algn="tl" rotWithShape="0">
-              <a:srgbClr val="000000">
-                <a:alpha val="43000"/>
-              </a:srgbClr>
-            </a:outerShdw>
-          </a:effectLst>
-        </p:spPr>
-      </p:pic>
-      <p:cxnSp>
-        <p:nvCxnSpPr>
-          <p:cNvPr id="28" name="Прямая со стрелкой 27">
-            <a:extLst>
-              <a:ext uri="{FF2B5EF4-FFF2-40B4-BE49-F238E27FC236}">
-                <a16:creationId xmlns:a16="http://schemas.microsoft.com/office/drawing/2014/main" id="{2671656E-2A70-C535-CA2A-251F58628198}"/>
-              </a:ext>
-            </a:extLst>
-          </p:cNvPr>
-          <p:cNvCxnSpPr>
-            <a:cxnSpLocks/>
-          </p:cNvCxnSpPr>
-          <p:nvPr/>
-        </p:nvCxnSpPr>
-        <p:spPr>
-          <a:xfrm>
-            <a:off x="8695592" y="5275385"/>
-            <a:ext cx="844062" cy="669602"/>
-          </a:xfrm>
-          <a:prstGeom prst="straightConnector1">
-            <a:avLst/>
-          </a:prstGeom>
-          <a:ln>
-            <a:tailEnd type="triangle"/>
-          </a:ln>
-        </p:spPr>
-        <p:style>
-          <a:lnRef idx="3">
-            <a:schemeClr val="accent1"/>
-          </a:lnRef>
-          <a:fillRef idx="0">
-            <a:schemeClr val="accent1"/>
-          </a:fillRef>
-          <a:effectRef idx="2">
-            <a:schemeClr val="accent1"/>
-          </a:effectRef>
-          <a:fontRef idx="minor">
-            <a:schemeClr val="tx1"/>
-          </a:fontRef>
-        </p:style>
-      </p:cxnSp>
-      <p:pic>
-        <p:nvPicPr>
-          <p:cNvPr id="4" name="Рисунок 3">
-            <a:extLst>
-              <a:ext uri="{FF2B5EF4-FFF2-40B4-BE49-F238E27FC236}">
-                <a16:creationId xmlns:a16="http://schemas.microsoft.com/office/drawing/2014/main" id="{D5846608-B600-56CE-0C1E-2F0F7210A7FF}"/>
-              </a:ext>
-            </a:extLst>
-          </p:cNvPr>
-          <p:cNvPicPr>
-            <a:picLocks noChangeAspect="1"/>
-          </p:cNvPicPr>
-          <p:nvPr/>
-        </p:nvPicPr>
-        <p:blipFill>
-          <a:blip r:embed="rId8"/>
-          <a:stretch>
-            <a:fillRect/>
-          </a:stretch>
-        </p:blipFill>
-        <p:spPr>
-          <a:xfrm>
-            <a:off x="4457452" y="4137070"/>
-            <a:ext cx="3081126" cy="2280637"/>
-          </a:xfrm>
-          <a:prstGeom prst="rect">
-            <a:avLst/>
-          </a:prstGeom>
-          <a:ln w="38100" cap="sq">
-            <a:solidFill>
-              <a:schemeClr val="bg2">
-                <a:lumMod val="75000"/>
-              </a:schemeClr>
-            </a:solidFill>
-            <a:prstDash val="solid"/>
-            <a:miter lim="800000"/>
-          </a:ln>
-          <a:effectLst>
-            <a:outerShdw blurRad="50800" dist="38100" dir="2700000" algn="tl" rotWithShape="0">
-              <a:srgbClr val="000000">
-                <a:alpha val="43000"/>
-              </a:srgbClr>
-            </a:outerShdw>
-          </a:effectLst>
-        </p:spPr>
-      </p:pic>
-      <p:cxnSp>
-        <p:nvCxnSpPr>
-          <p:cNvPr id="7" name="Прямая со стрелкой 6">
-            <a:extLst>
-              <a:ext uri="{FF2B5EF4-FFF2-40B4-BE49-F238E27FC236}">
-                <a16:creationId xmlns:a16="http://schemas.microsoft.com/office/drawing/2014/main" id="{4A65AE88-CF9C-7C33-0952-C417EEBC6963}"/>
-              </a:ext>
-            </a:extLst>
-          </p:cNvPr>
-          <p:cNvCxnSpPr>
-            <a:cxnSpLocks/>
-          </p:cNvCxnSpPr>
-          <p:nvPr/>
-        </p:nvCxnSpPr>
-        <p:spPr>
-          <a:xfrm flipH="1" flipV="1">
-            <a:off x="7322473" y="6102507"/>
-            <a:ext cx="648316" cy="220955"/>
-          </a:xfrm>
-          <a:prstGeom prst="straightConnector1">
-            <a:avLst/>
-          </a:prstGeom>
-          <a:ln>
-            <a:tailEnd type="triangle"/>
-          </a:ln>
-        </p:spPr>
-        <p:style>
-          <a:lnRef idx="3">
-            <a:schemeClr val="accent1"/>
-          </a:lnRef>
-          <a:fillRef idx="0">
-            <a:schemeClr val="accent1"/>
-          </a:fillRef>
-          <a:effectRef idx="2">
-            <a:schemeClr val="accent1"/>
-          </a:effectRef>
-          <a:fontRef idx="minor">
-            <a:schemeClr val="tx1"/>
-          </a:fontRef>
-        </p:style>
-      </p:cxnSp>
-      <p:sp>
-        <p:nvSpPr>
-          <p:cNvPr id="29" name="Прямоугольник: скругленные углы 28">
-            <a:extLst>
-              <a:ext uri="{FF2B5EF4-FFF2-40B4-BE49-F238E27FC236}">
-                <a16:creationId xmlns:a16="http://schemas.microsoft.com/office/drawing/2014/main" id="{1308EB29-FF08-EA4B-AC9F-BC3FE88781A4}"/>
-              </a:ext>
-            </a:extLst>
-          </p:cNvPr>
-          <p:cNvSpPr/>
-          <p:nvPr/>
-        </p:nvSpPr>
-        <p:spPr>
-          <a:xfrm>
-            <a:off x="11614932" y="102645"/>
-            <a:ext cx="452927" cy="461665"/>
-          </a:xfrm>
-          <a:prstGeom prst="roundRect">
-            <a:avLst/>
-          </a:prstGeom>
-        </p:spPr>
-        <p:style>
-          <a:lnRef idx="0">
-            <a:schemeClr val="accent1"/>
-          </a:lnRef>
-          <a:fillRef idx="3">
-            <a:schemeClr val="accent1"/>
-          </a:fillRef>
-          <a:effectRef idx="3">
-            <a:schemeClr val="accent1"/>
-          </a:effectRef>
-          <a:fontRef idx="minor">
-            <a:schemeClr val="lt1"/>
-          </a:fontRef>
-        </p:style>
-        <p:txBody>
-          <a:bodyPr rtlCol="0" anchor="ctr"/>
-          <a:lstStyle/>
-          <a:p>
-            <a:pPr algn="ctr"/>
-            <a:endParaRPr lang="ru-RU"/>
-          </a:p>
-        </p:txBody>
-      </p:sp>
-      <p:sp>
-        <p:nvSpPr>
-          <p:cNvPr id="30" name="TextBox 29">
-            <a:extLst>
-              <a:ext uri="{FF2B5EF4-FFF2-40B4-BE49-F238E27FC236}">
-                <a16:creationId xmlns:a16="http://schemas.microsoft.com/office/drawing/2014/main" id="{C9E6BBBE-50BA-BD66-94A4-3F130350BAA7}"/>
-              </a:ext>
-            </a:extLst>
-          </p:cNvPr>
-          <p:cNvSpPr txBox="1"/>
-          <p:nvPr/>
-        </p:nvSpPr>
-        <p:spPr>
-          <a:xfrm>
-            <a:off x="11580137" y="102645"/>
-            <a:ext cx="522515" cy="461665"/>
-          </a:xfrm>
-          <a:prstGeom prst="rect">
-            <a:avLst/>
-          </a:prstGeom>
-          <a:noFill/>
-        </p:spPr>
-        <p:txBody>
-          <a:bodyPr wrap="square" rtlCol="0">
-            <a:spAutoFit/>
-          </a:bodyPr>
-          <a:lstStyle/>
-          <a:p>
-            <a:r>
-              <a:rPr lang="ru-RU" sz="2400" dirty="0">
-                <a:ln w="0"/>
-                <a:effectLst>
-                  <a:outerShdw blurRad="38100" dist="19050" dir="2700000" algn="tl" rotWithShape="0">
-                    <a:schemeClr val="dk1">
-                      <a:alpha val="40000"/>
-                    </a:schemeClr>
-                  </a:outerShdw>
-                </a:effectLst>
-              </a:rPr>
-              <a:t>19</a:t>
-            </a:r>
-          </a:p>
-        </p:txBody>
-      </p:sp>
-      <p:pic>
-        <p:nvPicPr>
-          <p:cNvPr id="5" name="Рисунок 4">
-            <a:extLst>
-              <a:ext uri="{FF2B5EF4-FFF2-40B4-BE49-F238E27FC236}">
-                <a16:creationId xmlns:a16="http://schemas.microsoft.com/office/drawing/2014/main" id="{21A24065-30E0-C7B8-42E3-382C2C731D50}"/>
-              </a:ext>
-            </a:extLst>
-          </p:cNvPr>
-          <p:cNvPicPr>
-            <a:picLocks noChangeAspect="1"/>
-          </p:cNvPicPr>
-          <p:nvPr/>
-        </p:nvPicPr>
-        <p:blipFill>
-          <a:blip r:embed="rId9"/>
-          <a:stretch>
-            <a:fillRect/>
-          </a:stretch>
-        </p:blipFill>
-        <p:spPr>
-          <a:xfrm>
-            <a:off x="166363" y="3168119"/>
-            <a:ext cx="4012556" cy="2401645"/>
-          </a:xfrm>
-          <a:prstGeom prst="rect">
-            <a:avLst/>
-          </a:prstGeom>
-          <a:ln w="38100" cap="sq">
-            <a:solidFill>
-              <a:schemeClr val="bg2">
-                <a:lumMod val="75000"/>
-              </a:schemeClr>
-            </a:solidFill>
-            <a:prstDash val="solid"/>
-            <a:miter lim="800000"/>
-          </a:ln>
-          <a:effectLst>
-            <a:outerShdw blurRad="50800" dist="38100" dir="2700000" algn="tl" rotWithShape="0">
-              <a:srgbClr val="000000">
-                <a:alpha val="43000"/>
-              </a:srgbClr>
-            </a:outerShdw>
-          </a:effectLst>
-        </p:spPr>
-      </p:pic>
-      <p:cxnSp>
-        <p:nvCxnSpPr>
-          <p:cNvPr id="11" name="Прямая со стрелкой 10">
-            <a:extLst>
-              <a:ext uri="{FF2B5EF4-FFF2-40B4-BE49-F238E27FC236}">
-                <a16:creationId xmlns:a16="http://schemas.microsoft.com/office/drawing/2014/main" id="{5C991213-9414-6821-FB44-9B19A727F264}"/>
-              </a:ext>
-            </a:extLst>
-          </p:cNvPr>
-          <p:cNvCxnSpPr>
-            <a:cxnSpLocks/>
-          </p:cNvCxnSpPr>
-          <p:nvPr/>
-        </p:nvCxnSpPr>
-        <p:spPr>
-          <a:xfrm flipH="1" flipV="1">
-            <a:off x="3768695" y="4683095"/>
-            <a:ext cx="890496" cy="429184"/>
+            <a:off x="529839" y="2230452"/>
+            <a:ext cx="828942" cy="1119499"/>
           </a:xfrm>
           <a:prstGeom prst="straightConnector1">
             <a:avLst/>
@@ -16724,7 +15685,7 @@
     </p:spTree>
     <p:extLst>
       <p:ext uri="{BB962C8B-B14F-4D97-AF65-F5344CB8AC3E}">
-        <p14:creationId xmlns:p14="http://schemas.microsoft.com/office/powerpoint/2010/main" val="1418698761"/>
+        <p14:creationId xmlns:p14="http://schemas.microsoft.com/office/powerpoint/2010/main" val="3124822085"/>
       </p:ext>
     </p:extLst>
   </p:cSld>
@@ -16993,10 +15954,10 @@
       </p:grpSpPr>
       <p:sp>
         <p:nvSpPr>
-          <p:cNvPr id="5" name="TextBox 4">
+          <p:cNvPr id="2" name="TextBox 1">
             <a:extLst>
               <a:ext uri="{FF2B5EF4-FFF2-40B4-BE49-F238E27FC236}">
-                <a16:creationId xmlns:a16="http://schemas.microsoft.com/office/drawing/2014/main" id="{C9EA5A5A-3C2A-8C9C-F117-CFC2A969319A}"/>
+                <a16:creationId xmlns:a16="http://schemas.microsoft.com/office/drawing/2014/main" id="{3BAA62E1-1AE9-4948-4ED2-755564414EE6}"/>
               </a:ext>
             </a:extLst>
           </p:cNvPr>
@@ -17005,8 +15966,8 @@
         </p:nvSpPr>
         <p:spPr>
           <a:xfrm>
-            <a:off x="2743199" y="564310"/>
-            <a:ext cx="6705600" cy="523220"/>
+            <a:off x="3340215" y="108297"/>
+            <a:ext cx="6106884" cy="523220"/>
           </a:xfrm>
           <a:prstGeom prst="rect">
             <a:avLst/>
@@ -17014,10 +15975,7 @@
           <a:noFill/>
         </p:spPr>
         <p:txBody>
-          <a:bodyPr rot="0" spcFirstLastPara="0" vertOverflow="overflow" horzOverflow="overflow" vert="horz" wrap="square" lIns="91440" tIns="45720" rIns="91440" bIns="45720" numCol="1" spcCol="0" rtlCol="0" fromWordArt="0" anchor="t" anchorCtr="0" forceAA="0" compatLnSpc="1">
-            <a:prstTxWarp prst="textNoShape">
-              <a:avLst/>
-            </a:prstTxWarp>
+          <a:bodyPr wrap="square">
             <a:spAutoFit/>
           </a:bodyPr>
           <a:lstStyle/>
@@ -17029,68 +15987,418 @@
                 <a:ea typeface="+mn-lt"/>
                 <a:cs typeface="+mn-lt"/>
               </a:rPr>
-              <a:t>Заключение</a:t>
-            </a:r>
-            <a:endParaRPr lang="ru-RU" dirty="0"/>
+              <a:t>Загрузка данных из файла </a:t>
+            </a:r>
+            <a:r>
+              <a:rPr lang="en-US" sz="2800" dirty="0">
+                <a:latin typeface="Times New Roman"/>
+                <a:ea typeface="+mn-lt"/>
+                <a:cs typeface="+mn-lt"/>
+              </a:rPr>
+              <a:t>csv</a:t>
+            </a:r>
+            <a:endParaRPr lang="ru-RU" sz="2800" dirty="0">
+              <a:latin typeface="Times New Roman"/>
+              <a:ea typeface="+mn-lt"/>
+              <a:cs typeface="+mn-lt"/>
+            </a:endParaRPr>
           </a:p>
         </p:txBody>
       </p:sp>
-      <p:sp>
-        <p:nvSpPr>
-          <p:cNvPr id="2" name="TextBox 1"/>
-          <p:cNvSpPr txBox="1"/>
+      <p:pic>
+        <p:nvPicPr>
+          <p:cNvPr id="4" name="Рисунок 3">
+            <a:extLst>
+              <a:ext uri="{FF2B5EF4-FFF2-40B4-BE49-F238E27FC236}">
+                <a16:creationId xmlns:a16="http://schemas.microsoft.com/office/drawing/2014/main" id="{82D574D5-747B-427F-FDEC-77062D314165}"/>
+              </a:ext>
+            </a:extLst>
+          </p:cNvPr>
+          <p:cNvPicPr>
+            <a:picLocks noChangeAspect="1"/>
+          </p:cNvPicPr>
           <p:nvPr/>
-        </p:nvSpPr>
+        </p:nvPicPr>
+        <p:blipFill>
+          <a:blip r:embed="rId2"/>
+          <a:stretch>
+            <a:fillRect/>
+          </a:stretch>
+        </p:blipFill>
         <p:spPr>
           <a:xfrm>
-            <a:off x="2313075" y="1773977"/>
-            <a:ext cx="7565849" cy="3785652"/>
+            <a:off x="4600865" y="826071"/>
+            <a:ext cx="3586933" cy="2005142"/>
           </a:xfrm>
           <a:prstGeom prst="rect">
             <a:avLst/>
           </a:prstGeom>
-          <a:noFill/>
-        </p:spPr>
-        <p:txBody>
-          <a:bodyPr wrap="square" rtlCol="0">
-            <a:spAutoFit/>
-          </a:bodyPr>
-          <a:lstStyle/>
-          <a:p>
-            <a:pPr algn="ctr"/>
-            <a:r>
-              <a:rPr lang="ru-RU" sz="2000" dirty="0">
-                <a:latin typeface="Times New Roman" panose="02020603050405020304" pitchFamily="18" charset="0"/>
-                <a:cs typeface="Times New Roman" panose="02020603050405020304" pitchFamily="18" charset="0"/>
-              </a:rPr>
-              <a:t>В ходе работы над выпускной квалификационной работой создано программное средство, отвечающее всем заявленным функциональным требованиям. Цели и задачи поставленной задачи успешно выполнены.</a:t>
-            </a:r>
-          </a:p>
-          <a:p>
-            <a:pPr algn="ctr"/>
-            <a:endParaRPr lang="ru-RU" sz="2000" dirty="0">
-              <a:latin typeface="Times New Roman" panose="02020603050405020304" pitchFamily="18" charset="0"/>
-              <a:cs typeface="Times New Roman" panose="02020603050405020304" pitchFamily="18" charset="0"/>
-            </a:endParaRPr>
-          </a:p>
-          <a:p>
-            <a:pPr algn="ctr"/>
-            <a:r>
-              <a:rPr lang="ru-RU" sz="2000" dirty="0">
-                <a:latin typeface="Times New Roman" panose="02020603050405020304" pitchFamily="18" charset="0"/>
-                <a:cs typeface="Times New Roman" panose="02020603050405020304" pitchFamily="18" charset="0"/>
-              </a:rPr>
-              <a:t>Разработанное программное средство может быть использовано как для научных исследований в медицинской сфере, так и в качестве вспомогательного средства для принятия решений в сфере управления при возникновении реальной эпидемической угрозы. Оно может также применяться в учебных целях в предметах, связанных с математическим моделированием и вычислительной математикой. </a:t>
-            </a:r>
-          </a:p>
-        </p:txBody>
-      </p:sp>
+          <a:ln w="38100" cap="sq">
+            <a:solidFill>
+              <a:schemeClr val="bg2">
+                <a:lumMod val="75000"/>
+              </a:schemeClr>
+            </a:solidFill>
+            <a:prstDash val="solid"/>
+            <a:miter lim="800000"/>
+          </a:ln>
+          <a:effectLst>
+            <a:outerShdw blurRad="50800" dist="38100" dir="2700000" algn="tl" rotWithShape="0">
+              <a:srgbClr val="000000">
+                <a:alpha val="43000"/>
+              </a:srgbClr>
+            </a:outerShdw>
+          </a:effectLst>
+        </p:spPr>
+      </p:pic>
+      <p:pic>
+        <p:nvPicPr>
+          <p:cNvPr id="6" name="Рисунок 5">
+            <a:extLst>
+              <a:ext uri="{FF2B5EF4-FFF2-40B4-BE49-F238E27FC236}">
+                <a16:creationId xmlns:a16="http://schemas.microsoft.com/office/drawing/2014/main" id="{0C54ADF8-8F07-0514-E339-721136764DD2}"/>
+              </a:ext>
+            </a:extLst>
+          </p:cNvPr>
+          <p:cNvPicPr>
+            <a:picLocks noChangeAspect="1"/>
+          </p:cNvPicPr>
+          <p:nvPr/>
+        </p:nvPicPr>
+        <p:blipFill>
+          <a:blip r:embed="rId3"/>
+          <a:stretch>
+            <a:fillRect/>
+          </a:stretch>
+        </p:blipFill>
+        <p:spPr>
+          <a:xfrm>
+            <a:off x="399303" y="940847"/>
+            <a:ext cx="3230633" cy="978340"/>
+          </a:xfrm>
+          <a:prstGeom prst="rect">
+            <a:avLst/>
+          </a:prstGeom>
+          <a:ln w="38100" cap="sq">
+            <a:solidFill>
+              <a:schemeClr val="bg2">
+                <a:lumMod val="75000"/>
+              </a:schemeClr>
+            </a:solidFill>
+            <a:prstDash val="solid"/>
+            <a:miter lim="800000"/>
+          </a:ln>
+          <a:effectLst>
+            <a:outerShdw blurRad="50800" dist="38100" dir="2700000" algn="tl" rotWithShape="0">
+              <a:srgbClr val="000000">
+                <a:alpha val="43000"/>
+              </a:srgbClr>
+            </a:outerShdw>
+          </a:effectLst>
+        </p:spPr>
+      </p:pic>
+      <p:pic>
+        <p:nvPicPr>
+          <p:cNvPr id="8" name="Рисунок 7">
+            <a:extLst>
+              <a:ext uri="{FF2B5EF4-FFF2-40B4-BE49-F238E27FC236}">
+                <a16:creationId xmlns:a16="http://schemas.microsoft.com/office/drawing/2014/main" id="{A36D67F4-6E6A-F43E-AF36-92A146923532}"/>
+              </a:ext>
+            </a:extLst>
+          </p:cNvPr>
+          <p:cNvPicPr>
+            <a:picLocks noChangeAspect="1"/>
+          </p:cNvPicPr>
+          <p:nvPr/>
+        </p:nvPicPr>
+        <p:blipFill>
+          <a:blip r:embed="rId4"/>
+          <a:stretch>
+            <a:fillRect/>
+          </a:stretch>
+        </p:blipFill>
+        <p:spPr>
+          <a:xfrm>
+            <a:off x="1109359" y="2474990"/>
+            <a:ext cx="2230856" cy="1816074"/>
+          </a:xfrm>
+          <a:prstGeom prst="rect">
+            <a:avLst/>
+          </a:prstGeom>
+          <a:ln w="38100" cap="sq">
+            <a:solidFill>
+              <a:schemeClr val="bg2">
+                <a:lumMod val="75000"/>
+              </a:schemeClr>
+            </a:solidFill>
+            <a:prstDash val="solid"/>
+            <a:miter lim="800000"/>
+          </a:ln>
+          <a:effectLst>
+            <a:outerShdw blurRad="50800" dist="38100" dir="2700000" algn="tl" rotWithShape="0">
+              <a:srgbClr val="000000">
+                <a:alpha val="43000"/>
+              </a:srgbClr>
+            </a:outerShdw>
+          </a:effectLst>
+        </p:spPr>
+      </p:pic>
+      <p:pic>
+        <p:nvPicPr>
+          <p:cNvPr id="10" name="Рисунок 9">
+            <a:extLst>
+              <a:ext uri="{FF2B5EF4-FFF2-40B4-BE49-F238E27FC236}">
+                <a16:creationId xmlns:a16="http://schemas.microsoft.com/office/drawing/2014/main" id="{59FBBFCE-1148-1AFC-0569-60273505A4F8}"/>
+              </a:ext>
+            </a:extLst>
+          </p:cNvPr>
+          <p:cNvPicPr>
+            <a:picLocks noChangeAspect="1"/>
+          </p:cNvPicPr>
+          <p:nvPr/>
+        </p:nvPicPr>
+        <p:blipFill>
+          <a:blip r:embed="rId5"/>
+          <a:stretch>
+            <a:fillRect/>
+          </a:stretch>
+        </p:blipFill>
+        <p:spPr>
+          <a:xfrm>
+            <a:off x="359036" y="4701421"/>
+            <a:ext cx="2677536" cy="1123544"/>
+          </a:xfrm>
+          <a:prstGeom prst="rect">
+            <a:avLst/>
+          </a:prstGeom>
+          <a:ln w="38100" cap="sq">
+            <a:solidFill>
+              <a:schemeClr val="bg2">
+                <a:lumMod val="75000"/>
+              </a:schemeClr>
+            </a:solidFill>
+            <a:prstDash val="solid"/>
+            <a:miter lim="800000"/>
+          </a:ln>
+          <a:effectLst>
+            <a:outerShdw blurRad="50800" dist="38100" dir="2700000" algn="tl" rotWithShape="0">
+              <a:srgbClr val="000000">
+                <a:alpha val="43000"/>
+              </a:srgbClr>
+            </a:outerShdw>
+          </a:effectLst>
+        </p:spPr>
+      </p:pic>
+      <p:cxnSp>
+        <p:nvCxnSpPr>
+          <p:cNvPr id="18" name="Прямая со стрелкой 17">
+            <a:extLst>
+              <a:ext uri="{FF2B5EF4-FFF2-40B4-BE49-F238E27FC236}">
+                <a16:creationId xmlns:a16="http://schemas.microsoft.com/office/drawing/2014/main" id="{B5C133D2-BF9D-E95C-7517-7FEF84FCAB91}"/>
+              </a:ext>
+            </a:extLst>
+          </p:cNvPr>
+          <p:cNvCxnSpPr/>
+          <p:nvPr/>
+        </p:nvCxnSpPr>
+        <p:spPr>
+          <a:xfrm>
+            <a:off x="3629936" y="1582615"/>
+            <a:ext cx="1153079" cy="606670"/>
+          </a:xfrm>
+          <a:prstGeom prst="straightConnector1">
+            <a:avLst/>
+          </a:prstGeom>
+          <a:ln>
+            <a:tailEnd type="triangle"/>
+          </a:ln>
+        </p:spPr>
+        <p:style>
+          <a:lnRef idx="3">
+            <a:schemeClr val="accent1"/>
+          </a:lnRef>
+          <a:fillRef idx="0">
+            <a:schemeClr val="accent1"/>
+          </a:fillRef>
+          <a:effectRef idx="2">
+            <a:schemeClr val="accent1"/>
+          </a:effectRef>
+          <a:fontRef idx="minor">
+            <a:schemeClr val="tx1"/>
+          </a:fontRef>
+        </p:style>
+      </p:cxnSp>
+      <p:cxnSp>
+        <p:nvCxnSpPr>
+          <p:cNvPr id="22" name="Прямая со стрелкой 21">
+            <a:extLst>
+              <a:ext uri="{FF2B5EF4-FFF2-40B4-BE49-F238E27FC236}">
+                <a16:creationId xmlns:a16="http://schemas.microsoft.com/office/drawing/2014/main" id="{47295B70-1378-5E10-697E-2EF7C79A1F93}"/>
+              </a:ext>
+            </a:extLst>
+          </p:cNvPr>
+          <p:cNvCxnSpPr/>
+          <p:nvPr/>
+        </p:nvCxnSpPr>
+        <p:spPr>
+          <a:xfrm flipH="1">
+            <a:off x="3270738" y="2356338"/>
+            <a:ext cx="1451060" cy="439616"/>
+          </a:xfrm>
+          <a:prstGeom prst="straightConnector1">
+            <a:avLst/>
+          </a:prstGeom>
+          <a:ln>
+            <a:tailEnd type="triangle"/>
+          </a:ln>
+        </p:spPr>
+        <p:style>
+          <a:lnRef idx="3">
+            <a:schemeClr val="accent1"/>
+          </a:lnRef>
+          <a:fillRef idx="0">
+            <a:schemeClr val="accent1"/>
+          </a:fillRef>
+          <a:effectRef idx="2">
+            <a:schemeClr val="accent1"/>
+          </a:effectRef>
+          <a:fontRef idx="minor">
+            <a:schemeClr val="tx1"/>
+          </a:fontRef>
+        </p:style>
+      </p:cxnSp>
+      <p:cxnSp>
+        <p:nvCxnSpPr>
+          <p:cNvPr id="24" name="Прямая со стрелкой 23">
+            <a:extLst>
+              <a:ext uri="{FF2B5EF4-FFF2-40B4-BE49-F238E27FC236}">
+                <a16:creationId xmlns:a16="http://schemas.microsoft.com/office/drawing/2014/main" id="{1DD6D987-2FFA-14F5-0908-AB8BAC7BE77B}"/>
+              </a:ext>
+            </a:extLst>
+          </p:cNvPr>
+          <p:cNvCxnSpPr>
+            <a:cxnSpLocks/>
+          </p:cNvCxnSpPr>
+          <p:nvPr/>
+        </p:nvCxnSpPr>
+        <p:spPr>
+          <a:xfrm flipH="1">
+            <a:off x="1109359" y="4097215"/>
+            <a:ext cx="1255772" cy="677008"/>
+          </a:xfrm>
+          <a:prstGeom prst="straightConnector1">
+            <a:avLst/>
+          </a:prstGeom>
+          <a:ln>
+            <a:tailEnd type="triangle"/>
+          </a:ln>
+        </p:spPr>
+        <p:style>
+          <a:lnRef idx="3">
+            <a:schemeClr val="accent1"/>
+          </a:lnRef>
+          <a:fillRef idx="0">
+            <a:schemeClr val="accent1"/>
+          </a:fillRef>
+          <a:effectRef idx="2">
+            <a:schemeClr val="accent1"/>
+          </a:effectRef>
+          <a:fontRef idx="minor">
+            <a:schemeClr val="tx1"/>
+          </a:fontRef>
+        </p:style>
+      </p:cxnSp>
+      <p:pic>
+        <p:nvPicPr>
+          <p:cNvPr id="5" name="Рисунок 4">
+            <a:extLst>
+              <a:ext uri="{FF2B5EF4-FFF2-40B4-BE49-F238E27FC236}">
+                <a16:creationId xmlns:a16="http://schemas.microsoft.com/office/drawing/2014/main" id="{8FD5CAF8-C1A7-B3AE-C366-5E3CCF644840}"/>
+              </a:ext>
+            </a:extLst>
+          </p:cNvPr>
+          <p:cNvPicPr>
+            <a:picLocks noChangeAspect="1"/>
+          </p:cNvPicPr>
+          <p:nvPr/>
+        </p:nvPicPr>
+        <p:blipFill>
+          <a:blip r:embed="rId6"/>
+          <a:stretch>
+            <a:fillRect/>
+          </a:stretch>
+        </p:blipFill>
+        <p:spPr>
+          <a:xfrm>
+            <a:off x="3996268" y="3081936"/>
+            <a:ext cx="1832201" cy="3562612"/>
+          </a:xfrm>
+          <a:prstGeom prst="rect">
+            <a:avLst/>
+          </a:prstGeom>
+          <a:ln w="38100" cap="sq">
+            <a:solidFill>
+              <a:schemeClr val="bg2">
+                <a:lumMod val="75000"/>
+              </a:schemeClr>
+            </a:solidFill>
+            <a:prstDash val="solid"/>
+            <a:miter lim="800000"/>
+          </a:ln>
+          <a:effectLst>
+            <a:outerShdw blurRad="50800" dist="38100" dir="2700000" algn="tl" rotWithShape="0">
+              <a:srgbClr val="000000">
+                <a:alpha val="43000"/>
+              </a:srgbClr>
+            </a:outerShdw>
+          </a:effectLst>
+        </p:spPr>
+      </p:pic>
+      <p:cxnSp>
+        <p:nvCxnSpPr>
+          <p:cNvPr id="9" name="Прямая со стрелкой 8">
+            <a:extLst>
+              <a:ext uri="{FF2B5EF4-FFF2-40B4-BE49-F238E27FC236}">
+                <a16:creationId xmlns:a16="http://schemas.microsoft.com/office/drawing/2014/main" id="{3F280520-A001-F1DC-1A0C-B461A8CA167E}"/>
+              </a:ext>
+            </a:extLst>
+          </p:cNvPr>
+          <p:cNvCxnSpPr/>
+          <p:nvPr/>
+        </p:nvCxnSpPr>
+        <p:spPr>
+          <a:xfrm>
+            <a:off x="2905570" y="5110385"/>
+            <a:ext cx="1239140" cy="264920"/>
+          </a:xfrm>
+          <a:prstGeom prst="straightConnector1">
+            <a:avLst/>
+          </a:prstGeom>
+          <a:ln>
+            <a:tailEnd type="triangle"/>
+          </a:ln>
+        </p:spPr>
+        <p:style>
+          <a:lnRef idx="3">
+            <a:schemeClr val="accent1"/>
+          </a:lnRef>
+          <a:fillRef idx="0">
+            <a:schemeClr val="accent1"/>
+          </a:fillRef>
+          <a:effectRef idx="2">
+            <a:schemeClr val="accent1"/>
+          </a:effectRef>
+          <a:fontRef idx="minor">
+            <a:schemeClr val="tx1"/>
+          </a:fontRef>
+        </p:style>
+      </p:cxnSp>
       <p:sp>
         <p:nvSpPr>
-          <p:cNvPr id="4" name="Прямоугольник: скругленные углы 3">
+          <p:cNvPr id="13" name="Прямоугольник: скругленные углы 12">
             <a:extLst>
               <a:ext uri="{FF2B5EF4-FFF2-40B4-BE49-F238E27FC236}">
-                <a16:creationId xmlns:a16="http://schemas.microsoft.com/office/drawing/2014/main" id="{484670ED-EDCD-AB7D-B9F8-8C211106BC57}"/>
+                <a16:creationId xmlns:a16="http://schemas.microsoft.com/office/drawing/2014/main" id="{D2EA9CB7-0DDB-8199-2B5C-C741C6A663AF}"/>
               </a:ext>
             </a:extLst>
           </p:cNvPr>
@@ -17131,10 +16439,10 @@
       </p:sp>
       <p:sp>
         <p:nvSpPr>
-          <p:cNvPr id="6" name="TextBox 5">
+          <p:cNvPr id="15" name="TextBox 14">
             <a:extLst>
               <a:ext uri="{FF2B5EF4-FFF2-40B4-BE49-F238E27FC236}">
-                <a16:creationId xmlns:a16="http://schemas.microsoft.com/office/drawing/2014/main" id="{6D019C60-785C-AF3A-9DA9-C0A03A4B9EE9}"/>
+                <a16:creationId xmlns:a16="http://schemas.microsoft.com/office/drawing/2014/main" id="{B222C4CB-F8CB-D001-9E25-F4DDB6243258}"/>
               </a:ext>
             </a:extLst>
           </p:cNvPr>
@@ -17173,10 +16481,95 @@
           </a:p>
         </p:txBody>
       </p:sp>
+      <p:pic>
+        <p:nvPicPr>
+          <p:cNvPr id="19" name="Рисунок 18">
+            <a:extLst>
+              <a:ext uri="{FF2B5EF4-FFF2-40B4-BE49-F238E27FC236}">
+                <a16:creationId xmlns:a16="http://schemas.microsoft.com/office/drawing/2014/main" id="{2A17DE9F-40C5-051D-8031-E6C99AA174B9}"/>
+              </a:ext>
+            </a:extLst>
+          </p:cNvPr>
+          <p:cNvPicPr>
+            <a:picLocks noChangeAspect="1"/>
+          </p:cNvPicPr>
+          <p:nvPr/>
+        </p:nvPicPr>
+        <p:blipFill>
+          <a:blip r:embed="rId7"/>
+          <a:stretch>
+            <a:fillRect/>
+          </a:stretch>
+        </p:blipFill>
+        <p:spPr>
+          <a:xfrm>
+            <a:off x="6614922" y="2974873"/>
+            <a:ext cx="5414204" cy="3776737"/>
+          </a:xfrm>
+          <a:prstGeom prst="rect">
+            <a:avLst/>
+          </a:prstGeom>
+          <a:ln w="38100" cap="sq">
+            <a:solidFill>
+              <a:schemeClr val="bg2">
+                <a:lumMod val="75000"/>
+              </a:schemeClr>
+            </a:solidFill>
+            <a:prstDash val="solid"/>
+            <a:miter lim="800000"/>
+          </a:ln>
+          <a:effectLst>
+            <a:outerShdw blurRad="50800" dist="38100" dir="2700000" algn="tl" rotWithShape="0">
+              <a:srgbClr val="000000">
+                <a:alpha val="43000"/>
+              </a:srgbClr>
+            </a:outerShdw>
+          </a:effectLst>
+        </p:spPr>
+      </p:pic>
+      <p:cxnSp>
+        <p:nvCxnSpPr>
+          <p:cNvPr id="21" name="Прямая со стрелкой 20">
+            <a:extLst>
+              <a:ext uri="{FF2B5EF4-FFF2-40B4-BE49-F238E27FC236}">
+                <a16:creationId xmlns:a16="http://schemas.microsoft.com/office/drawing/2014/main" id="{55C010DB-5647-CD3E-8602-A0A65CB87CAC}"/>
+              </a:ext>
+            </a:extLst>
+          </p:cNvPr>
+          <p:cNvCxnSpPr/>
+          <p:nvPr/>
+        </p:nvCxnSpPr>
+        <p:spPr>
+          <a:xfrm flipV="1">
+            <a:off x="5734228" y="5033473"/>
+            <a:ext cx="991312" cy="209372"/>
+          </a:xfrm>
+          <a:prstGeom prst="straightConnector1">
+            <a:avLst/>
+          </a:prstGeom>
+          <a:ln>
+            <a:tailEnd type="triangle"/>
+          </a:ln>
+        </p:spPr>
+        <p:style>
+          <a:lnRef idx="3">
+            <a:schemeClr val="accent1"/>
+          </a:lnRef>
+          <a:fillRef idx="0">
+            <a:schemeClr val="accent1"/>
+          </a:fillRef>
+          <a:effectRef idx="2">
+            <a:schemeClr val="accent1"/>
+          </a:effectRef>
+          <a:fontRef idx="minor">
+            <a:schemeClr val="tx1"/>
+          </a:fontRef>
+        </p:style>
+      </p:cxnSp>
     </p:spTree>
     <p:extLst>
       <p:ext uri="{BB962C8B-B14F-4D97-AF65-F5344CB8AC3E}">
-        <p14:creationId xmlns:p14="http://schemas.microsoft.com/office/powerpoint/2010/main" val="4283652737"/>
+        <p14:creationId xmlns:p14="http://schemas.microsoft.com/office/powerpoint/2010/main" val="3002182876"/>
       </p:ext>
     </p:extLst>
   </p:cSld>
@@ -17208,7 +16601,7 @@
           <p:cNvPr id="2" name="TextBox 1">
             <a:extLst>
               <a:ext uri="{FF2B5EF4-FFF2-40B4-BE49-F238E27FC236}">
-                <a16:creationId xmlns:a16="http://schemas.microsoft.com/office/drawing/2014/main" id="{C6D12E56-CC4C-4D92-0453-A0CDB398D6B5}"/>
+                <a16:creationId xmlns:a16="http://schemas.microsoft.com/office/drawing/2014/main" id="{AB612B0B-C6E3-52A8-E889-FA39FFA898D2}"/>
               </a:ext>
             </a:extLst>
           </p:cNvPr>
@@ -17217,8 +16610,8 @@
         </p:nvSpPr>
         <p:spPr>
           <a:xfrm>
-            <a:off x="2160814" y="2598003"/>
-            <a:ext cx="7870371" cy="830997"/>
+            <a:off x="2005065" y="65201"/>
+            <a:ext cx="8181870" cy="523220"/>
           </a:xfrm>
           <a:prstGeom prst="rect">
             <a:avLst/>
@@ -17226,28 +16619,605 @@
           <a:noFill/>
         </p:spPr>
         <p:txBody>
-          <a:bodyPr wrap="square" rtlCol="0">
+          <a:bodyPr wrap="square">
             <a:spAutoFit/>
           </a:bodyPr>
           <a:lstStyle/>
           <a:p>
             <a:pPr algn="ctr"/>
             <a:r>
-              <a:rPr lang="ru-RU" sz="4800" dirty="0">
-                <a:latin typeface="Times New Roman" panose="02020603050405020304" pitchFamily="18" charset="0"/>
-                <a:cs typeface="Times New Roman" panose="02020603050405020304" pitchFamily="18" charset="0"/>
-              </a:rPr>
-              <a:t>Спасибо за внимание!</a:t>
+              <a:rPr lang="ru-RU" sz="2800" dirty="0">
+                <a:latin typeface="Times New Roman"/>
+                <a:ea typeface="+mn-lt"/>
+                <a:cs typeface="+mn-lt"/>
+              </a:rPr>
+              <a:t>Выгрузка результатов моделирования в </a:t>
+            </a:r>
+            <a:r>
+              <a:rPr lang="en-US" sz="2800" dirty="0">
+                <a:latin typeface="Times New Roman"/>
+                <a:ea typeface="+mn-lt"/>
+                <a:cs typeface="+mn-lt"/>
+              </a:rPr>
+              <a:t>Excel </a:t>
+            </a:r>
+            <a:r>
+              <a:rPr lang="ru-RU" sz="2800" dirty="0">
+                <a:latin typeface="Times New Roman"/>
+                <a:ea typeface="+mn-lt"/>
+                <a:cs typeface="+mn-lt"/>
+              </a:rPr>
+              <a:t>файл</a:t>
             </a:r>
           </a:p>
         </p:txBody>
       </p:sp>
+      <p:pic>
+        <p:nvPicPr>
+          <p:cNvPr id="6" name="Рисунок 5">
+            <a:extLst>
+              <a:ext uri="{FF2B5EF4-FFF2-40B4-BE49-F238E27FC236}">
+                <a16:creationId xmlns:a16="http://schemas.microsoft.com/office/drawing/2014/main" id="{7C4AE680-C98C-8E67-8A38-1E0EB0E3A0AD}"/>
+              </a:ext>
+            </a:extLst>
+          </p:cNvPr>
+          <p:cNvPicPr>
+            <a:picLocks noChangeAspect="1"/>
+          </p:cNvPicPr>
+          <p:nvPr/>
+        </p:nvPicPr>
+        <p:blipFill>
+          <a:blip r:embed="rId2"/>
+          <a:stretch>
+            <a:fillRect/>
+          </a:stretch>
+        </p:blipFill>
+        <p:spPr>
+          <a:xfrm>
+            <a:off x="162478" y="834268"/>
+            <a:ext cx="2983091" cy="703063"/>
+          </a:xfrm>
+          <a:prstGeom prst="rect">
+            <a:avLst/>
+          </a:prstGeom>
+          <a:ln w="38100" cap="sq">
+            <a:solidFill>
+              <a:schemeClr val="bg2">
+                <a:lumMod val="75000"/>
+              </a:schemeClr>
+            </a:solidFill>
+            <a:prstDash val="solid"/>
+            <a:miter lim="800000"/>
+          </a:ln>
+          <a:effectLst>
+            <a:outerShdw blurRad="50800" dist="38100" dir="2700000" algn="tl" rotWithShape="0">
+              <a:srgbClr val="000000">
+                <a:alpha val="43000"/>
+              </a:srgbClr>
+            </a:outerShdw>
+          </a:effectLst>
+        </p:spPr>
+      </p:pic>
+      <p:pic>
+        <p:nvPicPr>
+          <p:cNvPr id="8" name="Рисунок 7">
+            <a:extLst>
+              <a:ext uri="{FF2B5EF4-FFF2-40B4-BE49-F238E27FC236}">
+                <a16:creationId xmlns:a16="http://schemas.microsoft.com/office/drawing/2014/main" id="{48CB51D8-A702-2BD3-C99F-79071448860F}"/>
+              </a:ext>
+            </a:extLst>
+          </p:cNvPr>
+          <p:cNvPicPr>
+            <a:picLocks noChangeAspect="1"/>
+          </p:cNvPicPr>
+          <p:nvPr/>
+        </p:nvPicPr>
+        <p:blipFill>
+          <a:blip r:embed="rId3"/>
+          <a:stretch>
+            <a:fillRect/>
+          </a:stretch>
+        </p:blipFill>
+        <p:spPr>
+          <a:xfrm>
+            <a:off x="3539621" y="1172058"/>
+            <a:ext cx="4178430" cy="2344763"/>
+          </a:xfrm>
+          <a:prstGeom prst="rect">
+            <a:avLst/>
+          </a:prstGeom>
+          <a:ln w="38100" cap="sq">
+            <a:solidFill>
+              <a:schemeClr val="bg2">
+                <a:lumMod val="75000"/>
+              </a:schemeClr>
+            </a:solidFill>
+            <a:prstDash val="solid"/>
+            <a:miter lim="800000"/>
+          </a:ln>
+          <a:effectLst>
+            <a:outerShdw blurRad="50800" dist="38100" dir="2700000" algn="tl" rotWithShape="0">
+              <a:srgbClr val="000000">
+                <a:alpha val="43000"/>
+              </a:srgbClr>
+            </a:outerShdw>
+          </a:effectLst>
+        </p:spPr>
+      </p:pic>
+      <p:pic>
+        <p:nvPicPr>
+          <p:cNvPr id="10" name="Рисунок 9">
+            <a:extLst>
+              <a:ext uri="{FF2B5EF4-FFF2-40B4-BE49-F238E27FC236}">
+                <a16:creationId xmlns:a16="http://schemas.microsoft.com/office/drawing/2014/main" id="{0682A5E2-9163-178F-9BDC-2E7028258D43}"/>
+              </a:ext>
+            </a:extLst>
+          </p:cNvPr>
+          <p:cNvPicPr>
+            <a:picLocks noChangeAspect="1"/>
+          </p:cNvPicPr>
+          <p:nvPr/>
+        </p:nvPicPr>
+        <p:blipFill>
+          <a:blip r:embed="rId4"/>
+          <a:stretch>
+            <a:fillRect/>
+          </a:stretch>
+        </p:blipFill>
+        <p:spPr>
+          <a:xfrm>
+            <a:off x="7891175" y="1069366"/>
+            <a:ext cx="2209218" cy="1059022"/>
+          </a:xfrm>
+          <a:prstGeom prst="rect">
+            <a:avLst/>
+          </a:prstGeom>
+          <a:ln w="38100" cap="sq">
+            <a:solidFill>
+              <a:schemeClr val="bg2">
+                <a:lumMod val="75000"/>
+              </a:schemeClr>
+            </a:solidFill>
+            <a:prstDash val="solid"/>
+            <a:miter lim="800000"/>
+          </a:ln>
+          <a:effectLst>
+            <a:outerShdw blurRad="50800" dist="38100" dir="2700000" algn="tl" rotWithShape="0">
+              <a:srgbClr val="000000">
+                <a:alpha val="43000"/>
+              </a:srgbClr>
+            </a:outerShdw>
+          </a:effectLst>
+        </p:spPr>
+      </p:pic>
+      <p:pic>
+        <p:nvPicPr>
+          <p:cNvPr id="12" name="Рисунок 11">
+            <a:extLst>
+              <a:ext uri="{FF2B5EF4-FFF2-40B4-BE49-F238E27FC236}">
+                <a16:creationId xmlns:a16="http://schemas.microsoft.com/office/drawing/2014/main" id="{08B64371-8AA3-CF18-5AF6-7A8E8C27187A}"/>
+              </a:ext>
+            </a:extLst>
+          </p:cNvPr>
+          <p:cNvPicPr>
+            <a:picLocks noChangeAspect="1"/>
+          </p:cNvPicPr>
+          <p:nvPr/>
+        </p:nvPicPr>
+        <p:blipFill>
+          <a:blip r:embed="rId5"/>
+          <a:stretch>
+            <a:fillRect/>
+          </a:stretch>
+        </p:blipFill>
+        <p:spPr>
+          <a:xfrm>
+            <a:off x="7891175" y="2453804"/>
+            <a:ext cx="4178430" cy="714315"/>
+          </a:xfrm>
+          <a:prstGeom prst="rect">
+            <a:avLst/>
+          </a:prstGeom>
+          <a:ln w="38100" cap="sq">
+            <a:solidFill>
+              <a:schemeClr val="bg2">
+                <a:lumMod val="75000"/>
+              </a:schemeClr>
+            </a:solidFill>
+            <a:prstDash val="solid"/>
+            <a:miter lim="800000"/>
+          </a:ln>
+          <a:effectLst>
+            <a:outerShdw blurRad="50800" dist="38100" dir="2700000" algn="tl" rotWithShape="0">
+              <a:srgbClr val="000000">
+                <a:alpha val="43000"/>
+              </a:srgbClr>
+            </a:outerShdw>
+          </a:effectLst>
+        </p:spPr>
+      </p:pic>
+      <p:pic>
+        <p:nvPicPr>
+          <p:cNvPr id="14" name="Рисунок 13">
+            <a:extLst>
+              <a:ext uri="{FF2B5EF4-FFF2-40B4-BE49-F238E27FC236}">
+                <a16:creationId xmlns:a16="http://schemas.microsoft.com/office/drawing/2014/main" id="{1DE1360E-F479-652B-3277-1CCAC828C8E3}"/>
+              </a:ext>
+            </a:extLst>
+          </p:cNvPr>
+          <p:cNvPicPr>
+            <a:picLocks noChangeAspect="1"/>
+          </p:cNvPicPr>
+          <p:nvPr/>
+        </p:nvPicPr>
+        <p:blipFill>
+          <a:blip r:embed="rId6"/>
+          <a:stretch>
+            <a:fillRect/>
+          </a:stretch>
+        </p:blipFill>
+        <p:spPr>
+          <a:xfrm>
+            <a:off x="8018850" y="3790275"/>
+            <a:ext cx="3805615" cy="1614106"/>
+          </a:xfrm>
+          <a:prstGeom prst="rect">
+            <a:avLst/>
+          </a:prstGeom>
+          <a:ln w="38100" cap="sq">
+            <a:solidFill>
+              <a:schemeClr val="bg2">
+                <a:lumMod val="75000"/>
+              </a:schemeClr>
+            </a:solidFill>
+            <a:prstDash val="solid"/>
+            <a:miter lim="800000"/>
+          </a:ln>
+          <a:effectLst>
+            <a:outerShdw blurRad="50800" dist="38100" dir="2700000" algn="tl" rotWithShape="0">
+              <a:srgbClr val="000000">
+                <a:alpha val="43000"/>
+              </a:srgbClr>
+            </a:outerShdw>
+          </a:effectLst>
+        </p:spPr>
+      </p:pic>
+      <p:cxnSp>
+        <p:nvCxnSpPr>
+          <p:cNvPr id="18" name="Прямая со стрелкой 17">
+            <a:extLst>
+              <a:ext uri="{FF2B5EF4-FFF2-40B4-BE49-F238E27FC236}">
+                <a16:creationId xmlns:a16="http://schemas.microsoft.com/office/drawing/2014/main" id="{5BF9CAA8-C9D0-3181-11FE-FA98679A54D8}"/>
+              </a:ext>
+            </a:extLst>
+          </p:cNvPr>
+          <p:cNvCxnSpPr/>
+          <p:nvPr/>
+        </p:nvCxnSpPr>
+        <p:spPr>
+          <a:xfrm>
+            <a:off x="3055139" y="1080292"/>
+            <a:ext cx="808892" cy="492369"/>
+          </a:xfrm>
+          <a:prstGeom prst="straightConnector1">
+            <a:avLst/>
+          </a:prstGeom>
+          <a:ln>
+            <a:tailEnd type="triangle"/>
+          </a:ln>
+        </p:spPr>
+        <p:style>
+          <a:lnRef idx="3">
+            <a:schemeClr val="accent1"/>
+          </a:lnRef>
+          <a:fillRef idx="0">
+            <a:schemeClr val="accent1"/>
+          </a:fillRef>
+          <a:effectRef idx="2">
+            <a:schemeClr val="accent1"/>
+          </a:effectRef>
+          <a:fontRef idx="minor">
+            <a:schemeClr val="tx1"/>
+          </a:fontRef>
+        </p:style>
+      </p:cxnSp>
+      <p:cxnSp>
+        <p:nvCxnSpPr>
+          <p:cNvPr id="20" name="Прямая со стрелкой 19">
+            <a:extLst>
+              <a:ext uri="{FF2B5EF4-FFF2-40B4-BE49-F238E27FC236}">
+                <a16:creationId xmlns:a16="http://schemas.microsoft.com/office/drawing/2014/main" id="{48E6ED89-7AAE-3BAD-F274-3AC09F3DC7FC}"/>
+              </a:ext>
+            </a:extLst>
+          </p:cNvPr>
+          <p:cNvCxnSpPr/>
+          <p:nvPr/>
+        </p:nvCxnSpPr>
+        <p:spPr>
+          <a:xfrm>
+            <a:off x="7425886" y="1792307"/>
+            <a:ext cx="810570" cy="0"/>
+          </a:xfrm>
+          <a:prstGeom prst="straightConnector1">
+            <a:avLst/>
+          </a:prstGeom>
+          <a:ln>
+            <a:tailEnd type="triangle"/>
+          </a:ln>
+        </p:spPr>
+        <p:style>
+          <a:lnRef idx="3">
+            <a:schemeClr val="accent1"/>
+          </a:lnRef>
+          <a:fillRef idx="0">
+            <a:schemeClr val="accent1"/>
+          </a:fillRef>
+          <a:effectRef idx="2">
+            <a:schemeClr val="accent1"/>
+          </a:effectRef>
+          <a:fontRef idx="minor">
+            <a:schemeClr val="tx1"/>
+          </a:fontRef>
+        </p:style>
+      </p:cxnSp>
+      <p:cxnSp>
+        <p:nvCxnSpPr>
+          <p:cNvPr id="22" name="Прямая со стрелкой 21">
+            <a:extLst>
+              <a:ext uri="{FF2B5EF4-FFF2-40B4-BE49-F238E27FC236}">
+                <a16:creationId xmlns:a16="http://schemas.microsoft.com/office/drawing/2014/main" id="{C899677C-9AE6-8C49-C5F5-06136CBD0118}"/>
+              </a:ext>
+            </a:extLst>
+          </p:cNvPr>
+          <p:cNvCxnSpPr/>
+          <p:nvPr/>
+        </p:nvCxnSpPr>
+        <p:spPr>
+          <a:xfrm>
+            <a:off x="8695592" y="2013438"/>
+            <a:ext cx="300192" cy="641839"/>
+          </a:xfrm>
+          <a:prstGeom prst="straightConnector1">
+            <a:avLst/>
+          </a:prstGeom>
+          <a:ln>
+            <a:tailEnd type="triangle"/>
+          </a:ln>
+        </p:spPr>
+        <p:style>
+          <a:lnRef idx="3">
+            <a:schemeClr val="accent1"/>
+          </a:lnRef>
+          <a:fillRef idx="0">
+            <a:schemeClr val="accent1"/>
+          </a:fillRef>
+          <a:effectRef idx="2">
+            <a:schemeClr val="accent1"/>
+          </a:effectRef>
+          <a:fontRef idx="minor">
+            <a:schemeClr val="tx1"/>
+          </a:fontRef>
+        </p:style>
+      </p:cxnSp>
+      <p:cxnSp>
+        <p:nvCxnSpPr>
+          <p:cNvPr id="24" name="Прямая со стрелкой 23">
+            <a:extLst>
+              <a:ext uri="{FF2B5EF4-FFF2-40B4-BE49-F238E27FC236}">
+                <a16:creationId xmlns:a16="http://schemas.microsoft.com/office/drawing/2014/main" id="{B1920CCE-B0BF-9A9D-7AEE-ACE4AF2639C5}"/>
+              </a:ext>
+            </a:extLst>
+          </p:cNvPr>
+          <p:cNvCxnSpPr/>
+          <p:nvPr/>
+        </p:nvCxnSpPr>
+        <p:spPr>
+          <a:xfrm>
+            <a:off x="9539654" y="3050931"/>
+            <a:ext cx="307731" cy="817684"/>
+          </a:xfrm>
+          <a:prstGeom prst="straightConnector1">
+            <a:avLst/>
+          </a:prstGeom>
+          <a:ln>
+            <a:tailEnd type="triangle"/>
+          </a:ln>
+        </p:spPr>
+        <p:style>
+          <a:lnRef idx="3">
+            <a:schemeClr val="accent1"/>
+          </a:lnRef>
+          <a:fillRef idx="0">
+            <a:schemeClr val="accent1"/>
+          </a:fillRef>
+          <a:effectRef idx="2">
+            <a:schemeClr val="accent1"/>
+          </a:effectRef>
+          <a:fontRef idx="minor">
+            <a:schemeClr val="tx1"/>
+          </a:fontRef>
+        </p:style>
+      </p:cxnSp>
+      <p:pic>
+        <p:nvPicPr>
+          <p:cNvPr id="26" name="Рисунок 25">
+            <a:extLst>
+              <a:ext uri="{FF2B5EF4-FFF2-40B4-BE49-F238E27FC236}">
+                <a16:creationId xmlns:a16="http://schemas.microsoft.com/office/drawing/2014/main" id="{24272B50-9D0F-F9E7-5254-9B11EB18781C}"/>
+              </a:ext>
+            </a:extLst>
+          </p:cNvPr>
+          <p:cNvPicPr>
+            <a:picLocks noChangeAspect="1"/>
+          </p:cNvPicPr>
+          <p:nvPr/>
+        </p:nvPicPr>
+        <p:blipFill>
+          <a:blip r:embed="rId7"/>
+          <a:stretch>
+            <a:fillRect/>
+          </a:stretch>
+        </p:blipFill>
+        <p:spPr>
+          <a:xfrm>
+            <a:off x="7831171" y="5975751"/>
+            <a:ext cx="4324954" cy="695422"/>
+          </a:xfrm>
+          <a:prstGeom prst="rect">
+            <a:avLst/>
+          </a:prstGeom>
+          <a:ln w="38100" cap="sq">
+            <a:solidFill>
+              <a:schemeClr val="bg2">
+                <a:lumMod val="75000"/>
+              </a:schemeClr>
+            </a:solidFill>
+            <a:prstDash val="solid"/>
+            <a:miter lim="800000"/>
+          </a:ln>
+          <a:effectLst>
+            <a:outerShdw blurRad="50800" dist="38100" dir="2700000" algn="tl" rotWithShape="0">
+              <a:srgbClr val="000000">
+                <a:alpha val="43000"/>
+              </a:srgbClr>
+            </a:outerShdw>
+          </a:effectLst>
+        </p:spPr>
+      </p:pic>
+      <p:cxnSp>
+        <p:nvCxnSpPr>
+          <p:cNvPr id="28" name="Прямая со стрелкой 27">
+            <a:extLst>
+              <a:ext uri="{FF2B5EF4-FFF2-40B4-BE49-F238E27FC236}">
+                <a16:creationId xmlns:a16="http://schemas.microsoft.com/office/drawing/2014/main" id="{2671656E-2A70-C535-CA2A-251F58628198}"/>
+              </a:ext>
+            </a:extLst>
+          </p:cNvPr>
+          <p:cNvCxnSpPr>
+            <a:cxnSpLocks/>
+          </p:cNvCxnSpPr>
+          <p:nvPr/>
+        </p:nvCxnSpPr>
+        <p:spPr>
+          <a:xfrm>
+            <a:off x="8695592" y="5275385"/>
+            <a:ext cx="844062" cy="669602"/>
+          </a:xfrm>
+          <a:prstGeom prst="straightConnector1">
+            <a:avLst/>
+          </a:prstGeom>
+          <a:ln>
+            <a:tailEnd type="triangle"/>
+          </a:ln>
+        </p:spPr>
+        <p:style>
+          <a:lnRef idx="3">
+            <a:schemeClr val="accent1"/>
+          </a:lnRef>
+          <a:fillRef idx="0">
+            <a:schemeClr val="accent1"/>
+          </a:fillRef>
+          <a:effectRef idx="2">
+            <a:schemeClr val="accent1"/>
+          </a:effectRef>
+          <a:fontRef idx="minor">
+            <a:schemeClr val="tx1"/>
+          </a:fontRef>
+        </p:style>
+      </p:cxnSp>
+      <p:pic>
+        <p:nvPicPr>
+          <p:cNvPr id="4" name="Рисунок 3">
+            <a:extLst>
+              <a:ext uri="{FF2B5EF4-FFF2-40B4-BE49-F238E27FC236}">
+                <a16:creationId xmlns:a16="http://schemas.microsoft.com/office/drawing/2014/main" id="{D5846608-B600-56CE-0C1E-2F0F7210A7FF}"/>
+              </a:ext>
+            </a:extLst>
+          </p:cNvPr>
+          <p:cNvPicPr>
+            <a:picLocks noChangeAspect="1"/>
+          </p:cNvPicPr>
+          <p:nvPr/>
+        </p:nvPicPr>
+        <p:blipFill>
+          <a:blip r:embed="rId8"/>
+          <a:stretch>
+            <a:fillRect/>
+          </a:stretch>
+        </p:blipFill>
+        <p:spPr>
+          <a:xfrm>
+            <a:off x="4457452" y="4137070"/>
+            <a:ext cx="3081126" cy="2280637"/>
+          </a:xfrm>
+          <a:prstGeom prst="rect">
+            <a:avLst/>
+          </a:prstGeom>
+          <a:ln w="38100" cap="sq">
+            <a:solidFill>
+              <a:schemeClr val="bg2">
+                <a:lumMod val="75000"/>
+              </a:schemeClr>
+            </a:solidFill>
+            <a:prstDash val="solid"/>
+            <a:miter lim="800000"/>
+          </a:ln>
+          <a:effectLst>
+            <a:outerShdw blurRad="50800" dist="38100" dir="2700000" algn="tl" rotWithShape="0">
+              <a:srgbClr val="000000">
+                <a:alpha val="43000"/>
+              </a:srgbClr>
+            </a:outerShdw>
+          </a:effectLst>
+        </p:spPr>
+      </p:pic>
+      <p:cxnSp>
+        <p:nvCxnSpPr>
+          <p:cNvPr id="7" name="Прямая со стрелкой 6">
+            <a:extLst>
+              <a:ext uri="{FF2B5EF4-FFF2-40B4-BE49-F238E27FC236}">
+                <a16:creationId xmlns:a16="http://schemas.microsoft.com/office/drawing/2014/main" id="{4A65AE88-CF9C-7C33-0952-C417EEBC6963}"/>
+              </a:ext>
+            </a:extLst>
+          </p:cNvPr>
+          <p:cNvCxnSpPr>
+            <a:cxnSpLocks/>
+          </p:cNvCxnSpPr>
+          <p:nvPr/>
+        </p:nvCxnSpPr>
+        <p:spPr>
+          <a:xfrm flipH="1" flipV="1">
+            <a:off x="7322473" y="6102507"/>
+            <a:ext cx="648316" cy="220955"/>
+          </a:xfrm>
+          <a:prstGeom prst="straightConnector1">
+            <a:avLst/>
+          </a:prstGeom>
+          <a:ln>
+            <a:tailEnd type="triangle"/>
+          </a:ln>
+        </p:spPr>
+        <p:style>
+          <a:lnRef idx="3">
+            <a:schemeClr val="accent1"/>
+          </a:lnRef>
+          <a:fillRef idx="0">
+            <a:schemeClr val="accent1"/>
+          </a:fillRef>
+          <a:effectRef idx="2">
+            <a:schemeClr val="accent1"/>
+          </a:effectRef>
+          <a:fontRef idx="minor">
+            <a:schemeClr val="tx1"/>
+          </a:fontRef>
+        </p:style>
+      </p:cxnSp>
       <p:sp>
         <p:nvSpPr>
-          <p:cNvPr id="3" name="Прямоугольник: скругленные углы 2">
+          <p:cNvPr id="29" name="Прямоугольник: скругленные углы 28">
             <a:extLst>
               <a:ext uri="{FF2B5EF4-FFF2-40B4-BE49-F238E27FC236}">
-                <a16:creationId xmlns:a16="http://schemas.microsoft.com/office/drawing/2014/main" id="{D908A2A9-330B-9090-8A76-4AAB95E907AA}"/>
+                <a16:creationId xmlns:a16="http://schemas.microsoft.com/office/drawing/2014/main" id="{1308EB29-FF08-EA4B-AC9F-BC3FE88781A4}"/>
               </a:ext>
             </a:extLst>
           </p:cNvPr>
@@ -17288,6 +17258,462 @@
       </p:sp>
       <p:sp>
         <p:nvSpPr>
+          <p:cNvPr id="30" name="TextBox 29">
+            <a:extLst>
+              <a:ext uri="{FF2B5EF4-FFF2-40B4-BE49-F238E27FC236}">
+                <a16:creationId xmlns:a16="http://schemas.microsoft.com/office/drawing/2014/main" id="{C9E6BBBE-50BA-BD66-94A4-3F130350BAA7}"/>
+              </a:ext>
+            </a:extLst>
+          </p:cNvPr>
+          <p:cNvSpPr txBox="1"/>
+          <p:nvPr/>
+        </p:nvSpPr>
+        <p:spPr>
+          <a:xfrm>
+            <a:off x="11580137" y="102645"/>
+            <a:ext cx="522515" cy="461665"/>
+          </a:xfrm>
+          <a:prstGeom prst="rect">
+            <a:avLst/>
+          </a:prstGeom>
+          <a:noFill/>
+        </p:spPr>
+        <p:txBody>
+          <a:bodyPr wrap="square" rtlCol="0">
+            <a:spAutoFit/>
+          </a:bodyPr>
+          <a:lstStyle/>
+          <a:p>
+            <a:r>
+              <a:rPr lang="ru-RU" sz="2400" dirty="0">
+                <a:ln w="0"/>
+                <a:effectLst>
+                  <a:outerShdw blurRad="38100" dist="19050" dir="2700000" algn="tl" rotWithShape="0">
+                    <a:schemeClr val="dk1">
+                      <a:alpha val="40000"/>
+                    </a:schemeClr>
+                  </a:outerShdw>
+                </a:effectLst>
+              </a:rPr>
+              <a:t>21</a:t>
+            </a:r>
+          </a:p>
+        </p:txBody>
+      </p:sp>
+      <p:pic>
+        <p:nvPicPr>
+          <p:cNvPr id="5" name="Рисунок 4">
+            <a:extLst>
+              <a:ext uri="{FF2B5EF4-FFF2-40B4-BE49-F238E27FC236}">
+                <a16:creationId xmlns:a16="http://schemas.microsoft.com/office/drawing/2014/main" id="{21A24065-30E0-C7B8-42E3-382C2C731D50}"/>
+              </a:ext>
+            </a:extLst>
+          </p:cNvPr>
+          <p:cNvPicPr>
+            <a:picLocks noChangeAspect="1"/>
+          </p:cNvPicPr>
+          <p:nvPr/>
+        </p:nvPicPr>
+        <p:blipFill>
+          <a:blip r:embed="rId9"/>
+          <a:stretch>
+            <a:fillRect/>
+          </a:stretch>
+        </p:blipFill>
+        <p:spPr>
+          <a:xfrm>
+            <a:off x="166363" y="3168119"/>
+            <a:ext cx="4012556" cy="2401645"/>
+          </a:xfrm>
+          <a:prstGeom prst="rect">
+            <a:avLst/>
+          </a:prstGeom>
+          <a:ln w="38100" cap="sq">
+            <a:solidFill>
+              <a:schemeClr val="bg2">
+                <a:lumMod val="75000"/>
+              </a:schemeClr>
+            </a:solidFill>
+            <a:prstDash val="solid"/>
+            <a:miter lim="800000"/>
+          </a:ln>
+          <a:effectLst>
+            <a:outerShdw blurRad="50800" dist="38100" dir="2700000" algn="tl" rotWithShape="0">
+              <a:srgbClr val="000000">
+                <a:alpha val="43000"/>
+              </a:srgbClr>
+            </a:outerShdw>
+          </a:effectLst>
+        </p:spPr>
+      </p:pic>
+      <p:cxnSp>
+        <p:nvCxnSpPr>
+          <p:cNvPr id="11" name="Прямая со стрелкой 10">
+            <a:extLst>
+              <a:ext uri="{FF2B5EF4-FFF2-40B4-BE49-F238E27FC236}">
+                <a16:creationId xmlns:a16="http://schemas.microsoft.com/office/drawing/2014/main" id="{5C991213-9414-6821-FB44-9B19A727F264}"/>
+              </a:ext>
+            </a:extLst>
+          </p:cNvPr>
+          <p:cNvCxnSpPr>
+            <a:cxnSpLocks/>
+          </p:cNvCxnSpPr>
+          <p:nvPr/>
+        </p:nvCxnSpPr>
+        <p:spPr>
+          <a:xfrm flipH="1" flipV="1">
+            <a:off x="3768695" y="4683095"/>
+            <a:ext cx="890496" cy="429184"/>
+          </a:xfrm>
+          <a:prstGeom prst="straightConnector1">
+            <a:avLst/>
+          </a:prstGeom>
+          <a:ln>
+            <a:tailEnd type="triangle"/>
+          </a:ln>
+        </p:spPr>
+        <p:style>
+          <a:lnRef idx="3">
+            <a:schemeClr val="accent1"/>
+          </a:lnRef>
+          <a:fillRef idx="0">
+            <a:schemeClr val="accent1"/>
+          </a:fillRef>
+          <a:effectRef idx="2">
+            <a:schemeClr val="accent1"/>
+          </a:effectRef>
+          <a:fontRef idx="minor">
+            <a:schemeClr val="tx1"/>
+          </a:fontRef>
+        </p:style>
+      </p:cxnSp>
+    </p:spTree>
+    <p:extLst>
+      <p:ext uri="{BB962C8B-B14F-4D97-AF65-F5344CB8AC3E}">
+        <p14:creationId xmlns:p14="http://schemas.microsoft.com/office/powerpoint/2010/main" val="1418698761"/>
+      </p:ext>
+    </p:extLst>
+  </p:cSld>
+  <p:clrMapOvr>
+    <a:masterClrMapping/>
+  </p:clrMapOvr>
+</p:sld>
+</file>
+
+<file path=ppt/slides/slide22.xml><?xml version="1.0" encoding="utf-8"?>
+<p:sld xmlns:a="http://schemas.openxmlformats.org/drawingml/2006/main" xmlns:r="http://schemas.openxmlformats.org/officeDocument/2006/relationships" xmlns:p="http://schemas.openxmlformats.org/presentationml/2006/main">
+  <p:cSld>
+    <p:spTree>
+      <p:nvGrpSpPr>
+        <p:cNvPr id="1" name=""/>
+        <p:cNvGrpSpPr/>
+        <p:nvPr/>
+      </p:nvGrpSpPr>
+      <p:grpSpPr>
+        <a:xfrm>
+          <a:off x="0" y="0"/>
+          <a:ext cx="0" cy="0"/>
+          <a:chOff x="0" y="0"/>
+          <a:chExt cx="0" cy="0"/>
+        </a:xfrm>
+      </p:grpSpPr>
+      <p:sp>
+        <p:nvSpPr>
+          <p:cNvPr id="5" name="TextBox 4">
+            <a:extLst>
+              <a:ext uri="{FF2B5EF4-FFF2-40B4-BE49-F238E27FC236}">
+                <a16:creationId xmlns:a16="http://schemas.microsoft.com/office/drawing/2014/main" id="{C9EA5A5A-3C2A-8C9C-F117-CFC2A969319A}"/>
+              </a:ext>
+            </a:extLst>
+          </p:cNvPr>
+          <p:cNvSpPr txBox="1"/>
+          <p:nvPr/>
+        </p:nvSpPr>
+        <p:spPr>
+          <a:xfrm>
+            <a:off x="2743199" y="564310"/>
+            <a:ext cx="6705600" cy="523220"/>
+          </a:xfrm>
+          <a:prstGeom prst="rect">
+            <a:avLst/>
+          </a:prstGeom>
+          <a:noFill/>
+        </p:spPr>
+        <p:txBody>
+          <a:bodyPr rot="0" spcFirstLastPara="0" vertOverflow="overflow" horzOverflow="overflow" vert="horz" wrap="square" lIns="91440" tIns="45720" rIns="91440" bIns="45720" numCol="1" spcCol="0" rtlCol="0" fromWordArt="0" anchor="t" anchorCtr="0" forceAA="0" compatLnSpc="1">
+            <a:prstTxWarp prst="textNoShape">
+              <a:avLst/>
+            </a:prstTxWarp>
+            <a:spAutoFit/>
+          </a:bodyPr>
+          <a:lstStyle/>
+          <a:p>
+            <a:pPr algn="ctr"/>
+            <a:r>
+              <a:rPr lang="ru-RU" sz="2800" dirty="0">
+                <a:latin typeface="Times New Roman"/>
+                <a:ea typeface="+mn-lt"/>
+                <a:cs typeface="+mn-lt"/>
+              </a:rPr>
+              <a:t>Заключение</a:t>
+            </a:r>
+            <a:endParaRPr lang="ru-RU" dirty="0"/>
+          </a:p>
+        </p:txBody>
+      </p:sp>
+      <p:sp>
+        <p:nvSpPr>
+          <p:cNvPr id="2" name="TextBox 1"/>
+          <p:cNvSpPr txBox="1"/>
+          <p:nvPr/>
+        </p:nvSpPr>
+        <p:spPr>
+          <a:xfrm>
+            <a:off x="2313075" y="1773977"/>
+            <a:ext cx="7565849" cy="3785652"/>
+          </a:xfrm>
+          <a:prstGeom prst="rect">
+            <a:avLst/>
+          </a:prstGeom>
+          <a:noFill/>
+        </p:spPr>
+        <p:txBody>
+          <a:bodyPr wrap="square" rtlCol="0">
+            <a:spAutoFit/>
+          </a:bodyPr>
+          <a:lstStyle/>
+          <a:p>
+            <a:pPr algn="ctr"/>
+            <a:r>
+              <a:rPr lang="ru-RU" sz="2000" dirty="0">
+                <a:latin typeface="Times New Roman" panose="02020603050405020304" pitchFamily="18" charset="0"/>
+                <a:cs typeface="Times New Roman" panose="02020603050405020304" pitchFamily="18" charset="0"/>
+              </a:rPr>
+              <a:t>В ходе работы над выпускной квалификационной работой создано программное средство, отвечающее всем заявленным функциональным требованиям. Цели и задачи поставленной задачи успешно выполнены.</a:t>
+            </a:r>
+          </a:p>
+          <a:p>
+            <a:pPr algn="ctr"/>
+            <a:endParaRPr lang="ru-RU" sz="2000" dirty="0">
+              <a:latin typeface="Times New Roman" panose="02020603050405020304" pitchFamily="18" charset="0"/>
+              <a:cs typeface="Times New Roman" panose="02020603050405020304" pitchFamily="18" charset="0"/>
+            </a:endParaRPr>
+          </a:p>
+          <a:p>
+            <a:pPr algn="ctr"/>
+            <a:r>
+              <a:rPr lang="ru-RU" sz="2000" dirty="0">
+                <a:latin typeface="Times New Roman" panose="02020603050405020304" pitchFamily="18" charset="0"/>
+                <a:cs typeface="Times New Roman" panose="02020603050405020304" pitchFamily="18" charset="0"/>
+              </a:rPr>
+              <a:t>Разработанное программное средство может быть использовано как для научных исследований в медицинской сфере, так и в качестве вспомогательного средства для принятия решений в сфере управления при возникновении реальной эпидемической угрозы. Оно может также применяться в учебных целях в предметах, связанных с математическим моделированием и вычислительной математикой. </a:t>
+            </a:r>
+          </a:p>
+        </p:txBody>
+      </p:sp>
+      <p:sp>
+        <p:nvSpPr>
+          <p:cNvPr id="4" name="Прямоугольник: скругленные углы 3">
+            <a:extLst>
+              <a:ext uri="{FF2B5EF4-FFF2-40B4-BE49-F238E27FC236}">
+                <a16:creationId xmlns:a16="http://schemas.microsoft.com/office/drawing/2014/main" id="{484670ED-EDCD-AB7D-B9F8-8C211106BC57}"/>
+              </a:ext>
+            </a:extLst>
+          </p:cNvPr>
+          <p:cNvSpPr/>
+          <p:nvPr/>
+        </p:nvSpPr>
+        <p:spPr>
+          <a:xfrm>
+            <a:off x="11614932" y="102645"/>
+            <a:ext cx="452927" cy="461665"/>
+          </a:xfrm>
+          <a:prstGeom prst="roundRect">
+            <a:avLst/>
+          </a:prstGeom>
+        </p:spPr>
+        <p:style>
+          <a:lnRef idx="0">
+            <a:schemeClr val="accent1"/>
+          </a:lnRef>
+          <a:fillRef idx="3">
+            <a:schemeClr val="accent1"/>
+          </a:fillRef>
+          <a:effectRef idx="3">
+            <a:schemeClr val="accent1"/>
+          </a:effectRef>
+          <a:fontRef idx="minor">
+            <a:schemeClr val="lt1"/>
+          </a:fontRef>
+        </p:style>
+        <p:txBody>
+          <a:bodyPr rtlCol="0" anchor="ctr"/>
+          <a:lstStyle/>
+          <a:p>
+            <a:pPr algn="ctr"/>
+            <a:endParaRPr lang="ru-RU"/>
+          </a:p>
+        </p:txBody>
+      </p:sp>
+      <p:sp>
+        <p:nvSpPr>
+          <p:cNvPr id="6" name="TextBox 5">
+            <a:extLst>
+              <a:ext uri="{FF2B5EF4-FFF2-40B4-BE49-F238E27FC236}">
+                <a16:creationId xmlns:a16="http://schemas.microsoft.com/office/drawing/2014/main" id="{6D019C60-785C-AF3A-9DA9-C0A03A4B9EE9}"/>
+              </a:ext>
+            </a:extLst>
+          </p:cNvPr>
+          <p:cNvSpPr txBox="1"/>
+          <p:nvPr/>
+        </p:nvSpPr>
+        <p:spPr>
+          <a:xfrm>
+            <a:off x="11580137" y="102645"/>
+            <a:ext cx="522515" cy="461665"/>
+          </a:xfrm>
+          <a:prstGeom prst="rect">
+            <a:avLst/>
+          </a:prstGeom>
+          <a:noFill/>
+        </p:spPr>
+        <p:txBody>
+          <a:bodyPr wrap="square" rtlCol="0">
+            <a:spAutoFit/>
+          </a:bodyPr>
+          <a:lstStyle/>
+          <a:p>
+            <a:r>
+              <a:rPr lang="ru-RU" sz="2400" dirty="0">
+                <a:ln w="0"/>
+                <a:effectLst>
+                  <a:outerShdw blurRad="38100" dist="19050" dir="2700000" algn="tl" rotWithShape="0">
+                    <a:schemeClr val="dk1">
+                      <a:alpha val="40000"/>
+                    </a:schemeClr>
+                  </a:outerShdw>
+                </a:effectLst>
+              </a:rPr>
+              <a:t>22</a:t>
+            </a:r>
+          </a:p>
+        </p:txBody>
+      </p:sp>
+    </p:spTree>
+    <p:extLst>
+      <p:ext uri="{BB962C8B-B14F-4D97-AF65-F5344CB8AC3E}">
+        <p14:creationId xmlns:p14="http://schemas.microsoft.com/office/powerpoint/2010/main" val="4283652737"/>
+      </p:ext>
+    </p:extLst>
+  </p:cSld>
+  <p:clrMapOvr>
+    <a:masterClrMapping/>
+  </p:clrMapOvr>
+</p:sld>
+</file>
+
+<file path=ppt/slides/slide23.xml><?xml version="1.0" encoding="utf-8"?>
+<p:sld xmlns:a="http://schemas.openxmlformats.org/drawingml/2006/main" xmlns:r="http://schemas.openxmlformats.org/officeDocument/2006/relationships" xmlns:p="http://schemas.openxmlformats.org/presentationml/2006/main">
+  <p:cSld>
+    <p:spTree>
+      <p:nvGrpSpPr>
+        <p:cNvPr id="1" name=""/>
+        <p:cNvGrpSpPr/>
+        <p:nvPr/>
+      </p:nvGrpSpPr>
+      <p:grpSpPr>
+        <a:xfrm>
+          <a:off x="0" y="0"/>
+          <a:ext cx="0" cy="0"/>
+          <a:chOff x="0" y="0"/>
+          <a:chExt cx="0" cy="0"/>
+        </a:xfrm>
+      </p:grpSpPr>
+      <p:sp>
+        <p:nvSpPr>
+          <p:cNvPr id="2" name="TextBox 1">
+            <a:extLst>
+              <a:ext uri="{FF2B5EF4-FFF2-40B4-BE49-F238E27FC236}">
+                <a16:creationId xmlns:a16="http://schemas.microsoft.com/office/drawing/2014/main" id="{C6D12E56-CC4C-4D92-0453-A0CDB398D6B5}"/>
+              </a:ext>
+            </a:extLst>
+          </p:cNvPr>
+          <p:cNvSpPr txBox="1"/>
+          <p:nvPr/>
+        </p:nvSpPr>
+        <p:spPr>
+          <a:xfrm>
+            <a:off x="2160814" y="2598003"/>
+            <a:ext cx="7870371" cy="830997"/>
+          </a:xfrm>
+          <a:prstGeom prst="rect">
+            <a:avLst/>
+          </a:prstGeom>
+          <a:noFill/>
+        </p:spPr>
+        <p:txBody>
+          <a:bodyPr wrap="square" rtlCol="0">
+            <a:spAutoFit/>
+          </a:bodyPr>
+          <a:lstStyle/>
+          <a:p>
+            <a:pPr algn="ctr"/>
+            <a:r>
+              <a:rPr lang="ru-RU" sz="4800" dirty="0">
+                <a:latin typeface="Times New Roman" panose="02020603050405020304" pitchFamily="18" charset="0"/>
+                <a:cs typeface="Times New Roman" panose="02020603050405020304" pitchFamily="18" charset="0"/>
+              </a:rPr>
+              <a:t>Спасибо за внимание!</a:t>
+            </a:r>
+          </a:p>
+        </p:txBody>
+      </p:sp>
+      <p:sp>
+        <p:nvSpPr>
+          <p:cNvPr id="3" name="Прямоугольник: скругленные углы 2">
+            <a:extLst>
+              <a:ext uri="{FF2B5EF4-FFF2-40B4-BE49-F238E27FC236}">
+                <a16:creationId xmlns:a16="http://schemas.microsoft.com/office/drawing/2014/main" id="{D908A2A9-330B-9090-8A76-4AAB95E907AA}"/>
+              </a:ext>
+            </a:extLst>
+          </p:cNvPr>
+          <p:cNvSpPr/>
+          <p:nvPr/>
+        </p:nvSpPr>
+        <p:spPr>
+          <a:xfrm>
+            <a:off x="11614932" y="102645"/>
+            <a:ext cx="452927" cy="461665"/>
+          </a:xfrm>
+          <a:prstGeom prst="roundRect">
+            <a:avLst/>
+          </a:prstGeom>
+        </p:spPr>
+        <p:style>
+          <a:lnRef idx="0">
+            <a:schemeClr val="accent1"/>
+          </a:lnRef>
+          <a:fillRef idx="3">
+            <a:schemeClr val="accent1"/>
+          </a:fillRef>
+          <a:effectRef idx="3">
+            <a:schemeClr val="accent1"/>
+          </a:effectRef>
+          <a:fontRef idx="minor">
+            <a:schemeClr val="lt1"/>
+          </a:fontRef>
+        </p:style>
+        <p:txBody>
+          <a:bodyPr rtlCol="0" anchor="ctr"/>
+          <a:lstStyle/>
+          <a:p>
+            <a:pPr algn="ctr"/>
+            <a:endParaRPr lang="ru-RU"/>
+          </a:p>
+        </p:txBody>
+      </p:sp>
+      <p:sp>
+        <p:nvSpPr>
           <p:cNvPr id="5" name="TextBox 4">
             <a:extLst>
               <a:ext uri="{FF2B5EF4-FFF2-40B4-BE49-F238E27FC236}">
@@ -17325,7 +17751,7 @@
                   </a:outerShdw>
                 </a:effectLst>
               </a:rPr>
-              <a:t>21</a:t>
+              <a:t>23</a:t>
             </a:r>
           </a:p>
         </p:txBody>

--- a/VKR_Volkova_VMO41.pptx
+++ b/VKR_Volkova_VMO41.pptx
@@ -6337,7 +6337,7 @@
                 <a:latin typeface="Times New Roman"/>
                 <a:cs typeface="Times New Roman"/>
               </a:rPr>
-              <a:t>студент группы ВМО41 </a:t>
+              <a:t>студентка группы ВМО41 </a:t>
             </a:r>
           </a:p>
           <a:p>
@@ -17431,7 +17431,7 @@
         </p:nvSpPr>
         <p:spPr>
           <a:xfrm>
-            <a:off x="2743199" y="564310"/>
+            <a:off x="1576705" y="598781"/>
             <a:ext cx="6705600" cy="523220"/>
           </a:xfrm>
           <a:prstGeom prst="rect">
@@ -17469,8 +17469,8 @@
         </p:nvSpPr>
         <p:spPr>
           <a:xfrm>
-            <a:off x="2313075" y="1773977"/>
-            <a:ext cx="7565849" cy="3785652"/>
+            <a:off x="561187" y="1970531"/>
+            <a:ext cx="8736637" cy="3170099"/>
           </a:xfrm>
           <a:prstGeom prst="rect">
             <a:avLst/>
@@ -17489,7 +17489,7 @@
                 <a:latin typeface="Times New Roman" panose="02020603050405020304" pitchFamily="18" charset="0"/>
                 <a:cs typeface="Times New Roman" panose="02020603050405020304" pitchFamily="18" charset="0"/>
               </a:rPr>
-              <a:t>В ходе работы над выпускной квалификационной работой создано программное средство, отвечающее всем заявленным функциональным требованиям. Цели и задачи поставленной задачи успешно выполнены.</a:t>
+              <a:t>В ходе работы над выпускной квалификационной работой создано программное средство, отвечающее всем заявленным функциональным требованиям. Цели и задачи успешно выполнены.</a:t>
             </a:r>
           </a:p>
           <a:p>
@@ -17992,7 +17992,7 @@
                 <a:latin typeface="Times New Roman" panose="02020603050405020304" pitchFamily="18" charset="0"/>
                 <a:cs typeface="Times New Roman" panose="02020603050405020304" pitchFamily="18" charset="0"/>
               </a:rPr>
-              <a:t>Разработать удобное программное средство для моделирования эпидемиологических ситуаций.</a:t>
+              <a:t>Разработать программное средство для моделирования эпидемиологических ситуаций.</a:t>
             </a:r>
           </a:p>
           <a:p>
@@ -18005,7 +18005,17 @@
                 <a:latin typeface="Times New Roman" panose="02020603050405020304" pitchFamily="18" charset="0"/>
                 <a:cs typeface="Times New Roman" panose="02020603050405020304" pitchFamily="18" charset="0"/>
               </a:rPr>
-              <a:t>Реализовать экспорт результатов, включающий в себя вычисления и графики.</a:t>
+              <a:t>Реализовать экспорт результатов, </a:t>
+            </a:r>
+            <a:r>
+              <a:rPr lang="ru-RU" sz="2000" dirty="0">
+                <a:highlight>
+                  <a:srgbClr val="FFFF00"/>
+                </a:highlight>
+                <a:latin typeface="Times New Roman" panose="02020603050405020304" pitchFamily="18" charset="0"/>
+                <a:cs typeface="Times New Roman" panose="02020603050405020304" pitchFamily="18" charset="0"/>
+              </a:rPr>
+              <a:t>включающий в себя вычисления и графики.</a:t>
             </a:r>
           </a:p>
           <a:p>

--- a/VKR_Volkova_VMO41.pptx
+++ b/VKR_Volkova_VMO41.pptx
@@ -14195,7 +14195,7 @@
         </p:nvSpPr>
         <p:spPr>
           <a:xfrm>
-            <a:off x="2686050" y="158233"/>
+            <a:off x="1719638" y="158233"/>
             <a:ext cx="6819899" cy="954107"/>
           </a:xfrm>
           <a:prstGeom prst="rect">
@@ -14249,7 +14249,7 @@
         </p:blipFill>
         <p:spPr>
           <a:xfrm>
-            <a:off x="3061607" y="1112340"/>
+            <a:off x="2907783" y="1112340"/>
             <a:ext cx="4135962" cy="5542189"/>
           </a:xfrm>
           <a:prstGeom prst="rect">
@@ -14389,7 +14389,7 @@
         </p:nvSpPr>
         <p:spPr>
           <a:xfrm>
-            <a:off x="3045152" y="195621"/>
+            <a:off x="1900015" y="102645"/>
             <a:ext cx="6101696" cy="954107"/>
           </a:xfrm>
           <a:prstGeom prst="rect">
@@ -14456,8 +14456,8 @@
         </p:blipFill>
         <p:spPr>
           <a:xfrm>
-            <a:off x="3064202" y="1516523"/>
-            <a:ext cx="3619500" cy="4953000"/>
+            <a:off x="3030017" y="1230595"/>
+            <a:ext cx="3815957" cy="5221836"/>
           </a:xfrm>
           <a:prstGeom prst="rect">
             <a:avLst/>
@@ -14619,7 +14619,7 @@
         </p:nvSpPr>
         <p:spPr>
           <a:xfrm>
-            <a:off x="3045152" y="229805"/>
+            <a:off x="1976928" y="102645"/>
             <a:ext cx="6101696" cy="954107"/>
           </a:xfrm>
           <a:prstGeom prst="rect">
@@ -15188,8 +15188,8 @@
         </p:nvSpPr>
         <p:spPr>
           <a:xfrm>
-            <a:off x="2536371" y="174562"/>
-            <a:ext cx="7119257" cy="954107"/>
+            <a:off x="909246" y="174562"/>
+            <a:ext cx="7897105" cy="523220"/>
           </a:xfrm>
           <a:prstGeom prst="rect">
             <a:avLst/>
@@ -15223,42 +15223,6 @@
           </a:p>
         </p:txBody>
       </p:sp>
-      <p:pic>
-        <p:nvPicPr>
-          <p:cNvPr id="5" name="Рисунок 4">
-            <a:extLst>
-              <a:ext uri="{FF2B5EF4-FFF2-40B4-BE49-F238E27FC236}">
-                <a16:creationId xmlns:a16="http://schemas.microsoft.com/office/drawing/2014/main" id="{0CAD9AA1-2A9C-FDC8-2CA6-B95253997D3F}"/>
-              </a:ext>
-            </a:extLst>
-          </p:cNvPr>
-          <p:cNvPicPr>
-            <a:picLocks noChangeAspect="1"/>
-          </p:cNvPicPr>
-          <p:nvPr/>
-        </p:nvPicPr>
-        <p:blipFill>
-          <a:blip r:embed="rId2" cstate="print">
-            <a:extLst>
-              <a:ext uri="{28A0092B-C50C-407E-A947-70E740481C1C}">
-                <a14:useLocalDpi xmlns:a14="http://schemas.microsoft.com/office/drawing/2010/main" val="0"/>
-              </a:ext>
-            </a:extLst>
-          </a:blip>
-          <a:stretch>
-            <a:fillRect/>
-          </a:stretch>
-        </p:blipFill>
-        <p:spPr>
-          <a:xfrm>
-            <a:off x="3178626" y="1128669"/>
-            <a:ext cx="2917373" cy="5617825"/>
-          </a:xfrm>
-          <a:prstGeom prst="rect">
-            <a:avLst/>
-          </a:prstGeom>
-        </p:spPr>
-      </p:pic>
       <p:sp>
         <p:nvSpPr>
           <p:cNvPr id="7" name="Прямоугольник: скругленные углы 6">
@@ -15347,6 +15311,42 @@
           </a:p>
         </p:txBody>
       </p:sp>
+      <p:pic>
+        <p:nvPicPr>
+          <p:cNvPr id="4" name="Рисунок 3">
+            <a:extLst>
+              <a:ext uri="{FF2B5EF4-FFF2-40B4-BE49-F238E27FC236}">
+                <a16:creationId xmlns:a16="http://schemas.microsoft.com/office/drawing/2014/main" id="{78FF2018-13B5-B898-F6E7-FE44DEF1679D}"/>
+              </a:ext>
+            </a:extLst>
+          </p:cNvPr>
+          <p:cNvPicPr>
+            <a:picLocks noChangeAspect="1"/>
+          </p:cNvPicPr>
+          <p:nvPr/>
+        </p:nvPicPr>
+        <p:blipFill>
+          <a:blip r:embed="rId2">
+            <a:extLst>
+              <a:ext uri="{28A0092B-C50C-407E-A947-70E740481C1C}">
+                <a14:useLocalDpi xmlns:a14="http://schemas.microsoft.com/office/drawing/2010/main" val="0"/>
+              </a:ext>
+            </a:extLst>
+          </a:blip>
+          <a:stretch>
+            <a:fillRect/>
+          </a:stretch>
+        </p:blipFill>
+        <p:spPr>
+          <a:xfrm>
+            <a:off x="3229834" y="808259"/>
+            <a:ext cx="2948776" cy="5875179"/>
+          </a:xfrm>
+          <a:prstGeom prst="rect">
+            <a:avLst/>
+          </a:prstGeom>
+        </p:spPr>
+      </p:pic>
     </p:spTree>
     <p:extLst>
       <p:ext uri="{BB962C8B-B14F-4D97-AF65-F5344CB8AC3E}">
@@ -15391,7 +15391,7 @@
         </p:nvSpPr>
         <p:spPr>
           <a:xfrm>
-            <a:off x="3042558" y="111721"/>
+            <a:off x="3042558" y="17187"/>
             <a:ext cx="6106884" cy="523220"/>
           </a:xfrm>
           <a:prstGeom prst="rect">
@@ -15441,52 +15441,6 @@
           <a:xfrm>
             <a:off x="329412" y="715480"/>
             <a:ext cx="6457785" cy="3471312"/>
-          </a:xfrm>
-          <a:prstGeom prst="rect">
-            <a:avLst/>
-          </a:prstGeom>
-          <a:ln w="38100" cap="sq">
-            <a:solidFill>
-              <a:schemeClr val="bg2">
-                <a:lumMod val="75000"/>
-              </a:schemeClr>
-            </a:solidFill>
-            <a:prstDash val="solid"/>
-            <a:miter lim="800000"/>
-          </a:ln>
-          <a:effectLst>
-            <a:outerShdw blurRad="50800" dist="38100" dir="2700000" algn="tl" rotWithShape="0">
-              <a:srgbClr val="000000">
-                <a:alpha val="43000"/>
-              </a:srgbClr>
-            </a:outerShdw>
-          </a:effectLst>
-        </p:spPr>
-      </p:pic>
-      <p:pic>
-        <p:nvPicPr>
-          <p:cNvPr id="10" name="Рисунок 9">
-            <a:extLst>
-              <a:ext uri="{FF2B5EF4-FFF2-40B4-BE49-F238E27FC236}">
-                <a16:creationId xmlns:a16="http://schemas.microsoft.com/office/drawing/2014/main" id="{EBC93357-7635-42AB-14A9-C789616EDDE3}"/>
-              </a:ext>
-            </a:extLst>
-          </p:cNvPr>
-          <p:cNvPicPr>
-            <a:picLocks noChangeAspect="1"/>
-          </p:cNvPicPr>
-          <p:nvPr/>
-        </p:nvPicPr>
-        <p:blipFill>
-          <a:blip r:embed="rId3"/>
-          <a:stretch>
-            <a:fillRect/>
-          </a:stretch>
-        </p:blipFill>
-        <p:spPr>
-          <a:xfrm>
-            <a:off x="5424513" y="2862843"/>
-            <a:ext cx="6438075" cy="3471312"/>
           </a:xfrm>
           <a:prstGeom prst="rect">
             <a:avLst/>
@@ -15612,7 +15566,7 @@
           <p:nvPr/>
         </p:nvPicPr>
         <p:blipFill>
-          <a:blip r:embed="rId4"/>
+          <a:blip r:embed="rId3"/>
           <a:stretch>
             <a:fillRect/>
           </a:stretch>
@@ -15682,6 +15636,52 @@
           </a:fontRef>
         </p:style>
       </p:cxnSp>
+      <p:pic>
+        <p:nvPicPr>
+          <p:cNvPr id="6" name="Рисунок 5">
+            <a:extLst>
+              <a:ext uri="{FF2B5EF4-FFF2-40B4-BE49-F238E27FC236}">
+                <a16:creationId xmlns:a16="http://schemas.microsoft.com/office/drawing/2014/main" id="{DC56ABA2-EFCE-6570-28B7-6B334FBA3F8F}"/>
+              </a:ext>
+            </a:extLst>
+          </p:cNvPr>
+          <p:cNvPicPr>
+            <a:picLocks noChangeAspect="1"/>
+          </p:cNvPicPr>
+          <p:nvPr/>
+        </p:nvPicPr>
+        <p:blipFill>
+          <a:blip r:embed="rId4"/>
+          <a:stretch>
+            <a:fillRect/>
+          </a:stretch>
+        </p:blipFill>
+        <p:spPr>
+          <a:xfrm>
+            <a:off x="5350667" y="2985582"/>
+            <a:ext cx="6420924" cy="3471312"/>
+          </a:xfrm>
+          <a:prstGeom prst="rect">
+            <a:avLst/>
+          </a:prstGeom>
+          <a:ln w="38100" cap="sq">
+            <a:solidFill>
+              <a:schemeClr val="bg2">
+                <a:lumMod val="75000"/>
+              </a:schemeClr>
+            </a:solidFill>
+            <a:prstDash val="solid"/>
+            <a:miter lim="800000"/>
+          </a:ln>
+          <a:effectLst>
+            <a:outerShdw blurRad="50800" dist="38100" dir="2700000" algn="tl" rotWithShape="0">
+              <a:srgbClr val="000000">
+                <a:alpha val="43000"/>
+              </a:srgbClr>
+            </a:outerShdw>
+          </a:effectLst>
+        </p:spPr>
+      </p:pic>
     </p:spTree>
     <p:extLst>
       <p:ext uri="{BB962C8B-B14F-4D97-AF65-F5344CB8AC3E}">
@@ -15726,7 +15726,7 @@
         </p:nvSpPr>
         <p:spPr>
           <a:xfrm>
-            <a:off x="3045152" y="333477"/>
+            <a:off x="1858710" y="333477"/>
             <a:ext cx="6101696" cy="584775"/>
           </a:xfrm>
           <a:prstGeom prst="rect">
@@ -15765,7 +15765,7 @@
         </p:nvSpPr>
         <p:spPr>
           <a:xfrm>
-            <a:off x="581113" y="1934401"/>
+            <a:off x="555475" y="1968584"/>
             <a:ext cx="8708165" cy="3170099"/>
           </a:xfrm>
           <a:prstGeom prst="rect">
@@ -15966,7 +15966,7 @@
         </p:nvSpPr>
         <p:spPr>
           <a:xfrm>
-            <a:off x="3340215" y="108297"/>
+            <a:off x="3042558" y="81132"/>
             <a:ext cx="6106884" cy="523220"/>
           </a:xfrm>
           <a:prstGeom prst="rect">
@@ -16308,91 +16308,6 @@
           </a:fontRef>
         </p:style>
       </p:cxnSp>
-      <p:pic>
-        <p:nvPicPr>
-          <p:cNvPr id="5" name="Рисунок 4">
-            <a:extLst>
-              <a:ext uri="{FF2B5EF4-FFF2-40B4-BE49-F238E27FC236}">
-                <a16:creationId xmlns:a16="http://schemas.microsoft.com/office/drawing/2014/main" id="{8FD5CAF8-C1A7-B3AE-C366-5E3CCF644840}"/>
-              </a:ext>
-            </a:extLst>
-          </p:cNvPr>
-          <p:cNvPicPr>
-            <a:picLocks noChangeAspect="1"/>
-          </p:cNvPicPr>
-          <p:nvPr/>
-        </p:nvPicPr>
-        <p:blipFill>
-          <a:blip r:embed="rId6"/>
-          <a:stretch>
-            <a:fillRect/>
-          </a:stretch>
-        </p:blipFill>
-        <p:spPr>
-          <a:xfrm>
-            <a:off x="3996268" y="3081936"/>
-            <a:ext cx="1832201" cy="3562612"/>
-          </a:xfrm>
-          <a:prstGeom prst="rect">
-            <a:avLst/>
-          </a:prstGeom>
-          <a:ln w="38100" cap="sq">
-            <a:solidFill>
-              <a:schemeClr val="bg2">
-                <a:lumMod val="75000"/>
-              </a:schemeClr>
-            </a:solidFill>
-            <a:prstDash val="solid"/>
-            <a:miter lim="800000"/>
-          </a:ln>
-          <a:effectLst>
-            <a:outerShdw blurRad="50800" dist="38100" dir="2700000" algn="tl" rotWithShape="0">
-              <a:srgbClr val="000000">
-                <a:alpha val="43000"/>
-              </a:srgbClr>
-            </a:outerShdw>
-          </a:effectLst>
-        </p:spPr>
-      </p:pic>
-      <p:cxnSp>
-        <p:nvCxnSpPr>
-          <p:cNvPr id="9" name="Прямая со стрелкой 8">
-            <a:extLst>
-              <a:ext uri="{FF2B5EF4-FFF2-40B4-BE49-F238E27FC236}">
-                <a16:creationId xmlns:a16="http://schemas.microsoft.com/office/drawing/2014/main" id="{3F280520-A001-F1DC-1A0C-B461A8CA167E}"/>
-              </a:ext>
-            </a:extLst>
-          </p:cNvPr>
-          <p:cNvCxnSpPr/>
-          <p:nvPr/>
-        </p:nvCxnSpPr>
-        <p:spPr>
-          <a:xfrm>
-            <a:off x="2905570" y="5110385"/>
-            <a:ext cx="1239140" cy="264920"/>
-          </a:xfrm>
-          <a:prstGeom prst="straightConnector1">
-            <a:avLst/>
-          </a:prstGeom>
-          <a:ln>
-            <a:tailEnd type="triangle"/>
-          </a:ln>
-        </p:spPr>
-        <p:style>
-          <a:lnRef idx="3">
-            <a:schemeClr val="accent1"/>
-          </a:lnRef>
-          <a:fillRef idx="0">
-            <a:schemeClr val="accent1"/>
-          </a:fillRef>
-          <a:effectRef idx="2">
-            <a:schemeClr val="accent1"/>
-          </a:effectRef>
-          <a:fontRef idx="minor">
-            <a:schemeClr val="tx1"/>
-          </a:fontRef>
-        </p:style>
-      </p:cxnSp>
       <p:sp>
         <p:nvSpPr>
           <p:cNvPr id="13" name="Прямоугольник: скругленные углы 12">
@@ -16483,10 +16398,10 @@
       </p:sp>
       <p:pic>
         <p:nvPicPr>
-          <p:cNvPr id="19" name="Рисунок 18">
-            <a:extLst>
-              <a:ext uri="{FF2B5EF4-FFF2-40B4-BE49-F238E27FC236}">
-                <a16:creationId xmlns:a16="http://schemas.microsoft.com/office/drawing/2014/main" id="{2A17DE9F-40C5-051D-8031-E6C99AA174B9}"/>
+          <p:cNvPr id="7" name="Рисунок 6">
+            <a:extLst>
+              <a:ext uri="{FF2B5EF4-FFF2-40B4-BE49-F238E27FC236}">
+                <a16:creationId xmlns:a16="http://schemas.microsoft.com/office/drawing/2014/main" id="{098A8BCA-84B7-7B9D-C1E2-E37F515369A2}"/>
               </a:ext>
             </a:extLst>
           </p:cNvPr>
@@ -16496,15 +16411,15 @@
           <p:nvPr/>
         </p:nvPicPr>
         <p:blipFill>
-          <a:blip r:embed="rId7"/>
+          <a:blip r:embed="rId6"/>
           <a:stretch>
             <a:fillRect/>
           </a:stretch>
         </p:blipFill>
         <p:spPr>
           <a:xfrm>
-            <a:off x="6614922" y="2974873"/>
-            <a:ext cx="5414204" cy="3776737"/>
+            <a:off x="4125041" y="3140383"/>
+            <a:ext cx="1705055" cy="3404310"/>
           </a:xfrm>
           <a:prstGeom prst="rect">
             <a:avLst/>
@@ -16529,10 +16444,81 @@
       </p:pic>
       <p:cxnSp>
         <p:nvCxnSpPr>
-          <p:cNvPr id="21" name="Прямая со стрелкой 20">
-            <a:extLst>
-              <a:ext uri="{FF2B5EF4-FFF2-40B4-BE49-F238E27FC236}">
-                <a16:creationId xmlns:a16="http://schemas.microsoft.com/office/drawing/2014/main" id="{55C010DB-5647-CD3E-8602-A0A65CB87CAC}"/>
+          <p:cNvPr id="12" name="Прямая со стрелкой 11">
+            <a:extLst>
+              <a:ext uri="{FF2B5EF4-FFF2-40B4-BE49-F238E27FC236}">
+                <a16:creationId xmlns:a16="http://schemas.microsoft.com/office/drawing/2014/main" id="{A7B1A90F-E5A1-6B35-7FE8-A24879A7C2C3}"/>
+              </a:ext>
+            </a:extLst>
+          </p:cNvPr>
+          <p:cNvCxnSpPr>
+            <a:cxnSpLocks/>
+          </p:cNvCxnSpPr>
+          <p:nvPr/>
+        </p:nvCxnSpPr>
+        <p:spPr>
+          <a:xfrm>
+            <a:off x="2871387" y="5136022"/>
+            <a:ext cx="1427148" cy="282012"/>
+          </a:xfrm>
+          <a:prstGeom prst="straightConnector1">
+            <a:avLst/>
+          </a:prstGeom>
+          <a:ln>
+            <a:tailEnd type="triangle"/>
+          </a:ln>
+        </p:spPr>
+        <p:style>
+          <a:lnRef idx="3">
+            <a:schemeClr val="accent1"/>
+          </a:lnRef>
+          <a:fillRef idx="0">
+            <a:schemeClr val="accent1"/>
+          </a:fillRef>
+          <a:effectRef idx="2">
+            <a:schemeClr val="accent1"/>
+          </a:effectRef>
+          <a:fontRef idx="minor">
+            <a:schemeClr val="tx1"/>
+          </a:fontRef>
+        </p:style>
+      </p:cxnSp>
+      <p:pic>
+        <p:nvPicPr>
+          <p:cNvPr id="26" name="Рисунок 25">
+            <a:extLst>
+              <a:ext uri="{FF2B5EF4-FFF2-40B4-BE49-F238E27FC236}">
+                <a16:creationId xmlns:a16="http://schemas.microsoft.com/office/drawing/2014/main" id="{A1262F9D-D9BD-B161-25CD-437726814231}"/>
+              </a:ext>
+            </a:extLst>
+          </p:cNvPr>
+          <p:cNvPicPr>
+            <a:picLocks noChangeAspect="1"/>
+          </p:cNvPicPr>
+          <p:nvPr/>
+        </p:nvPicPr>
+        <p:blipFill>
+          <a:blip r:embed="rId7"/>
+          <a:stretch>
+            <a:fillRect/>
+          </a:stretch>
+        </p:blipFill>
+        <p:spPr>
+          <a:xfrm>
+            <a:off x="6695079" y="3258084"/>
+            <a:ext cx="4885058" cy="3429000"/>
+          </a:xfrm>
+          <a:prstGeom prst="rect">
+            <a:avLst/>
+          </a:prstGeom>
+        </p:spPr>
+      </p:pic>
+      <p:cxnSp>
+        <p:nvCxnSpPr>
+          <p:cNvPr id="28" name="Прямая со стрелкой 27">
+            <a:extLst>
+              <a:ext uri="{FF2B5EF4-FFF2-40B4-BE49-F238E27FC236}">
+                <a16:creationId xmlns:a16="http://schemas.microsoft.com/office/drawing/2014/main" id="{E94790C2-091A-B980-47D2-FBE44B9033AE}"/>
               </a:ext>
             </a:extLst>
           </p:cNvPr>
@@ -16541,8 +16527,8 @@
         </p:nvCxnSpPr>
         <p:spPr>
           <a:xfrm flipV="1">
-            <a:off x="5734228" y="5033473"/>
-            <a:ext cx="991312" cy="209372"/>
+            <a:off x="5742774" y="5136022"/>
+            <a:ext cx="1068224" cy="350378"/>
           </a:xfrm>
           <a:prstGeom prst="straightConnector1">
             <a:avLst/>
@@ -16610,7 +16596,7 @@
         </p:nvSpPr>
         <p:spPr>
           <a:xfrm>
-            <a:off x="2005065" y="65201"/>
+            <a:off x="2005065" y="47848"/>
             <a:ext cx="8181870" cy="523220"/>
           </a:xfrm>
           <a:prstGeom prst="rect">
@@ -17125,93 +17111,6 @@
           </a:fontRef>
         </p:style>
       </p:cxnSp>
-      <p:pic>
-        <p:nvPicPr>
-          <p:cNvPr id="4" name="Рисунок 3">
-            <a:extLst>
-              <a:ext uri="{FF2B5EF4-FFF2-40B4-BE49-F238E27FC236}">
-                <a16:creationId xmlns:a16="http://schemas.microsoft.com/office/drawing/2014/main" id="{D5846608-B600-56CE-0C1E-2F0F7210A7FF}"/>
-              </a:ext>
-            </a:extLst>
-          </p:cNvPr>
-          <p:cNvPicPr>
-            <a:picLocks noChangeAspect="1"/>
-          </p:cNvPicPr>
-          <p:nvPr/>
-        </p:nvPicPr>
-        <p:blipFill>
-          <a:blip r:embed="rId8"/>
-          <a:stretch>
-            <a:fillRect/>
-          </a:stretch>
-        </p:blipFill>
-        <p:spPr>
-          <a:xfrm>
-            <a:off x="4457452" y="4137070"/>
-            <a:ext cx="3081126" cy="2280637"/>
-          </a:xfrm>
-          <a:prstGeom prst="rect">
-            <a:avLst/>
-          </a:prstGeom>
-          <a:ln w="38100" cap="sq">
-            <a:solidFill>
-              <a:schemeClr val="bg2">
-                <a:lumMod val="75000"/>
-              </a:schemeClr>
-            </a:solidFill>
-            <a:prstDash val="solid"/>
-            <a:miter lim="800000"/>
-          </a:ln>
-          <a:effectLst>
-            <a:outerShdw blurRad="50800" dist="38100" dir="2700000" algn="tl" rotWithShape="0">
-              <a:srgbClr val="000000">
-                <a:alpha val="43000"/>
-              </a:srgbClr>
-            </a:outerShdw>
-          </a:effectLst>
-        </p:spPr>
-      </p:pic>
-      <p:cxnSp>
-        <p:nvCxnSpPr>
-          <p:cNvPr id="7" name="Прямая со стрелкой 6">
-            <a:extLst>
-              <a:ext uri="{FF2B5EF4-FFF2-40B4-BE49-F238E27FC236}">
-                <a16:creationId xmlns:a16="http://schemas.microsoft.com/office/drawing/2014/main" id="{4A65AE88-CF9C-7C33-0952-C417EEBC6963}"/>
-              </a:ext>
-            </a:extLst>
-          </p:cNvPr>
-          <p:cNvCxnSpPr>
-            <a:cxnSpLocks/>
-          </p:cNvCxnSpPr>
-          <p:nvPr/>
-        </p:nvCxnSpPr>
-        <p:spPr>
-          <a:xfrm flipH="1" flipV="1">
-            <a:off x="7322473" y="6102507"/>
-            <a:ext cx="648316" cy="220955"/>
-          </a:xfrm>
-          <a:prstGeom prst="straightConnector1">
-            <a:avLst/>
-          </a:prstGeom>
-          <a:ln>
-            <a:tailEnd type="triangle"/>
-          </a:ln>
-        </p:spPr>
-        <p:style>
-          <a:lnRef idx="3">
-            <a:schemeClr val="accent1"/>
-          </a:lnRef>
-          <a:fillRef idx="0">
-            <a:schemeClr val="accent1"/>
-          </a:fillRef>
-          <a:effectRef idx="2">
-            <a:schemeClr val="accent1"/>
-          </a:effectRef>
-          <a:fontRef idx="minor">
-            <a:schemeClr val="tx1"/>
-          </a:fontRef>
-        </p:style>
-      </p:cxnSp>
       <p:sp>
         <p:nvSpPr>
           <p:cNvPr id="29" name="Прямоугольник: скругленные углы 28">
@@ -17302,10 +17201,10 @@
       </p:sp>
       <p:pic>
         <p:nvPicPr>
-          <p:cNvPr id="5" name="Рисунок 4">
-            <a:extLst>
-              <a:ext uri="{FF2B5EF4-FFF2-40B4-BE49-F238E27FC236}">
-                <a16:creationId xmlns:a16="http://schemas.microsoft.com/office/drawing/2014/main" id="{21A24065-30E0-C7B8-42E3-382C2C731D50}"/>
+          <p:cNvPr id="9" name="Рисунок 8">
+            <a:extLst>
+              <a:ext uri="{FF2B5EF4-FFF2-40B4-BE49-F238E27FC236}">
+                <a16:creationId xmlns:a16="http://schemas.microsoft.com/office/drawing/2014/main" id="{236610CA-30E9-3269-2572-469BDB81DFBA}"/>
               </a:ext>
             </a:extLst>
           </p:cNvPr>
@@ -17315,15 +17214,15 @@
           <p:nvPr/>
         </p:nvPicPr>
         <p:blipFill>
-          <a:blip r:embed="rId9"/>
+          <a:blip r:embed="rId8"/>
           <a:stretch>
             <a:fillRect/>
           </a:stretch>
         </p:blipFill>
         <p:spPr>
           <a:xfrm>
-            <a:off x="166363" y="3168119"/>
-            <a:ext cx="4012556" cy="2401645"/>
+            <a:off x="81210" y="2861362"/>
+            <a:ext cx="4178429" cy="2543019"/>
           </a:xfrm>
           <a:prstGeom prst="rect">
             <a:avLst/>
@@ -17346,24 +17245,109 @@
           </a:effectLst>
         </p:spPr>
       </p:pic>
+      <p:pic>
+        <p:nvPicPr>
+          <p:cNvPr id="15" name="Рисунок 14">
+            <a:extLst>
+              <a:ext uri="{FF2B5EF4-FFF2-40B4-BE49-F238E27FC236}">
+                <a16:creationId xmlns:a16="http://schemas.microsoft.com/office/drawing/2014/main" id="{E781ECE5-F9F6-DE28-6D8A-984B35374E0B}"/>
+              </a:ext>
+            </a:extLst>
+          </p:cNvPr>
+          <p:cNvPicPr>
+            <a:picLocks noChangeAspect="1"/>
+          </p:cNvPicPr>
+          <p:nvPr/>
+        </p:nvPicPr>
+        <p:blipFill>
+          <a:blip r:embed="rId9"/>
+          <a:stretch>
+            <a:fillRect/>
+          </a:stretch>
+        </p:blipFill>
+        <p:spPr>
+          <a:xfrm>
+            <a:off x="4455236" y="4015119"/>
+            <a:ext cx="3115914" cy="2247544"/>
+          </a:xfrm>
+          <a:prstGeom prst="rect">
+            <a:avLst/>
+          </a:prstGeom>
+          <a:ln w="38100" cap="sq">
+            <a:solidFill>
+              <a:schemeClr val="bg2">
+                <a:lumMod val="75000"/>
+              </a:schemeClr>
+            </a:solidFill>
+            <a:prstDash val="solid"/>
+            <a:miter lim="800000"/>
+          </a:ln>
+          <a:effectLst>
+            <a:outerShdw blurRad="50800" dist="38100" dir="2700000" algn="tl" rotWithShape="0">
+              <a:srgbClr val="000000">
+                <a:alpha val="43000"/>
+              </a:srgbClr>
+            </a:outerShdw>
+          </a:effectLst>
+        </p:spPr>
+      </p:pic>
       <p:cxnSp>
         <p:nvCxnSpPr>
-          <p:cNvPr id="11" name="Прямая со стрелкой 10">
-            <a:extLst>
-              <a:ext uri="{FF2B5EF4-FFF2-40B4-BE49-F238E27FC236}">
-                <a16:creationId xmlns:a16="http://schemas.microsoft.com/office/drawing/2014/main" id="{5C991213-9414-6821-FB44-9B19A727F264}"/>
+          <p:cNvPr id="17" name="Прямая со стрелкой 16">
+            <a:extLst>
+              <a:ext uri="{FF2B5EF4-FFF2-40B4-BE49-F238E27FC236}">
+                <a16:creationId xmlns:a16="http://schemas.microsoft.com/office/drawing/2014/main" id="{753B5148-C272-FE42-2042-E4F4EBD2392B}"/>
               </a:ext>
             </a:extLst>
           </p:cNvPr>
           <p:cNvCxnSpPr>
-            <a:cxnSpLocks/>
+            <a:stCxn id="26" idx="1"/>
           </p:cNvCxnSpPr>
           <p:nvPr/>
         </p:nvCxnSpPr>
         <p:spPr>
           <a:xfrm flipH="1" flipV="1">
-            <a:off x="3768695" y="4683095"/>
-            <a:ext cx="890496" cy="429184"/>
+            <a:off x="7425886" y="5879507"/>
+            <a:ext cx="405285" cy="443955"/>
+          </a:xfrm>
+          <a:prstGeom prst="straightConnector1">
+            <a:avLst/>
+          </a:prstGeom>
+          <a:ln>
+            <a:tailEnd type="triangle"/>
+          </a:ln>
+        </p:spPr>
+        <p:style>
+          <a:lnRef idx="3">
+            <a:schemeClr val="accent1"/>
+          </a:lnRef>
+          <a:fillRef idx="0">
+            <a:schemeClr val="accent1"/>
+          </a:fillRef>
+          <a:effectRef idx="2">
+            <a:schemeClr val="accent1"/>
+          </a:effectRef>
+          <a:fontRef idx="minor">
+            <a:schemeClr val="tx1"/>
+          </a:fontRef>
+        </p:style>
+      </p:cxnSp>
+      <p:cxnSp>
+        <p:nvCxnSpPr>
+          <p:cNvPr id="21" name="Прямая со стрелкой 20">
+            <a:extLst>
+              <a:ext uri="{FF2B5EF4-FFF2-40B4-BE49-F238E27FC236}">
+                <a16:creationId xmlns:a16="http://schemas.microsoft.com/office/drawing/2014/main" id="{92677653-EB28-42E7-8DF2-607B0AF540B3}"/>
+              </a:ext>
+            </a:extLst>
+          </p:cNvPr>
+          <p:cNvCxnSpPr/>
+          <p:nvPr/>
+        </p:nvCxnSpPr>
+        <p:spPr>
+          <a:xfrm flipH="1" flipV="1">
+            <a:off x="4067798" y="4913832"/>
+            <a:ext cx="581114" cy="555476"/>
           </a:xfrm>
           <a:prstGeom prst="straightConnector1">
             <a:avLst/>
@@ -17431,7 +17415,7 @@
         </p:nvSpPr>
         <p:spPr>
           <a:xfrm>
-            <a:off x="1576705" y="598781"/>
+            <a:off x="1747620" y="374791"/>
             <a:ext cx="6705600" cy="523220"/>
           </a:xfrm>
           <a:prstGeom prst="rect">
@@ -17469,8 +17453,8 @@
         </p:nvSpPr>
         <p:spPr>
           <a:xfrm>
-            <a:off x="561187" y="1970531"/>
-            <a:ext cx="8736637" cy="3170099"/>
+            <a:off x="552641" y="1567330"/>
+            <a:ext cx="9317751" cy="4247317"/>
           </a:xfrm>
           <a:prstGeom prst="rect">
             <a:avLst/>
@@ -17485,16 +17469,16 @@
           <a:p>
             <a:pPr algn="ctr"/>
             <a:r>
-              <a:rPr lang="ru-RU" sz="2000" dirty="0">
+              <a:rPr lang="ru-RU" dirty="0">
                 <a:latin typeface="Times New Roman" panose="02020603050405020304" pitchFamily="18" charset="0"/>
                 <a:cs typeface="Times New Roman" panose="02020603050405020304" pitchFamily="18" charset="0"/>
               </a:rPr>
-              <a:t>В ходе работы над выпускной квалификационной работой создано программное средство, отвечающее всем заявленным функциональным требованиям. Цели и задачи успешно выполнены.</a:t>
+              <a:t>В ходе работы над выпускной квалификационной работой создано программное средство, отвечающее всем заявленным функциональным требованиям.</a:t>
             </a:r>
           </a:p>
           <a:p>
             <a:pPr algn="ctr"/>
-            <a:endParaRPr lang="ru-RU" sz="2000" dirty="0">
+            <a:endParaRPr lang="ru-RU" dirty="0">
               <a:latin typeface="Times New Roman" panose="02020603050405020304" pitchFamily="18" charset="0"/>
               <a:cs typeface="Times New Roman" panose="02020603050405020304" pitchFamily="18" charset="0"/>
             </a:endParaRPr>
@@ -17502,12 +17486,57 @@
           <a:p>
             <a:pPr algn="ctr"/>
             <a:r>
-              <a:rPr lang="ru-RU" sz="2000" dirty="0">
+              <a:rPr lang="ru-RU" dirty="0">
                 <a:latin typeface="Times New Roman" panose="02020603050405020304" pitchFamily="18" charset="0"/>
                 <a:cs typeface="Times New Roman" panose="02020603050405020304" pitchFamily="18" charset="0"/>
               </a:rPr>
               <a:t>Разработанное программное средство может быть использовано как для научных исследований в медицинской сфере, так и в качестве вспомогательного средства для принятия решений в сфере управления при возникновении реальной эпидемической угрозы. Оно может также применяться в учебных целях в предметах, связанных с математическим моделированием и вычислительной математикой. </a:t>
             </a:r>
+          </a:p>
+          <a:p>
+            <a:pPr algn="ctr"/>
+            <a:endParaRPr lang="ru-RU" dirty="0">
+              <a:latin typeface="Times New Roman" panose="02020603050405020304" pitchFamily="18" charset="0"/>
+              <a:cs typeface="Times New Roman" panose="02020603050405020304" pitchFamily="18" charset="0"/>
+            </a:endParaRPr>
+          </a:p>
+          <a:p>
+            <a:pPr algn="ctr"/>
+            <a:r>
+              <a:rPr lang="ru-RU" dirty="0">
+                <a:latin typeface="Times New Roman" panose="02020603050405020304" pitchFamily="18" charset="0"/>
+                <a:cs typeface="Times New Roman" panose="02020603050405020304" pitchFamily="18" charset="0"/>
+              </a:rPr>
+              <a:t>Программное средство использует парадигму объектно-ориентированного программирования, что позволяет расширить функциональные возможности, в том числе внедрение более сложных моделей в качестве дальнейшей возможности развития проекта.</a:t>
+            </a:r>
+          </a:p>
+          <a:p>
+            <a:pPr algn="ctr"/>
+            <a:endParaRPr lang="ru-RU" dirty="0">
+              <a:latin typeface="Times New Roman" panose="02020603050405020304" pitchFamily="18" charset="0"/>
+              <a:cs typeface="Times New Roman" panose="02020603050405020304" pitchFamily="18" charset="0"/>
+            </a:endParaRPr>
+          </a:p>
+          <a:p>
+            <a:pPr algn="ctr"/>
+            <a:r>
+              <a:rPr lang="ru-RU" dirty="0">
+                <a:latin typeface="Times New Roman" panose="02020603050405020304" pitchFamily="18" charset="0"/>
+                <a:cs typeface="Times New Roman" panose="02020603050405020304" pitchFamily="18" charset="0"/>
+              </a:rPr>
+              <a:t>Разработанное программное средство и результаты исследования представлены на конференции «Актуальные проблемы науки и техники – 2025»</a:t>
+            </a:r>
+            <a:r>
+              <a:rPr lang="en-US" dirty="0">
+                <a:latin typeface="Times New Roman" panose="02020603050405020304" pitchFamily="18" charset="0"/>
+                <a:cs typeface="Times New Roman" panose="02020603050405020304" pitchFamily="18" charset="0"/>
+              </a:rPr>
+              <a:t>.</a:t>
+            </a:r>
+            <a:endParaRPr lang="ru-RU" dirty="0">
+              <a:latin typeface="Times New Roman" panose="02020603050405020304" pitchFamily="18" charset="0"/>
+              <a:cs typeface="Times New Roman" panose="02020603050405020304" pitchFamily="18" charset="0"/>
+            </a:endParaRPr>
           </a:p>
         </p:txBody>
       </p:sp>
@@ -17643,7 +17672,7 @@
         </p:nvSpPr>
         <p:spPr>
           <a:xfrm>
-            <a:off x="2160814" y="2598003"/>
+            <a:off x="870399" y="2076710"/>
             <a:ext cx="7870371" cy="830997"/>
           </a:xfrm>
           <a:prstGeom prst="rect">
@@ -17756,6 +17785,42 @@
           </a:p>
         </p:txBody>
       </p:sp>
+      <p:cxnSp>
+        <p:nvCxnSpPr>
+          <p:cNvPr id="8" name="Прямая соединительная линия 7">
+            <a:extLst>
+              <a:ext uri="{FF2B5EF4-FFF2-40B4-BE49-F238E27FC236}">
+                <a16:creationId xmlns:a16="http://schemas.microsoft.com/office/drawing/2014/main" id="{2F42C9F2-5E99-7F0F-F32E-7017C30B1BE4}"/>
+              </a:ext>
+            </a:extLst>
+          </p:cNvPr>
+          <p:cNvCxnSpPr/>
+          <p:nvPr/>
+        </p:nvCxnSpPr>
+        <p:spPr>
+          <a:xfrm>
+            <a:off x="1563880" y="2907707"/>
+            <a:ext cx="6546079" cy="0"/>
+          </a:xfrm>
+          <a:prstGeom prst="line">
+            <a:avLst/>
+          </a:prstGeom>
+        </p:spPr>
+        <p:style>
+          <a:lnRef idx="3">
+            <a:schemeClr val="dk1"/>
+          </a:lnRef>
+          <a:fillRef idx="0">
+            <a:schemeClr val="dk1"/>
+          </a:fillRef>
+          <a:effectRef idx="2">
+            <a:schemeClr val="dk1"/>
+          </a:effectRef>
+          <a:fontRef idx="minor">
+            <a:schemeClr val="tx1"/>
+          </a:fontRef>
+        </p:style>
+      </p:cxnSp>
     </p:spTree>
     <p:extLst>
       <p:ext uri="{BB962C8B-B14F-4D97-AF65-F5344CB8AC3E}">
@@ -17800,7 +17865,7 @@
         </p:nvSpPr>
         <p:spPr>
           <a:xfrm>
-            <a:off x="2450757" y="333477"/>
+            <a:off x="1434484" y="333477"/>
             <a:ext cx="7290486" cy="523220"/>
           </a:xfrm>
           <a:prstGeom prst="rect">
@@ -18005,17 +18070,7 @@
                 <a:latin typeface="Times New Roman" panose="02020603050405020304" pitchFamily="18" charset="0"/>
                 <a:cs typeface="Times New Roman" panose="02020603050405020304" pitchFamily="18" charset="0"/>
               </a:rPr>
-              <a:t>Реализовать экспорт результатов, </a:t>
-            </a:r>
-            <a:r>
-              <a:rPr lang="ru-RU" sz="2000" dirty="0">
-                <a:highlight>
-                  <a:srgbClr val="FFFF00"/>
-                </a:highlight>
-                <a:latin typeface="Times New Roman" panose="02020603050405020304" pitchFamily="18" charset="0"/>
-                <a:cs typeface="Times New Roman" panose="02020603050405020304" pitchFamily="18" charset="0"/>
-              </a:rPr>
-              <a:t>включающий в себя вычисления и графики.</a:t>
+              <a:t>Реализовать вывод результатов, включающий численные вычисления и графические материалы.</a:t>
             </a:r>
           </a:p>
           <a:p>
@@ -18188,8 +18243,8 @@
         </p:nvSpPr>
         <p:spPr>
           <a:xfrm>
-            <a:off x="2944586" y="333477"/>
-            <a:ext cx="6302828" cy="954107"/>
+            <a:off x="1543367" y="333477"/>
+            <a:ext cx="6939109" cy="954107"/>
           </a:xfrm>
           <a:prstGeom prst="rect">
             <a:avLst/>
@@ -18847,14 +18902,14 @@
           <p:nvPr>
             <p:extLst>
               <p:ext uri="{D42A27DB-BD31-4B8C-83A1-F6EECF244321}">
-                <p14:modId xmlns:p14="http://schemas.microsoft.com/office/powerpoint/2010/main" val="2345436486"/>
+                <p14:modId xmlns:p14="http://schemas.microsoft.com/office/powerpoint/2010/main" val="2931960350"/>
               </p:ext>
             </p:extLst>
           </p:nvPr>
         </p:nvGraphicFramePr>
         <p:xfrm>
-          <a:off x="250371" y="1260493"/>
-          <a:ext cx="11691258" cy="5156200"/>
+          <a:off x="247419" y="1277912"/>
+          <a:ext cx="11691258" cy="5415280"/>
         </p:xfrm>
         <a:graphic>
           <a:graphicData uri="http://schemas.openxmlformats.org/drawingml/2006/table">
@@ -19188,10 +19243,7 @@
                     <a:lstStyle/>
                     <a:p>
                       <a:pPr algn="ctr"/>
-                      <a:r>
-                        <a:rPr lang="ru-RU" dirty="0"/>
-                        <a:t>Нет</a:t>
-                      </a:r>
+                      <a:endParaRPr lang="ru-RU" dirty="0"/>
                     </a:p>
                   </a:txBody>
                   <a:tcPr/>
@@ -19218,52 +19270,6 @@
                         <a:tabLst/>
                         <a:defRPr/>
                       </a:pPr>
-                      <a:r>
-                        <a:rPr lang="ru-RU" dirty="0"/>
-                        <a:t>Есть</a:t>
-                      </a:r>
-                    </a:p>
-                  </a:txBody>
-                  <a:tcPr/>
-                </a:tc>
-                <a:tc>
-                  <a:txBody>
-                    <a:bodyPr/>
-                    <a:lstStyle/>
-                    <a:p>
-                      <a:pPr algn="ctr"/>
-                      <a:r>
-                        <a:rPr lang="ru-RU" dirty="0"/>
-                        <a:t>Есть</a:t>
-                      </a:r>
-                    </a:p>
-                  </a:txBody>
-                  <a:tcPr/>
-                </a:tc>
-                <a:tc>
-                  <a:txBody>
-                    <a:bodyPr/>
-                    <a:lstStyle/>
-                    <a:p>
-                      <a:pPr algn="ctr"/>
-                      <a:r>
-                        <a:rPr lang="ru-RU" dirty="0"/>
-                        <a:t>Нет</a:t>
-                      </a:r>
-                    </a:p>
-                  </a:txBody>
-                  <a:tcPr/>
-                </a:tc>
-                <a:tc>
-                  <a:txBody>
-                    <a:bodyPr/>
-                    <a:lstStyle/>
-                    <a:p>
-                      <a:pPr algn="ctr"/>
-                      <a:r>
-                        <a:rPr lang="ru-RU"/>
-                        <a:t>Есть</a:t>
-                      </a:r>
                       <a:endParaRPr lang="ru-RU" dirty="0"/>
                     </a:p>
                   </a:txBody>
@@ -19275,10 +19281,40 @@
                     <a:lstStyle/>
                     <a:p>
                       <a:pPr algn="ctr"/>
-                      <a:r>
-                        <a:rPr lang="ru-RU" dirty="0"/>
-                        <a:t>Есть</a:t>
-                      </a:r>
+                      <a:endParaRPr lang="ru-RU" dirty="0"/>
+                    </a:p>
+                  </a:txBody>
+                  <a:tcPr/>
+                </a:tc>
+                <a:tc>
+                  <a:txBody>
+                    <a:bodyPr/>
+                    <a:lstStyle/>
+                    <a:p>
+                      <a:pPr algn="ctr"/>
+                      <a:endParaRPr lang="ru-RU" dirty="0"/>
+                    </a:p>
+                  </a:txBody>
+                  <a:tcPr/>
+                </a:tc>
+                <a:tc>
+                  <a:txBody>
+                    <a:bodyPr/>
+                    <a:lstStyle/>
+                    <a:p>
+                      <a:pPr algn="ctr"/>
+                      <a:endParaRPr lang="ru-RU" dirty="0"/>
+                    </a:p>
+                  </a:txBody>
+                  <a:tcPr/>
+                </a:tc>
+                <a:tc>
+                  <a:txBody>
+                    <a:bodyPr/>
+                    <a:lstStyle/>
+                    <a:p>
+                      <a:pPr algn="ctr"/>
+                      <a:endParaRPr lang="ru-RU" dirty="0"/>
                     </a:p>
                   </a:txBody>
                   <a:tcPr>
@@ -19326,10 +19362,7 @@
                     <a:lstStyle/>
                     <a:p>
                       <a:pPr algn="ctr"/>
-                      <a:r>
-                        <a:rPr lang="ru-RU" dirty="0"/>
-                        <a:t>Нет</a:t>
-                      </a:r>
+                      <a:endParaRPr lang="ru-RU" dirty="0"/>
                     </a:p>
                   </a:txBody>
                   <a:tcPr/>
@@ -19356,10 +19389,7 @@
                         <a:tabLst/>
                         <a:defRPr/>
                       </a:pPr>
-                      <a:r>
-                        <a:rPr lang="ru-RU" dirty="0"/>
-                        <a:t>Нет</a:t>
-                      </a:r>
+                      <a:endParaRPr lang="ru-RU" dirty="0"/>
                     </a:p>
                   </a:txBody>
                   <a:tcPr/>
@@ -19370,10 +19400,7 @@
                     <a:lstStyle/>
                     <a:p>
                       <a:pPr algn="ctr"/>
-                      <a:r>
-                        <a:rPr lang="ru-RU" dirty="0"/>
-                        <a:t>Да</a:t>
-                      </a:r>
+                      <a:endParaRPr lang="ru-RU" dirty="0"/>
                     </a:p>
                   </a:txBody>
                   <a:tcPr/>
@@ -19384,10 +19411,7 @@
                     <a:lstStyle/>
                     <a:p>
                       <a:pPr algn="ctr"/>
-                      <a:r>
-                        <a:rPr lang="ru-RU" dirty="0"/>
-                        <a:t>Нет</a:t>
-                      </a:r>
+                      <a:endParaRPr lang="ru-RU" dirty="0"/>
                     </a:p>
                   </a:txBody>
                   <a:tcPr/>
@@ -19398,10 +19422,7 @@
                     <a:lstStyle/>
                     <a:p>
                       <a:pPr algn="ctr"/>
-                      <a:r>
-                        <a:rPr lang="ru-RU" dirty="0"/>
-                        <a:t>Нет</a:t>
-                      </a:r>
+                      <a:endParaRPr lang="ru-RU" dirty="0"/>
                     </a:p>
                   </a:txBody>
                   <a:tcPr/>
@@ -19412,10 +19433,7 @@
                     <a:lstStyle/>
                     <a:p>
                       <a:pPr algn="ctr"/>
-                      <a:r>
-                        <a:rPr lang="ru-RU" dirty="0"/>
-                        <a:t>Да</a:t>
-                      </a:r>
+                      <a:endParaRPr lang="ru-RU" dirty="0"/>
                     </a:p>
                   </a:txBody>
                   <a:tcPr>
@@ -19434,7 +19452,7 @@
                   </a:ext>
                 </a:extLst>
               </a:tr>
-              <a:tr h="370840">
+              <a:tr h="273892">
                 <a:tc>
                   <a:txBody>
                     <a:bodyPr/>
@@ -19464,8 +19482,8 @@
                     <a:p>
                       <a:pPr algn="ctr"/>
                       <a:r>
-                        <a:rPr lang="ru-RU" dirty="0"/>
-                        <a:t>Частично</a:t>
+                        <a:rPr lang="ru-RU" sz="2400" dirty="0"/>
+                        <a:t>±</a:t>
                       </a:r>
                     </a:p>
                   </a:txBody>
@@ -19476,11 +19494,28 @@
                     <a:bodyPr/>
                     <a:lstStyle/>
                     <a:p>
-                      <a:pPr algn="ctr"/>
+                      <a:pPr marL="0" marR="0" lvl="0" indent="0" algn="ctr" defTabSz="457200" rtl="0" eaLnBrk="1" fontAlgn="auto" latinLnBrk="0" hangingPunct="1">
+                        <a:lnSpc>
+                          <a:spcPct val="100000"/>
+                        </a:lnSpc>
+                        <a:spcBef>
+                          <a:spcPts val="0"/>
+                        </a:spcBef>
+                        <a:spcAft>
+                          <a:spcPts val="0"/>
+                        </a:spcAft>
+                        <a:buClrTx/>
+                        <a:buSzTx/>
+                        <a:buFontTx/>
+                        <a:buNone/>
+                        <a:tabLst/>
+                        <a:defRPr/>
+                      </a:pPr>
                       <a:r>
-                        <a:rPr lang="ru-RU" dirty="0"/>
-                        <a:t>Частично</a:t>
+                        <a:rPr lang="ru-RU" sz="2400" dirty="0"/>
+                        <a:t>±</a:t>
                       </a:r>
+                      <a:endParaRPr lang="ru-RU" sz="1800" dirty="0"/>
                     </a:p>
                   </a:txBody>
                   <a:tcPr/>
@@ -19491,10 +19526,7 @@
                     <a:lstStyle/>
                     <a:p>
                       <a:pPr algn="ctr"/>
-                      <a:r>
-                        <a:rPr lang="ru-RU" dirty="0"/>
-                        <a:t>Нет</a:t>
-                      </a:r>
+                      <a:endParaRPr lang="ru-RU" dirty="0"/>
                     </a:p>
                   </a:txBody>
                   <a:tcPr/>
@@ -19505,10 +19537,7 @@
                     <a:lstStyle/>
                     <a:p>
                       <a:pPr algn="ctr"/>
-                      <a:r>
-                        <a:rPr lang="ru-RU" dirty="0"/>
-                        <a:t>Есть</a:t>
-                      </a:r>
+                      <a:endParaRPr lang="ru-RU" dirty="0"/>
                     </a:p>
                   </a:txBody>
                   <a:tcPr/>
@@ -19519,10 +19548,7 @@
                     <a:lstStyle/>
                     <a:p>
                       <a:pPr algn="ctr"/>
-                      <a:r>
-                        <a:rPr lang="ru-RU" dirty="0"/>
-                        <a:t>Есть</a:t>
-                      </a:r>
+                      <a:endParaRPr lang="ru-RU" dirty="0"/>
                     </a:p>
                   </a:txBody>
                   <a:tcPr/>
@@ -19533,10 +19559,7 @@
                     <a:lstStyle/>
                     <a:p>
                       <a:pPr algn="ctr"/>
-                      <a:r>
-                        <a:rPr lang="ru-RU" dirty="0"/>
-                        <a:t>Есть</a:t>
-                      </a:r>
+                      <a:endParaRPr lang="ru-RU" dirty="0"/>
                     </a:p>
                   </a:txBody>
                   <a:tcPr>
@@ -19584,10 +19607,7 @@
                     <a:lstStyle/>
                     <a:p>
                       <a:pPr algn="ctr"/>
-                      <a:r>
-                        <a:rPr lang="ru-RU" dirty="0"/>
-                        <a:t>Есть</a:t>
-                      </a:r>
+                      <a:endParaRPr lang="ru-RU" dirty="0"/>
                     </a:p>
                   </a:txBody>
                   <a:tcPr/>
@@ -19598,10 +19618,7 @@
                     <a:lstStyle/>
                     <a:p>
                       <a:pPr algn="ctr"/>
-                      <a:r>
-                        <a:rPr lang="ru-RU" dirty="0"/>
-                        <a:t>Есть</a:t>
-                      </a:r>
+                      <a:endParaRPr lang="ru-RU" dirty="0"/>
                     </a:p>
                   </a:txBody>
                   <a:tcPr/>
@@ -19612,10 +19629,7 @@
                     <a:lstStyle/>
                     <a:p>
                       <a:pPr algn="ctr"/>
-                      <a:r>
-                        <a:rPr lang="ru-RU" dirty="0"/>
-                        <a:t>Есть</a:t>
-                      </a:r>
+                      <a:endParaRPr lang="ru-RU" dirty="0"/>
                     </a:p>
                   </a:txBody>
                   <a:tcPr/>
@@ -19626,10 +19640,7 @@
                     <a:lstStyle/>
                     <a:p>
                       <a:pPr algn="ctr"/>
-                      <a:r>
-                        <a:rPr lang="ru-RU" dirty="0"/>
-                        <a:t>Есть</a:t>
-                      </a:r>
+                      <a:endParaRPr lang="ru-RU" dirty="0"/>
                     </a:p>
                   </a:txBody>
                   <a:tcPr/>
@@ -19640,10 +19651,7 @@
                     <a:lstStyle/>
                     <a:p>
                       <a:pPr algn="ctr"/>
-                      <a:r>
-                        <a:rPr lang="ru-RU" dirty="0"/>
-                        <a:t>Есть</a:t>
-                      </a:r>
+                      <a:endParaRPr lang="ru-RU" dirty="0"/>
                     </a:p>
                   </a:txBody>
                   <a:tcPr/>
@@ -19654,10 +19662,7 @@
                     <a:lstStyle/>
                     <a:p>
                       <a:pPr algn="ctr"/>
-                      <a:r>
-                        <a:rPr lang="ru-RU" dirty="0"/>
-                        <a:t>Есть</a:t>
-                      </a:r>
+                      <a:endParaRPr lang="ru-RU" dirty="0"/>
                     </a:p>
                   </a:txBody>
                   <a:tcPr>
@@ -19704,10 +19709,26 @@
                     <a:bodyPr/>
                     <a:lstStyle/>
                     <a:p>
-                      <a:pPr algn="ctr"/>
+                      <a:pPr marL="0" marR="0" lvl="0" indent="0" algn="ctr" defTabSz="457200" rtl="0" eaLnBrk="1" fontAlgn="auto" latinLnBrk="0" hangingPunct="1">
+                        <a:lnSpc>
+                          <a:spcPct val="100000"/>
+                        </a:lnSpc>
+                        <a:spcBef>
+                          <a:spcPts val="0"/>
+                        </a:spcBef>
+                        <a:spcAft>
+                          <a:spcPts val="0"/>
+                        </a:spcAft>
+                        <a:buClrTx/>
+                        <a:buSzTx/>
+                        <a:buFontTx/>
+                        <a:buNone/>
+                        <a:tabLst/>
+                        <a:defRPr/>
+                      </a:pPr>
                       <a:r>
-                        <a:rPr lang="ru-RU" dirty="0"/>
-                        <a:t>Частично</a:t>
+                        <a:rPr lang="ru-RU" sz="2400" dirty="0"/>
+                        <a:t>±</a:t>
                       </a:r>
                     </a:p>
                   </a:txBody>
@@ -19719,10 +19740,7 @@
                     <a:lstStyle/>
                     <a:p>
                       <a:pPr algn="ctr"/>
-                      <a:r>
-                        <a:rPr lang="ru-RU" dirty="0"/>
-                        <a:t>Есть</a:t>
-                      </a:r>
+                      <a:endParaRPr lang="ru-RU" dirty="0"/>
                     </a:p>
                   </a:txBody>
                   <a:tcPr/>
@@ -19733,10 +19751,7 @@
                     <a:lstStyle/>
                     <a:p>
                       <a:pPr algn="ctr"/>
-                      <a:r>
-                        <a:rPr lang="ru-RU" dirty="0"/>
-                        <a:t>Есть</a:t>
-                      </a:r>
+                      <a:endParaRPr lang="ru-RU" dirty="0"/>
                     </a:p>
                   </a:txBody>
                   <a:tcPr/>
@@ -19747,10 +19762,38 @@
                     <a:lstStyle/>
                     <a:p>
                       <a:pPr algn="ctr"/>
+                      <a:endParaRPr lang="ru-RU" dirty="0"/>
+                    </a:p>
+                  </a:txBody>
+                  <a:tcPr/>
+                </a:tc>
+                <a:tc>
+                  <a:txBody>
+                    <a:bodyPr/>
+                    <a:lstStyle/>
+                    <a:p>
+                      <a:pPr marL="0" marR="0" lvl="0" indent="0" algn="ctr" defTabSz="457200" rtl="0" eaLnBrk="1" fontAlgn="auto" latinLnBrk="0" hangingPunct="1">
+                        <a:lnSpc>
+                          <a:spcPct val="100000"/>
+                        </a:lnSpc>
+                        <a:spcBef>
+                          <a:spcPts val="0"/>
+                        </a:spcBef>
+                        <a:spcAft>
+                          <a:spcPts val="0"/>
+                        </a:spcAft>
+                        <a:buClrTx/>
+                        <a:buSzTx/>
+                        <a:buFontTx/>
+                        <a:buNone/>
+                        <a:tabLst/>
+                        <a:defRPr/>
+                      </a:pPr>
                       <a:r>
-                        <a:rPr lang="ru-RU" dirty="0"/>
-                        <a:t>Нет</a:t>
+                        <a:rPr lang="ru-RU" sz="2400" dirty="0"/>
+                        <a:t>±</a:t>
                       </a:r>
+                      <a:endParaRPr lang="ru-RU" sz="1800" dirty="0"/>
                     </a:p>
                   </a:txBody>
                   <a:tcPr/>
@@ -19761,24 +19804,7 @@
                     <a:lstStyle/>
                     <a:p>
                       <a:pPr algn="ctr"/>
-                      <a:r>
-                        <a:rPr lang="ru-RU" dirty="0"/>
-                        <a:t>Частично</a:t>
-                      </a:r>
-                    </a:p>
-                  </a:txBody>
-                  <a:tcPr/>
-                </a:tc>
-                <a:tc>
-                  <a:txBody>
-                    <a:bodyPr/>
-                    <a:lstStyle/>
-                    <a:p>
-                      <a:pPr algn="ctr"/>
-                      <a:r>
-                        <a:rPr lang="ru-RU" dirty="0"/>
-                        <a:t>Есть</a:t>
-                      </a:r>
+                      <a:endParaRPr lang="ru-RU" dirty="0"/>
                     </a:p>
                   </a:txBody>
                   <a:tcPr>
@@ -19826,10 +19852,38 @@
                     <a:lstStyle/>
                     <a:p>
                       <a:pPr algn="ctr"/>
+                      <a:endParaRPr lang="ru-RU" dirty="0"/>
+                    </a:p>
+                  </a:txBody>
+                  <a:tcPr/>
+                </a:tc>
+                <a:tc>
+                  <a:txBody>
+                    <a:bodyPr/>
+                    <a:lstStyle/>
+                    <a:p>
+                      <a:pPr marL="0" marR="0" lvl="0" indent="0" algn="ctr" defTabSz="457200" rtl="0" eaLnBrk="1" fontAlgn="auto" latinLnBrk="0" hangingPunct="1">
+                        <a:lnSpc>
+                          <a:spcPct val="100000"/>
+                        </a:lnSpc>
+                        <a:spcBef>
+                          <a:spcPts val="0"/>
+                        </a:spcBef>
+                        <a:spcAft>
+                          <a:spcPts val="0"/>
+                        </a:spcAft>
+                        <a:buClrTx/>
+                        <a:buSzTx/>
+                        <a:buFontTx/>
+                        <a:buNone/>
+                        <a:tabLst/>
+                        <a:defRPr/>
+                      </a:pPr>
                       <a:r>
-                        <a:rPr lang="ru-RU" dirty="0"/>
-                        <a:t>Да</a:t>
+                        <a:rPr lang="ru-RU" sz="2400" dirty="0"/>
+                        <a:t>±</a:t>
                       </a:r>
+                      <a:endParaRPr lang="ru-RU" sz="1800" dirty="0"/>
                     </a:p>
                   </a:txBody>
                   <a:tcPr/>
@@ -19840,10 +19894,38 @@
                     <a:lstStyle/>
                     <a:p>
                       <a:pPr algn="ctr"/>
+                      <a:endParaRPr lang="ru-RU" dirty="0"/>
+                    </a:p>
+                  </a:txBody>
+                  <a:tcPr/>
+                </a:tc>
+                <a:tc>
+                  <a:txBody>
+                    <a:bodyPr/>
+                    <a:lstStyle/>
+                    <a:p>
+                      <a:pPr marL="0" marR="0" lvl="0" indent="0" algn="ctr" defTabSz="457200" rtl="0" eaLnBrk="1" fontAlgn="auto" latinLnBrk="0" hangingPunct="1">
+                        <a:lnSpc>
+                          <a:spcPct val="100000"/>
+                        </a:lnSpc>
+                        <a:spcBef>
+                          <a:spcPts val="0"/>
+                        </a:spcBef>
+                        <a:spcAft>
+                          <a:spcPts val="0"/>
+                        </a:spcAft>
+                        <a:buClrTx/>
+                        <a:buSzTx/>
+                        <a:buFontTx/>
+                        <a:buNone/>
+                        <a:tabLst/>
+                        <a:defRPr/>
+                      </a:pPr>
                       <a:r>
-                        <a:rPr lang="ru-RU" dirty="0"/>
-                        <a:t>Частично</a:t>
+                        <a:rPr lang="ru-RU" sz="2400" dirty="0"/>
+                        <a:t>±</a:t>
                       </a:r>
+                      <a:endParaRPr lang="ru-RU" sz="1800" dirty="0"/>
                     </a:p>
                   </a:txBody>
                   <a:tcPr/>
@@ -19854,10 +19936,7 @@
                     <a:lstStyle/>
                     <a:p>
                       <a:pPr algn="ctr"/>
-                      <a:r>
-                        <a:rPr lang="ru-RU" dirty="0"/>
-                        <a:t>Да</a:t>
-                      </a:r>
+                      <a:endParaRPr lang="ru-RU" dirty="0"/>
                     </a:p>
                   </a:txBody>
                   <a:tcPr/>
@@ -19868,38 +19947,7 @@
                     <a:lstStyle/>
                     <a:p>
                       <a:pPr algn="ctr"/>
-                      <a:r>
-                        <a:rPr lang="ru-RU" dirty="0"/>
-                        <a:t>Частично</a:t>
-                      </a:r>
-                    </a:p>
-                  </a:txBody>
-                  <a:tcPr/>
-                </a:tc>
-                <a:tc>
-                  <a:txBody>
-                    <a:bodyPr/>
-                    <a:lstStyle/>
-                    <a:p>
-                      <a:pPr algn="ctr"/>
-                      <a:r>
-                        <a:rPr lang="ru-RU" dirty="0"/>
-                        <a:t>Да</a:t>
-                      </a:r>
-                    </a:p>
-                  </a:txBody>
-                  <a:tcPr/>
-                </a:tc>
-                <a:tc>
-                  <a:txBody>
-                    <a:bodyPr/>
-                    <a:lstStyle/>
-                    <a:p>
-                      <a:pPr algn="ctr"/>
-                      <a:r>
-                        <a:rPr lang="ru-RU" dirty="0"/>
-                        <a:t>Да</a:t>
-                      </a:r>
+                      <a:endParaRPr lang="ru-RU" dirty="0"/>
                     </a:p>
                   </a:txBody>
                   <a:tcPr>
@@ -19951,10 +19999,7 @@
                     <a:lstStyle/>
                     <a:p>
                       <a:pPr algn="ctr"/>
-                      <a:r>
-                        <a:rPr lang="ru-RU" dirty="0"/>
-                        <a:t>Есть</a:t>
-                      </a:r>
+                      <a:endParaRPr lang="ru-RU" dirty="0"/>
                     </a:p>
                   </a:txBody>
                   <a:tcPr/>
@@ -19965,10 +20010,7 @@
                     <a:lstStyle/>
                     <a:p>
                       <a:pPr algn="ctr"/>
-                      <a:r>
-                        <a:rPr lang="ru-RU" dirty="0"/>
-                        <a:t>Есть</a:t>
-                      </a:r>
+                      <a:endParaRPr lang="ru-RU" dirty="0"/>
                     </a:p>
                   </a:txBody>
                   <a:tcPr/>
@@ -19979,10 +20021,7 @@
                     <a:lstStyle/>
                     <a:p>
                       <a:pPr algn="ctr"/>
-                      <a:r>
-                        <a:rPr lang="ru-RU" dirty="0"/>
-                        <a:t>Есть</a:t>
-                      </a:r>
+                      <a:endParaRPr lang="ru-RU" dirty="0"/>
                     </a:p>
                   </a:txBody>
                   <a:tcPr/>
@@ -19993,10 +20032,7 @@
                     <a:lstStyle/>
                     <a:p>
                       <a:pPr algn="ctr"/>
-                      <a:r>
-                        <a:rPr lang="ru-RU" dirty="0"/>
-                        <a:t>Есть</a:t>
-                      </a:r>
+                      <a:endParaRPr lang="ru-RU" dirty="0"/>
                     </a:p>
                   </a:txBody>
                   <a:tcPr/>
@@ -20007,10 +20043,7 @@
                     <a:lstStyle/>
                     <a:p>
                       <a:pPr algn="ctr"/>
-                      <a:r>
-                        <a:rPr lang="ru-RU" dirty="0"/>
-                        <a:t>Есть</a:t>
-                      </a:r>
+                      <a:endParaRPr lang="ru-RU" dirty="0"/>
                     </a:p>
                   </a:txBody>
                   <a:tcPr/>
@@ -20021,10 +20054,7 @@
                     <a:lstStyle/>
                     <a:p>
                       <a:pPr algn="ctr"/>
-                      <a:r>
-                        <a:rPr lang="ru-RU" dirty="0"/>
-                        <a:t>Нет</a:t>
-                      </a:r>
+                      <a:endParaRPr lang="ru-RU" dirty="0"/>
                     </a:p>
                   </a:txBody>
                   <a:tcPr>
@@ -20072,10 +20102,7 @@
                     <a:lstStyle/>
                     <a:p>
                       <a:pPr algn="ctr"/>
-                      <a:r>
-                        <a:rPr lang="ru-RU" dirty="0"/>
-                        <a:t>Нет</a:t>
-                      </a:r>
+                      <a:endParaRPr lang="ru-RU" dirty="0"/>
                     </a:p>
                   </a:txBody>
                   <a:tcPr/>
@@ -20086,10 +20113,7 @@
                     <a:lstStyle/>
                     <a:p>
                       <a:pPr algn="ctr"/>
-                      <a:r>
-                        <a:rPr lang="ru-RU" dirty="0"/>
-                        <a:t>Нет</a:t>
-                      </a:r>
+                      <a:endParaRPr lang="ru-RU" dirty="0"/>
                     </a:p>
                   </a:txBody>
                   <a:tcPr/>
@@ -20100,10 +20124,7 @@
                     <a:lstStyle/>
                     <a:p>
                       <a:pPr algn="ctr"/>
-                      <a:r>
-                        <a:rPr lang="ru-RU" dirty="0"/>
-                        <a:t>Нет</a:t>
-                      </a:r>
+                      <a:endParaRPr lang="ru-RU" dirty="0"/>
                     </a:p>
                   </a:txBody>
                   <a:tcPr/>
@@ -20114,10 +20135,7 @@
                     <a:lstStyle/>
                     <a:p>
                       <a:pPr algn="ctr"/>
-                      <a:r>
-                        <a:rPr lang="ru-RU" dirty="0"/>
-                        <a:t>Есть</a:t>
-                      </a:r>
+                      <a:endParaRPr lang="ru-RU" dirty="0"/>
                     </a:p>
                   </a:txBody>
                   <a:tcPr/>
@@ -20128,10 +20146,7 @@
                     <a:lstStyle/>
                     <a:p>
                       <a:pPr algn="ctr"/>
-                      <a:r>
-                        <a:rPr lang="ru-RU" dirty="0"/>
-                        <a:t>Нет</a:t>
-                      </a:r>
+                      <a:endParaRPr lang="ru-RU" dirty="0"/>
                     </a:p>
                   </a:txBody>
                   <a:tcPr/>
@@ -20142,10 +20157,7 @@
                     <a:lstStyle/>
                     <a:p>
                       <a:pPr algn="ctr"/>
-                      <a:r>
-                        <a:rPr lang="ru-RU" dirty="0"/>
-                        <a:t>Есть</a:t>
-                      </a:r>
+                      <a:endParaRPr lang="ru-RU" dirty="0"/>
                     </a:p>
                   </a:txBody>
                   <a:tcPr>
@@ -20199,10 +20211,26 @@
                     <a:bodyPr/>
                     <a:lstStyle/>
                     <a:p>
-                      <a:pPr algn="ctr"/>
+                      <a:pPr marL="0" marR="0" lvl="0" indent="0" algn="ctr" defTabSz="457200" rtl="0" eaLnBrk="1" fontAlgn="auto" latinLnBrk="0" hangingPunct="1">
+                        <a:lnSpc>
+                          <a:spcPct val="100000"/>
+                        </a:lnSpc>
+                        <a:spcBef>
+                          <a:spcPts val="0"/>
+                        </a:spcBef>
+                        <a:spcAft>
+                          <a:spcPts val="0"/>
+                        </a:spcAft>
+                        <a:buClrTx/>
+                        <a:buSzTx/>
+                        <a:buFontTx/>
+                        <a:buNone/>
+                        <a:tabLst/>
+                        <a:defRPr/>
+                      </a:pPr>
                       <a:r>
-                        <a:rPr lang="ru-RU" dirty="0"/>
-                        <a:t>Частично</a:t>
+                        <a:rPr lang="ru-RU" sz="2400" dirty="0"/>
+                        <a:t>±</a:t>
                       </a:r>
                     </a:p>
                   </a:txBody>
@@ -20222,10 +20250,7 @@
                     <a:lstStyle/>
                     <a:p>
                       <a:pPr algn="ctr"/>
-                      <a:r>
-                        <a:rPr lang="ru-RU" dirty="0"/>
-                        <a:t>Есть</a:t>
-                      </a:r>
+                      <a:endParaRPr lang="ru-RU" dirty="0"/>
                     </a:p>
                   </a:txBody>
                   <a:tcPr>
@@ -20244,10 +20269,7 @@
                     <a:lstStyle/>
                     <a:p>
                       <a:pPr algn="ctr"/>
-                      <a:r>
-                        <a:rPr lang="ru-RU" dirty="0"/>
-                        <a:t>Нет</a:t>
-                      </a:r>
+                      <a:endParaRPr lang="ru-RU" dirty="0"/>
                     </a:p>
                   </a:txBody>
                   <a:tcPr>
@@ -20266,10 +20288,7 @@
                     <a:lstStyle/>
                     <a:p>
                       <a:pPr algn="ctr"/>
-                      <a:r>
-                        <a:rPr lang="ru-RU" dirty="0"/>
-                        <a:t>Нет</a:t>
-                      </a:r>
+                      <a:endParaRPr lang="ru-RU" dirty="0"/>
                     </a:p>
                   </a:txBody>
                   <a:tcPr>
@@ -20288,10 +20307,7 @@
                     <a:lstStyle/>
                     <a:p>
                       <a:pPr algn="ctr"/>
-                      <a:r>
-                        <a:rPr lang="ru-RU" dirty="0"/>
-                        <a:t>Нет</a:t>
-                      </a:r>
+                      <a:endParaRPr lang="ru-RU" dirty="0"/>
                     </a:p>
                   </a:txBody>
                   <a:tcPr>
@@ -20310,10 +20326,7 @@
                     <a:lstStyle/>
                     <a:p>
                       <a:pPr algn="ctr"/>
-                      <a:r>
-                        <a:rPr lang="ru-RU" dirty="0"/>
-                        <a:t>Есть</a:t>
-                      </a:r>
+                      <a:endParaRPr lang="ru-RU" dirty="0"/>
                     </a:p>
                   </a:txBody>
                   <a:tcPr>
@@ -20470,6 +20483,1698 @@
           </a:p>
         </p:txBody>
       </p:sp>
+      <p:pic>
+        <p:nvPicPr>
+          <p:cNvPr id="4" name="Рисунок 3" descr="Закрыть со сплошной заливкой">
+            <a:extLst>
+              <a:ext uri="{FF2B5EF4-FFF2-40B4-BE49-F238E27FC236}">
+                <a16:creationId xmlns:a16="http://schemas.microsoft.com/office/drawing/2014/main" id="{86AA7D31-292E-EB69-7E1F-E5DB9B016150}"/>
+              </a:ext>
+            </a:extLst>
+          </p:cNvPr>
+          <p:cNvPicPr>
+            <a:picLocks noChangeAspect="1"/>
+          </p:cNvPicPr>
+          <p:nvPr/>
+        </p:nvPicPr>
+        <p:blipFill>
+          <a:blip r:embed="rId2">
+            <a:extLst>
+              <a:ext uri="{96DAC541-7B7A-43D3-8B79-37D633B846F1}">
+                <asvg:svgBlip xmlns:asvg="http://schemas.microsoft.com/office/drawing/2016/SVG/main" r:embed="rId3"/>
+              </a:ext>
+            </a:extLst>
+          </a:blip>
+          <a:stretch>
+            <a:fillRect/>
+          </a:stretch>
+        </p:blipFill>
+        <p:spPr>
+          <a:xfrm>
+            <a:off x="3735436" y="2351768"/>
+            <a:ext cx="215781" cy="215781"/>
+          </a:xfrm>
+          <a:prstGeom prst="rect">
+            <a:avLst/>
+          </a:prstGeom>
+        </p:spPr>
+      </p:pic>
+      <p:pic>
+        <p:nvPicPr>
+          <p:cNvPr id="8" name="Рисунок 7" descr="Закрыть со сплошной заливкой">
+            <a:extLst>
+              <a:ext uri="{FF2B5EF4-FFF2-40B4-BE49-F238E27FC236}">
+                <a16:creationId xmlns:a16="http://schemas.microsoft.com/office/drawing/2014/main" id="{C40543B2-F08C-BD57-A610-0177C24711AB}"/>
+              </a:ext>
+            </a:extLst>
+          </p:cNvPr>
+          <p:cNvPicPr>
+            <a:picLocks noChangeAspect="1"/>
+          </p:cNvPicPr>
+          <p:nvPr/>
+        </p:nvPicPr>
+        <p:blipFill>
+          <a:blip r:embed="rId2">
+            <a:extLst>
+              <a:ext uri="{96DAC541-7B7A-43D3-8B79-37D633B846F1}">
+                <asvg:svgBlip xmlns:asvg="http://schemas.microsoft.com/office/drawing/2016/SVG/main" r:embed="rId3"/>
+              </a:ext>
+            </a:extLst>
+          </a:blip>
+          <a:stretch>
+            <a:fillRect/>
+          </a:stretch>
+        </p:blipFill>
+        <p:spPr>
+          <a:xfrm>
+            <a:off x="3735437" y="2734508"/>
+            <a:ext cx="215781" cy="215781"/>
+          </a:xfrm>
+          <a:prstGeom prst="rect">
+            <a:avLst/>
+          </a:prstGeom>
+        </p:spPr>
+      </p:pic>
+      <p:pic>
+        <p:nvPicPr>
+          <p:cNvPr id="9" name="Рисунок 8" descr="Закрыть со сплошной заливкой">
+            <a:extLst>
+              <a:ext uri="{FF2B5EF4-FFF2-40B4-BE49-F238E27FC236}">
+                <a16:creationId xmlns:a16="http://schemas.microsoft.com/office/drawing/2014/main" id="{BFCA3A71-2DE1-E221-264B-BD24F60E1DC2}"/>
+              </a:ext>
+            </a:extLst>
+          </p:cNvPr>
+          <p:cNvPicPr>
+            <a:picLocks noChangeAspect="1"/>
+          </p:cNvPicPr>
+          <p:nvPr/>
+        </p:nvPicPr>
+        <p:blipFill>
+          <a:blip r:embed="rId2">
+            <a:extLst>
+              <a:ext uri="{96DAC541-7B7A-43D3-8B79-37D633B846F1}">
+                <asvg:svgBlip xmlns:asvg="http://schemas.microsoft.com/office/drawing/2016/SVG/main" r:embed="rId3"/>
+              </a:ext>
+            </a:extLst>
+          </a:blip>
+          <a:stretch>
+            <a:fillRect/>
+          </a:stretch>
+        </p:blipFill>
+        <p:spPr>
+          <a:xfrm>
+            <a:off x="3736543" y="5789295"/>
+            <a:ext cx="215781" cy="215781"/>
+          </a:xfrm>
+          <a:prstGeom prst="rect">
+            <a:avLst/>
+          </a:prstGeom>
+        </p:spPr>
+      </p:pic>
+      <p:pic>
+        <p:nvPicPr>
+          <p:cNvPr id="10" name="Рисунок 9" descr="Закрыть со сплошной заливкой">
+            <a:extLst>
+              <a:ext uri="{FF2B5EF4-FFF2-40B4-BE49-F238E27FC236}">
+                <a16:creationId xmlns:a16="http://schemas.microsoft.com/office/drawing/2014/main" id="{A3703FC5-E312-7B02-88A4-42A004E1C940}"/>
+              </a:ext>
+            </a:extLst>
+          </p:cNvPr>
+          <p:cNvPicPr>
+            <a:picLocks noChangeAspect="1"/>
+          </p:cNvPicPr>
+          <p:nvPr/>
+        </p:nvPicPr>
+        <p:blipFill>
+          <a:blip r:embed="rId2">
+            <a:extLst>
+              <a:ext uri="{96DAC541-7B7A-43D3-8B79-37D633B846F1}">
+                <asvg:svgBlip xmlns:asvg="http://schemas.microsoft.com/office/drawing/2016/SVG/main" r:embed="rId3"/>
+              </a:ext>
+            </a:extLst>
+          </a:blip>
+          <a:stretch>
+            <a:fillRect/>
+          </a:stretch>
+        </p:blipFill>
+        <p:spPr>
+          <a:xfrm>
+            <a:off x="5011395" y="2696910"/>
+            <a:ext cx="215781" cy="215781"/>
+          </a:xfrm>
+          <a:prstGeom prst="rect">
+            <a:avLst/>
+          </a:prstGeom>
+        </p:spPr>
+      </p:pic>
+      <p:pic>
+        <p:nvPicPr>
+          <p:cNvPr id="11" name="Рисунок 10" descr="Закрыть со сплошной заливкой">
+            <a:extLst>
+              <a:ext uri="{FF2B5EF4-FFF2-40B4-BE49-F238E27FC236}">
+                <a16:creationId xmlns:a16="http://schemas.microsoft.com/office/drawing/2014/main" id="{4F9CFF29-D0CA-0E43-C6B5-274869C515D4}"/>
+              </a:ext>
+            </a:extLst>
+          </p:cNvPr>
+          <p:cNvPicPr>
+            <a:picLocks noChangeAspect="1"/>
+          </p:cNvPicPr>
+          <p:nvPr/>
+        </p:nvPicPr>
+        <p:blipFill>
+          <a:blip r:embed="rId2">
+            <a:extLst>
+              <a:ext uri="{96DAC541-7B7A-43D3-8B79-37D633B846F1}">
+                <asvg:svgBlip xmlns:asvg="http://schemas.microsoft.com/office/drawing/2016/SVG/main" r:embed="rId3"/>
+              </a:ext>
+            </a:extLst>
+          </a:blip>
+          <a:stretch>
+            <a:fillRect/>
+          </a:stretch>
+        </p:blipFill>
+        <p:spPr>
+          <a:xfrm>
+            <a:off x="5011393" y="5788804"/>
+            <a:ext cx="215781" cy="215781"/>
+          </a:xfrm>
+          <a:prstGeom prst="rect">
+            <a:avLst/>
+          </a:prstGeom>
+        </p:spPr>
+      </p:pic>
+      <p:pic>
+        <p:nvPicPr>
+          <p:cNvPr id="12" name="Рисунок 11" descr="Закрыть со сплошной заливкой">
+            <a:extLst>
+              <a:ext uri="{FF2B5EF4-FFF2-40B4-BE49-F238E27FC236}">
+                <a16:creationId xmlns:a16="http://schemas.microsoft.com/office/drawing/2014/main" id="{25E22FDD-5F30-3F36-2010-10D3E13C7EBB}"/>
+              </a:ext>
+            </a:extLst>
+          </p:cNvPr>
+          <p:cNvPicPr>
+            <a:picLocks noChangeAspect="1"/>
+          </p:cNvPicPr>
+          <p:nvPr/>
+        </p:nvPicPr>
+        <p:blipFill>
+          <a:blip r:embed="rId2">
+            <a:extLst>
+              <a:ext uri="{96DAC541-7B7A-43D3-8B79-37D633B846F1}">
+                <asvg:svgBlip xmlns:asvg="http://schemas.microsoft.com/office/drawing/2016/SVG/main" r:embed="rId3"/>
+              </a:ext>
+            </a:extLst>
+          </a:blip>
+          <a:stretch>
+            <a:fillRect/>
+          </a:stretch>
+        </p:blipFill>
+        <p:spPr>
+          <a:xfrm>
+            <a:off x="6318902" y="3213219"/>
+            <a:ext cx="215781" cy="215781"/>
+          </a:xfrm>
+          <a:prstGeom prst="rect">
+            <a:avLst/>
+          </a:prstGeom>
+        </p:spPr>
+      </p:pic>
+      <p:pic>
+        <p:nvPicPr>
+          <p:cNvPr id="13" name="Рисунок 12" descr="Закрыть со сплошной заливкой">
+            <a:extLst>
+              <a:ext uri="{FF2B5EF4-FFF2-40B4-BE49-F238E27FC236}">
+                <a16:creationId xmlns:a16="http://schemas.microsoft.com/office/drawing/2014/main" id="{B48B63B4-015D-A952-491D-09955ECA0B9E}"/>
+              </a:ext>
+            </a:extLst>
+          </p:cNvPr>
+          <p:cNvPicPr>
+            <a:picLocks noChangeAspect="1"/>
+          </p:cNvPicPr>
+          <p:nvPr/>
+        </p:nvPicPr>
+        <p:blipFill>
+          <a:blip r:embed="rId2">
+            <a:extLst>
+              <a:ext uri="{96DAC541-7B7A-43D3-8B79-37D633B846F1}">
+                <asvg:svgBlip xmlns:asvg="http://schemas.microsoft.com/office/drawing/2016/SVG/main" r:embed="rId3"/>
+              </a:ext>
+            </a:extLst>
+          </a:blip>
+          <a:stretch>
+            <a:fillRect/>
+          </a:stretch>
+        </p:blipFill>
+        <p:spPr>
+          <a:xfrm>
+            <a:off x="6318901" y="5788803"/>
+            <a:ext cx="215781" cy="215781"/>
+          </a:xfrm>
+          <a:prstGeom prst="rect">
+            <a:avLst/>
+          </a:prstGeom>
+        </p:spPr>
+      </p:pic>
+      <p:pic>
+        <p:nvPicPr>
+          <p:cNvPr id="14" name="Рисунок 13" descr="Закрыть со сплошной заливкой">
+            <a:extLst>
+              <a:ext uri="{FF2B5EF4-FFF2-40B4-BE49-F238E27FC236}">
+                <a16:creationId xmlns:a16="http://schemas.microsoft.com/office/drawing/2014/main" id="{82420459-5B41-AB15-0C5C-FF600CC5F216}"/>
+              </a:ext>
+            </a:extLst>
+          </p:cNvPr>
+          <p:cNvPicPr>
+            <a:picLocks noChangeAspect="1"/>
+          </p:cNvPicPr>
+          <p:nvPr/>
+        </p:nvPicPr>
+        <p:blipFill>
+          <a:blip r:embed="rId2">
+            <a:extLst>
+              <a:ext uri="{96DAC541-7B7A-43D3-8B79-37D633B846F1}">
+                <asvg:svgBlip xmlns:asvg="http://schemas.microsoft.com/office/drawing/2016/SVG/main" r:embed="rId3"/>
+              </a:ext>
+            </a:extLst>
+          </a:blip>
+          <a:stretch>
+            <a:fillRect/>
+          </a:stretch>
+        </p:blipFill>
+        <p:spPr>
+          <a:xfrm>
+            <a:off x="6318901" y="6329960"/>
+            <a:ext cx="215781" cy="215781"/>
+          </a:xfrm>
+          <a:prstGeom prst="rect">
+            <a:avLst/>
+          </a:prstGeom>
+        </p:spPr>
+      </p:pic>
+      <p:pic>
+        <p:nvPicPr>
+          <p:cNvPr id="15" name="Рисунок 14" descr="Закрыть со сплошной заливкой">
+            <a:extLst>
+              <a:ext uri="{FF2B5EF4-FFF2-40B4-BE49-F238E27FC236}">
+                <a16:creationId xmlns:a16="http://schemas.microsoft.com/office/drawing/2014/main" id="{01353126-D072-C891-D618-9136C16465AC}"/>
+              </a:ext>
+            </a:extLst>
+          </p:cNvPr>
+          <p:cNvPicPr>
+            <a:picLocks noChangeAspect="1"/>
+          </p:cNvPicPr>
+          <p:nvPr/>
+        </p:nvPicPr>
+        <p:blipFill>
+          <a:blip r:embed="rId2">
+            <a:extLst>
+              <a:ext uri="{96DAC541-7B7A-43D3-8B79-37D633B846F1}">
+                <asvg:svgBlip xmlns:asvg="http://schemas.microsoft.com/office/drawing/2016/SVG/main" r:embed="rId3"/>
+              </a:ext>
+            </a:extLst>
+          </a:blip>
+          <a:stretch>
+            <a:fillRect/>
+          </a:stretch>
+        </p:blipFill>
+        <p:spPr>
+          <a:xfrm>
+            <a:off x="7796406" y="2339411"/>
+            <a:ext cx="215781" cy="215781"/>
+          </a:xfrm>
+          <a:prstGeom prst="rect">
+            <a:avLst/>
+          </a:prstGeom>
+        </p:spPr>
+      </p:pic>
+      <p:pic>
+        <p:nvPicPr>
+          <p:cNvPr id="16" name="Рисунок 15" descr="Закрыть со сплошной заливкой">
+            <a:extLst>
+              <a:ext uri="{FF2B5EF4-FFF2-40B4-BE49-F238E27FC236}">
+                <a16:creationId xmlns:a16="http://schemas.microsoft.com/office/drawing/2014/main" id="{2F06E7AA-AE3A-0297-9936-06D16A9DCA6C}"/>
+              </a:ext>
+            </a:extLst>
+          </p:cNvPr>
+          <p:cNvPicPr>
+            <a:picLocks noChangeAspect="1"/>
+          </p:cNvPicPr>
+          <p:nvPr/>
+        </p:nvPicPr>
+        <p:blipFill>
+          <a:blip r:embed="rId2">
+            <a:extLst>
+              <a:ext uri="{96DAC541-7B7A-43D3-8B79-37D633B846F1}">
+                <asvg:svgBlip xmlns:asvg="http://schemas.microsoft.com/office/drawing/2016/SVG/main" r:embed="rId3"/>
+              </a:ext>
+            </a:extLst>
+          </a:blip>
+          <a:stretch>
+            <a:fillRect/>
+          </a:stretch>
+        </p:blipFill>
+        <p:spPr>
+          <a:xfrm>
+            <a:off x="7796404" y="2714460"/>
+            <a:ext cx="215781" cy="215781"/>
+          </a:xfrm>
+          <a:prstGeom prst="rect">
+            <a:avLst/>
+          </a:prstGeom>
+        </p:spPr>
+      </p:pic>
+      <p:pic>
+        <p:nvPicPr>
+          <p:cNvPr id="17" name="Рисунок 16" descr="Закрыть со сплошной заливкой">
+            <a:extLst>
+              <a:ext uri="{FF2B5EF4-FFF2-40B4-BE49-F238E27FC236}">
+                <a16:creationId xmlns:a16="http://schemas.microsoft.com/office/drawing/2014/main" id="{FAF8D452-9EFC-D872-5378-2B99ABF06EAD}"/>
+              </a:ext>
+            </a:extLst>
+          </p:cNvPr>
+          <p:cNvPicPr>
+            <a:picLocks noChangeAspect="1"/>
+          </p:cNvPicPr>
+          <p:nvPr/>
+        </p:nvPicPr>
+        <p:blipFill>
+          <a:blip r:embed="rId2">
+            <a:extLst>
+              <a:ext uri="{96DAC541-7B7A-43D3-8B79-37D633B846F1}">
+                <asvg:svgBlip xmlns:asvg="http://schemas.microsoft.com/office/drawing/2016/SVG/main" r:embed="rId3"/>
+              </a:ext>
+            </a:extLst>
+          </a:blip>
+          <a:stretch>
+            <a:fillRect/>
+          </a:stretch>
+        </p:blipFill>
+        <p:spPr>
+          <a:xfrm>
+            <a:off x="7812219" y="4417806"/>
+            <a:ext cx="215781" cy="215781"/>
+          </a:xfrm>
+          <a:prstGeom prst="rect">
+            <a:avLst/>
+          </a:prstGeom>
+        </p:spPr>
+      </p:pic>
+      <p:pic>
+        <p:nvPicPr>
+          <p:cNvPr id="18" name="Рисунок 17" descr="Закрыть со сплошной заливкой">
+            <a:extLst>
+              <a:ext uri="{FF2B5EF4-FFF2-40B4-BE49-F238E27FC236}">
+                <a16:creationId xmlns:a16="http://schemas.microsoft.com/office/drawing/2014/main" id="{685AF169-1652-DE87-B466-D53E1EABB84A}"/>
+              </a:ext>
+            </a:extLst>
+          </p:cNvPr>
+          <p:cNvPicPr>
+            <a:picLocks noChangeAspect="1"/>
+          </p:cNvPicPr>
+          <p:nvPr/>
+        </p:nvPicPr>
+        <p:blipFill>
+          <a:blip r:embed="rId2">
+            <a:extLst>
+              <a:ext uri="{96DAC541-7B7A-43D3-8B79-37D633B846F1}">
+                <asvg:svgBlip xmlns:asvg="http://schemas.microsoft.com/office/drawing/2016/SVG/main" r:embed="rId3"/>
+              </a:ext>
+            </a:extLst>
+          </a:blip>
+          <a:stretch>
+            <a:fillRect/>
+          </a:stretch>
+        </p:blipFill>
+        <p:spPr>
+          <a:xfrm>
+            <a:off x="7822757" y="6329960"/>
+            <a:ext cx="215781" cy="215781"/>
+          </a:xfrm>
+          <a:prstGeom prst="rect">
+            <a:avLst/>
+          </a:prstGeom>
+        </p:spPr>
+      </p:pic>
+      <p:pic>
+        <p:nvPicPr>
+          <p:cNvPr id="19" name="Рисунок 18" descr="Закрыть со сплошной заливкой">
+            <a:extLst>
+              <a:ext uri="{FF2B5EF4-FFF2-40B4-BE49-F238E27FC236}">
+                <a16:creationId xmlns:a16="http://schemas.microsoft.com/office/drawing/2014/main" id="{EF075563-11D4-C7ED-B086-F1011A80679A}"/>
+              </a:ext>
+            </a:extLst>
+          </p:cNvPr>
+          <p:cNvPicPr>
+            <a:picLocks noChangeAspect="1"/>
+          </p:cNvPicPr>
+          <p:nvPr/>
+        </p:nvPicPr>
+        <p:blipFill>
+          <a:blip r:embed="rId2">
+            <a:extLst>
+              <a:ext uri="{96DAC541-7B7A-43D3-8B79-37D633B846F1}">
+                <asvg:svgBlip xmlns:asvg="http://schemas.microsoft.com/office/drawing/2016/SVG/main" r:embed="rId3"/>
+              </a:ext>
+            </a:extLst>
+          </a:blip>
+          <a:stretch>
+            <a:fillRect/>
+          </a:stretch>
+        </p:blipFill>
+        <p:spPr>
+          <a:xfrm>
+            <a:off x="9288143" y="2722191"/>
+            <a:ext cx="215781" cy="215781"/>
+          </a:xfrm>
+          <a:prstGeom prst="rect">
+            <a:avLst/>
+          </a:prstGeom>
+        </p:spPr>
+      </p:pic>
+      <p:pic>
+        <p:nvPicPr>
+          <p:cNvPr id="21" name="Рисунок 20" descr="Закрыть со сплошной заливкой">
+            <a:extLst>
+              <a:ext uri="{FF2B5EF4-FFF2-40B4-BE49-F238E27FC236}">
+                <a16:creationId xmlns:a16="http://schemas.microsoft.com/office/drawing/2014/main" id="{7657093B-EBBA-D6A2-5BBA-40CC965A6059}"/>
+              </a:ext>
+            </a:extLst>
+          </p:cNvPr>
+          <p:cNvPicPr>
+            <a:picLocks noChangeAspect="1"/>
+          </p:cNvPicPr>
+          <p:nvPr/>
+        </p:nvPicPr>
+        <p:blipFill>
+          <a:blip r:embed="rId2">
+            <a:extLst>
+              <a:ext uri="{96DAC541-7B7A-43D3-8B79-37D633B846F1}">
+                <asvg:svgBlip xmlns:asvg="http://schemas.microsoft.com/office/drawing/2016/SVG/main" r:embed="rId3"/>
+              </a:ext>
+            </a:extLst>
+          </a:blip>
+          <a:stretch>
+            <a:fillRect/>
+          </a:stretch>
+        </p:blipFill>
+        <p:spPr>
+          <a:xfrm>
+            <a:off x="9298072" y="5787915"/>
+            <a:ext cx="215781" cy="215781"/>
+          </a:xfrm>
+          <a:prstGeom prst="rect">
+            <a:avLst/>
+          </a:prstGeom>
+        </p:spPr>
+      </p:pic>
+      <p:pic>
+        <p:nvPicPr>
+          <p:cNvPr id="22" name="Рисунок 21" descr="Закрыть со сплошной заливкой">
+            <a:extLst>
+              <a:ext uri="{FF2B5EF4-FFF2-40B4-BE49-F238E27FC236}">
+                <a16:creationId xmlns:a16="http://schemas.microsoft.com/office/drawing/2014/main" id="{E0896971-C916-4ED8-761B-39A72C497121}"/>
+              </a:ext>
+            </a:extLst>
+          </p:cNvPr>
+          <p:cNvPicPr>
+            <a:picLocks noChangeAspect="1"/>
+          </p:cNvPicPr>
+          <p:nvPr/>
+        </p:nvPicPr>
+        <p:blipFill>
+          <a:blip r:embed="rId2">
+            <a:extLst>
+              <a:ext uri="{96DAC541-7B7A-43D3-8B79-37D633B846F1}">
+                <asvg:svgBlip xmlns:asvg="http://schemas.microsoft.com/office/drawing/2016/SVG/main" r:embed="rId3"/>
+              </a:ext>
+            </a:extLst>
+          </a:blip>
+          <a:stretch>
+            <a:fillRect/>
+          </a:stretch>
+        </p:blipFill>
+        <p:spPr>
+          <a:xfrm>
+            <a:off x="9288143" y="6329960"/>
+            <a:ext cx="215781" cy="215781"/>
+          </a:xfrm>
+          <a:prstGeom prst="rect">
+            <a:avLst/>
+          </a:prstGeom>
+        </p:spPr>
+      </p:pic>
+      <p:pic>
+        <p:nvPicPr>
+          <p:cNvPr id="23" name="Рисунок 22" descr="Закрыть со сплошной заливкой">
+            <a:extLst>
+              <a:ext uri="{FF2B5EF4-FFF2-40B4-BE49-F238E27FC236}">
+                <a16:creationId xmlns:a16="http://schemas.microsoft.com/office/drawing/2014/main" id="{1857BCA0-9B3E-1CCE-A9B6-DC3D153D3355}"/>
+              </a:ext>
+            </a:extLst>
+          </p:cNvPr>
+          <p:cNvPicPr>
+            <a:picLocks noChangeAspect="1"/>
+          </p:cNvPicPr>
+          <p:nvPr/>
+        </p:nvPicPr>
+        <p:blipFill>
+          <a:blip r:embed="rId2">
+            <a:extLst>
+              <a:ext uri="{96DAC541-7B7A-43D3-8B79-37D633B846F1}">
+                <asvg:svgBlip xmlns:asvg="http://schemas.microsoft.com/office/drawing/2016/SVG/main" r:embed="rId3"/>
+              </a:ext>
+            </a:extLst>
+          </a:blip>
+          <a:stretch>
+            <a:fillRect/>
+          </a:stretch>
+        </p:blipFill>
+        <p:spPr>
+          <a:xfrm>
+            <a:off x="10978847" y="5256595"/>
+            <a:ext cx="215781" cy="215781"/>
+          </a:xfrm>
+          <a:prstGeom prst="rect">
+            <a:avLst/>
+          </a:prstGeom>
+        </p:spPr>
+      </p:pic>
+      <p:pic>
+        <p:nvPicPr>
+          <p:cNvPr id="25" name="Рисунок 24" descr="Флажок со сплошной заливкой">
+            <a:extLst>
+              <a:ext uri="{FF2B5EF4-FFF2-40B4-BE49-F238E27FC236}">
+                <a16:creationId xmlns:a16="http://schemas.microsoft.com/office/drawing/2014/main" id="{E0118C6C-11DA-97E1-6D37-AF9B3CB1F891}"/>
+              </a:ext>
+            </a:extLst>
+          </p:cNvPr>
+          <p:cNvPicPr>
+            <a:picLocks noChangeAspect="1"/>
+          </p:cNvPicPr>
+          <p:nvPr/>
+        </p:nvPicPr>
+        <p:blipFill>
+          <a:blip r:embed="rId4">
+            <a:extLst>
+              <a:ext uri="{96DAC541-7B7A-43D3-8B79-37D633B846F1}">
+                <asvg:svgBlip xmlns:asvg="http://schemas.microsoft.com/office/drawing/2016/SVG/main" r:embed="rId5"/>
+              </a:ext>
+            </a:extLst>
+          </a:blip>
+          <a:stretch>
+            <a:fillRect/>
+          </a:stretch>
+        </p:blipFill>
+        <p:spPr>
+          <a:xfrm>
+            <a:off x="5011395" y="2339411"/>
+            <a:ext cx="215781" cy="215781"/>
+          </a:xfrm>
+          <a:prstGeom prst="rect">
+            <a:avLst/>
+          </a:prstGeom>
+        </p:spPr>
+      </p:pic>
+      <p:pic>
+        <p:nvPicPr>
+          <p:cNvPr id="26" name="Рисунок 25" descr="Флажок со сплошной заливкой">
+            <a:extLst>
+              <a:ext uri="{FF2B5EF4-FFF2-40B4-BE49-F238E27FC236}">
+                <a16:creationId xmlns:a16="http://schemas.microsoft.com/office/drawing/2014/main" id="{102550EE-0B40-F6F0-D8A1-9BEE58FB0C28}"/>
+              </a:ext>
+            </a:extLst>
+          </p:cNvPr>
+          <p:cNvPicPr>
+            <a:picLocks noChangeAspect="1"/>
+          </p:cNvPicPr>
+          <p:nvPr/>
+        </p:nvPicPr>
+        <p:blipFill>
+          <a:blip r:embed="rId4">
+            <a:extLst>
+              <a:ext uri="{96DAC541-7B7A-43D3-8B79-37D633B846F1}">
+                <asvg:svgBlip xmlns:asvg="http://schemas.microsoft.com/office/drawing/2016/SVG/main" r:embed="rId5"/>
+              </a:ext>
+            </a:extLst>
+          </a:blip>
+          <a:stretch>
+            <a:fillRect/>
+          </a:stretch>
+        </p:blipFill>
+        <p:spPr>
+          <a:xfrm>
+            <a:off x="3736543" y="3857187"/>
+            <a:ext cx="215781" cy="215781"/>
+          </a:xfrm>
+          <a:prstGeom prst="rect">
+            <a:avLst/>
+          </a:prstGeom>
+        </p:spPr>
+      </p:pic>
+      <p:pic>
+        <p:nvPicPr>
+          <p:cNvPr id="28" name="Рисунок 27" descr="Флажок со сплошной заливкой">
+            <a:extLst>
+              <a:ext uri="{FF2B5EF4-FFF2-40B4-BE49-F238E27FC236}">
+                <a16:creationId xmlns:a16="http://schemas.microsoft.com/office/drawing/2014/main" id="{C360B48E-63D1-A07E-5B7B-97D2FAF8EEFE}"/>
+              </a:ext>
+            </a:extLst>
+          </p:cNvPr>
+          <p:cNvPicPr>
+            <a:picLocks noChangeAspect="1"/>
+          </p:cNvPicPr>
+          <p:nvPr/>
+        </p:nvPicPr>
+        <p:blipFill>
+          <a:blip r:embed="rId4">
+            <a:extLst>
+              <a:ext uri="{96DAC541-7B7A-43D3-8B79-37D633B846F1}">
+                <asvg:svgBlip xmlns:asvg="http://schemas.microsoft.com/office/drawing/2016/SVG/main" r:embed="rId5"/>
+              </a:ext>
+            </a:extLst>
+          </a:blip>
+          <a:stretch>
+            <a:fillRect/>
+          </a:stretch>
+        </p:blipFill>
+        <p:spPr>
+          <a:xfrm>
+            <a:off x="3739494" y="4861498"/>
+            <a:ext cx="215781" cy="215781"/>
+          </a:xfrm>
+          <a:prstGeom prst="rect">
+            <a:avLst/>
+          </a:prstGeom>
+        </p:spPr>
+      </p:pic>
+      <p:pic>
+        <p:nvPicPr>
+          <p:cNvPr id="29" name="Рисунок 28" descr="Флажок со сплошной заливкой">
+            <a:extLst>
+              <a:ext uri="{FF2B5EF4-FFF2-40B4-BE49-F238E27FC236}">
+                <a16:creationId xmlns:a16="http://schemas.microsoft.com/office/drawing/2014/main" id="{69D42C3A-DFCA-8360-D393-0394CB8ACEC5}"/>
+              </a:ext>
+            </a:extLst>
+          </p:cNvPr>
+          <p:cNvPicPr>
+            <a:picLocks noChangeAspect="1"/>
+          </p:cNvPicPr>
+          <p:nvPr/>
+        </p:nvPicPr>
+        <p:blipFill>
+          <a:blip r:embed="rId4">
+            <a:extLst>
+              <a:ext uri="{96DAC541-7B7A-43D3-8B79-37D633B846F1}">
+                <asvg:svgBlip xmlns:asvg="http://schemas.microsoft.com/office/drawing/2016/SVG/main" r:embed="rId5"/>
+              </a:ext>
+            </a:extLst>
+          </a:blip>
+          <a:stretch>
+            <a:fillRect/>
+          </a:stretch>
+        </p:blipFill>
+        <p:spPr>
+          <a:xfrm>
+            <a:off x="3736543" y="5256595"/>
+            <a:ext cx="215781" cy="215781"/>
+          </a:xfrm>
+          <a:prstGeom prst="rect">
+            <a:avLst/>
+          </a:prstGeom>
+        </p:spPr>
+      </p:pic>
+      <p:pic>
+        <p:nvPicPr>
+          <p:cNvPr id="30" name="Рисунок 29" descr="Флажок со сплошной заливкой">
+            <a:extLst>
+              <a:ext uri="{FF2B5EF4-FFF2-40B4-BE49-F238E27FC236}">
+                <a16:creationId xmlns:a16="http://schemas.microsoft.com/office/drawing/2014/main" id="{2B84FBB8-C3C9-B7E3-40B3-74B0091F7F12}"/>
+              </a:ext>
+            </a:extLst>
+          </p:cNvPr>
+          <p:cNvPicPr>
+            <a:picLocks noChangeAspect="1"/>
+          </p:cNvPicPr>
+          <p:nvPr/>
+        </p:nvPicPr>
+        <p:blipFill>
+          <a:blip r:embed="rId4">
+            <a:extLst>
+              <a:ext uri="{96DAC541-7B7A-43D3-8B79-37D633B846F1}">
+                <asvg:svgBlip xmlns:asvg="http://schemas.microsoft.com/office/drawing/2016/SVG/main" r:embed="rId5"/>
+              </a:ext>
+            </a:extLst>
+          </a:blip>
+          <a:stretch>
+            <a:fillRect/>
+          </a:stretch>
+        </p:blipFill>
+        <p:spPr>
+          <a:xfrm>
+            <a:off x="5011394" y="3837419"/>
+            <a:ext cx="215781" cy="215781"/>
+          </a:xfrm>
+          <a:prstGeom prst="rect">
+            <a:avLst/>
+          </a:prstGeom>
+        </p:spPr>
+      </p:pic>
+      <p:pic>
+        <p:nvPicPr>
+          <p:cNvPr id="31" name="Рисунок 30" descr="Флажок со сплошной заливкой">
+            <a:extLst>
+              <a:ext uri="{FF2B5EF4-FFF2-40B4-BE49-F238E27FC236}">
+                <a16:creationId xmlns:a16="http://schemas.microsoft.com/office/drawing/2014/main" id="{EC10CA84-8782-BAF9-7A15-DCA5C6797BED}"/>
+              </a:ext>
+            </a:extLst>
+          </p:cNvPr>
+          <p:cNvPicPr>
+            <a:picLocks noChangeAspect="1"/>
+          </p:cNvPicPr>
+          <p:nvPr/>
+        </p:nvPicPr>
+        <p:blipFill>
+          <a:blip r:embed="rId4">
+            <a:extLst>
+              <a:ext uri="{96DAC541-7B7A-43D3-8B79-37D633B846F1}">
+                <asvg:svgBlip xmlns:asvg="http://schemas.microsoft.com/office/drawing/2016/SVG/main" r:embed="rId5"/>
+              </a:ext>
+            </a:extLst>
+          </a:blip>
+          <a:stretch>
+            <a:fillRect/>
+          </a:stretch>
+        </p:blipFill>
+        <p:spPr>
+          <a:xfrm>
+            <a:off x="5011392" y="4412470"/>
+            <a:ext cx="215781" cy="215781"/>
+          </a:xfrm>
+          <a:prstGeom prst="rect">
+            <a:avLst/>
+          </a:prstGeom>
+        </p:spPr>
+      </p:pic>
+      <p:pic>
+        <p:nvPicPr>
+          <p:cNvPr id="33" name="Рисунок 32" descr="Флажок со сплошной заливкой">
+            <a:extLst>
+              <a:ext uri="{FF2B5EF4-FFF2-40B4-BE49-F238E27FC236}">
+                <a16:creationId xmlns:a16="http://schemas.microsoft.com/office/drawing/2014/main" id="{9AA3C890-D138-1611-4464-5C1F1A569F38}"/>
+              </a:ext>
+            </a:extLst>
+          </p:cNvPr>
+          <p:cNvPicPr>
+            <a:picLocks noChangeAspect="1"/>
+          </p:cNvPicPr>
+          <p:nvPr/>
+        </p:nvPicPr>
+        <p:blipFill>
+          <a:blip r:embed="rId4">
+            <a:extLst>
+              <a:ext uri="{96DAC541-7B7A-43D3-8B79-37D633B846F1}">
+                <asvg:svgBlip xmlns:asvg="http://schemas.microsoft.com/office/drawing/2016/SVG/main" r:embed="rId5"/>
+              </a:ext>
+            </a:extLst>
+          </a:blip>
+          <a:stretch>
+            <a:fillRect/>
+          </a:stretch>
+        </p:blipFill>
+        <p:spPr>
+          <a:xfrm>
+            <a:off x="5011393" y="5256595"/>
+            <a:ext cx="215781" cy="215781"/>
+          </a:xfrm>
+          <a:prstGeom prst="rect">
+            <a:avLst/>
+          </a:prstGeom>
+        </p:spPr>
+      </p:pic>
+      <p:pic>
+        <p:nvPicPr>
+          <p:cNvPr id="35" name="Рисунок 34" descr="Флажок со сплошной заливкой">
+            <a:extLst>
+              <a:ext uri="{FF2B5EF4-FFF2-40B4-BE49-F238E27FC236}">
+                <a16:creationId xmlns:a16="http://schemas.microsoft.com/office/drawing/2014/main" id="{995FD483-88A5-66B9-2C60-7D85C385DA91}"/>
+              </a:ext>
+            </a:extLst>
+          </p:cNvPr>
+          <p:cNvPicPr>
+            <a:picLocks noChangeAspect="1"/>
+          </p:cNvPicPr>
+          <p:nvPr/>
+        </p:nvPicPr>
+        <p:blipFill>
+          <a:blip r:embed="rId4">
+            <a:extLst>
+              <a:ext uri="{96DAC541-7B7A-43D3-8B79-37D633B846F1}">
+                <asvg:svgBlip xmlns:asvg="http://schemas.microsoft.com/office/drawing/2016/SVG/main" r:embed="rId5"/>
+              </a:ext>
+            </a:extLst>
+          </a:blip>
+          <a:stretch>
+            <a:fillRect/>
+          </a:stretch>
+        </p:blipFill>
+        <p:spPr>
+          <a:xfrm>
+            <a:off x="5011393" y="6329960"/>
+            <a:ext cx="215781" cy="215781"/>
+          </a:xfrm>
+          <a:prstGeom prst="rect">
+            <a:avLst/>
+          </a:prstGeom>
+        </p:spPr>
+      </p:pic>
+      <p:pic>
+        <p:nvPicPr>
+          <p:cNvPr id="36" name="Рисунок 35" descr="Флажок со сплошной заливкой">
+            <a:extLst>
+              <a:ext uri="{FF2B5EF4-FFF2-40B4-BE49-F238E27FC236}">
+                <a16:creationId xmlns:a16="http://schemas.microsoft.com/office/drawing/2014/main" id="{73F37EB9-0AAB-ECCF-9FCB-21F41FFCE41C}"/>
+              </a:ext>
+            </a:extLst>
+          </p:cNvPr>
+          <p:cNvPicPr>
+            <a:picLocks noChangeAspect="1"/>
+          </p:cNvPicPr>
+          <p:nvPr/>
+        </p:nvPicPr>
+        <p:blipFill>
+          <a:blip r:embed="rId4">
+            <a:extLst>
+              <a:ext uri="{96DAC541-7B7A-43D3-8B79-37D633B846F1}">
+                <asvg:svgBlip xmlns:asvg="http://schemas.microsoft.com/office/drawing/2016/SVG/main" r:embed="rId5"/>
+              </a:ext>
+            </a:extLst>
+          </a:blip>
+          <a:stretch>
+            <a:fillRect/>
+          </a:stretch>
+        </p:blipFill>
+        <p:spPr>
+          <a:xfrm>
+            <a:off x="6318902" y="2339410"/>
+            <a:ext cx="215781" cy="215781"/>
+          </a:xfrm>
+          <a:prstGeom prst="rect">
+            <a:avLst/>
+          </a:prstGeom>
+        </p:spPr>
+      </p:pic>
+      <p:pic>
+        <p:nvPicPr>
+          <p:cNvPr id="37" name="Рисунок 36" descr="Флажок со сплошной заливкой">
+            <a:extLst>
+              <a:ext uri="{FF2B5EF4-FFF2-40B4-BE49-F238E27FC236}">
+                <a16:creationId xmlns:a16="http://schemas.microsoft.com/office/drawing/2014/main" id="{CB8BEC06-9B7B-55FB-AC9D-3839F5F6CDA6}"/>
+              </a:ext>
+            </a:extLst>
+          </p:cNvPr>
+          <p:cNvPicPr>
+            <a:picLocks noChangeAspect="1"/>
+          </p:cNvPicPr>
+          <p:nvPr/>
+        </p:nvPicPr>
+        <p:blipFill>
+          <a:blip r:embed="rId4">
+            <a:extLst>
+              <a:ext uri="{96DAC541-7B7A-43D3-8B79-37D633B846F1}">
+                <asvg:svgBlip xmlns:asvg="http://schemas.microsoft.com/office/drawing/2016/SVG/main" r:embed="rId5"/>
+              </a:ext>
+            </a:extLst>
+          </a:blip>
+          <a:stretch>
+            <a:fillRect/>
+          </a:stretch>
+        </p:blipFill>
+        <p:spPr>
+          <a:xfrm>
+            <a:off x="6318902" y="2718650"/>
+            <a:ext cx="215781" cy="215781"/>
+          </a:xfrm>
+          <a:prstGeom prst="rect">
+            <a:avLst/>
+          </a:prstGeom>
+        </p:spPr>
+      </p:pic>
+      <p:pic>
+        <p:nvPicPr>
+          <p:cNvPr id="38" name="Рисунок 37" descr="Флажок со сплошной заливкой">
+            <a:extLst>
+              <a:ext uri="{FF2B5EF4-FFF2-40B4-BE49-F238E27FC236}">
+                <a16:creationId xmlns:a16="http://schemas.microsoft.com/office/drawing/2014/main" id="{FC85D110-C48B-1BDE-B9DF-83D8E0D82E9E}"/>
+              </a:ext>
+            </a:extLst>
+          </p:cNvPr>
+          <p:cNvPicPr>
+            <a:picLocks noChangeAspect="1"/>
+          </p:cNvPicPr>
+          <p:nvPr/>
+        </p:nvPicPr>
+        <p:blipFill>
+          <a:blip r:embed="rId4">
+            <a:extLst>
+              <a:ext uri="{96DAC541-7B7A-43D3-8B79-37D633B846F1}">
+                <asvg:svgBlip xmlns:asvg="http://schemas.microsoft.com/office/drawing/2016/SVG/main" r:embed="rId5"/>
+              </a:ext>
+            </a:extLst>
+          </a:blip>
+          <a:stretch>
+            <a:fillRect/>
+          </a:stretch>
+        </p:blipFill>
+        <p:spPr>
+          <a:xfrm>
+            <a:off x="6318902" y="3837419"/>
+            <a:ext cx="215781" cy="215781"/>
+          </a:xfrm>
+          <a:prstGeom prst="rect">
+            <a:avLst/>
+          </a:prstGeom>
+        </p:spPr>
+      </p:pic>
+      <p:pic>
+        <p:nvPicPr>
+          <p:cNvPr id="39" name="Рисунок 38" descr="Флажок со сплошной заливкой">
+            <a:extLst>
+              <a:ext uri="{FF2B5EF4-FFF2-40B4-BE49-F238E27FC236}">
+                <a16:creationId xmlns:a16="http://schemas.microsoft.com/office/drawing/2014/main" id="{DC0F4E42-C41F-2A34-9009-B58C50F170B9}"/>
+              </a:ext>
+            </a:extLst>
+          </p:cNvPr>
+          <p:cNvPicPr>
+            <a:picLocks noChangeAspect="1"/>
+          </p:cNvPicPr>
+          <p:nvPr/>
+        </p:nvPicPr>
+        <p:blipFill>
+          <a:blip r:embed="rId4">
+            <a:extLst>
+              <a:ext uri="{96DAC541-7B7A-43D3-8B79-37D633B846F1}">
+                <asvg:svgBlip xmlns:asvg="http://schemas.microsoft.com/office/drawing/2016/SVG/main" r:embed="rId5"/>
+              </a:ext>
+            </a:extLst>
+          </a:blip>
+          <a:stretch>
+            <a:fillRect/>
+          </a:stretch>
+        </p:blipFill>
+        <p:spPr>
+          <a:xfrm>
+            <a:off x="6318901" y="4409388"/>
+            <a:ext cx="215781" cy="215781"/>
+          </a:xfrm>
+          <a:prstGeom prst="rect">
+            <a:avLst/>
+          </a:prstGeom>
+        </p:spPr>
+      </p:pic>
+      <p:pic>
+        <p:nvPicPr>
+          <p:cNvPr id="41" name="Рисунок 40" descr="Флажок со сплошной заливкой">
+            <a:extLst>
+              <a:ext uri="{FF2B5EF4-FFF2-40B4-BE49-F238E27FC236}">
+                <a16:creationId xmlns:a16="http://schemas.microsoft.com/office/drawing/2014/main" id="{827CB795-FF92-7511-B630-A4FE9ECC7143}"/>
+              </a:ext>
+            </a:extLst>
+          </p:cNvPr>
+          <p:cNvPicPr>
+            <a:picLocks noChangeAspect="1"/>
+          </p:cNvPicPr>
+          <p:nvPr/>
+        </p:nvPicPr>
+        <p:blipFill>
+          <a:blip r:embed="rId4">
+            <a:extLst>
+              <a:ext uri="{96DAC541-7B7A-43D3-8B79-37D633B846F1}">
+                <asvg:svgBlip xmlns:asvg="http://schemas.microsoft.com/office/drawing/2016/SVG/main" r:embed="rId5"/>
+              </a:ext>
+            </a:extLst>
+          </a:blip>
+          <a:stretch>
+            <a:fillRect/>
+          </a:stretch>
+        </p:blipFill>
+        <p:spPr>
+          <a:xfrm>
+            <a:off x="6318901" y="4877355"/>
+            <a:ext cx="215781" cy="215781"/>
+          </a:xfrm>
+          <a:prstGeom prst="rect">
+            <a:avLst/>
+          </a:prstGeom>
+        </p:spPr>
+      </p:pic>
+      <p:pic>
+        <p:nvPicPr>
+          <p:cNvPr id="42" name="Рисунок 41" descr="Флажок со сплошной заливкой">
+            <a:extLst>
+              <a:ext uri="{FF2B5EF4-FFF2-40B4-BE49-F238E27FC236}">
+                <a16:creationId xmlns:a16="http://schemas.microsoft.com/office/drawing/2014/main" id="{E4ED4040-547E-D89B-1E6E-6281F263A41F}"/>
+              </a:ext>
+            </a:extLst>
+          </p:cNvPr>
+          <p:cNvPicPr>
+            <a:picLocks noChangeAspect="1"/>
+          </p:cNvPicPr>
+          <p:nvPr/>
+        </p:nvPicPr>
+        <p:blipFill>
+          <a:blip r:embed="rId4">
+            <a:extLst>
+              <a:ext uri="{96DAC541-7B7A-43D3-8B79-37D633B846F1}">
+                <asvg:svgBlip xmlns:asvg="http://schemas.microsoft.com/office/drawing/2016/SVG/main" r:embed="rId5"/>
+              </a:ext>
+            </a:extLst>
+          </a:blip>
+          <a:stretch>
+            <a:fillRect/>
+          </a:stretch>
+        </p:blipFill>
+        <p:spPr>
+          <a:xfrm>
+            <a:off x="6318901" y="5256595"/>
+            <a:ext cx="215781" cy="215781"/>
+          </a:xfrm>
+          <a:prstGeom prst="rect">
+            <a:avLst/>
+          </a:prstGeom>
+        </p:spPr>
+      </p:pic>
+      <p:pic>
+        <p:nvPicPr>
+          <p:cNvPr id="43" name="Рисунок 42" descr="Флажок со сплошной заливкой">
+            <a:extLst>
+              <a:ext uri="{FF2B5EF4-FFF2-40B4-BE49-F238E27FC236}">
+                <a16:creationId xmlns:a16="http://schemas.microsoft.com/office/drawing/2014/main" id="{C6F011C5-1741-C67C-FB4E-65DE2D101039}"/>
+              </a:ext>
+            </a:extLst>
+          </p:cNvPr>
+          <p:cNvPicPr>
+            <a:picLocks noChangeAspect="1"/>
+          </p:cNvPicPr>
+          <p:nvPr/>
+        </p:nvPicPr>
+        <p:blipFill>
+          <a:blip r:embed="rId4">
+            <a:extLst>
+              <a:ext uri="{96DAC541-7B7A-43D3-8B79-37D633B846F1}">
+                <asvg:svgBlip xmlns:asvg="http://schemas.microsoft.com/office/drawing/2016/SVG/main" r:embed="rId5"/>
+              </a:ext>
+            </a:extLst>
+          </a:blip>
+          <a:stretch>
+            <a:fillRect/>
+          </a:stretch>
+        </p:blipFill>
+        <p:spPr>
+          <a:xfrm>
+            <a:off x="7803524" y="3213219"/>
+            <a:ext cx="215781" cy="215781"/>
+          </a:xfrm>
+          <a:prstGeom prst="rect">
+            <a:avLst/>
+          </a:prstGeom>
+        </p:spPr>
+      </p:pic>
+      <p:pic>
+        <p:nvPicPr>
+          <p:cNvPr id="44" name="Рисунок 43" descr="Флажок со сплошной заливкой">
+            <a:extLst>
+              <a:ext uri="{FF2B5EF4-FFF2-40B4-BE49-F238E27FC236}">
+                <a16:creationId xmlns:a16="http://schemas.microsoft.com/office/drawing/2014/main" id="{3A8C710B-95A5-7CAA-4F1A-E0AC842E93A5}"/>
+              </a:ext>
+            </a:extLst>
+          </p:cNvPr>
+          <p:cNvPicPr>
+            <a:picLocks noChangeAspect="1"/>
+          </p:cNvPicPr>
+          <p:nvPr/>
+        </p:nvPicPr>
+        <p:blipFill>
+          <a:blip r:embed="rId4">
+            <a:extLst>
+              <a:ext uri="{96DAC541-7B7A-43D3-8B79-37D633B846F1}">
+                <asvg:svgBlip xmlns:asvg="http://schemas.microsoft.com/office/drawing/2016/SVG/main" r:embed="rId5"/>
+              </a:ext>
+            </a:extLst>
+          </a:blip>
+          <a:stretch>
+            <a:fillRect/>
+          </a:stretch>
+        </p:blipFill>
+        <p:spPr>
+          <a:xfrm>
+            <a:off x="7822757" y="3837418"/>
+            <a:ext cx="215781" cy="215781"/>
+          </a:xfrm>
+          <a:prstGeom prst="rect">
+            <a:avLst/>
+          </a:prstGeom>
+        </p:spPr>
+      </p:pic>
+      <p:pic>
+        <p:nvPicPr>
+          <p:cNvPr id="45" name="Рисунок 44" descr="Флажок со сплошной заливкой">
+            <a:extLst>
+              <a:ext uri="{FF2B5EF4-FFF2-40B4-BE49-F238E27FC236}">
+                <a16:creationId xmlns:a16="http://schemas.microsoft.com/office/drawing/2014/main" id="{6985B64B-9CA7-9E73-2BD0-49193FAE708D}"/>
+              </a:ext>
+            </a:extLst>
+          </p:cNvPr>
+          <p:cNvPicPr>
+            <a:picLocks noChangeAspect="1"/>
+          </p:cNvPicPr>
+          <p:nvPr/>
+        </p:nvPicPr>
+        <p:blipFill>
+          <a:blip r:embed="rId4">
+            <a:extLst>
+              <a:ext uri="{96DAC541-7B7A-43D3-8B79-37D633B846F1}">
+                <asvg:svgBlip xmlns:asvg="http://schemas.microsoft.com/office/drawing/2016/SVG/main" r:embed="rId5"/>
+              </a:ext>
+            </a:extLst>
+          </a:blip>
+          <a:stretch>
+            <a:fillRect/>
+          </a:stretch>
+        </p:blipFill>
+        <p:spPr>
+          <a:xfrm>
+            <a:off x="7807231" y="5256595"/>
+            <a:ext cx="215781" cy="215781"/>
+          </a:xfrm>
+          <a:prstGeom prst="rect">
+            <a:avLst/>
+          </a:prstGeom>
+        </p:spPr>
+      </p:pic>
+      <p:pic>
+        <p:nvPicPr>
+          <p:cNvPr id="46" name="Рисунок 45" descr="Флажок со сплошной заливкой">
+            <a:extLst>
+              <a:ext uri="{FF2B5EF4-FFF2-40B4-BE49-F238E27FC236}">
+                <a16:creationId xmlns:a16="http://schemas.microsoft.com/office/drawing/2014/main" id="{69B07ACD-D106-243B-AC32-318C51EF39A1}"/>
+              </a:ext>
+            </a:extLst>
+          </p:cNvPr>
+          <p:cNvPicPr>
+            <a:picLocks noChangeAspect="1"/>
+          </p:cNvPicPr>
+          <p:nvPr/>
+        </p:nvPicPr>
+        <p:blipFill>
+          <a:blip r:embed="rId4">
+            <a:extLst>
+              <a:ext uri="{96DAC541-7B7A-43D3-8B79-37D633B846F1}">
+                <asvg:svgBlip xmlns:asvg="http://schemas.microsoft.com/office/drawing/2016/SVG/main" r:embed="rId5"/>
+              </a:ext>
+            </a:extLst>
+          </a:blip>
+          <a:stretch>
+            <a:fillRect/>
+          </a:stretch>
+        </p:blipFill>
+        <p:spPr>
+          <a:xfrm>
+            <a:off x="7810377" y="5787915"/>
+            <a:ext cx="215781" cy="215781"/>
+          </a:xfrm>
+          <a:prstGeom prst="rect">
+            <a:avLst/>
+          </a:prstGeom>
+        </p:spPr>
+      </p:pic>
+      <p:pic>
+        <p:nvPicPr>
+          <p:cNvPr id="47" name="Рисунок 46" descr="Флажок со сплошной заливкой">
+            <a:extLst>
+              <a:ext uri="{FF2B5EF4-FFF2-40B4-BE49-F238E27FC236}">
+                <a16:creationId xmlns:a16="http://schemas.microsoft.com/office/drawing/2014/main" id="{F568689F-B657-F0B7-FB2D-EB9C4DFB3A0A}"/>
+              </a:ext>
+            </a:extLst>
+          </p:cNvPr>
+          <p:cNvPicPr>
+            <a:picLocks noChangeAspect="1"/>
+          </p:cNvPicPr>
+          <p:nvPr/>
+        </p:nvPicPr>
+        <p:blipFill>
+          <a:blip r:embed="rId4">
+            <a:extLst>
+              <a:ext uri="{96DAC541-7B7A-43D3-8B79-37D633B846F1}">
+                <asvg:svgBlip xmlns:asvg="http://schemas.microsoft.com/office/drawing/2016/SVG/main" r:embed="rId5"/>
+              </a:ext>
+            </a:extLst>
+          </a:blip>
+          <a:stretch>
+            <a:fillRect/>
+          </a:stretch>
+        </p:blipFill>
+        <p:spPr>
+          <a:xfrm>
+            <a:off x="9288146" y="2339409"/>
+            <a:ext cx="215781" cy="215781"/>
+          </a:xfrm>
+          <a:prstGeom prst="rect">
+            <a:avLst/>
+          </a:prstGeom>
+        </p:spPr>
+      </p:pic>
+      <p:pic>
+        <p:nvPicPr>
+          <p:cNvPr id="49" name="Рисунок 48" descr="Флажок со сплошной заливкой">
+            <a:extLst>
+              <a:ext uri="{FF2B5EF4-FFF2-40B4-BE49-F238E27FC236}">
+                <a16:creationId xmlns:a16="http://schemas.microsoft.com/office/drawing/2014/main" id="{8C9C23EE-C97C-588D-93F3-444CD5073905}"/>
+              </a:ext>
+            </a:extLst>
+          </p:cNvPr>
+          <p:cNvPicPr>
+            <a:picLocks noChangeAspect="1"/>
+          </p:cNvPicPr>
+          <p:nvPr/>
+        </p:nvPicPr>
+        <p:blipFill>
+          <a:blip r:embed="rId4">
+            <a:extLst>
+              <a:ext uri="{96DAC541-7B7A-43D3-8B79-37D633B846F1}">
+                <asvg:svgBlip xmlns:asvg="http://schemas.microsoft.com/office/drawing/2016/SVG/main" r:embed="rId5"/>
+              </a:ext>
+            </a:extLst>
+          </a:blip>
+          <a:stretch>
+            <a:fillRect/>
+          </a:stretch>
+        </p:blipFill>
+        <p:spPr>
+          <a:xfrm>
+            <a:off x="9288145" y="3208642"/>
+            <a:ext cx="215781" cy="215781"/>
+          </a:xfrm>
+          <a:prstGeom prst="rect">
+            <a:avLst/>
+          </a:prstGeom>
+        </p:spPr>
+      </p:pic>
+      <p:pic>
+        <p:nvPicPr>
+          <p:cNvPr id="50" name="Рисунок 49" descr="Флажок со сплошной заливкой">
+            <a:extLst>
+              <a:ext uri="{FF2B5EF4-FFF2-40B4-BE49-F238E27FC236}">
+                <a16:creationId xmlns:a16="http://schemas.microsoft.com/office/drawing/2014/main" id="{5470C8FD-928A-F165-DE9D-8B7FE13B9702}"/>
+              </a:ext>
+            </a:extLst>
+          </p:cNvPr>
+          <p:cNvPicPr>
+            <a:picLocks noChangeAspect="1"/>
+          </p:cNvPicPr>
+          <p:nvPr/>
+        </p:nvPicPr>
+        <p:blipFill>
+          <a:blip r:embed="rId4">
+            <a:extLst>
+              <a:ext uri="{96DAC541-7B7A-43D3-8B79-37D633B846F1}">
+                <asvg:svgBlip xmlns:asvg="http://schemas.microsoft.com/office/drawing/2016/SVG/main" r:embed="rId5"/>
+              </a:ext>
+            </a:extLst>
+          </a:blip>
+          <a:stretch>
+            <a:fillRect/>
+          </a:stretch>
+        </p:blipFill>
+        <p:spPr>
+          <a:xfrm>
+            <a:off x="9288144" y="3837418"/>
+            <a:ext cx="215781" cy="215781"/>
+          </a:xfrm>
+          <a:prstGeom prst="rect">
+            <a:avLst/>
+          </a:prstGeom>
+        </p:spPr>
+      </p:pic>
+      <p:pic>
+        <p:nvPicPr>
+          <p:cNvPr id="51" name="Рисунок 50" descr="Флажок со сплошной заливкой">
+            <a:extLst>
+              <a:ext uri="{FF2B5EF4-FFF2-40B4-BE49-F238E27FC236}">
+                <a16:creationId xmlns:a16="http://schemas.microsoft.com/office/drawing/2014/main" id="{380EA8B4-9DB0-B466-F0C2-FA3804ACDC53}"/>
+              </a:ext>
+            </a:extLst>
+          </p:cNvPr>
+          <p:cNvPicPr>
+            <a:picLocks noChangeAspect="1"/>
+          </p:cNvPicPr>
+          <p:nvPr/>
+        </p:nvPicPr>
+        <p:blipFill>
+          <a:blip r:embed="rId4">
+            <a:extLst>
+              <a:ext uri="{96DAC541-7B7A-43D3-8B79-37D633B846F1}">
+                <asvg:svgBlip xmlns:asvg="http://schemas.microsoft.com/office/drawing/2016/SVG/main" r:embed="rId5"/>
+              </a:ext>
+            </a:extLst>
+          </a:blip>
+          <a:stretch>
+            <a:fillRect/>
+          </a:stretch>
+        </p:blipFill>
+        <p:spPr>
+          <a:xfrm>
+            <a:off x="9288143" y="4877531"/>
+            <a:ext cx="215781" cy="215781"/>
+          </a:xfrm>
+          <a:prstGeom prst="rect">
+            <a:avLst/>
+          </a:prstGeom>
+        </p:spPr>
+      </p:pic>
+      <p:pic>
+        <p:nvPicPr>
+          <p:cNvPr id="52" name="Рисунок 51" descr="Флажок со сплошной заливкой">
+            <a:extLst>
+              <a:ext uri="{FF2B5EF4-FFF2-40B4-BE49-F238E27FC236}">
+                <a16:creationId xmlns:a16="http://schemas.microsoft.com/office/drawing/2014/main" id="{E16FC2ED-8BE6-CAFA-BB72-A445FB89C912}"/>
+              </a:ext>
+            </a:extLst>
+          </p:cNvPr>
+          <p:cNvPicPr>
+            <a:picLocks noChangeAspect="1"/>
+          </p:cNvPicPr>
+          <p:nvPr/>
+        </p:nvPicPr>
+        <p:blipFill>
+          <a:blip r:embed="rId4">
+            <a:extLst>
+              <a:ext uri="{96DAC541-7B7A-43D3-8B79-37D633B846F1}">
+                <asvg:svgBlip xmlns:asvg="http://schemas.microsoft.com/office/drawing/2016/SVG/main" r:embed="rId5"/>
+              </a:ext>
+            </a:extLst>
+          </a:blip>
+          <a:stretch>
+            <a:fillRect/>
+          </a:stretch>
+        </p:blipFill>
+        <p:spPr>
+          <a:xfrm>
+            <a:off x="9298072" y="5256595"/>
+            <a:ext cx="215781" cy="215781"/>
+          </a:xfrm>
+          <a:prstGeom prst="rect">
+            <a:avLst/>
+          </a:prstGeom>
+        </p:spPr>
+      </p:pic>
+      <p:pic>
+        <p:nvPicPr>
+          <p:cNvPr id="56" name="Рисунок 55" descr="Флажок со сплошной заливкой">
+            <a:extLst>
+              <a:ext uri="{FF2B5EF4-FFF2-40B4-BE49-F238E27FC236}">
+                <a16:creationId xmlns:a16="http://schemas.microsoft.com/office/drawing/2014/main" id="{498E5C13-08B4-2240-3EE1-003D1513F213}"/>
+              </a:ext>
+            </a:extLst>
+          </p:cNvPr>
+          <p:cNvPicPr>
+            <a:picLocks noChangeAspect="1"/>
+          </p:cNvPicPr>
+          <p:nvPr/>
+        </p:nvPicPr>
+        <p:blipFill>
+          <a:blip r:embed="rId4">
+            <a:extLst>
+              <a:ext uri="{96DAC541-7B7A-43D3-8B79-37D633B846F1}">
+                <asvg:svgBlip xmlns:asvg="http://schemas.microsoft.com/office/drawing/2016/SVG/main" r:embed="rId5"/>
+              </a:ext>
+            </a:extLst>
+          </a:blip>
+          <a:stretch>
+            <a:fillRect/>
+          </a:stretch>
+        </p:blipFill>
+        <p:spPr>
+          <a:xfrm>
+            <a:off x="10978849" y="2331972"/>
+            <a:ext cx="215781" cy="215781"/>
+          </a:xfrm>
+          <a:prstGeom prst="rect">
+            <a:avLst/>
+          </a:prstGeom>
+        </p:spPr>
+      </p:pic>
+      <p:pic>
+        <p:nvPicPr>
+          <p:cNvPr id="58" name="Рисунок 57" descr="Флажок со сплошной заливкой">
+            <a:extLst>
+              <a:ext uri="{FF2B5EF4-FFF2-40B4-BE49-F238E27FC236}">
+                <a16:creationId xmlns:a16="http://schemas.microsoft.com/office/drawing/2014/main" id="{DACE33A1-F116-0F7F-26B6-FE5BB8F01E27}"/>
+              </a:ext>
+            </a:extLst>
+          </p:cNvPr>
+          <p:cNvPicPr>
+            <a:picLocks noChangeAspect="1"/>
+          </p:cNvPicPr>
+          <p:nvPr/>
+        </p:nvPicPr>
+        <p:blipFill>
+          <a:blip r:embed="rId4">
+            <a:extLst>
+              <a:ext uri="{96DAC541-7B7A-43D3-8B79-37D633B846F1}">
+                <asvg:svgBlip xmlns:asvg="http://schemas.microsoft.com/office/drawing/2016/SVG/main" r:embed="rId5"/>
+              </a:ext>
+            </a:extLst>
+          </a:blip>
+          <a:stretch>
+            <a:fillRect/>
+          </a:stretch>
+        </p:blipFill>
+        <p:spPr>
+          <a:xfrm>
+            <a:off x="10981699" y="2718650"/>
+            <a:ext cx="215781" cy="215781"/>
+          </a:xfrm>
+          <a:prstGeom prst="rect">
+            <a:avLst/>
+          </a:prstGeom>
+        </p:spPr>
+      </p:pic>
+      <p:pic>
+        <p:nvPicPr>
+          <p:cNvPr id="64" name="Рисунок 63" descr="Флажок со сплошной заливкой">
+            <a:extLst>
+              <a:ext uri="{FF2B5EF4-FFF2-40B4-BE49-F238E27FC236}">
+                <a16:creationId xmlns:a16="http://schemas.microsoft.com/office/drawing/2014/main" id="{DE6A682C-D9CE-832E-1FD6-D014A2529186}"/>
+              </a:ext>
+            </a:extLst>
+          </p:cNvPr>
+          <p:cNvPicPr>
+            <a:picLocks noChangeAspect="1"/>
+          </p:cNvPicPr>
+          <p:nvPr/>
+        </p:nvPicPr>
+        <p:blipFill>
+          <a:blip r:embed="rId4">
+            <a:extLst>
+              <a:ext uri="{96DAC541-7B7A-43D3-8B79-37D633B846F1}">
+                <asvg:svgBlip xmlns:asvg="http://schemas.microsoft.com/office/drawing/2016/SVG/main" r:embed="rId5"/>
+              </a:ext>
+            </a:extLst>
+          </a:blip>
+          <a:stretch>
+            <a:fillRect/>
+          </a:stretch>
+        </p:blipFill>
+        <p:spPr>
+          <a:xfrm>
+            <a:off x="10978849" y="3208641"/>
+            <a:ext cx="215781" cy="215781"/>
+          </a:xfrm>
+          <a:prstGeom prst="rect">
+            <a:avLst/>
+          </a:prstGeom>
+        </p:spPr>
+      </p:pic>
+      <p:pic>
+        <p:nvPicPr>
+          <p:cNvPr id="65" name="Рисунок 64" descr="Флажок со сплошной заливкой">
+            <a:extLst>
+              <a:ext uri="{FF2B5EF4-FFF2-40B4-BE49-F238E27FC236}">
+                <a16:creationId xmlns:a16="http://schemas.microsoft.com/office/drawing/2014/main" id="{3F3AB4C7-B8B6-3BD5-BD05-41DA3AB860F0}"/>
+              </a:ext>
+            </a:extLst>
+          </p:cNvPr>
+          <p:cNvPicPr>
+            <a:picLocks noChangeAspect="1"/>
+          </p:cNvPicPr>
+          <p:nvPr/>
+        </p:nvPicPr>
+        <p:blipFill>
+          <a:blip r:embed="rId4">
+            <a:extLst>
+              <a:ext uri="{96DAC541-7B7A-43D3-8B79-37D633B846F1}">
+                <asvg:svgBlip xmlns:asvg="http://schemas.microsoft.com/office/drawing/2016/SVG/main" r:embed="rId5"/>
+              </a:ext>
+            </a:extLst>
+          </a:blip>
+          <a:stretch>
+            <a:fillRect/>
+          </a:stretch>
+        </p:blipFill>
+        <p:spPr>
+          <a:xfrm>
+            <a:off x="10978848" y="3857187"/>
+            <a:ext cx="215781" cy="215781"/>
+          </a:xfrm>
+          <a:prstGeom prst="rect">
+            <a:avLst/>
+          </a:prstGeom>
+        </p:spPr>
+      </p:pic>
+      <p:pic>
+        <p:nvPicPr>
+          <p:cNvPr id="67" name="Рисунок 66" descr="Флажок со сплошной заливкой">
+            <a:extLst>
+              <a:ext uri="{FF2B5EF4-FFF2-40B4-BE49-F238E27FC236}">
+                <a16:creationId xmlns:a16="http://schemas.microsoft.com/office/drawing/2014/main" id="{9748F9BA-E735-99EE-6ED2-7DCAAF9888B2}"/>
+              </a:ext>
+            </a:extLst>
+          </p:cNvPr>
+          <p:cNvPicPr>
+            <a:picLocks noChangeAspect="1"/>
+          </p:cNvPicPr>
+          <p:nvPr/>
+        </p:nvPicPr>
+        <p:blipFill>
+          <a:blip r:embed="rId4">
+            <a:extLst>
+              <a:ext uri="{96DAC541-7B7A-43D3-8B79-37D633B846F1}">
+                <asvg:svgBlip xmlns:asvg="http://schemas.microsoft.com/office/drawing/2016/SVG/main" r:embed="rId5"/>
+              </a:ext>
+            </a:extLst>
+          </a:blip>
+          <a:stretch>
+            <a:fillRect/>
+          </a:stretch>
+        </p:blipFill>
+        <p:spPr>
+          <a:xfrm>
+            <a:off x="10978846" y="4397842"/>
+            <a:ext cx="215781" cy="215781"/>
+          </a:xfrm>
+          <a:prstGeom prst="rect">
+            <a:avLst/>
+          </a:prstGeom>
+        </p:spPr>
+      </p:pic>
+      <p:pic>
+        <p:nvPicPr>
+          <p:cNvPr id="68" name="Рисунок 67" descr="Флажок со сплошной заливкой">
+            <a:extLst>
+              <a:ext uri="{FF2B5EF4-FFF2-40B4-BE49-F238E27FC236}">
+                <a16:creationId xmlns:a16="http://schemas.microsoft.com/office/drawing/2014/main" id="{4AAFD0C4-9E06-63A7-C332-235CB9DBBE61}"/>
+              </a:ext>
+            </a:extLst>
+          </p:cNvPr>
+          <p:cNvPicPr>
+            <a:picLocks noChangeAspect="1"/>
+          </p:cNvPicPr>
+          <p:nvPr/>
+        </p:nvPicPr>
+        <p:blipFill>
+          <a:blip r:embed="rId4">
+            <a:extLst>
+              <a:ext uri="{96DAC541-7B7A-43D3-8B79-37D633B846F1}">
+                <asvg:svgBlip xmlns:asvg="http://schemas.microsoft.com/office/drawing/2016/SVG/main" r:embed="rId5"/>
+              </a:ext>
+            </a:extLst>
+          </a:blip>
+          <a:stretch>
+            <a:fillRect/>
+          </a:stretch>
+        </p:blipFill>
+        <p:spPr>
+          <a:xfrm>
+            <a:off x="10978847" y="4861497"/>
+            <a:ext cx="215781" cy="215781"/>
+          </a:xfrm>
+          <a:prstGeom prst="rect">
+            <a:avLst/>
+          </a:prstGeom>
+        </p:spPr>
+      </p:pic>
+      <p:pic>
+        <p:nvPicPr>
+          <p:cNvPr id="71" name="Рисунок 70" descr="Флажок со сплошной заливкой">
+            <a:extLst>
+              <a:ext uri="{FF2B5EF4-FFF2-40B4-BE49-F238E27FC236}">
+                <a16:creationId xmlns:a16="http://schemas.microsoft.com/office/drawing/2014/main" id="{127017A6-5F55-E0AC-A2BE-A61119B9525C}"/>
+              </a:ext>
+            </a:extLst>
+          </p:cNvPr>
+          <p:cNvPicPr>
+            <a:picLocks noChangeAspect="1"/>
+          </p:cNvPicPr>
+          <p:nvPr/>
+        </p:nvPicPr>
+        <p:blipFill>
+          <a:blip r:embed="rId4">
+            <a:extLst>
+              <a:ext uri="{96DAC541-7B7A-43D3-8B79-37D633B846F1}">
+                <asvg:svgBlip xmlns:asvg="http://schemas.microsoft.com/office/drawing/2016/SVG/main" r:embed="rId5"/>
+              </a:ext>
+            </a:extLst>
+          </a:blip>
+          <a:stretch>
+            <a:fillRect/>
+          </a:stretch>
+        </p:blipFill>
+        <p:spPr>
+          <a:xfrm>
+            <a:off x="10981689" y="5787916"/>
+            <a:ext cx="215781" cy="215781"/>
+          </a:xfrm>
+          <a:prstGeom prst="rect">
+            <a:avLst/>
+          </a:prstGeom>
+        </p:spPr>
+      </p:pic>
+      <p:pic>
+        <p:nvPicPr>
+          <p:cNvPr id="72" name="Рисунок 71" descr="Флажок со сплошной заливкой">
+            <a:extLst>
+              <a:ext uri="{FF2B5EF4-FFF2-40B4-BE49-F238E27FC236}">
+                <a16:creationId xmlns:a16="http://schemas.microsoft.com/office/drawing/2014/main" id="{FEB77E8E-A67E-A395-4634-02FEC570D98A}"/>
+              </a:ext>
+            </a:extLst>
+          </p:cNvPr>
+          <p:cNvPicPr>
+            <a:picLocks noChangeAspect="1"/>
+          </p:cNvPicPr>
+          <p:nvPr/>
+        </p:nvPicPr>
+        <p:blipFill>
+          <a:blip r:embed="rId4">
+            <a:extLst>
+              <a:ext uri="{96DAC541-7B7A-43D3-8B79-37D633B846F1}">
+                <asvg:svgBlip xmlns:asvg="http://schemas.microsoft.com/office/drawing/2016/SVG/main" r:embed="rId5"/>
+              </a:ext>
+            </a:extLst>
+          </a:blip>
+          <a:stretch>
+            <a:fillRect/>
+          </a:stretch>
+        </p:blipFill>
+        <p:spPr>
+          <a:xfrm>
+            <a:off x="10978847" y="6329960"/>
+            <a:ext cx="215781" cy="215781"/>
+          </a:xfrm>
+          <a:prstGeom prst="rect">
+            <a:avLst/>
+          </a:prstGeom>
+        </p:spPr>
+      </p:pic>
     </p:spTree>
     <p:extLst>
       <p:ext uri="{BB962C8B-B14F-4D97-AF65-F5344CB8AC3E}">
@@ -20876,8 +22581,8 @@
         </p:nvSpPr>
         <p:spPr>
           <a:xfrm>
-            <a:off x="2743199" y="242046"/>
-            <a:ext cx="6705600" cy="954107"/>
+            <a:off x="1926217" y="215052"/>
+            <a:ext cx="7520300" cy="523220"/>
           </a:xfrm>
           <a:prstGeom prst="rect">
             <a:avLst/>
@@ -20895,18 +22600,25 @@
           <a:p>
             <a:pPr algn="ctr"/>
             <a:r>
-              <a:rPr lang="ru-RU" sz="2800">
-                <a:latin typeface="Times New Roman"/>
-                <a:cs typeface="Times New Roman"/>
-              </a:rPr>
-              <a:t>Модель SIR (Susceptible-Infectious-</a:t>
-            </a:r>
-            <a:r>
               <a:rPr lang="ru-RU" sz="2800" dirty="0">
                 <a:latin typeface="Times New Roman"/>
                 <a:cs typeface="Times New Roman"/>
               </a:rPr>
-              <a:t>Recovered)</a:t>
+              <a:t>Модель SIR (</a:t>
+            </a:r>
+            <a:r>
+              <a:rPr lang="ru-RU" sz="2800" dirty="0" err="1">
+                <a:latin typeface="Times New Roman"/>
+                <a:cs typeface="Times New Roman"/>
+              </a:rPr>
+              <a:t>Susceptible-Infectious-Recovered</a:t>
+            </a:r>
+            <a:r>
+              <a:rPr lang="ru-RU" sz="2800" dirty="0">
+                <a:latin typeface="Times New Roman"/>
+                <a:cs typeface="Times New Roman"/>
+              </a:rPr>
+              <a:t>)</a:t>
             </a:r>
             <a:endParaRPr lang="ru-RU" dirty="0"/>
           </a:p>

--- a/VKR_Volkova_VMO41.pptx
+++ b/VKR_Volkova_VMO41.pptx
@@ -1036,7 +1036,7 @@
             <a:fld id="{B61BEF0D-F0BB-DE4B-95CE-6DB70DBA9567}" type="datetimeFigureOut">
               <a:rPr lang="en-US" dirty="0"/>
               <a:pPr/>
-              <a:t>6/18/2025</a:t>
+              <a:t>6/20/2025</a:t>
             </a:fld>
             <a:endParaRPr lang="en-US" dirty="0"/>
           </a:p>
@@ -1288,7 +1288,7 @@
             <a:fld id="{B61BEF0D-F0BB-DE4B-95CE-6DB70DBA9567}" type="datetimeFigureOut">
               <a:rPr lang="en-US" dirty="0"/>
               <a:pPr/>
-              <a:t>6/18/2025</a:t>
+              <a:t>6/20/2025</a:t>
             </a:fld>
             <a:endParaRPr lang="en-US" dirty="0"/>
           </a:p>
@@ -1603,7 +1603,7 @@
             <a:fld id="{B61BEF0D-F0BB-DE4B-95CE-6DB70DBA9567}" type="datetimeFigureOut">
               <a:rPr lang="en-US" dirty="0"/>
               <a:pPr/>
-              <a:t>6/18/2025</a:t>
+              <a:t>6/20/2025</a:t>
             </a:fld>
             <a:endParaRPr lang="en-US" dirty="0"/>
           </a:p>
@@ -1937,7 +1937,7 @@
             <a:fld id="{B61BEF0D-F0BB-DE4B-95CE-6DB70DBA9567}" type="datetimeFigureOut">
               <a:rPr lang="en-US" dirty="0"/>
               <a:pPr/>
-              <a:t>6/18/2025</a:t>
+              <a:t>6/20/2025</a:t>
             </a:fld>
             <a:endParaRPr lang="en-US" dirty="0"/>
           </a:p>
@@ -2252,7 +2252,7 @@
             <a:fld id="{B61BEF0D-F0BB-DE4B-95CE-6DB70DBA9567}" type="datetimeFigureOut">
               <a:rPr lang="en-US" dirty="0"/>
               <a:pPr/>
-              <a:t>6/18/2025</a:t>
+              <a:t>6/20/2025</a:t>
             </a:fld>
             <a:endParaRPr lang="en-US" dirty="0"/>
           </a:p>
@@ -2646,7 +2646,7 @@
             <a:fld id="{B61BEF0D-F0BB-DE4B-95CE-6DB70DBA9567}" type="datetimeFigureOut">
               <a:rPr lang="en-US" dirty="0"/>
               <a:pPr/>
-              <a:t>6/18/2025</a:t>
+              <a:t>6/20/2025</a:t>
             </a:fld>
             <a:endParaRPr lang="en-US" dirty="0"/>
           </a:p>
@@ -2815,7 +2815,7 @@
           <a:p>
             <a:fld id="{55C6B4A9-1611-4792-9094-5F34BCA07E0B}" type="datetimeFigureOut">
               <a:rPr lang="en-US" dirty="0"/>
-              <a:t>6/18/2025</a:t>
+              <a:t>6/20/2025</a:t>
             </a:fld>
             <a:endParaRPr lang="en-US" dirty="0"/>
           </a:p>
@@ -2994,7 +2994,7 @@
             <a:fld id="{B61BEF0D-F0BB-DE4B-95CE-6DB70DBA9567}" type="datetimeFigureOut">
               <a:rPr lang="en-US" dirty="0"/>
               <a:pPr/>
-              <a:t>6/18/2025</a:t>
+              <a:t>6/20/2025</a:t>
             </a:fld>
             <a:endParaRPr lang="en-US" dirty="0"/>
           </a:p>
@@ -3163,7 +3163,7 @@
           <a:p>
             <a:fld id="{42A54C80-263E-416B-A8E0-580EDEADCBDC}" type="datetimeFigureOut">
               <a:rPr lang="en-US" dirty="0"/>
-              <a:t>6/18/2025</a:t>
+              <a:t>6/20/2025</a:t>
             </a:fld>
             <a:endParaRPr lang="en-US" dirty="0"/>
           </a:p>
@@ -3410,7 +3410,7 @@
             <a:fld id="{B61BEF0D-F0BB-DE4B-95CE-6DB70DBA9567}" type="datetimeFigureOut">
               <a:rPr lang="en-US" dirty="0"/>
               <a:pPr/>
-              <a:t>6/18/2025</a:t>
+              <a:t>6/20/2025</a:t>
             </a:fld>
             <a:endParaRPr lang="en-US" dirty="0"/>
           </a:p>
@@ -3640,7 +3640,7 @@
           <a:p>
             <a:fld id="{42A54C80-263E-416B-A8E0-580EDEADCBDC}" type="datetimeFigureOut">
               <a:rPr lang="en-US" dirty="0"/>
-              <a:t>6/18/2025</a:t>
+              <a:t>6/20/2025</a:t>
             </a:fld>
             <a:endParaRPr lang="en-US" dirty="0"/>
           </a:p>
@@ -4012,7 +4012,7 @@
             <a:fld id="{B61BEF0D-F0BB-DE4B-95CE-6DB70DBA9567}" type="datetimeFigureOut">
               <a:rPr lang="en-US" dirty="0"/>
               <a:pPr/>
-              <a:t>6/18/2025</a:t>
+              <a:t>6/20/2025</a:t>
             </a:fld>
             <a:endParaRPr lang="en-US" dirty="0"/>
           </a:p>
@@ -4136,7 +4136,7 @@
             <a:fld id="{B61BEF0D-F0BB-DE4B-95CE-6DB70DBA9567}" type="datetimeFigureOut">
               <a:rPr lang="en-US" dirty="0"/>
               <a:pPr/>
-              <a:t>6/18/2025</a:t>
+              <a:t>6/20/2025</a:t>
             </a:fld>
             <a:endParaRPr lang="en-US" dirty="0"/>
           </a:p>
@@ -4233,7 +4233,7 @@
             <a:fld id="{B61BEF0D-F0BB-DE4B-95CE-6DB70DBA9567}" type="datetimeFigureOut">
               <a:rPr lang="en-US" dirty="0"/>
               <a:pPr/>
-              <a:t>6/18/2025</a:t>
+              <a:t>6/20/2025</a:t>
             </a:fld>
             <a:endParaRPr lang="en-US" dirty="0"/>
           </a:p>
@@ -4487,7 +4487,7 @@
           <a:p>
             <a:fld id="{42A54C80-263E-416B-A8E0-580EDEADCBDC}" type="datetimeFigureOut">
               <a:rPr lang="en-US" dirty="0"/>
-              <a:t>6/18/2025</a:t>
+              <a:t>6/20/2025</a:t>
             </a:fld>
             <a:endParaRPr lang="en-US" dirty="0"/>
           </a:p>
@@ -4789,7 +4789,7 @@
             <a:fld id="{B61BEF0D-F0BB-DE4B-95CE-6DB70DBA9567}" type="datetimeFigureOut">
               <a:rPr lang="en-US" dirty="0"/>
               <a:pPr/>
-              <a:t>6/18/2025</a:t>
+              <a:t>6/20/2025</a:t>
             </a:fld>
             <a:endParaRPr lang="en-US" dirty="0"/>
           </a:p>
@@ -5490,7 +5490,7 @@
             <a:fld id="{B61BEF0D-F0BB-DE4B-95CE-6DB70DBA9567}" type="datetimeFigureOut">
               <a:rPr lang="en-US" dirty="0"/>
               <a:pPr/>
-              <a:t>6/18/2025</a:t>
+              <a:t>6/20/2025</a:t>
             </a:fld>
             <a:endParaRPr lang="en-US" dirty="0"/>
           </a:p>
@@ -18902,7 +18902,7 @@
           <p:nvPr>
             <p:extLst>
               <p:ext uri="{D42A27DB-BD31-4B8C-83A1-F6EECF244321}">
-                <p14:modId xmlns:p14="http://schemas.microsoft.com/office/powerpoint/2010/main" val="2931960350"/>
+                <p14:modId xmlns:p14="http://schemas.microsoft.com/office/powerpoint/2010/main" val="1765332025"/>
               </p:ext>
             </p:extLst>
           </p:nvPr>
@@ -19789,10 +19789,6 @@
                         <a:tabLst/>
                         <a:defRPr/>
                       </a:pPr>
-                      <a:r>
-                        <a:rPr lang="ru-RU" sz="2400" dirty="0"/>
-                        <a:t>±</a:t>
-                      </a:r>
                       <a:endParaRPr lang="ru-RU" sz="1800" dirty="0"/>
                     </a:p>
                   </a:txBody>
@@ -19921,10 +19917,6 @@
                         <a:tabLst/>
                         <a:defRPr/>
                       </a:pPr>
-                      <a:r>
-                        <a:rPr lang="ru-RU" sz="2400" dirty="0"/>
-                        <a:t>±</a:t>
-                      </a:r>
                       <a:endParaRPr lang="ru-RU" sz="1800" dirty="0"/>
                     </a:p>
                   </a:txBody>
@@ -20737,10 +20729,10 @@
       </p:pic>
       <p:pic>
         <p:nvPicPr>
-          <p:cNvPr id="14" name="Рисунок 13" descr="Закрыть со сплошной заливкой">
-            <a:extLst>
-              <a:ext uri="{FF2B5EF4-FFF2-40B4-BE49-F238E27FC236}">
-                <a16:creationId xmlns:a16="http://schemas.microsoft.com/office/drawing/2014/main" id="{82420459-5B41-AB15-0C5C-FF600CC5F216}"/>
+          <p:cNvPr id="15" name="Рисунок 14" descr="Закрыть со сплошной заливкой">
+            <a:extLst>
+              <a:ext uri="{FF2B5EF4-FFF2-40B4-BE49-F238E27FC236}">
+                <a16:creationId xmlns:a16="http://schemas.microsoft.com/office/drawing/2014/main" id="{01353126-D072-C891-D618-9136C16465AC}"/>
               </a:ext>
             </a:extLst>
           </p:cNvPr>
@@ -20763,7 +20755,7 @@
         </p:blipFill>
         <p:spPr>
           <a:xfrm>
-            <a:off x="6318901" y="6329960"/>
+            <a:off x="7796406" y="2339411"/>
             <a:ext cx="215781" cy="215781"/>
           </a:xfrm>
           <a:prstGeom prst="rect">
@@ -20773,10 +20765,10 @@
       </p:pic>
       <p:pic>
         <p:nvPicPr>
-          <p:cNvPr id="15" name="Рисунок 14" descr="Закрыть со сплошной заливкой">
-            <a:extLst>
-              <a:ext uri="{FF2B5EF4-FFF2-40B4-BE49-F238E27FC236}">
-                <a16:creationId xmlns:a16="http://schemas.microsoft.com/office/drawing/2014/main" id="{01353126-D072-C891-D618-9136C16465AC}"/>
+          <p:cNvPr id="16" name="Рисунок 15" descr="Закрыть со сплошной заливкой">
+            <a:extLst>
+              <a:ext uri="{FF2B5EF4-FFF2-40B4-BE49-F238E27FC236}">
+                <a16:creationId xmlns:a16="http://schemas.microsoft.com/office/drawing/2014/main" id="{2F06E7AA-AE3A-0297-9936-06D16A9DCA6C}"/>
               </a:ext>
             </a:extLst>
           </p:cNvPr>
@@ -20799,7 +20791,7 @@
         </p:blipFill>
         <p:spPr>
           <a:xfrm>
-            <a:off x="7796406" y="2339411"/>
+            <a:off x="7796404" y="2714460"/>
             <a:ext cx="215781" cy="215781"/>
           </a:xfrm>
           <a:prstGeom prst="rect">
@@ -20809,10 +20801,10 @@
       </p:pic>
       <p:pic>
         <p:nvPicPr>
-          <p:cNvPr id="16" name="Рисунок 15" descr="Закрыть со сплошной заливкой">
-            <a:extLst>
-              <a:ext uri="{FF2B5EF4-FFF2-40B4-BE49-F238E27FC236}">
-                <a16:creationId xmlns:a16="http://schemas.microsoft.com/office/drawing/2014/main" id="{2F06E7AA-AE3A-0297-9936-06D16A9DCA6C}"/>
+          <p:cNvPr id="17" name="Рисунок 16" descr="Закрыть со сплошной заливкой">
+            <a:extLst>
+              <a:ext uri="{FF2B5EF4-FFF2-40B4-BE49-F238E27FC236}">
+                <a16:creationId xmlns:a16="http://schemas.microsoft.com/office/drawing/2014/main" id="{FAF8D452-9EFC-D872-5378-2B99ABF06EAD}"/>
               </a:ext>
             </a:extLst>
           </p:cNvPr>
@@ -20835,7 +20827,7 @@
         </p:blipFill>
         <p:spPr>
           <a:xfrm>
-            <a:off x="7796404" y="2714460"/>
+            <a:off x="7812219" y="4417806"/>
             <a:ext cx="215781" cy="215781"/>
           </a:xfrm>
           <a:prstGeom prst="rect">
@@ -20845,10 +20837,10 @@
       </p:pic>
       <p:pic>
         <p:nvPicPr>
-          <p:cNvPr id="17" name="Рисунок 16" descr="Закрыть со сплошной заливкой">
-            <a:extLst>
-              <a:ext uri="{FF2B5EF4-FFF2-40B4-BE49-F238E27FC236}">
-                <a16:creationId xmlns:a16="http://schemas.microsoft.com/office/drawing/2014/main" id="{FAF8D452-9EFC-D872-5378-2B99ABF06EAD}"/>
+          <p:cNvPr id="18" name="Рисунок 17" descr="Закрыть со сплошной заливкой">
+            <a:extLst>
+              <a:ext uri="{FF2B5EF4-FFF2-40B4-BE49-F238E27FC236}">
+                <a16:creationId xmlns:a16="http://schemas.microsoft.com/office/drawing/2014/main" id="{685AF169-1652-DE87-B466-D53E1EABB84A}"/>
               </a:ext>
             </a:extLst>
           </p:cNvPr>
@@ -20871,7 +20863,7 @@
         </p:blipFill>
         <p:spPr>
           <a:xfrm>
-            <a:off x="7812219" y="4417806"/>
+            <a:off x="7822757" y="6329960"/>
             <a:ext cx="215781" cy="215781"/>
           </a:xfrm>
           <a:prstGeom prst="rect">
@@ -20881,10 +20873,10 @@
       </p:pic>
       <p:pic>
         <p:nvPicPr>
-          <p:cNvPr id="18" name="Рисунок 17" descr="Закрыть со сплошной заливкой">
-            <a:extLst>
-              <a:ext uri="{FF2B5EF4-FFF2-40B4-BE49-F238E27FC236}">
-                <a16:creationId xmlns:a16="http://schemas.microsoft.com/office/drawing/2014/main" id="{685AF169-1652-DE87-B466-D53E1EABB84A}"/>
+          <p:cNvPr id="19" name="Рисунок 18" descr="Закрыть со сплошной заливкой">
+            <a:extLst>
+              <a:ext uri="{FF2B5EF4-FFF2-40B4-BE49-F238E27FC236}">
+                <a16:creationId xmlns:a16="http://schemas.microsoft.com/office/drawing/2014/main" id="{EF075563-11D4-C7ED-B086-F1011A80679A}"/>
               </a:ext>
             </a:extLst>
           </p:cNvPr>
@@ -20907,7 +20899,7 @@
         </p:blipFill>
         <p:spPr>
           <a:xfrm>
-            <a:off x="7822757" y="6329960"/>
+            <a:off x="9288143" y="2722191"/>
             <a:ext cx="215781" cy="215781"/>
           </a:xfrm>
           <a:prstGeom prst="rect">
@@ -20917,10 +20909,10 @@
       </p:pic>
       <p:pic>
         <p:nvPicPr>
-          <p:cNvPr id="19" name="Рисунок 18" descr="Закрыть со сплошной заливкой">
-            <a:extLst>
-              <a:ext uri="{FF2B5EF4-FFF2-40B4-BE49-F238E27FC236}">
-                <a16:creationId xmlns:a16="http://schemas.microsoft.com/office/drawing/2014/main" id="{EF075563-11D4-C7ED-B086-F1011A80679A}"/>
+          <p:cNvPr id="21" name="Рисунок 20" descr="Закрыть со сплошной заливкой">
+            <a:extLst>
+              <a:ext uri="{FF2B5EF4-FFF2-40B4-BE49-F238E27FC236}">
+                <a16:creationId xmlns:a16="http://schemas.microsoft.com/office/drawing/2014/main" id="{7657093B-EBBA-D6A2-5BBA-40CC965A6059}"/>
               </a:ext>
             </a:extLst>
           </p:cNvPr>
@@ -20943,7 +20935,7 @@
         </p:blipFill>
         <p:spPr>
           <a:xfrm>
-            <a:off x="9288143" y="2722191"/>
+            <a:off x="9298072" y="5787915"/>
             <a:ext cx="215781" cy="215781"/>
           </a:xfrm>
           <a:prstGeom prst="rect">
@@ -20953,10 +20945,10 @@
       </p:pic>
       <p:pic>
         <p:nvPicPr>
-          <p:cNvPr id="21" name="Рисунок 20" descr="Закрыть со сплошной заливкой">
-            <a:extLst>
-              <a:ext uri="{FF2B5EF4-FFF2-40B4-BE49-F238E27FC236}">
-                <a16:creationId xmlns:a16="http://schemas.microsoft.com/office/drawing/2014/main" id="{7657093B-EBBA-D6A2-5BBA-40CC965A6059}"/>
+          <p:cNvPr id="23" name="Рисунок 22" descr="Закрыть со сплошной заливкой">
+            <a:extLst>
+              <a:ext uri="{FF2B5EF4-FFF2-40B4-BE49-F238E27FC236}">
+                <a16:creationId xmlns:a16="http://schemas.microsoft.com/office/drawing/2014/main" id="{1857BCA0-9B3E-1CCE-A9B6-DC3D153D3355}"/>
               </a:ext>
             </a:extLst>
           </p:cNvPr>
@@ -20979,7 +20971,7 @@
         </p:blipFill>
         <p:spPr>
           <a:xfrm>
-            <a:off x="9298072" y="5787915"/>
+            <a:off x="10978847" y="5256595"/>
             <a:ext cx="215781" cy="215781"/>
           </a:xfrm>
           <a:prstGeom prst="rect">
@@ -20989,10 +20981,10 @@
       </p:pic>
       <p:pic>
         <p:nvPicPr>
-          <p:cNvPr id="22" name="Рисунок 21" descr="Закрыть со сплошной заливкой">
-            <a:extLst>
-              <a:ext uri="{FF2B5EF4-FFF2-40B4-BE49-F238E27FC236}">
-                <a16:creationId xmlns:a16="http://schemas.microsoft.com/office/drawing/2014/main" id="{E0896971-C916-4ED8-761B-39A72C497121}"/>
+          <p:cNvPr id="25" name="Рисунок 24" descr="Флажок со сплошной заливкой">
+            <a:extLst>
+              <a:ext uri="{FF2B5EF4-FFF2-40B4-BE49-F238E27FC236}">
+                <a16:creationId xmlns:a16="http://schemas.microsoft.com/office/drawing/2014/main" id="{E0118C6C-11DA-97E1-6D37-AF9B3CB1F891}"/>
               </a:ext>
             </a:extLst>
           </p:cNvPr>
@@ -21002,10 +20994,10 @@
           <p:nvPr/>
         </p:nvPicPr>
         <p:blipFill>
-          <a:blip r:embed="rId2">
+          <a:blip r:embed="rId4">
             <a:extLst>
               <a:ext uri="{96DAC541-7B7A-43D3-8B79-37D633B846F1}">
-                <asvg:svgBlip xmlns:asvg="http://schemas.microsoft.com/office/drawing/2016/SVG/main" r:embed="rId3"/>
+                <asvg:svgBlip xmlns:asvg="http://schemas.microsoft.com/office/drawing/2016/SVG/main" r:embed="rId5"/>
               </a:ext>
             </a:extLst>
           </a:blip>
@@ -21015,7 +21007,7 @@
         </p:blipFill>
         <p:spPr>
           <a:xfrm>
-            <a:off x="9288143" y="6329960"/>
+            <a:off x="5011395" y="2339411"/>
             <a:ext cx="215781" cy="215781"/>
           </a:xfrm>
           <a:prstGeom prst="rect">
@@ -21025,10 +21017,10 @@
       </p:pic>
       <p:pic>
         <p:nvPicPr>
-          <p:cNvPr id="23" name="Рисунок 22" descr="Закрыть со сплошной заливкой">
-            <a:extLst>
-              <a:ext uri="{FF2B5EF4-FFF2-40B4-BE49-F238E27FC236}">
-                <a16:creationId xmlns:a16="http://schemas.microsoft.com/office/drawing/2014/main" id="{1857BCA0-9B3E-1CCE-A9B6-DC3D153D3355}"/>
+          <p:cNvPr id="26" name="Рисунок 25" descr="Флажок со сплошной заливкой">
+            <a:extLst>
+              <a:ext uri="{FF2B5EF4-FFF2-40B4-BE49-F238E27FC236}">
+                <a16:creationId xmlns:a16="http://schemas.microsoft.com/office/drawing/2014/main" id="{102550EE-0B40-F6F0-D8A1-9BEE58FB0C28}"/>
               </a:ext>
             </a:extLst>
           </p:cNvPr>
@@ -21038,10 +21030,10 @@
           <p:nvPr/>
         </p:nvPicPr>
         <p:blipFill>
-          <a:blip r:embed="rId2">
+          <a:blip r:embed="rId4">
             <a:extLst>
               <a:ext uri="{96DAC541-7B7A-43D3-8B79-37D633B846F1}">
-                <asvg:svgBlip xmlns:asvg="http://schemas.microsoft.com/office/drawing/2016/SVG/main" r:embed="rId3"/>
+                <asvg:svgBlip xmlns:asvg="http://schemas.microsoft.com/office/drawing/2016/SVG/main" r:embed="rId5"/>
               </a:ext>
             </a:extLst>
           </a:blip>
@@ -21051,7 +21043,7 @@
         </p:blipFill>
         <p:spPr>
           <a:xfrm>
-            <a:off x="10978847" y="5256595"/>
+            <a:off x="3736543" y="3857187"/>
             <a:ext cx="215781" cy="215781"/>
           </a:xfrm>
           <a:prstGeom prst="rect">
@@ -21061,10 +21053,10 @@
       </p:pic>
       <p:pic>
         <p:nvPicPr>
-          <p:cNvPr id="25" name="Рисунок 24" descr="Флажок со сплошной заливкой">
-            <a:extLst>
-              <a:ext uri="{FF2B5EF4-FFF2-40B4-BE49-F238E27FC236}">
-                <a16:creationId xmlns:a16="http://schemas.microsoft.com/office/drawing/2014/main" id="{E0118C6C-11DA-97E1-6D37-AF9B3CB1F891}"/>
+          <p:cNvPr id="28" name="Рисунок 27" descr="Флажок со сплошной заливкой">
+            <a:extLst>
+              <a:ext uri="{FF2B5EF4-FFF2-40B4-BE49-F238E27FC236}">
+                <a16:creationId xmlns:a16="http://schemas.microsoft.com/office/drawing/2014/main" id="{C360B48E-63D1-A07E-5B7B-97D2FAF8EEFE}"/>
               </a:ext>
             </a:extLst>
           </p:cNvPr>
@@ -21087,7 +21079,7 @@
         </p:blipFill>
         <p:spPr>
           <a:xfrm>
-            <a:off x="5011395" y="2339411"/>
+            <a:off x="3739494" y="4861498"/>
             <a:ext cx="215781" cy="215781"/>
           </a:xfrm>
           <a:prstGeom prst="rect">
@@ -21097,10 +21089,10 @@
       </p:pic>
       <p:pic>
         <p:nvPicPr>
-          <p:cNvPr id="26" name="Рисунок 25" descr="Флажок со сплошной заливкой">
-            <a:extLst>
-              <a:ext uri="{FF2B5EF4-FFF2-40B4-BE49-F238E27FC236}">
-                <a16:creationId xmlns:a16="http://schemas.microsoft.com/office/drawing/2014/main" id="{102550EE-0B40-F6F0-D8A1-9BEE58FB0C28}"/>
+          <p:cNvPr id="29" name="Рисунок 28" descr="Флажок со сплошной заливкой">
+            <a:extLst>
+              <a:ext uri="{FF2B5EF4-FFF2-40B4-BE49-F238E27FC236}">
+                <a16:creationId xmlns:a16="http://schemas.microsoft.com/office/drawing/2014/main" id="{69D42C3A-DFCA-8360-D393-0394CB8ACEC5}"/>
               </a:ext>
             </a:extLst>
           </p:cNvPr>
@@ -21123,7 +21115,7 @@
         </p:blipFill>
         <p:spPr>
           <a:xfrm>
-            <a:off x="3736543" y="3857187"/>
+            <a:off x="3736543" y="5256595"/>
             <a:ext cx="215781" cy="215781"/>
           </a:xfrm>
           <a:prstGeom prst="rect">
@@ -21133,10 +21125,10 @@
       </p:pic>
       <p:pic>
         <p:nvPicPr>
-          <p:cNvPr id="28" name="Рисунок 27" descr="Флажок со сплошной заливкой">
-            <a:extLst>
-              <a:ext uri="{FF2B5EF4-FFF2-40B4-BE49-F238E27FC236}">
-                <a16:creationId xmlns:a16="http://schemas.microsoft.com/office/drawing/2014/main" id="{C360B48E-63D1-A07E-5B7B-97D2FAF8EEFE}"/>
+          <p:cNvPr id="30" name="Рисунок 29" descr="Флажок со сплошной заливкой">
+            <a:extLst>
+              <a:ext uri="{FF2B5EF4-FFF2-40B4-BE49-F238E27FC236}">
+                <a16:creationId xmlns:a16="http://schemas.microsoft.com/office/drawing/2014/main" id="{2B84FBB8-C3C9-B7E3-40B3-74B0091F7F12}"/>
               </a:ext>
             </a:extLst>
           </p:cNvPr>
@@ -21159,7 +21151,7 @@
         </p:blipFill>
         <p:spPr>
           <a:xfrm>
-            <a:off x="3739494" y="4861498"/>
+            <a:off x="5011394" y="3837419"/>
             <a:ext cx="215781" cy="215781"/>
           </a:xfrm>
           <a:prstGeom prst="rect">
@@ -21169,10 +21161,10 @@
       </p:pic>
       <p:pic>
         <p:nvPicPr>
-          <p:cNvPr id="29" name="Рисунок 28" descr="Флажок со сплошной заливкой">
-            <a:extLst>
-              <a:ext uri="{FF2B5EF4-FFF2-40B4-BE49-F238E27FC236}">
-                <a16:creationId xmlns:a16="http://schemas.microsoft.com/office/drawing/2014/main" id="{69D42C3A-DFCA-8360-D393-0394CB8ACEC5}"/>
+          <p:cNvPr id="31" name="Рисунок 30" descr="Флажок со сплошной заливкой">
+            <a:extLst>
+              <a:ext uri="{FF2B5EF4-FFF2-40B4-BE49-F238E27FC236}">
+                <a16:creationId xmlns:a16="http://schemas.microsoft.com/office/drawing/2014/main" id="{EC10CA84-8782-BAF9-7A15-DCA5C6797BED}"/>
               </a:ext>
             </a:extLst>
           </p:cNvPr>
@@ -21195,7 +21187,7 @@
         </p:blipFill>
         <p:spPr>
           <a:xfrm>
-            <a:off x="3736543" y="5256595"/>
+            <a:off x="5011392" y="4412470"/>
             <a:ext cx="215781" cy="215781"/>
           </a:xfrm>
           <a:prstGeom prst="rect">
@@ -21205,10 +21197,10 @@
       </p:pic>
       <p:pic>
         <p:nvPicPr>
-          <p:cNvPr id="30" name="Рисунок 29" descr="Флажок со сплошной заливкой">
-            <a:extLst>
-              <a:ext uri="{FF2B5EF4-FFF2-40B4-BE49-F238E27FC236}">
-                <a16:creationId xmlns:a16="http://schemas.microsoft.com/office/drawing/2014/main" id="{2B84FBB8-C3C9-B7E3-40B3-74B0091F7F12}"/>
+          <p:cNvPr id="33" name="Рисунок 32" descr="Флажок со сплошной заливкой">
+            <a:extLst>
+              <a:ext uri="{FF2B5EF4-FFF2-40B4-BE49-F238E27FC236}">
+                <a16:creationId xmlns:a16="http://schemas.microsoft.com/office/drawing/2014/main" id="{9AA3C890-D138-1611-4464-5C1F1A569F38}"/>
               </a:ext>
             </a:extLst>
           </p:cNvPr>
@@ -21231,7 +21223,7 @@
         </p:blipFill>
         <p:spPr>
           <a:xfrm>
-            <a:off x="5011394" y="3837419"/>
+            <a:off x="5011393" y="5256595"/>
             <a:ext cx="215781" cy="215781"/>
           </a:xfrm>
           <a:prstGeom prst="rect">
@@ -21241,10 +21233,10 @@
       </p:pic>
       <p:pic>
         <p:nvPicPr>
-          <p:cNvPr id="31" name="Рисунок 30" descr="Флажок со сплошной заливкой">
-            <a:extLst>
-              <a:ext uri="{FF2B5EF4-FFF2-40B4-BE49-F238E27FC236}">
-                <a16:creationId xmlns:a16="http://schemas.microsoft.com/office/drawing/2014/main" id="{EC10CA84-8782-BAF9-7A15-DCA5C6797BED}"/>
+          <p:cNvPr id="35" name="Рисунок 34" descr="Флажок со сплошной заливкой">
+            <a:extLst>
+              <a:ext uri="{FF2B5EF4-FFF2-40B4-BE49-F238E27FC236}">
+                <a16:creationId xmlns:a16="http://schemas.microsoft.com/office/drawing/2014/main" id="{995FD483-88A5-66B9-2C60-7D85C385DA91}"/>
               </a:ext>
             </a:extLst>
           </p:cNvPr>
@@ -21267,7 +21259,7 @@
         </p:blipFill>
         <p:spPr>
           <a:xfrm>
-            <a:off x="5011392" y="4412470"/>
+            <a:off x="5011393" y="6329960"/>
             <a:ext cx="215781" cy="215781"/>
           </a:xfrm>
           <a:prstGeom prst="rect">
@@ -21277,10 +21269,10 @@
       </p:pic>
       <p:pic>
         <p:nvPicPr>
-          <p:cNvPr id="33" name="Рисунок 32" descr="Флажок со сплошной заливкой">
-            <a:extLst>
-              <a:ext uri="{FF2B5EF4-FFF2-40B4-BE49-F238E27FC236}">
-                <a16:creationId xmlns:a16="http://schemas.microsoft.com/office/drawing/2014/main" id="{9AA3C890-D138-1611-4464-5C1F1A569F38}"/>
+          <p:cNvPr id="36" name="Рисунок 35" descr="Флажок со сплошной заливкой">
+            <a:extLst>
+              <a:ext uri="{FF2B5EF4-FFF2-40B4-BE49-F238E27FC236}">
+                <a16:creationId xmlns:a16="http://schemas.microsoft.com/office/drawing/2014/main" id="{73F37EB9-0AAB-ECCF-9FCB-21F41FFCE41C}"/>
               </a:ext>
             </a:extLst>
           </p:cNvPr>
@@ -21303,7 +21295,7 @@
         </p:blipFill>
         <p:spPr>
           <a:xfrm>
-            <a:off x="5011393" y="5256595"/>
+            <a:off x="6318902" y="2339410"/>
             <a:ext cx="215781" cy="215781"/>
           </a:xfrm>
           <a:prstGeom prst="rect">
@@ -21313,10 +21305,10 @@
       </p:pic>
       <p:pic>
         <p:nvPicPr>
-          <p:cNvPr id="35" name="Рисунок 34" descr="Флажок со сплошной заливкой">
-            <a:extLst>
-              <a:ext uri="{FF2B5EF4-FFF2-40B4-BE49-F238E27FC236}">
-                <a16:creationId xmlns:a16="http://schemas.microsoft.com/office/drawing/2014/main" id="{995FD483-88A5-66B9-2C60-7D85C385DA91}"/>
+          <p:cNvPr id="37" name="Рисунок 36" descr="Флажок со сплошной заливкой">
+            <a:extLst>
+              <a:ext uri="{FF2B5EF4-FFF2-40B4-BE49-F238E27FC236}">
+                <a16:creationId xmlns:a16="http://schemas.microsoft.com/office/drawing/2014/main" id="{CB8BEC06-9B7B-55FB-AC9D-3839F5F6CDA6}"/>
               </a:ext>
             </a:extLst>
           </p:cNvPr>
@@ -21339,7 +21331,7 @@
         </p:blipFill>
         <p:spPr>
           <a:xfrm>
-            <a:off x="5011393" y="6329960"/>
+            <a:off x="6318902" y="2718650"/>
             <a:ext cx="215781" cy="215781"/>
           </a:xfrm>
           <a:prstGeom prst="rect">
@@ -21349,10 +21341,10 @@
       </p:pic>
       <p:pic>
         <p:nvPicPr>
-          <p:cNvPr id="36" name="Рисунок 35" descr="Флажок со сплошной заливкой">
-            <a:extLst>
-              <a:ext uri="{FF2B5EF4-FFF2-40B4-BE49-F238E27FC236}">
-                <a16:creationId xmlns:a16="http://schemas.microsoft.com/office/drawing/2014/main" id="{73F37EB9-0AAB-ECCF-9FCB-21F41FFCE41C}"/>
+          <p:cNvPr id="38" name="Рисунок 37" descr="Флажок со сплошной заливкой">
+            <a:extLst>
+              <a:ext uri="{FF2B5EF4-FFF2-40B4-BE49-F238E27FC236}">
+                <a16:creationId xmlns:a16="http://schemas.microsoft.com/office/drawing/2014/main" id="{FC85D110-C48B-1BDE-B9DF-83D8E0D82E9E}"/>
               </a:ext>
             </a:extLst>
           </p:cNvPr>
@@ -21375,7 +21367,7 @@
         </p:blipFill>
         <p:spPr>
           <a:xfrm>
-            <a:off x="6318902" y="2339410"/>
+            <a:off x="6318902" y="3837419"/>
             <a:ext cx="215781" cy="215781"/>
           </a:xfrm>
           <a:prstGeom prst="rect">
@@ -21385,10 +21377,10 @@
       </p:pic>
       <p:pic>
         <p:nvPicPr>
-          <p:cNvPr id="37" name="Рисунок 36" descr="Флажок со сплошной заливкой">
-            <a:extLst>
-              <a:ext uri="{FF2B5EF4-FFF2-40B4-BE49-F238E27FC236}">
-                <a16:creationId xmlns:a16="http://schemas.microsoft.com/office/drawing/2014/main" id="{CB8BEC06-9B7B-55FB-AC9D-3839F5F6CDA6}"/>
+          <p:cNvPr id="39" name="Рисунок 38" descr="Флажок со сплошной заливкой">
+            <a:extLst>
+              <a:ext uri="{FF2B5EF4-FFF2-40B4-BE49-F238E27FC236}">
+                <a16:creationId xmlns:a16="http://schemas.microsoft.com/office/drawing/2014/main" id="{DC0F4E42-C41F-2A34-9009-B58C50F170B9}"/>
               </a:ext>
             </a:extLst>
           </p:cNvPr>
@@ -21411,7 +21403,7 @@
         </p:blipFill>
         <p:spPr>
           <a:xfrm>
-            <a:off x="6318902" y="2718650"/>
+            <a:off x="6318901" y="4409388"/>
             <a:ext cx="215781" cy="215781"/>
           </a:xfrm>
           <a:prstGeom prst="rect">
@@ -21421,10 +21413,10 @@
       </p:pic>
       <p:pic>
         <p:nvPicPr>
-          <p:cNvPr id="38" name="Рисунок 37" descr="Флажок со сплошной заливкой">
-            <a:extLst>
-              <a:ext uri="{FF2B5EF4-FFF2-40B4-BE49-F238E27FC236}">
-                <a16:creationId xmlns:a16="http://schemas.microsoft.com/office/drawing/2014/main" id="{FC85D110-C48B-1BDE-B9DF-83D8E0D82E9E}"/>
+          <p:cNvPr id="41" name="Рисунок 40" descr="Флажок со сплошной заливкой">
+            <a:extLst>
+              <a:ext uri="{FF2B5EF4-FFF2-40B4-BE49-F238E27FC236}">
+                <a16:creationId xmlns:a16="http://schemas.microsoft.com/office/drawing/2014/main" id="{827CB795-FF92-7511-B630-A4FE9ECC7143}"/>
               </a:ext>
             </a:extLst>
           </p:cNvPr>
@@ -21447,7 +21439,7 @@
         </p:blipFill>
         <p:spPr>
           <a:xfrm>
-            <a:off x="6318902" y="3837419"/>
+            <a:off x="6318901" y="4877355"/>
             <a:ext cx="215781" cy="215781"/>
           </a:xfrm>
           <a:prstGeom prst="rect">
@@ -21457,10 +21449,10 @@
       </p:pic>
       <p:pic>
         <p:nvPicPr>
-          <p:cNvPr id="39" name="Рисунок 38" descr="Флажок со сплошной заливкой">
-            <a:extLst>
-              <a:ext uri="{FF2B5EF4-FFF2-40B4-BE49-F238E27FC236}">
-                <a16:creationId xmlns:a16="http://schemas.microsoft.com/office/drawing/2014/main" id="{DC0F4E42-C41F-2A34-9009-B58C50F170B9}"/>
+          <p:cNvPr id="42" name="Рисунок 41" descr="Флажок со сплошной заливкой">
+            <a:extLst>
+              <a:ext uri="{FF2B5EF4-FFF2-40B4-BE49-F238E27FC236}">
+                <a16:creationId xmlns:a16="http://schemas.microsoft.com/office/drawing/2014/main" id="{E4ED4040-547E-D89B-1E6E-6281F263A41F}"/>
               </a:ext>
             </a:extLst>
           </p:cNvPr>
@@ -21483,7 +21475,7 @@
         </p:blipFill>
         <p:spPr>
           <a:xfrm>
-            <a:off x="6318901" y="4409388"/>
+            <a:off x="6318901" y="5256595"/>
             <a:ext cx="215781" cy="215781"/>
           </a:xfrm>
           <a:prstGeom prst="rect">
@@ -21493,10 +21485,10 @@
       </p:pic>
       <p:pic>
         <p:nvPicPr>
-          <p:cNvPr id="41" name="Рисунок 40" descr="Флажок со сплошной заливкой">
-            <a:extLst>
-              <a:ext uri="{FF2B5EF4-FFF2-40B4-BE49-F238E27FC236}">
-                <a16:creationId xmlns:a16="http://schemas.microsoft.com/office/drawing/2014/main" id="{827CB795-FF92-7511-B630-A4FE9ECC7143}"/>
+          <p:cNvPr id="43" name="Рисунок 42" descr="Флажок со сплошной заливкой">
+            <a:extLst>
+              <a:ext uri="{FF2B5EF4-FFF2-40B4-BE49-F238E27FC236}">
+                <a16:creationId xmlns:a16="http://schemas.microsoft.com/office/drawing/2014/main" id="{C6F011C5-1741-C67C-FB4E-65DE2D101039}"/>
               </a:ext>
             </a:extLst>
           </p:cNvPr>
@@ -21519,7 +21511,7 @@
         </p:blipFill>
         <p:spPr>
           <a:xfrm>
-            <a:off x="6318901" y="4877355"/>
+            <a:off x="7803524" y="3213219"/>
             <a:ext cx="215781" cy="215781"/>
           </a:xfrm>
           <a:prstGeom prst="rect">
@@ -21529,10 +21521,10 @@
       </p:pic>
       <p:pic>
         <p:nvPicPr>
-          <p:cNvPr id="42" name="Рисунок 41" descr="Флажок со сплошной заливкой">
-            <a:extLst>
-              <a:ext uri="{FF2B5EF4-FFF2-40B4-BE49-F238E27FC236}">
-                <a16:creationId xmlns:a16="http://schemas.microsoft.com/office/drawing/2014/main" id="{E4ED4040-547E-D89B-1E6E-6281F263A41F}"/>
+          <p:cNvPr id="44" name="Рисунок 43" descr="Флажок со сплошной заливкой">
+            <a:extLst>
+              <a:ext uri="{FF2B5EF4-FFF2-40B4-BE49-F238E27FC236}">
+                <a16:creationId xmlns:a16="http://schemas.microsoft.com/office/drawing/2014/main" id="{3A8C710B-95A5-7CAA-4F1A-E0AC842E93A5}"/>
               </a:ext>
             </a:extLst>
           </p:cNvPr>
@@ -21555,7 +21547,7 @@
         </p:blipFill>
         <p:spPr>
           <a:xfrm>
-            <a:off x="6318901" y="5256595"/>
+            <a:off x="7822757" y="3837418"/>
             <a:ext cx="215781" cy="215781"/>
           </a:xfrm>
           <a:prstGeom prst="rect">
@@ -21565,10 +21557,10 @@
       </p:pic>
       <p:pic>
         <p:nvPicPr>
-          <p:cNvPr id="43" name="Рисунок 42" descr="Флажок со сплошной заливкой">
-            <a:extLst>
-              <a:ext uri="{FF2B5EF4-FFF2-40B4-BE49-F238E27FC236}">
-                <a16:creationId xmlns:a16="http://schemas.microsoft.com/office/drawing/2014/main" id="{C6F011C5-1741-C67C-FB4E-65DE2D101039}"/>
+          <p:cNvPr id="45" name="Рисунок 44" descr="Флажок со сплошной заливкой">
+            <a:extLst>
+              <a:ext uri="{FF2B5EF4-FFF2-40B4-BE49-F238E27FC236}">
+                <a16:creationId xmlns:a16="http://schemas.microsoft.com/office/drawing/2014/main" id="{6985B64B-9CA7-9E73-2BD0-49193FAE708D}"/>
               </a:ext>
             </a:extLst>
           </p:cNvPr>
@@ -21591,7 +21583,7 @@
         </p:blipFill>
         <p:spPr>
           <a:xfrm>
-            <a:off x="7803524" y="3213219"/>
+            <a:off x="7807231" y="5256595"/>
             <a:ext cx="215781" cy="215781"/>
           </a:xfrm>
           <a:prstGeom prst="rect">
@@ -21601,10 +21593,10 @@
       </p:pic>
       <p:pic>
         <p:nvPicPr>
-          <p:cNvPr id="44" name="Рисунок 43" descr="Флажок со сплошной заливкой">
-            <a:extLst>
-              <a:ext uri="{FF2B5EF4-FFF2-40B4-BE49-F238E27FC236}">
-                <a16:creationId xmlns:a16="http://schemas.microsoft.com/office/drawing/2014/main" id="{3A8C710B-95A5-7CAA-4F1A-E0AC842E93A5}"/>
+          <p:cNvPr id="46" name="Рисунок 45" descr="Флажок со сплошной заливкой">
+            <a:extLst>
+              <a:ext uri="{FF2B5EF4-FFF2-40B4-BE49-F238E27FC236}">
+                <a16:creationId xmlns:a16="http://schemas.microsoft.com/office/drawing/2014/main" id="{69B07ACD-D106-243B-AC32-318C51EF39A1}"/>
               </a:ext>
             </a:extLst>
           </p:cNvPr>
@@ -21627,7 +21619,7 @@
         </p:blipFill>
         <p:spPr>
           <a:xfrm>
-            <a:off x="7822757" y="3837418"/>
+            <a:off x="7810377" y="5787915"/>
             <a:ext cx="215781" cy="215781"/>
           </a:xfrm>
           <a:prstGeom prst="rect">
@@ -21637,10 +21629,10 @@
       </p:pic>
       <p:pic>
         <p:nvPicPr>
-          <p:cNvPr id="45" name="Рисунок 44" descr="Флажок со сплошной заливкой">
-            <a:extLst>
-              <a:ext uri="{FF2B5EF4-FFF2-40B4-BE49-F238E27FC236}">
-                <a16:creationId xmlns:a16="http://schemas.microsoft.com/office/drawing/2014/main" id="{6985B64B-9CA7-9E73-2BD0-49193FAE708D}"/>
+          <p:cNvPr id="47" name="Рисунок 46" descr="Флажок со сплошной заливкой">
+            <a:extLst>
+              <a:ext uri="{FF2B5EF4-FFF2-40B4-BE49-F238E27FC236}">
+                <a16:creationId xmlns:a16="http://schemas.microsoft.com/office/drawing/2014/main" id="{F568689F-B657-F0B7-FB2D-EB9C4DFB3A0A}"/>
               </a:ext>
             </a:extLst>
           </p:cNvPr>
@@ -21663,7 +21655,7 @@
         </p:blipFill>
         <p:spPr>
           <a:xfrm>
-            <a:off x="7807231" y="5256595"/>
+            <a:off x="9288146" y="2339409"/>
             <a:ext cx="215781" cy="215781"/>
           </a:xfrm>
           <a:prstGeom prst="rect">
@@ -21673,10 +21665,10 @@
       </p:pic>
       <p:pic>
         <p:nvPicPr>
-          <p:cNvPr id="46" name="Рисунок 45" descr="Флажок со сплошной заливкой">
-            <a:extLst>
-              <a:ext uri="{FF2B5EF4-FFF2-40B4-BE49-F238E27FC236}">
-                <a16:creationId xmlns:a16="http://schemas.microsoft.com/office/drawing/2014/main" id="{69B07ACD-D106-243B-AC32-318C51EF39A1}"/>
+          <p:cNvPr id="49" name="Рисунок 48" descr="Флажок со сплошной заливкой">
+            <a:extLst>
+              <a:ext uri="{FF2B5EF4-FFF2-40B4-BE49-F238E27FC236}">
+                <a16:creationId xmlns:a16="http://schemas.microsoft.com/office/drawing/2014/main" id="{8C9C23EE-C97C-588D-93F3-444CD5073905}"/>
               </a:ext>
             </a:extLst>
           </p:cNvPr>
@@ -21699,7 +21691,7 @@
         </p:blipFill>
         <p:spPr>
           <a:xfrm>
-            <a:off x="7810377" y="5787915"/>
+            <a:off x="9288145" y="3208642"/>
             <a:ext cx="215781" cy="215781"/>
           </a:xfrm>
           <a:prstGeom prst="rect">
@@ -21709,10 +21701,10 @@
       </p:pic>
       <p:pic>
         <p:nvPicPr>
-          <p:cNvPr id="47" name="Рисунок 46" descr="Флажок со сплошной заливкой">
-            <a:extLst>
-              <a:ext uri="{FF2B5EF4-FFF2-40B4-BE49-F238E27FC236}">
-                <a16:creationId xmlns:a16="http://schemas.microsoft.com/office/drawing/2014/main" id="{F568689F-B657-F0B7-FB2D-EB9C4DFB3A0A}"/>
+          <p:cNvPr id="50" name="Рисунок 49" descr="Флажок со сплошной заливкой">
+            <a:extLst>
+              <a:ext uri="{FF2B5EF4-FFF2-40B4-BE49-F238E27FC236}">
+                <a16:creationId xmlns:a16="http://schemas.microsoft.com/office/drawing/2014/main" id="{5470C8FD-928A-F165-DE9D-8B7FE13B9702}"/>
               </a:ext>
             </a:extLst>
           </p:cNvPr>
@@ -21735,7 +21727,7 @@
         </p:blipFill>
         <p:spPr>
           <a:xfrm>
-            <a:off x="9288146" y="2339409"/>
+            <a:off x="9288144" y="3837418"/>
             <a:ext cx="215781" cy="215781"/>
           </a:xfrm>
           <a:prstGeom prst="rect">
@@ -21745,10 +21737,10 @@
       </p:pic>
       <p:pic>
         <p:nvPicPr>
-          <p:cNvPr id="49" name="Рисунок 48" descr="Флажок со сплошной заливкой">
-            <a:extLst>
-              <a:ext uri="{FF2B5EF4-FFF2-40B4-BE49-F238E27FC236}">
-                <a16:creationId xmlns:a16="http://schemas.microsoft.com/office/drawing/2014/main" id="{8C9C23EE-C97C-588D-93F3-444CD5073905}"/>
+          <p:cNvPr id="51" name="Рисунок 50" descr="Флажок со сплошной заливкой">
+            <a:extLst>
+              <a:ext uri="{FF2B5EF4-FFF2-40B4-BE49-F238E27FC236}">
+                <a16:creationId xmlns:a16="http://schemas.microsoft.com/office/drawing/2014/main" id="{380EA8B4-9DB0-B466-F0C2-FA3804ACDC53}"/>
               </a:ext>
             </a:extLst>
           </p:cNvPr>
@@ -21771,7 +21763,7 @@
         </p:blipFill>
         <p:spPr>
           <a:xfrm>
-            <a:off x="9288145" y="3208642"/>
+            <a:off x="9288143" y="4877531"/>
             <a:ext cx="215781" cy="215781"/>
           </a:xfrm>
           <a:prstGeom prst="rect">
@@ -21781,10 +21773,10 @@
       </p:pic>
       <p:pic>
         <p:nvPicPr>
-          <p:cNvPr id="50" name="Рисунок 49" descr="Флажок со сплошной заливкой">
-            <a:extLst>
-              <a:ext uri="{FF2B5EF4-FFF2-40B4-BE49-F238E27FC236}">
-                <a16:creationId xmlns:a16="http://schemas.microsoft.com/office/drawing/2014/main" id="{5470C8FD-928A-F165-DE9D-8B7FE13B9702}"/>
+          <p:cNvPr id="52" name="Рисунок 51" descr="Флажок со сплошной заливкой">
+            <a:extLst>
+              <a:ext uri="{FF2B5EF4-FFF2-40B4-BE49-F238E27FC236}">
+                <a16:creationId xmlns:a16="http://schemas.microsoft.com/office/drawing/2014/main" id="{E16FC2ED-8BE6-CAFA-BB72-A445FB89C912}"/>
               </a:ext>
             </a:extLst>
           </p:cNvPr>
@@ -21807,7 +21799,7 @@
         </p:blipFill>
         <p:spPr>
           <a:xfrm>
-            <a:off x="9288144" y="3837418"/>
+            <a:off x="9298072" y="5256595"/>
             <a:ext cx="215781" cy="215781"/>
           </a:xfrm>
           <a:prstGeom prst="rect">
@@ -21817,10 +21809,10 @@
       </p:pic>
       <p:pic>
         <p:nvPicPr>
-          <p:cNvPr id="51" name="Рисунок 50" descr="Флажок со сплошной заливкой">
-            <a:extLst>
-              <a:ext uri="{FF2B5EF4-FFF2-40B4-BE49-F238E27FC236}">
-                <a16:creationId xmlns:a16="http://schemas.microsoft.com/office/drawing/2014/main" id="{380EA8B4-9DB0-B466-F0C2-FA3804ACDC53}"/>
+          <p:cNvPr id="56" name="Рисунок 55" descr="Флажок со сплошной заливкой">
+            <a:extLst>
+              <a:ext uri="{FF2B5EF4-FFF2-40B4-BE49-F238E27FC236}">
+                <a16:creationId xmlns:a16="http://schemas.microsoft.com/office/drawing/2014/main" id="{498E5C13-08B4-2240-3EE1-003D1513F213}"/>
               </a:ext>
             </a:extLst>
           </p:cNvPr>
@@ -21843,7 +21835,7 @@
         </p:blipFill>
         <p:spPr>
           <a:xfrm>
-            <a:off x="9288143" y="4877531"/>
+            <a:off x="10978849" y="2331972"/>
             <a:ext cx="215781" cy="215781"/>
           </a:xfrm>
           <a:prstGeom prst="rect">
@@ -21853,10 +21845,10 @@
       </p:pic>
       <p:pic>
         <p:nvPicPr>
-          <p:cNvPr id="52" name="Рисунок 51" descr="Флажок со сплошной заливкой">
-            <a:extLst>
-              <a:ext uri="{FF2B5EF4-FFF2-40B4-BE49-F238E27FC236}">
-                <a16:creationId xmlns:a16="http://schemas.microsoft.com/office/drawing/2014/main" id="{E16FC2ED-8BE6-CAFA-BB72-A445FB89C912}"/>
+          <p:cNvPr id="58" name="Рисунок 57" descr="Флажок со сплошной заливкой">
+            <a:extLst>
+              <a:ext uri="{FF2B5EF4-FFF2-40B4-BE49-F238E27FC236}">
+                <a16:creationId xmlns:a16="http://schemas.microsoft.com/office/drawing/2014/main" id="{DACE33A1-F116-0F7F-26B6-FE5BB8F01E27}"/>
               </a:ext>
             </a:extLst>
           </p:cNvPr>
@@ -21879,7 +21871,7 @@
         </p:blipFill>
         <p:spPr>
           <a:xfrm>
-            <a:off x="9298072" y="5256595"/>
+            <a:off x="10981699" y="2718650"/>
             <a:ext cx="215781" cy="215781"/>
           </a:xfrm>
           <a:prstGeom prst="rect">
@@ -21889,10 +21881,10 @@
       </p:pic>
       <p:pic>
         <p:nvPicPr>
-          <p:cNvPr id="56" name="Рисунок 55" descr="Флажок со сплошной заливкой">
-            <a:extLst>
-              <a:ext uri="{FF2B5EF4-FFF2-40B4-BE49-F238E27FC236}">
-                <a16:creationId xmlns:a16="http://schemas.microsoft.com/office/drawing/2014/main" id="{498E5C13-08B4-2240-3EE1-003D1513F213}"/>
+          <p:cNvPr id="64" name="Рисунок 63" descr="Флажок со сплошной заливкой">
+            <a:extLst>
+              <a:ext uri="{FF2B5EF4-FFF2-40B4-BE49-F238E27FC236}">
+                <a16:creationId xmlns:a16="http://schemas.microsoft.com/office/drawing/2014/main" id="{DE6A682C-D9CE-832E-1FD6-D014A2529186}"/>
               </a:ext>
             </a:extLst>
           </p:cNvPr>
@@ -21915,7 +21907,7 @@
         </p:blipFill>
         <p:spPr>
           <a:xfrm>
-            <a:off x="10978849" y="2331972"/>
+            <a:off x="10978849" y="3208641"/>
             <a:ext cx="215781" cy="215781"/>
           </a:xfrm>
           <a:prstGeom prst="rect">
@@ -21925,10 +21917,10 @@
       </p:pic>
       <p:pic>
         <p:nvPicPr>
-          <p:cNvPr id="58" name="Рисунок 57" descr="Флажок со сплошной заливкой">
-            <a:extLst>
-              <a:ext uri="{FF2B5EF4-FFF2-40B4-BE49-F238E27FC236}">
-                <a16:creationId xmlns:a16="http://schemas.microsoft.com/office/drawing/2014/main" id="{DACE33A1-F116-0F7F-26B6-FE5BB8F01E27}"/>
+          <p:cNvPr id="65" name="Рисунок 64" descr="Флажок со сплошной заливкой">
+            <a:extLst>
+              <a:ext uri="{FF2B5EF4-FFF2-40B4-BE49-F238E27FC236}">
+                <a16:creationId xmlns:a16="http://schemas.microsoft.com/office/drawing/2014/main" id="{3F3AB4C7-B8B6-3BD5-BD05-41DA3AB860F0}"/>
               </a:ext>
             </a:extLst>
           </p:cNvPr>
@@ -21951,7 +21943,7 @@
         </p:blipFill>
         <p:spPr>
           <a:xfrm>
-            <a:off x="10981699" y="2718650"/>
+            <a:off x="10978848" y="3857187"/>
             <a:ext cx="215781" cy="215781"/>
           </a:xfrm>
           <a:prstGeom prst="rect">
@@ -21961,10 +21953,10 @@
       </p:pic>
       <p:pic>
         <p:nvPicPr>
-          <p:cNvPr id="64" name="Рисунок 63" descr="Флажок со сплошной заливкой">
-            <a:extLst>
-              <a:ext uri="{FF2B5EF4-FFF2-40B4-BE49-F238E27FC236}">
-                <a16:creationId xmlns:a16="http://schemas.microsoft.com/office/drawing/2014/main" id="{DE6A682C-D9CE-832E-1FD6-D014A2529186}"/>
+          <p:cNvPr id="67" name="Рисунок 66" descr="Флажок со сплошной заливкой">
+            <a:extLst>
+              <a:ext uri="{FF2B5EF4-FFF2-40B4-BE49-F238E27FC236}">
+                <a16:creationId xmlns:a16="http://schemas.microsoft.com/office/drawing/2014/main" id="{9748F9BA-E735-99EE-6ED2-7DCAAF9888B2}"/>
               </a:ext>
             </a:extLst>
           </p:cNvPr>
@@ -21987,7 +21979,7 @@
         </p:blipFill>
         <p:spPr>
           <a:xfrm>
-            <a:off x="10978849" y="3208641"/>
+            <a:off x="10978846" y="4397842"/>
             <a:ext cx="215781" cy="215781"/>
           </a:xfrm>
           <a:prstGeom prst="rect">
@@ -21997,10 +21989,10 @@
       </p:pic>
       <p:pic>
         <p:nvPicPr>
-          <p:cNvPr id="65" name="Рисунок 64" descr="Флажок со сплошной заливкой">
-            <a:extLst>
-              <a:ext uri="{FF2B5EF4-FFF2-40B4-BE49-F238E27FC236}">
-                <a16:creationId xmlns:a16="http://schemas.microsoft.com/office/drawing/2014/main" id="{3F3AB4C7-B8B6-3BD5-BD05-41DA3AB860F0}"/>
+          <p:cNvPr id="68" name="Рисунок 67" descr="Флажок со сплошной заливкой">
+            <a:extLst>
+              <a:ext uri="{FF2B5EF4-FFF2-40B4-BE49-F238E27FC236}">
+                <a16:creationId xmlns:a16="http://schemas.microsoft.com/office/drawing/2014/main" id="{4AAFD0C4-9E06-63A7-C332-235CB9DBBE61}"/>
               </a:ext>
             </a:extLst>
           </p:cNvPr>
@@ -22023,7 +22015,7 @@
         </p:blipFill>
         <p:spPr>
           <a:xfrm>
-            <a:off x="10978848" y="3857187"/>
+            <a:off x="10978847" y="4861497"/>
             <a:ext cx="215781" cy="215781"/>
           </a:xfrm>
           <a:prstGeom prst="rect">
@@ -22033,10 +22025,10 @@
       </p:pic>
       <p:pic>
         <p:nvPicPr>
-          <p:cNvPr id="67" name="Рисунок 66" descr="Флажок со сплошной заливкой">
-            <a:extLst>
-              <a:ext uri="{FF2B5EF4-FFF2-40B4-BE49-F238E27FC236}">
-                <a16:creationId xmlns:a16="http://schemas.microsoft.com/office/drawing/2014/main" id="{9748F9BA-E735-99EE-6ED2-7DCAAF9888B2}"/>
+          <p:cNvPr id="71" name="Рисунок 70" descr="Флажок со сплошной заливкой">
+            <a:extLst>
+              <a:ext uri="{FF2B5EF4-FFF2-40B4-BE49-F238E27FC236}">
+                <a16:creationId xmlns:a16="http://schemas.microsoft.com/office/drawing/2014/main" id="{127017A6-5F55-E0AC-A2BE-A61119B9525C}"/>
               </a:ext>
             </a:extLst>
           </p:cNvPr>
@@ -22059,7 +22051,7 @@
         </p:blipFill>
         <p:spPr>
           <a:xfrm>
-            <a:off x="10978846" y="4397842"/>
+            <a:off x="10981689" y="5787916"/>
             <a:ext cx="215781" cy="215781"/>
           </a:xfrm>
           <a:prstGeom prst="rect">
@@ -22069,10 +22061,10 @@
       </p:pic>
       <p:pic>
         <p:nvPicPr>
-          <p:cNvPr id="68" name="Рисунок 67" descr="Флажок со сплошной заливкой">
-            <a:extLst>
-              <a:ext uri="{FF2B5EF4-FFF2-40B4-BE49-F238E27FC236}">
-                <a16:creationId xmlns:a16="http://schemas.microsoft.com/office/drawing/2014/main" id="{4AAFD0C4-9E06-63A7-C332-235CB9DBBE61}"/>
+          <p:cNvPr id="72" name="Рисунок 71" descr="Флажок со сплошной заливкой">
+            <a:extLst>
+              <a:ext uri="{FF2B5EF4-FFF2-40B4-BE49-F238E27FC236}">
+                <a16:creationId xmlns:a16="http://schemas.microsoft.com/office/drawing/2014/main" id="{FEB77E8E-A67E-A395-4634-02FEC570D98A}"/>
               </a:ext>
             </a:extLst>
           </p:cNvPr>
@@ -22095,7 +22087,7 @@
         </p:blipFill>
         <p:spPr>
           <a:xfrm>
-            <a:off x="10978847" y="4861497"/>
+            <a:off x="10978847" y="6329960"/>
             <a:ext cx="215781" cy="215781"/>
           </a:xfrm>
           <a:prstGeom prst="rect">
@@ -22105,10 +22097,10 @@
       </p:pic>
       <p:pic>
         <p:nvPicPr>
-          <p:cNvPr id="71" name="Рисунок 70" descr="Флажок со сплошной заливкой">
-            <a:extLst>
-              <a:ext uri="{FF2B5EF4-FFF2-40B4-BE49-F238E27FC236}">
-                <a16:creationId xmlns:a16="http://schemas.microsoft.com/office/drawing/2014/main" id="{127017A6-5F55-E0AC-A2BE-A61119B9525C}"/>
+          <p:cNvPr id="24" name="Рисунок 23" descr="Флажок со сплошной заливкой">
+            <a:extLst>
+              <a:ext uri="{FF2B5EF4-FFF2-40B4-BE49-F238E27FC236}">
+                <a16:creationId xmlns:a16="http://schemas.microsoft.com/office/drawing/2014/main" id="{940009C4-905C-1E5A-58B5-F934211DC655}"/>
               </a:ext>
             </a:extLst>
           </p:cNvPr>
@@ -22131,7 +22123,7 @@
         </p:blipFill>
         <p:spPr>
           <a:xfrm>
-            <a:off x="10981689" y="5787916"/>
+            <a:off x="6324417" y="6329959"/>
             <a:ext cx="215781" cy="215781"/>
           </a:xfrm>
           <a:prstGeom prst="rect">
@@ -22141,10 +22133,10 @@
       </p:pic>
       <p:pic>
         <p:nvPicPr>
-          <p:cNvPr id="72" name="Рисунок 71" descr="Флажок со сплошной заливкой">
-            <a:extLst>
-              <a:ext uri="{FF2B5EF4-FFF2-40B4-BE49-F238E27FC236}">
-                <a16:creationId xmlns:a16="http://schemas.microsoft.com/office/drawing/2014/main" id="{FEB77E8E-A67E-A395-4634-02FEC570D98A}"/>
+          <p:cNvPr id="27" name="Рисунок 26" descr="Флажок со сплошной заливкой">
+            <a:extLst>
+              <a:ext uri="{FF2B5EF4-FFF2-40B4-BE49-F238E27FC236}">
+                <a16:creationId xmlns:a16="http://schemas.microsoft.com/office/drawing/2014/main" id="{F0E87B9F-6FE7-A7B2-9C24-D94DDA425E19}"/>
               </a:ext>
             </a:extLst>
           </p:cNvPr>
@@ -22167,7 +22159,79 @@
         </p:blipFill>
         <p:spPr>
           <a:xfrm>
-            <a:off x="10978847" y="6329960"/>
+            <a:off x="9321097" y="6371822"/>
+            <a:ext cx="215781" cy="215781"/>
+          </a:xfrm>
+          <a:prstGeom prst="rect">
+            <a:avLst/>
+          </a:prstGeom>
+        </p:spPr>
+      </p:pic>
+      <p:pic>
+        <p:nvPicPr>
+          <p:cNvPr id="32" name="Рисунок 31" descr="Флажок со сплошной заливкой">
+            <a:extLst>
+              <a:ext uri="{FF2B5EF4-FFF2-40B4-BE49-F238E27FC236}">
+                <a16:creationId xmlns:a16="http://schemas.microsoft.com/office/drawing/2014/main" id="{4A296B31-E528-6269-0F7F-32C55EC42F26}"/>
+              </a:ext>
+            </a:extLst>
+          </p:cNvPr>
+          <p:cNvPicPr>
+            <a:picLocks noChangeAspect="1"/>
+          </p:cNvPicPr>
+          <p:nvPr/>
+        </p:nvPicPr>
+        <p:blipFill>
+          <a:blip r:embed="rId4">
+            <a:extLst>
+              <a:ext uri="{96DAC541-7B7A-43D3-8B79-37D633B846F1}">
+                <asvg:svgBlip xmlns:asvg="http://schemas.microsoft.com/office/drawing/2016/SVG/main" r:embed="rId5"/>
+              </a:ext>
+            </a:extLst>
+          </a:blip>
+          <a:stretch>
+            <a:fillRect/>
+          </a:stretch>
+        </p:blipFill>
+        <p:spPr>
+          <a:xfrm>
+            <a:off x="9298071" y="4417805"/>
+            <a:ext cx="215781" cy="215781"/>
+          </a:xfrm>
+          <a:prstGeom prst="rect">
+            <a:avLst/>
+          </a:prstGeom>
+        </p:spPr>
+      </p:pic>
+      <p:pic>
+        <p:nvPicPr>
+          <p:cNvPr id="40" name="Рисунок 39" descr="Закрыть со сплошной заливкой">
+            <a:extLst>
+              <a:ext uri="{FF2B5EF4-FFF2-40B4-BE49-F238E27FC236}">
+                <a16:creationId xmlns:a16="http://schemas.microsoft.com/office/drawing/2014/main" id="{C0131FDA-12B2-3215-3657-DF98DC1404F2}"/>
+              </a:ext>
+            </a:extLst>
+          </p:cNvPr>
+          <p:cNvPicPr>
+            <a:picLocks noChangeAspect="1"/>
+          </p:cNvPicPr>
+          <p:nvPr/>
+        </p:nvPicPr>
+        <p:blipFill>
+          <a:blip r:embed="rId2">
+            <a:extLst>
+              <a:ext uri="{96DAC541-7B7A-43D3-8B79-37D633B846F1}">
+                <asvg:svgBlip xmlns:asvg="http://schemas.microsoft.com/office/drawing/2016/SVG/main" r:embed="rId3"/>
+              </a:ext>
+            </a:extLst>
+          </a:blip>
+          <a:stretch>
+            <a:fillRect/>
+          </a:stretch>
+        </p:blipFill>
+        <p:spPr>
+          <a:xfrm>
+            <a:off x="7817718" y="4861497"/>
             <a:ext cx="215781" cy="215781"/>
           </a:xfrm>
           <a:prstGeom prst="rect">

--- a/VKR_Volkova_VMO41.pptx
+++ b/VKR_Volkova_VMO41.pptx
@@ -15313,10 +15313,10 @@
       </p:sp>
       <p:pic>
         <p:nvPicPr>
-          <p:cNvPr id="4" name="Рисунок 3">
+          <p:cNvPr id="5" name="Рисунок 4">
             <a:extLst>
               <a:ext uri="{FF2B5EF4-FFF2-40B4-BE49-F238E27FC236}">
-                <a16:creationId xmlns:a16="http://schemas.microsoft.com/office/drawing/2014/main" id="{78FF2018-13B5-B898-F6E7-FE44DEF1679D}"/>
+                <a16:creationId xmlns:a16="http://schemas.microsoft.com/office/drawing/2014/main" id="{D2011B30-BD0C-1A8E-DBB1-1562D0CB2A84}"/>
               </a:ext>
             </a:extLst>
           </p:cNvPr>
@@ -15339,8 +15339,8 @@
         </p:blipFill>
         <p:spPr>
           <a:xfrm>
-            <a:off x="3229834" y="808259"/>
-            <a:ext cx="2948776" cy="5875179"/>
+            <a:off x="3110114" y="834000"/>
+            <a:ext cx="2985886" cy="5849438"/>
           </a:xfrm>
           <a:prstGeom prst="rect">
             <a:avLst/>
@@ -17507,7 +17507,7 @@
                 <a:latin typeface="Times New Roman" panose="02020603050405020304" pitchFamily="18" charset="0"/>
                 <a:cs typeface="Times New Roman" panose="02020603050405020304" pitchFamily="18" charset="0"/>
               </a:rPr>
-              <a:t>Программное средство использует парадигму объектно-ориентированного программирования, что позволяет расширить функциональные возможности, в том числе внедрение более сложных моделей в качестве дальнейшей возможности развития проекта.</a:t>
+              <a:t>Функциональные возможности программного средства можно расширить, благодаря внедрению других моделей и численных методов в качестве дальнейшего направления развития проекта.</a:t>
             </a:r>
           </a:p>
           <a:p>
@@ -18070,7 +18070,7 @@
                 <a:latin typeface="Times New Roman" panose="02020603050405020304" pitchFamily="18" charset="0"/>
                 <a:cs typeface="Times New Roman" panose="02020603050405020304" pitchFamily="18" charset="0"/>
               </a:rPr>
-              <a:t>Реализовать вывод результатов, включающий численные вычисления и графические материалы.</a:t>
+              <a:t>Реализовать вывод результатов, включающий численные решения и графические материалы.</a:t>
             </a:r>
           </a:p>
           <a:p>
@@ -18902,14 +18902,14 @@
           <p:nvPr>
             <p:extLst>
               <p:ext uri="{D42A27DB-BD31-4B8C-83A1-F6EECF244321}">
-                <p14:modId xmlns:p14="http://schemas.microsoft.com/office/powerpoint/2010/main" val="1765332025"/>
+                <p14:modId xmlns:p14="http://schemas.microsoft.com/office/powerpoint/2010/main" val="3336041692"/>
               </p:ext>
             </p:extLst>
           </p:nvPr>
         </p:nvGraphicFramePr>
         <p:xfrm>
-          <a:off x="247419" y="1277912"/>
-          <a:ext cx="11691258" cy="5415280"/>
+          <a:off x="163458" y="1280848"/>
+          <a:ext cx="11691258" cy="5308600"/>
         </p:xfrm>
         <a:graphic>
           <a:graphicData uri="http://schemas.openxmlformats.org/drawingml/2006/table">
@@ -19243,10 +19243,13 @@
                     <a:lstStyle/>
                     <a:p>
                       <a:pPr algn="ctr"/>
-                      <a:endParaRPr lang="ru-RU" dirty="0"/>
+                      <a:r>
+                        <a:rPr lang="ru-RU" sz="2000" dirty="0"/>
+                        <a:t>-</a:t>
+                      </a:r>
                     </a:p>
                   </a:txBody>
-                  <a:tcPr/>
+                  <a:tcPr anchor="ctr"/>
                 </a:tc>
                 <a:tc>
                   <a:txBody>
@@ -19270,10 +19273,13 @@
                         <a:tabLst/>
                         <a:defRPr/>
                       </a:pPr>
-                      <a:endParaRPr lang="ru-RU" dirty="0"/>
+                      <a:r>
+                        <a:rPr lang="ru-RU" sz="2000" dirty="0"/>
+                        <a:t>+</a:t>
+                      </a:r>
                     </a:p>
                   </a:txBody>
-                  <a:tcPr/>
+                  <a:tcPr anchor="ctr"/>
                 </a:tc>
                 <a:tc>
                   <a:txBody>
@@ -19281,10 +19287,13 @@
                     <a:lstStyle/>
                     <a:p>
                       <a:pPr algn="ctr"/>
-                      <a:endParaRPr lang="ru-RU" dirty="0"/>
+                      <a:r>
+                        <a:rPr lang="ru-RU" sz="2000" dirty="0"/>
+                        <a:t>+</a:t>
+                      </a:r>
                     </a:p>
                   </a:txBody>
-                  <a:tcPr/>
+                  <a:tcPr anchor="ctr"/>
                 </a:tc>
                 <a:tc>
                   <a:txBody>
@@ -19292,10 +19301,13 @@
                     <a:lstStyle/>
                     <a:p>
                       <a:pPr algn="ctr"/>
-                      <a:endParaRPr lang="ru-RU" dirty="0"/>
+                      <a:r>
+                        <a:rPr lang="ru-RU" sz="2000" dirty="0"/>
+                        <a:t>-</a:t>
+                      </a:r>
                     </a:p>
                   </a:txBody>
-                  <a:tcPr/>
+                  <a:tcPr anchor="ctr"/>
                 </a:tc>
                 <a:tc>
                   <a:txBody>
@@ -19303,10 +19315,13 @@
                     <a:lstStyle/>
                     <a:p>
                       <a:pPr algn="ctr"/>
-                      <a:endParaRPr lang="ru-RU" dirty="0"/>
+                      <a:r>
+                        <a:rPr lang="ru-RU" sz="2000" dirty="0"/>
+                        <a:t>+</a:t>
+                      </a:r>
                     </a:p>
                   </a:txBody>
-                  <a:tcPr/>
+                  <a:tcPr anchor="ctr"/>
                 </a:tc>
                 <a:tc>
                   <a:txBody>
@@ -19314,10 +19329,13 @@
                     <a:lstStyle/>
                     <a:p>
                       <a:pPr algn="ctr"/>
-                      <a:endParaRPr lang="ru-RU" dirty="0"/>
+                      <a:r>
+                        <a:rPr lang="ru-RU" sz="2000" dirty="0"/>
+                        <a:t>+</a:t>
+                      </a:r>
                     </a:p>
                   </a:txBody>
-                  <a:tcPr>
+                  <a:tcPr anchor="ctr">
                     <a:lnR w="12700" cap="flat" cmpd="sng" algn="ctr">
                       <a:noFill/>
                       <a:prstDash val="solid"/>
@@ -19362,10 +19380,13 @@
                     <a:lstStyle/>
                     <a:p>
                       <a:pPr algn="ctr"/>
-                      <a:endParaRPr lang="ru-RU" dirty="0"/>
+                      <a:r>
+                        <a:rPr lang="ru-RU" sz="2000" dirty="0"/>
+                        <a:t>-</a:t>
+                      </a:r>
                     </a:p>
                   </a:txBody>
-                  <a:tcPr/>
+                  <a:tcPr anchor="ctr"/>
                 </a:tc>
                 <a:tc>
                   <a:txBody>
@@ -19389,10 +19410,13 @@
                         <a:tabLst/>
                         <a:defRPr/>
                       </a:pPr>
-                      <a:endParaRPr lang="ru-RU" dirty="0"/>
+                      <a:r>
+                        <a:rPr lang="ru-RU" sz="2000" dirty="0"/>
+                        <a:t>-</a:t>
+                      </a:r>
                     </a:p>
                   </a:txBody>
-                  <a:tcPr/>
+                  <a:tcPr anchor="ctr"/>
                 </a:tc>
                 <a:tc>
                   <a:txBody>
@@ -19400,10 +19424,13 @@
                     <a:lstStyle/>
                     <a:p>
                       <a:pPr algn="ctr"/>
-                      <a:endParaRPr lang="ru-RU" dirty="0"/>
+                      <a:r>
+                        <a:rPr lang="ru-RU" sz="2000" dirty="0"/>
+                        <a:t>+</a:t>
+                      </a:r>
                     </a:p>
                   </a:txBody>
-                  <a:tcPr/>
+                  <a:tcPr anchor="ctr"/>
                 </a:tc>
                 <a:tc>
                   <a:txBody>
@@ -19411,10 +19438,13 @@
                     <a:lstStyle/>
                     <a:p>
                       <a:pPr algn="ctr"/>
-                      <a:endParaRPr lang="ru-RU" dirty="0"/>
+                      <a:r>
+                        <a:rPr lang="ru-RU" sz="2000" dirty="0"/>
+                        <a:t>-</a:t>
+                      </a:r>
                     </a:p>
                   </a:txBody>
-                  <a:tcPr/>
+                  <a:tcPr anchor="ctr"/>
                 </a:tc>
                 <a:tc>
                   <a:txBody>
@@ -19422,10 +19452,13 @@
                     <a:lstStyle/>
                     <a:p>
                       <a:pPr algn="ctr"/>
-                      <a:endParaRPr lang="ru-RU" dirty="0"/>
+                      <a:r>
+                        <a:rPr lang="ru-RU" sz="2000" dirty="0"/>
+                        <a:t>-</a:t>
+                      </a:r>
                     </a:p>
                   </a:txBody>
-                  <a:tcPr/>
+                  <a:tcPr anchor="ctr"/>
                 </a:tc>
                 <a:tc>
                   <a:txBody>
@@ -19433,10 +19466,13 @@
                     <a:lstStyle/>
                     <a:p>
                       <a:pPr algn="ctr"/>
-                      <a:endParaRPr lang="ru-RU" dirty="0"/>
+                      <a:r>
+                        <a:rPr lang="ru-RU" sz="2000" dirty="0"/>
+                        <a:t>+</a:t>
+                      </a:r>
                     </a:p>
                   </a:txBody>
-                  <a:tcPr>
+                  <a:tcPr anchor="ctr">
                     <a:lnR w="12700" cap="flat" cmpd="sng" algn="ctr">
                       <a:noFill/>
                       <a:prstDash val="solid"/>
@@ -19482,12 +19518,12 @@
                     <a:p>
                       <a:pPr algn="ctr"/>
                       <a:r>
-                        <a:rPr lang="ru-RU" sz="2400" dirty="0"/>
+                        <a:rPr lang="ru-RU" sz="2000" b="0" dirty="0"/>
                         <a:t>±</a:t>
                       </a:r>
                     </a:p>
                   </a:txBody>
-                  <a:tcPr/>
+                  <a:tcPr anchor="ctr"/>
                 </a:tc>
                 <a:tc>
                   <a:txBody>
@@ -19512,13 +19548,12 @@
                         <a:defRPr/>
                       </a:pPr>
                       <a:r>
-                        <a:rPr lang="ru-RU" sz="2400" dirty="0"/>
+                        <a:rPr lang="ru-RU" sz="2000" dirty="0"/>
                         <a:t>±</a:t>
                       </a:r>
-                      <a:endParaRPr lang="ru-RU" sz="1800" dirty="0"/>
                     </a:p>
                   </a:txBody>
-                  <a:tcPr/>
+                  <a:tcPr anchor="ctr"/>
                 </a:tc>
                 <a:tc>
                   <a:txBody>
@@ -19526,10 +19561,13 @@
                     <a:lstStyle/>
                     <a:p>
                       <a:pPr algn="ctr"/>
-                      <a:endParaRPr lang="ru-RU" dirty="0"/>
+                      <a:r>
+                        <a:rPr lang="ru-RU" sz="2000" dirty="0"/>
+                        <a:t>-</a:t>
+                      </a:r>
                     </a:p>
                   </a:txBody>
-                  <a:tcPr/>
+                  <a:tcPr anchor="ctr"/>
                 </a:tc>
                 <a:tc>
                   <a:txBody>
@@ -19537,10 +19575,13 @@
                     <a:lstStyle/>
                     <a:p>
                       <a:pPr algn="ctr"/>
-                      <a:endParaRPr lang="ru-RU" dirty="0"/>
+                      <a:r>
+                        <a:rPr lang="ru-RU" sz="2000" dirty="0"/>
+                        <a:t>+</a:t>
+                      </a:r>
                     </a:p>
                   </a:txBody>
-                  <a:tcPr/>
+                  <a:tcPr anchor="ctr"/>
                 </a:tc>
                 <a:tc>
                   <a:txBody>
@@ -19548,10 +19589,13 @@
                     <a:lstStyle/>
                     <a:p>
                       <a:pPr algn="ctr"/>
-                      <a:endParaRPr lang="ru-RU" dirty="0"/>
+                      <a:r>
+                        <a:rPr lang="ru-RU" sz="2000" dirty="0"/>
+                        <a:t>+</a:t>
+                      </a:r>
                     </a:p>
                   </a:txBody>
-                  <a:tcPr/>
+                  <a:tcPr anchor="ctr"/>
                 </a:tc>
                 <a:tc>
                   <a:txBody>
@@ -19559,10 +19603,13 @@
                     <a:lstStyle/>
                     <a:p>
                       <a:pPr algn="ctr"/>
-                      <a:endParaRPr lang="ru-RU" dirty="0"/>
+                      <a:r>
+                        <a:rPr lang="ru-RU" sz="2000" dirty="0"/>
+                        <a:t>+</a:t>
+                      </a:r>
                     </a:p>
                   </a:txBody>
-                  <a:tcPr>
+                  <a:tcPr anchor="ctr">
                     <a:lnR w="12700" cap="flat" cmpd="sng" algn="ctr">
                       <a:noFill/>
                       <a:prstDash val="solid"/>
@@ -19607,10 +19654,13 @@
                     <a:lstStyle/>
                     <a:p>
                       <a:pPr algn="ctr"/>
-                      <a:endParaRPr lang="ru-RU" dirty="0"/>
+                      <a:r>
+                        <a:rPr lang="ru-RU" sz="2000" dirty="0"/>
+                        <a:t>+</a:t>
+                      </a:r>
                     </a:p>
                   </a:txBody>
-                  <a:tcPr/>
+                  <a:tcPr anchor="ctr"/>
                 </a:tc>
                 <a:tc>
                   <a:txBody>
@@ -19618,10 +19668,13 @@
                     <a:lstStyle/>
                     <a:p>
                       <a:pPr algn="ctr"/>
-                      <a:endParaRPr lang="ru-RU" dirty="0"/>
+                      <a:r>
+                        <a:rPr lang="ru-RU" sz="2000" dirty="0"/>
+                        <a:t>+</a:t>
+                      </a:r>
                     </a:p>
                   </a:txBody>
-                  <a:tcPr/>
+                  <a:tcPr anchor="ctr"/>
                 </a:tc>
                 <a:tc>
                   <a:txBody>
@@ -19629,10 +19682,13 @@
                     <a:lstStyle/>
                     <a:p>
                       <a:pPr algn="ctr"/>
-                      <a:endParaRPr lang="ru-RU" dirty="0"/>
+                      <a:r>
+                        <a:rPr lang="ru-RU" sz="2000" dirty="0"/>
+                        <a:t>+</a:t>
+                      </a:r>
                     </a:p>
                   </a:txBody>
-                  <a:tcPr/>
+                  <a:tcPr anchor="ctr"/>
                 </a:tc>
                 <a:tc>
                   <a:txBody>
@@ -19640,10 +19696,13 @@
                     <a:lstStyle/>
                     <a:p>
                       <a:pPr algn="ctr"/>
-                      <a:endParaRPr lang="ru-RU" dirty="0"/>
+                      <a:r>
+                        <a:rPr lang="ru-RU" sz="2000" dirty="0"/>
+                        <a:t>+</a:t>
+                      </a:r>
                     </a:p>
                   </a:txBody>
-                  <a:tcPr/>
+                  <a:tcPr anchor="ctr"/>
                 </a:tc>
                 <a:tc>
                   <a:txBody>
@@ -19651,10 +19710,13 @@
                     <a:lstStyle/>
                     <a:p>
                       <a:pPr algn="ctr"/>
-                      <a:endParaRPr lang="ru-RU" dirty="0"/>
+                      <a:r>
+                        <a:rPr lang="ru-RU" sz="2000" dirty="0"/>
+                        <a:t>+</a:t>
+                      </a:r>
                     </a:p>
                   </a:txBody>
-                  <a:tcPr/>
+                  <a:tcPr anchor="ctr"/>
                 </a:tc>
                 <a:tc>
                   <a:txBody>
@@ -19662,10 +19724,13 @@
                     <a:lstStyle/>
                     <a:p>
                       <a:pPr algn="ctr"/>
-                      <a:endParaRPr lang="ru-RU" dirty="0"/>
+                      <a:r>
+                        <a:rPr lang="ru-RU" sz="2000" dirty="0"/>
+                        <a:t>+</a:t>
+                      </a:r>
                     </a:p>
                   </a:txBody>
-                  <a:tcPr>
+                  <a:tcPr anchor="ctr">
                     <a:lnR w="12700" cap="flat" cmpd="sng" algn="ctr">
                       <a:noFill/>
                       <a:prstDash val="solid"/>
@@ -19727,12 +19792,12 @@
                         <a:defRPr/>
                       </a:pPr>
                       <a:r>
-                        <a:rPr lang="ru-RU" sz="2400" dirty="0"/>
+                        <a:rPr lang="ru-RU" sz="2000" dirty="0"/>
                         <a:t>±</a:t>
                       </a:r>
                     </a:p>
                   </a:txBody>
-                  <a:tcPr/>
+                  <a:tcPr anchor="ctr"/>
                 </a:tc>
                 <a:tc>
                   <a:txBody>
@@ -19740,10 +19805,13 @@
                     <a:lstStyle/>
                     <a:p>
                       <a:pPr algn="ctr"/>
-                      <a:endParaRPr lang="ru-RU" dirty="0"/>
+                      <a:r>
+                        <a:rPr lang="ru-RU" sz="2000" dirty="0"/>
+                        <a:t>+</a:t>
+                      </a:r>
                     </a:p>
                   </a:txBody>
-                  <a:tcPr/>
+                  <a:tcPr anchor="ctr"/>
                 </a:tc>
                 <a:tc>
                   <a:txBody>
@@ -19751,10 +19819,13 @@
                     <a:lstStyle/>
                     <a:p>
                       <a:pPr algn="ctr"/>
-                      <a:endParaRPr lang="ru-RU" dirty="0"/>
+                      <a:r>
+                        <a:rPr lang="ru-RU" sz="2000" dirty="0"/>
+                        <a:t>+</a:t>
+                      </a:r>
                     </a:p>
                   </a:txBody>
-                  <a:tcPr/>
+                  <a:tcPr anchor="ctr"/>
                 </a:tc>
                 <a:tc>
                   <a:txBody>
@@ -19762,10 +19833,13 @@
                     <a:lstStyle/>
                     <a:p>
                       <a:pPr algn="ctr"/>
-                      <a:endParaRPr lang="ru-RU" dirty="0"/>
+                      <a:r>
+                        <a:rPr lang="ru-RU" sz="2000" dirty="0"/>
+                        <a:t>-</a:t>
+                      </a:r>
                     </a:p>
                   </a:txBody>
-                  <a:tcPr/>
+                  <a:tcPr anchor="ctr"/>
                 </a:tc>
                 <a:tc>
                   <a:txBody>
@@ -19789,10 +19863,13 @@
                         <a:tabLst/>
                         <a:defRPr/>
                       </a:pPr>
-                      <a:endParaRPr lang="ru-RU" sz="1800" dirty="0"/>
+                      <a:r>
+                        <a:rPr lang="ru-RU" sz="2000" dirty="0"/>
+                        <a:t>+</a:t>
+                      </a:r>
                     </a:p>
                   </a:txBody>
-                  <a:tcPr/>
+                  <a:tcPr anchor="ctr"/>
                 </a:tc>
                 <a:tc>
                   <a:txBody>
@@ -19800,10 +19877,13 @@
                     <a:lstStyle/>
                     <a:p>
                       <a:pPr algn="ctr"/>
-                      <a:endParaRPr lang="ru-RU" dirty="0"/>
+                      <a:r>
+                        <a:rPr lang="ru-RU" sz="2000" dirty="0"/>
+                        <a:t>+</a:t>
+                      </a:r>
                     </a:p>
                   </a:txBody>
-                  <a:tcPr>
+                  <a:tcPr anchor="ctr">
                     <a:lnR w="12700" cap="flat" cmpd="sng" algn="ctr">
                       <a:noFill/>
                       <a:prstDash val="solid"/>
@@ -19848,10 +19928,13 @@
                     <a:lstStyle/>
                     <a:p>
                       <a:pPr algn="ctr"/>
-                      <a:endParaRPr lang="ru-RU" dirty="0"/>
+                      <a:r>
+                        <a:rPr lang="ru-RU" sz="2000" dirty="0"/>
+                        <a:t>+</a:t>
+                      </a:r>
                     </a:p>
                   </a:txBody>
-                  <a:tcPr/>
+                  <a:tcPr anchor="ctr"/>
                 </a:tc>
                 <a:tc>
                   <a:txBody>
@@ -19876,13 +19959,12 @@
                         <a:defRPr/>
                       </a:pPr>
                       <a:r>
-                        <a:rPr lang="ru-RU" sz="2400" dirty="0"/>
+                        <a:rPr lang="ru-RU" sz="2000" dirty="0"/>
                         <a:t>±</a:t>
                       </a:r>
-                      <a:endParaRPr lang="ru-RU" sz="1800" dirty="0"/>
                     </a:p>
                   </a:txBody>
-                  <a:tcPr/>
+                  <a:tcPr anchor="ctr"/>
                 </a:tc>
                 <a:tc>
                   <a:txBody>
@@ -19890,10 +19972,13 @@
                     <a:lstStyle/>
                     <a:p>
                       <a:pPr algn="ctr"/>
-                      <a:endParaRPr lang="ru-RU" dirty="0"/>
+                      <a:r>
+                        <a:rPr lang="ru-RU" sz="2000" dirty="0"/>
+                        <a:t>+</a:t>
+                      </a:r>
                     </a:p>
                   </a:txBody>
-                  <a:tcPr/>
+                  <a:tcPr anchor="ctr"/>
                 </a:tc>
                 <a:tc>
                   <a:txBody>
@@ -19917,10 +20002,13 @@
                         <a:tabLst/>
                         <a:defRPr/>
                       </a:pPr>
-                      <a:endParaRPr lang="ru-RU" sz="1800" dirty="0"/>
+                      <a:r>
+                        <a:rPr lang="ru-RU" sz="2000" dirty="0"/>
+                        <a:t>-</a:t>
+                      </a:r>
                     </a:p>
                   </a:txBody>
-                  <a:tcPr/>
+                  <a:tcPr anchor="ctr"/>
                 </a:tc>
                 <a:tc>
                   <a:txBody>
@@ -19928,10 +20016,13 @@
                     <a:lstStyle/>
                     <a:p>
                       <a:pPr algn="ctr"/>
-                      <a:endParaRPr lang="ru-RU" dirty="0"/>
+                      <a:r>
+                        <a:rPr lang="ru-RU" sz="2000" dirty="0"/>
+                        <a:t>+</a:t>
+                      </a:r>
                     </a:p>
                   </a:txBody>
-                  <a:tcPr/>
+                  <a:tcPr anchor="ctr"/>
                 </a:tc>
                 <a:tc>
                   <a:txBody>
@@ -19939,10 +20030,13 @@
                     <a:lstStyle/>
                     <a:p>
                       <a:pPr algn="ctr"/>
-                      <a:endParaRPr lang="ru-RU" dirty="0"/>
+                      <a:r>
+                        <a:rPr lang="ru-RU" sz="2000" dirty="0"/>
+                        <a:t>+</a:t>
+                      </a:r>
                     </a:p>
                   </a:txBody>
-                  <a:tcPr>
+                  <a:tcPr anchor="ctr">
                     <a:lnR w="12700" cap="flat" cmpd="sng" algn="ctr">
                       <a:noFill/>
                       <a:prstDash val="solid"/>
@@ -19991,10 +20085,13 @@
                     <a:lstStyle/>
                     <a:p>
                       <a:pPr algn="ctr"/>
-                      <a:endParaRPr lang="ru-RU" dirty="0"/>
+                      <a:r>
+                        <a:rPr lang="ru-RU" sz="2000" dirty="0"/>
+                        <a:t>+</a:t>
+                      </a:r>
                     </a:p>
                   </a:txBody>
-                  <a:tcPr/>
+                  <a:tcPr anchor="ctr"/>
                 </a:tc>
                 <a:tc>
                   <a:txBody>
@@ -20002,10 +20099,13 @@
                     <a:lstStyle/>
                     <a:p>
                       <a:pPr algn="ctr"/>
-                      <a:endParaRPr lang="ru-RU" dirty="0"/>
+                      <a:r>
+                        <a:rPr lang="ru-RU" sz="2000" dirty="0"/>
+                        <a:t>+</a:t>
+                      </a:r>
                     </a:p>
                   </a:txBody>
-                  <a:tcPr/>
+                  <a:tcPr anchor="ctr"/>
                 </a:tc>
                 <a:tc>
                   <a:txBody>
@@ -20013,10 +20113,13 @@
                     <a:lstStyle/>
                     <a:p>
                       <a:pPr algn="ctr"/>
-                      <a:endParaRPr lang="ru-RU" dirty="0"/>
+                      <a:r>
+                        <a:rPr lang="ru-RU" sz="2000" dirty="0"/>
+                        <a:t>+</a:t>
+                      </a:r>
                     </a:p>
                   </a:txBody>
-                  <a:tcPr/>
+                  <a:tcPr anchor="ctr"/>
                 </a:tc>
                 <a:tc>
                   <a:txBody>
@@ -20024,10 +20127,13 @@
                     <a:lstStyle/>
                     <a:p>
                       <a:pPr algn="ctr"/>
-                      <a:endParaRPr lang="ru-RU" dirty="0"/>
+                      <a:r>
+                        <a:rPr lang="ru-RU" sz="2000" dirty="0"/>
+                        <a:t>+</a:t>
+                      </a:r>
                     </a:p>
                   </a:txBody>
-                  <a:tcPr/>
+                  <a:tcPr anchor="ctr"/>
                 </a:tc>
                 <a:tc>
                   <a:txBody>
@@ -20035,10 +20141,13 @@
                     <a:lstStyle/>
                     <a:p>
                       <a:pPr algn="ctr"/>
-                      <a:endParaRPr lang="ru-RU" dirty="0"/>
+                      <a:r>
+                        <a:rPr lang="ru-RU" sz="2000" dirty="0"/>
+                        <a:t>+</a:t>
+                      </a:r>
                     </a:p>
                   </a:txBody>
-                  <a:tcPr/>
+                  <a:tcPr anchor="ctr"/>
                 </a:tc>
                 <a:tc>
                   <a:txBody>
@@ -20046,10 +20155,13 @@
                     <a:lstStyle/>
                     <a:p>
                       <a:pPr algn="ctr"/>
-                      <a:endParaRPr lang="ru-RU" dirty="0"/>
+                      <a:r>
+                        <a:rPr lang="ru-RU" sz="2000" dirty="0"/>
+                        <a:t>-</a:t>
+                      </a:r>
                     </a:p>
                   </a:txBody>
-                  <a:tcPr>
+                  <a:tcPr anchor="ctr">
                     <a:lnR w="12700" cap="flat" cmpd="sng" algn="ctr">
                       <a:noFill/>
                       <a:prstDash val="solid"/>
@@ -20065,7 +20177,7 @@
                   </a:ext>
                 </a:extLst>
               </a:tr>
-              <a:tr h="370840">
+              <a:tr h="0">
                 <a:tc>
                   <a:txBody>
                     <a:bodyPr/>
@@ -20094,10 +20206,13 @@
                     <a:lstStyle/>
                     <a:p>
                       <a:pPr algn="ctr"/>
-                      <a:endParaRPr lang="ru-RU" dirty="0"/>
+                      <a:r>
+                        <a:rPr lang="ru-RU" sz="2000" dirty="0"/>
+                        <a:t>-</a:t>
+                      </a:r>
                     </a:p>
                   </a:txBody>
-                  <a:tcPr/>
+                  <a:tcPr anchor="ctr"/>
                 </a:tc>
                 <a:tc>
                   <a:txBody>
@@ -20105,10 +20220,13 @@
                     <a:lstStyle/>
                     <a:p>
                       <a:pPr algn="ctr"/>
-                      <a:endParaRPr lang="ru-RU" dirty="0"/>
+                      <a:r>
+                        <a:rPr lang="ru-RU" sz="2000" dirty="0"/>
+                        <a:t>-</a:t>
+                      </a:r>
                     </a:p>
                   </a:txBody>
-                  <a:tcPr/>
+                  <a:tcPr anchor="ctr"/>
                 </a:tc>
                 <a:tc>
                   <a:txBody>
@@ -20116,10 +20234,13 @@
                     <a:lstStyle/>
                     <a:p>
                       <a:pPr algn="ctr"/>
-                      <a:endParaRPr lang="ru-RU" dirty="0"/>
+                      <a:r>
+                        <a:rPr lang="ru-RU" sz="2000" dirty="0"/>
+                        <a:t>-</a:t>
+                      </a:r>
                     </a:p>
                   </a:txBody>
-                  <a:tcPr/>
+                  <a:tcPr anchor="ctr"/>
                 </a:tc>
                 <a:tc>
                   <a:txBody>
@@ -20127,10 +20248,13 @@
                     <a:lstStyle/>
                     <a:p>
                       <a:pPr algn="ctr"/>
-                      <a:endParaRPr lang="ru-RU" dirty="0"/>
+                      <a:r>
+                        <a:rPr lang="ru-RU" sz="2000" dirty="0"/>
+                        <a:t>+</a:t>
+                      </a:r>
                     </a:p>
                   </a:txBody>
-                  <a:tcPr/>
+                  <a:tcPr anchor="ctr"/>
                 </a:tc>
                 <a:tc>
                   <a:txBody>
@@ -20138,10 +20262,13 @@
                     <a:lstStyle/>
                     <a:p>
                       <a:pPr algn="ctr"/>
-                      <a:endParaRPr lang="ru-RU" dirty="0"/>
+                      <a:r>
+                        <a:rPr lang="ru-RU" sz="2000" dirty="0"/>
+                        <a:t>-</a:t>
+                      </a:r>
                     </a:p>
                   </a:txBody>
-                  <a:tcPr/>
+                  <a:tcPr anchor="ctr"/>
                 </a:tc>
                 <a:tc>
                   <a:txBody>
@@ -20149,10 +20276,13 @@
                     <a:lstStyle/>
                     <a:p>
                       <a:pPr algn="ctr"/>
-                      <a:endParaRPr lang="ru-RU" dirty="0"/>
+                      <a:r>
+                        <a:rPr lang="ru-RU" sz="2000" dirty="0"/>
+                        <a:t>+</a:t>
+                      </a:r>
                     </a:p>
                   </a:txBody>
-                  <a:tcPr>
+                  <a:tcPr anchor="ctr">
                     <a:lnR w="12700" cap="flat" cmpd="sng" algn="ctr">
                       <a:noFill/>
                       <a:prstDash val="solid"/>
@@ -20221,12 +20351,12 @@
                         <a:defRPr/>
                       </a:pPr>
                       <a:r>
-                        <a:rPr lang="ru-RU" sz="2400" dirty="0"/>
+                        <a:rPr lang="ru-RU" sz="2000" dirty="0"/>
                         <a:t>±</a:t>
                       </a:r>
                     </a:p>
                   </a:txBody>
-                  <a:tcPr>
+                  <a:tcPr anchor="ctr">
                     <a:lnB w="12700" cap="flat" cmpd="sng" algn="ctr">
                       <a:noFill/>
                       <a:prstDash val="solid"/>
@@ -20242,10 +20372,13 @@
                     <a:lstStyle/>
                     <a:p>
                       <a:pPr algn="ctr"/>
-                      <a:endParaRPr lang="ru-RU" dirty="0"/>
+                      <a:r>
+                        <a:rPr lang="ru-RU" sz="2000" dirty="0"/>
+                        <a:t>+</a:t>
+                      </a:r>
                     </a:p>
                   </a:txBody>
-                  <a:tcPr>
+                  <a:tcPr anchor="ctr">
                     <a:lnB w="12700" cap="flat" cmpd="sng" algn="ctr">
                       <a:noFill/>
                       <a:prstDash val="solid"/>
@@ -20261,10 +20394,13 @@
                     <a:lstStyle/>
                     <a:p>
                       <a:pPr algn="ctr"/>
-                      <a:endParaRPr lang="ru-RU" dirty="0"/>
+                      <a:r>
+                        <a:rPr lang="ru-RU" sz="2000" dirty="0"/>
+                        <a:t>+</a:t>
+                      </a:r>
                     </a:p>
                   </a:txBody>
-                  <a:tcPr>
+                  <a:tcPr anchor="ctr">
                     <a:lnB w="12700" cap="flat" cmpd="sng" algn="ctr">
                       <a:noFill/>
                       <a:prstDash val="solid"/>
@@ -20280,10 +20416,13 @@
                     <a:lstStyle/>
                     <a:p>
                       <a:pPr algn="ctr"/>
-                      <a:endParaRPr lang="ru-RU" dirty="0"/>
+                      <a:r>
+                        <a:rPr lang="ru-RU" sz="2000" dirty="0"/>
+                        <a:t>-</a:t>
+                      </a:r>
                     </a:p>
                   </a:txBody>
-                  <a:tcPr>
+                  <a:tcPr anchor="ctr">
                     <a:lnB w="12700" cap="flat" cmpd="sng" algn="ctr">
                       <a:noFill/>
                       <a:prstDash val="solid"/>
@@ -20299,10 +20438,13 @@
                     <a:lstStyle/>
                     <a:p>
                       <a:pPr algn="ctr"/>
-                      <a:endParaRPr lang="ru-RU" dirty="0"/>
+                      <a:r>
+                        <a:rPr lang="ru-RU" sz="2000" dirty="0"/>
+                        <a:t>+</a:t>
+                      </a:r>
                     </a:p>
                   </a:txBody>
-                  <a:tcPr>
+                  <a:tcPr anchor="ctr">
                     <a:lnB w="12700" cap="flat" cmpd="sng" algn="ctr">
                       <a:noFill/>
                       <a:prstDash val="solid"/>
@@ -20318,10 +20460,13 @@
                     <a:lstStyle/>
                     <a:p>
                       <a:pPr algn="ctr"/>
-                      <a:endParaRPr lang="ru-RU" dirty="0"/>
+                      <a:r>
+                        <a:rPr lang="ru-RU" sz="2000" dirty="0"/>
+                        <a:t>+</a:t>
+                      </a:r>
                     </a:p>
                   </a:txBody>
-                  <a:tcPr>
+                  <a:tcPr anchor="ctr">
                     <a:lnR w="12700" cap="flat" cmpd="sng" algn="ctr">
                       <a:noFill/>
                       <a:prstDash val="solid"/>
@@ -20475,1770 +20620,6 @@
           </a:p>
         </p:txBody>
       </p:sp>
-      <p:pic>
-        <p:nvPicPr>
-          <p:cNvPr id="4" name="Рисунок 3" descr="Закрыть со сплошной заливкой">
-            <a:extLst>
-              <a:ext uri="{FF2B5EF4-FFF2-40B4-BE49-F238E27FC236}">
-                <a16:creationId xmlns:a16="http://schemas.microsoft.com/office/drawing/2014/main" id="{86AA7D31-292E-EB69-7E1F-E5DB9B016150}"/>
-              </a:ext>
-            </a:extLst>
-          </p:cNvPr>
-          <p:cNvPicPr>
-            <a:picLocks noChangeAspect="1"/>
-          </p:cNvPicPr>
-          <p:nvPr/>
-        </p:nvPicPr>
-        <p:blipFill>
-          <a:blip r:embed="rId2">
-            <a:extLst>
-              <a:ext uri="{96DAC541-7B7A-43D3-8B79-37D633B846F1}">
-                <asvg:svgBlip xmlns:asvg="http://schemas.microsoft.com/office/drawing/2016/SVG/main" r:embed="rId3"/>
-              </a:ext>
-            </a:extLst>
-          </a:blip>
-          <a:stretch>
-            <a:fillRect/>
-          </a:stretch>
-        </p:blipFill>
-        <p:spPr>
-          <a:xfrm>
-            <a:off x="3735436" y="2351768"/>
-            <a:ext cx="215781" cy="215781"/>
-          </a:xfrm>
-          <a:prstGeom prst="rect">
-            <a:avLst/>
-          </a:prstGeom>
-        </p:spPr>
-      </p:pic>
-      <p:pic>
-        <p:nvPicPr>
-          <p:cNvPr id="8" name="Рисунок 7" descr="Закрыть со сплошной заливкой">
-            <a:extLst>
-              <a:ext uri="{FF2B5EF4-FFF2-40B4-BE49-F238E27FC236}">
-                <a16:creationId xmlns:a16="http://schemas.microsoft.com/office/drawing/2014/main" id="{C40543B2-F08C-BD57-A610-0177C24711AB}"/>
-              </a:ext>
-            </a:extLst>
-          </p:cNvPr>
-          <p:cNvPicPr>
-            <a:picLocks noChangeAspect="1"/>
-          </p:cNvPicPr>
-          <p:nvPr/>
-        </p:nvPicPr>
-        <p:blipFill>
-          <a:blip r:embed="rId2">
-            <a:extLst>
-              <a:ext uri="{96DAC541-7B7A-43D3-8B79-37D633B846F1}">
-                <asvg:svgBlip xmlns:asvg="http://schemas.microsoft.com/office/drawing/2016/SVG/main" r:embed="rId3"/>
-              </a:ext>
-            </a:extLst>
-          </a:blip>
-          <a:stretch>
-            <a:fillRect/>
-          </a:stretch>
-        </p:blipFill>
-        <p:spPr>
-          <a:xfrm>
-            <a:off x="3735437" y="2734508"/>
-            <a:ext cx="215781" cy="215781"/>
-          </a:xfrm>
-          <a:prstGeom prst="rect">
-            <a:avLst/>
-          </a:prstGeom>
-        </p:spPr>
-      </p:pic>
-      <p:pic>
-        <p:nvPicPr>
-          <p:cNvPr id="9" name="Рисунок 8" descr="Закрыть со сплошной заливкой">
-            <a:extLst>
-              <a:ext uri="{FF2B5EF4-FFF2-40B4-BE49-F238E27FC236}">
-                <a16:creationId xmlns:a16="http://schemas.microsoft.com/office/drawing/2014/main" id="{BFCA3A71-2DE1-E221-264B-BD24F60E1DC2}"/>
-              </a:ext>
-            </a:extLst>
-          </p:cNvPr>
-          <p:cNvPicPr>
-            <a:picLocks noChangeAspect="1"/>
-          </p:cNvPicPr>
-          <p:nvPr/>
-        </p:nvPicPr>
-        <p:blipFill>
-          <a:blip r:embed="rId2">
-            <a:extLst>
-              <a:ext uri="{96DAC541-7B7A-43D3-8B79-37D633B846F1}">
-                <asvg:svgBlip xmlns:asvg="http://schemas.microsoft.com/office/drawing/2016/SVG/main" r:embed="rId3"/>
-              </a:ext>
-            </a:extLst>
-          </a:blip>
-          <a:stretch>
-            <a:fillRect/>
-          </a:stretch>
-        </p:blipFill>
-        <p:spPr>
-          <a:xfrm>
-            <a:off x="3736543" y="5789295"/>
-            <a:ext cx="215781" cy="215781"/>
-          </a:xfrm>
-          <a:prstGeom prst="rect">
-            <a:avLst/>
-          </a:prstGeom>
-        </p:spPr>
-      </p:pic>
-      <p:pic>
-        <p:nvPicPr>
-          <p:cNvPr id="10" name="Рисунок 9" descr="Закрыть со сплошной заливкой">
-            <a:extLst>
-              <a:ext uri="{FF2B5EF4-FFF2-40B4-BE49-F238E27FC236}">
-                <a16:creationId xmlns:a16="http://schemas.microsoft.com/office/drawing/2014/main" id="{A3703FC5-E312-7B02-88A4-42A004E1C940}"/>
-              </a:ext>
-            </a:extLst>
-          </p:cNvPr>
-          <p:cNvPicPr>
-            <a:picLocks noChangeAspect="1"/>
-          </p:cNvPicPr>
-          <p:nvPr/>
-        </p:nvPicPr>
-        <p:blipFill>
-          <a:blip r:embed="rId2">
-            <a:extLst>
-              <a:ext uri="{96DAC541-7B7A-43D3-8B79-37D633B846F1}">
-                <asvg:svgBlip xmlns:asvg="http://schemas.microsoft.com/office/drawing/2016/SVG/main" r:embed="rId3"/>
-              </a:ext>
-            </a:extLst>
-          </a:blip>
-          <a:stretch>
-            <a:fillRect/>
-          </a:stretch>
-        </p:blipFill>
-        <p:spPr>
-          <a:xfrm>
-            <a:off x="5011395" y="2696910"/>
-            <a:ext cx="215781" cy="215781"/>
-          </a:xfrm>
-          <a:prstGeom prst="rect">
-            <a:avLst/>
-          </a:prstGeom>
-        </p:spPr>
-      </p:pic>
-      <p:pic>
-        <p:nvPicPr>
-          <p:cNvPr id="11" name="Рисунок 10" descr="Закрыть со сплошной заливкой">
-            <a:extLst>
-              <a:ext uri="{FF2B5EF4-FFF2-40B4-BE49-F238E27FC236}">
-                <a16:creationId xmlns:a16="http://schemas.microsoft.com/office/drawing/2014/main" id="{4F9CFF29-D0CA-0E43-C6B5-274869C515D4}"/>
-              </a:ext>
-            </a:extLst>
-          </p:cNvPr>
-          <p:cNvPicPr>
-            <a:picLocks noChangeAspect="1"/>
-          </p:cNvPicPr>
-          <p:nvPr/>
-        </p:nvPicPr>
-        <p:blipFill>
-          <a:blip r:embed="rId2">
-            <a:extLst>
-              <a:ext uri="{96DAC541-7B7A-43D3-8B79-37D633B846F1}">
-                <asvg:svgBlip xmlns:asvg="http://schemas.microsoft.com/office/drawing/2016/SVG/main" r:embed="rId3"/>
-              </a:ext>
-            </a:extLst>
-          </a:blip>
-          <a:stretch>
-            <a:fillRect/>
-          </a:stretch>
-        </p:blipFill>
-        <p:spPr>
-          <a:xfrm>
-            <a:off x="5011393" y="5788804"/>
-            <a:ext cx="215781" cy="215781"/>
-          </a:xfrm>
-          <a:prstGeom prst="rect">
-            <a:avLst/>
-          </a:prstGeom>
-        </p:spPr>
-      </p:pic>
-      <p:pic>
-        <p:nvPicPr>
-          <p:cNvPr id="12" name="Рисунок 11" descr="Закрыть со сплошной заливкой">
-            <a:extLst>
-              <a:ext uri="{FF2B5EF4-FFF2-40B4-BE49-F238E27FC236}">
-                <a16:creationId xmlns:a16="http://schemas.microsoft.com/office/drawing/2014/main" id="{25E22FDD-5F30-3F36-2010-10D3E13C7EBB}"/>
-              </a:ext>
-            </a:extLst>
-          </p:cNvPr>
-          <p:cNvPicPr>
-            <a:picLocks noChangeAspect="1"/>
-          </p:cNvPicPr>
-          <p:nvPr/>
-        </p:nvPicPr>
-        <p:blipFill>
-          <a:blip r:embed="rId2">
-            <a:extLst>
-              <a:ext uri="{96DAC541-7B7A-43D3-8B79-37D633B846F1}">
-                <asvg:svgBlip xmlns:asvg="http://schemas.microsoft.com/office/drawing/2016/SVG/main" r:embed="rId3"/>
-              </a:ext>
-            </a:extLst>
-          </a:blip>
-          <a:stretch>
-            <a:fillRect/>
-          </a:stretch>
-        </p:blipFill>
-        <p:spPr>
-          <a:xfrm>
-            <a:off x="6318902" y="3213219"/>
-            <a:ext cx="215781" cy="215781"/>
-          </a:xfrm>
-          <a:prstGeom prst="rect">
-            <a:avLst/>
-          </a:prstGeom>
-        </p:spPr>
-      </p:pic>
-      <p:pic>
-        <p:nvPicPr>
-          <p:cNvPr id="13" name="Рисунок 12" descr="Закрыть со сплошной заливкой">
-            <a:extLst>
-              <a:ext uri="{FF2B5EF4-FFF2-40B4-BE49-F238E27FC236}">
-                <a16:creationId xmlns:a16="http://schemas.microsoft.com/office/drawing/2014/main" id="{B48B63B4-015D-A952-491D-09955ECA0B9E}"/>
-              </a:ext>
-            </a:extLst>
-          </p:cNvPr>
-          <p:cNvPicPr>
-            <a:picLocks noChangeAspect="1"/>
-          </p:cNvPicPr>
-          <p:nvPr/>
-        </p:nvPicPr>
-        <p:blipFill>
-          <a:blip r:embed="rId2">
-            <a:extLst>
-              <a:ext uri="{96DAC541-7B7A-43D3-8B79-37D633B846F1}">
-                <asvg:svgBlip xmlns:asvg="http://schemas.microsoft.com/office/drawing/2016/SVG/main" r:embed="rId3"/>
-              </a:ext>
-            </a:extLst>
-          </a:blip>
-          <a:stretch>
-            <a:fillRect/>
-          </a:stretch>
-        </p:blipFill>
-        <p:spPr>
-          <a:xfrm>
-            <a:off x="6318901" y="5788803"/>
-            <a:ext cx="215781" cy="215781"/>
-          </a:xfrm>
-          <a:prstGeom prst="rect">
-            <a:avLst/>
-          </a:prstGeom>
-        </p:spPr>
-      </p:pic>
-      <p:pic>
-        <p:nvPicPr>
-          <p:cNvPr id="15" name="Рисунок 14" descr="Закрыть со сплошной заливкой">
-            <a:extLst>
-              <a:ext uri="{FF2B5EF4-FFF2-40B4-BE49-F238E27FC236}">
-                <a16:creationId xmlns:a16="http://schemas.microsoft.com/office/drawing/2014/main" id="{01353126-D072-C891-D618-9136C16465AC}"/>
-              </a:ext>
-            </a:extLst>
-          </p:cNvPr>
-          <p:cNvPicPr>
-            <a:picLocks noChangeAspect="1"/>
-          </p:cNvPicPr>
-          <p:nvPr/>
-        </p:nvPicPr>
-        <p:blipFill>
-          <a:blip r:embed="rId2">
-            <a:extLst>
-              <a:ext uri="{96DAC541-7B7A-43D3-8B79-37D633B846F1}">
-                <asvg:svgBlip xmlns:asvg="http://schemas.microsoft.com/office/drawing/2016/SVG/main" r:embed="rId3"/>
-              </a:ext>
-            </a:extLst>
-          </a:blip>
-          <a:stretch>
-            <a:fillRect/>
-          </a:stretch>
-        </p:blipFill>
-        <p:spPr>
-          <a:xfrm>
-            <a:off x="7796406" y="2339411"/>
-            <a:ext cx="215781" cy="215781"/>
-          </a:xfrm>
-          <a:prstGeom prst="rect">
-            <a:avLst/>
-          </a:prstGeom>
-        </p:spPr>
-      </p:pic>
-      <p:pic>
-        <p:nvPicPr>
-          <p:cNvPr id="16" name="Рисунок 15" descr="Закрыть со сплошной заливкой">
-            <a:extLst>
-              <a:ext uri="{FF2B5EF4-FFF2-40B4-BE49-F238E27FC236}">
-                <a16:creationId xmlns:a16="http://schemas.microsoft.com/office/drawing/2014/main" id="{2F06E7AA-AE3A-0297-9936-06D16A9DCA6C}"/>
-              </a:ext>
-            </a:extLst>
-          </p:cNvPr>
-          <p:cNvPicPr>
-            <a:picLocks noChangeAspect="1"/>
-          </p:cNvPicPr>
-          <p:nvPr/>
-        </p:nvPicPr>
-        <p:blipFill>
-          <a:blip r:embed="rId2">
-            <a:extLst>
-              <a:ext uri="{96DAC541-7B7A-43D3-8B79-37D633B846F1}">
-                <asvg:svgBlip xmlns:asvg="http://schemas.microsoft.com/office/drawing/2016/SVG/main" r:embed="rId3"/>
-              </a:ext>
-            </a:extLst>
-          </a:blip>
-          <a:stretch>
-            <a:fillRect/>
-          </a:stretch>
-        </p:blipFill>
-        <p:spPr>
-          <a:xfrm>
-            <a:off x="7796404" y="2714460"/>
-            <a:ext cx="215781" cy="215781"/>
-          </a:xfrm>
-          <a:prstGeom prst="rect">
-            <a:avLst/>
-          </a:prstGeom>
-        </p:spPr>
-      </p:pic>
-      <p:pic>
-        <p:nvPicPr>
-          <p:cNvPr id="17" name="Рисунок 16" descr="Закрыть со сплошной заливкой">
-            <a:extLst>
-              <a:ext uri="{FF2B5EF4-FFF2-40B4-BE49-F238E27FC236}">
-                <a16:creationId xmlns:a16="http://schemas.microsoft.com/office/drawing/2014/main" id="{FAF8D452-9EFC-D872-5378-2B99ABF06EAD}"/>
-              </a:ext>
-            </a:extLst>
-          </p:cNvPr>
-          <p:cNvPicPr>
-            <a:picLocks noChangeAspect="1"/>
-          </p:cNvPicPr>
-          <p:nvPr/>
-        </p:nvPicPr>
-        <p:blipFill>
-          <a:blip r:embed="rId2">
-            <a:extLst>
-              <a:ext uri="{96DAC541-7B7A-43D3-8B79-37D633B846F1}">
-                <asvg:svgBlip xmlns:asvg="http://schemas.microsoft.com/office/drawing/2016/SVG/main" r:embed="rId3"/>
-              </a:ext>
-            </a:extLst>
-          </a:blip>
-          <a:stretch>
-            <a:fillRect/>
-          </a:stretch>
-        </p:blipFill>
-        <p:spPr>
-          <a:xfrm>
-            <a:off x="7812219" y="4417806"/>
-            <a:ext cx="215781" cy="215781"/>
-          </a:xfrm>
-          <a:prstGeom prst="rect">
-            <a:avLst/>
-          </a:prstGeom>
-        </p:spPr>
-      </p:pic>
-      <p:pic>
-        <p:nvPicPr>
-          <p:cNvPr id="18" name="Рисунок 17" descr="Закрыть со сплошной заливкой">
-            <a:extLst>
-              <a:ext uri="{FF2B5EF4-FFF2-40B4-BE49-F238E27FC236}">
-                <a16:creationId xmlns:a16="http://schemas.microsoft.com/office/drawing/2014/main" id="{685AF169-1652-DE87-B466-D53E1EABB84A}"/>
-              </a:ext>
-            </a:extLst>
-          </p:cNvPr>
-          <p:cNvPicPr>
-            <a:picLocks noChangeAspect="1"/>
-          </p:cNvPicPr>
-          <p:nvPr/>
-        </p:nvPicPr>
-        <p:blipFill>
-          <a:blip r:embed="rId2">
-            <a:extLst>
-              <a:ext uri="{96DAC541-7B7A-43D3-8B79-37D633B846F1}">
-                <asvg:svgBlip xmlns:asvg="http://schemas.microsoft.com/office/drawing/2016/SVG/main" r:embed="rId3"/>
-              </a:ext>
-            </a:extLst>
-          </a:blip>
-          <a:stretch>
-            <a:fillRect/>
-          </a:stretch>
-        </p:blipFill>
-        <p:spPr>
-          <a:xfrm>
-            <a:off x="7822757" y="6329960"/>
-            <a:ext cx="215781" cy="215781"/>
-          </a:xfrm>
-          <a:prstGeom prst="rect">
-            <a:avLst/>
-          </a:prstGeom>
-        </p:spPr>
-      </p:pic>
-      <p:pic>
-        <p:nvPicPr>
-          <p:cNvPr id="19" name="Рисунок 18" descr="Закрыть со сплошной заливкой">
-            <a:extLst>
-              <a:ext uri="{FF2B5EF4-FFF2-40B4-BE49-F238E27FC236}">
-                <a16:creationId xmlns:a16="http://schemas.microsoft.com/office/drawing/2014/main" id="{EF075563-11D4-C7ED-B086-F1011A80679A}"/>
-              </a:ext>
-            </a:extLst>
-          </p:cNvPr>
-          <p:cNvPicPr>
-            <a:picLocks noChangeAspect="1"/>
-          </p:cNvPicPr>
-          <p:nvPr/>
-        </p:nvPicPr>
-        <p:blipFill>
-          <a:blip r:embed="rId2">
-            <a:extLst>
-              <a:ext uri="{96DAC541-7B7A-43D3-8B79-37D633B846F1}">
-                <asvg:svgBlip xmlns:asvg="http://schemas.microsoft.com/office/drawing/2016/SVG/main" r:embed="rId3"/>
-              </a:ext>
-            </a:extLst>
-          </a:blip>
-          <a:stretch>
-            <a:fillRect/>
-          </a:stretch>
-        </p:blipFill>
-        <p:spPr>
-          <a:xfrm>
-            <a:off x="9288143" y="2722191"/>
-            <a:ext cx="215781" cy="215781"/>
-          </a:xfrm>
-          <a:prstGeom prst="rect">
-            <a:avLst/>
-          </a:prstGeom>
-        </p:spPr>
-      </p:pic>
-      <p:pic>
-        <p:nvPicPr>
-          <p:cNvPr id="21" name="Рисунок 20" descr="Закрыть со сплошной заливкой">
-            <a:extLst>
-              <a:ext uri="{FF2B5EF4-FFF2-40B4-BE49-F238E27FC236}">
-                <a16:creationId xmlns:a16="http://schemas.microsoft.com/office/drawing/2014/main" id="{7657093B-EBBA-D6A2-5BBA-40CC965A6059}"/>
-              </a:ext>
-            </a:extLst>
-          </p:cNvPr>
-          <p:cNvPicPr>
-            <a:picLocks noChangeAspect="1"/>
-          </p:cNvPicPr>
-          <p:nvPr/>
-        </p:nvPicPr>
-        <p:blipFill>
-          <a:blip r:embed="rId2">
-            <a:extLst>
-              <a:ext uri="{96DAC541-7B7A-43D3-8B79-37D633B846F1}">
-                <asvg:svgBlip xmlns:asvg="http://schemas.microsoft.com/office/drawing/2016/SVG/main" r:embed="rId3"/>
-              </a:ext>
-            </a:extLst>
-          </a:blip>
-          <a:stretch>
-            <a:fillRect/>
-          </a:stretch>
-        </p:blipFill>
-        <p:spPr>
-          <a:xfrm>
-            <a:off x="9298072" y="5787915"/>
-            <a:ext cx="215781" cy="215781"/>
-          </a:xfrm>
-          <a:prstGeom prst="rect">
-            <a:avLst/>
-          </a:prstGeom>
-        </p:spPr>
-      </p:pic>
-      <p:pic>
-        <p:nvPicPr>
-          <p:cNvPr id="23" name="Рисунок 22" descr="Закрыть со сплошной заливкой">
-            <a:extLst>
-              <a:ext uri="{FF2B5EF4-FFF2-40B4-BE49-F238E27FC236}">
-                <a16:creationId xmlns:a16="http://schemas.microsoft.com/office/drawing/2014/main" id="{1857BCA0-9B3E-1CCE-A9B6-DC3D153D3355}"/>
-              </a:ext>
-            </a:extLst>
-          </p:cNvPr>
-          <p:cNvPicPr>
-            <a:picLocks noChangeAspect="1"/>
-          </p:cNvPicPr>
-          <p:nvPr/>
-        </p:nvPicPr>
-        <p:blipFill>
-          <a:blip r:embed="rId2">
-            <a:extLst>
-              <a:ext uri="{96DAC541-7B7A-43D3-8B79-37D633B846F1}">
-                <asvg:svgBlip xmlns:asvg="http://schemas.microsoft.com/office/drawing/2016/SVG/main" r:embed="rId3"/>
-              </a:ext>
-            </a:extLst>
-          </a:blip>
-          <a:stretch>
-            <a:fillRect/>
-          </a:stretch>
-        </p:blipFill>
-        <p:spPr>
-          <a:xfrm>
-            <a:off x="10978847" y="5256595"/>
-            <a:ext cx="215781" cy="215781"/>
-          </a:xfrm>
-          <a:prstGeom prst="rect">
-            <a:avLst/>
-          </a:prstGeom>
-        </p:spPr>
-      </p:pic>
-      <p:pic>
-        <p:nvPicPr>
-          <p:cNvPr id="25" name="Рисунок 24" descr="Флажок со сплошной заливкой">
-            <a:extLst>
-              <a:ext uri="{FF2B5EF4-FFF2-40B4-BE49-F238E27FC236}">
-                <a16:creationId xmlns:a16="http://schemas.microsoft.com/office/drawing/2014/main" id="{E0118C6C-11DA-97E1-6D37-AF9B3CB1F891}"/>
-              </a:ext>
-            </a:extLst>
-          </p:cNvPr>
-          <p:cNvPicPr>
-            <a:picLocks noChangeAspect="1"/>
-          </p:cNvPicPr>
-          <p:nvPr/>
-        </p:nvPicPr>
-        <p:blipFill>
-          <a:blip r:embed="rId4">
-            <a:extLst>
-              <a:ext uri="{96DAC541-7B7A-43D3-8B79-37D633B846F1}">
-                <asvg:svgBlip xmlns:asvg="http://schemas.microsoft.com/office/drawing/2016/SVG/main" r:embed="rId5"/>
-              </a:ext>
-            </a:extLst>
-          </a:blip>
-          <a:stretch>
-            <a:fillRect/>
-          </a:stretch>
-        </p:blipFill>
-        <p:spPr>
-          <a:xfrm>
-            <a:off x="5011395" y="2339411"/>
-            <a:ext cx="215781" cy="215781"/>
-          </a:xfrm>
-          <a:prstGeom prst="rect">
-            <a:avLst/>
-          </a:prstGeom>
-        </p:spPr>
-      </p:pic>
-      <p:pic>
-        <p:nvPicPr>
-          <p:cNvPr id="26" name="Рисунок 25" descr="Флажок со сплошной заливкой">
-            <a:extLst>
-              <a:ext uri="{FF2B5EF4-FFF2-40B4-BE49-F238E27FC236}">
-                <a16:creationId xmlns:a16="http://schemas.microsoft.com/office/drawing/2014/main" id="{102550EE-0B40-F6F0-D8A1-9BEE58FB0C28}"/>
-              </a:ext>
-            </a:extLst>
-          </p:cNvPr>
-          <p:cNvPicPr>
-            <a:picLocks noChangeAspect="1"/>
-          </p:cNvPicPr>
-          <p:nvPr/>
-        </p:nvPicPr>
-        <p:blipFill>
-          <a:blip r:embed="rId4">
-            <a:extLst>
-              <a:ext uri="{96DAC541-7B7A-43D3-8B79-37D633B846F1}">
-                <asvg:svgBlip xmlns:asvg="http://schemas.microsoft.com/office/drawing/2016/SVG/main" r:embed="rId5"/>
-              </a:ext>
-            </a:extLst>
-          </a:blip>
-          <a:stretch>
-            <a:fillRect/>
-          </a:stretch>
-        </p:blipFill>
-        <p:spPr>
-          <a:xfrm>
-            <a:off x="3736543" y="3857187"/>
-            <a:ext cx="215781" cy="215781"/>
-          </a:xfrm>
-          <a:prstGeom prst="rect">
-            <a:avLst/>
-          </a:prstGeom>
-        </p:spPr>
-      </p:pic>
-      <p:pic>
-        <p:nvPicPr>
-          <p:cNvPr id="28" name="Рисунок 27" descr="Флажок со сплошной заливкой">
-            <a:extLst>
-              <a:ext uri="{FF2B5EF4-FFF2-40B4-BE49-F238E27FC236}">
-                <a16:creationId xmlns:a16="http://schemas.microsoft.com/office/drawing/2014/main" id="{C360B48E-63D1-A07E-5B7B-97D2FAF8EEFE}"/>
-              </a:ext>
-            </a:extLst>
-          </p:cNvPr>
-          <p:cNvPicPr>
-            <a:picLocks noChangeAspect="1"/>
-          </p:cNvPicPr>
-          <p:nvPr/>
-        </p:nvPicPr>
-        <p:blipFill>
-          <a:blip r:embed="rId4">
-            <a:extLst>
-              <a:ext uri="{96DAC541-7B7A-43D3-8B79-37D633B846F1}">
-                <asvg:svgBlip xmlns:asvg="http://schemas.microsoft.com/office/drawing/2016/SVG/main" r:embed="rId5"/>
-              </a:ext>
-            </a:extLst>
-          </a:blip>
-          <a:stretch>
-            <a:fillRect/>
-          </a:stretch>
-        </p:blipFill>
-        <p:spPr>
-          <a:xfrm>
-            <a:off x="3739494" y="4861498"/>
-            <a:ext cx="215781" cy="215781"/>
-          </a:xfrm>
-          <a:prstGeom prst="rect">
-            <a:avLst/>
-          </a:prstGeom>
-        </p:spPr>
-      </p:pic>
-      <p:pic>
-        <p:nvPicPr>
-          <p:cNvPr id="29" name="Рисунок 28" descr="Флажок со сплошной заливкой">
-            <a:extLst>
-              <a:ext uri="{FF2B5EF4-FFF2-40B4-BE49-F238E27FC236}">
-                <a16:creationId xmlns:a16="http://schemas.microsoft.com/office/drawing/2014/main" id="{69D42C3A-DFCA-8360-D393-0394CB8ACEC5}"/>
-              </a:ext>
-            </a:extLst>
-          </p:cNvPr>
-          <p:cNvPicPr>
-            <a:picLocks noChangeAspect="1"/>
-          </p:cNvPicPr>
-          <p:nvPr/>
-        </p:nvPicPr>
-        <p:blipFill>
-          <a:blip r:embed="rId4">
-            <a:extLst>
-              <a:ext uri="{96DAC541-7B7A-43D3-8B79-37D633B846F1}">
-                <asvg:svgBlip xmlns:asvg="http://schemas.microsoft.com/office/drawing/2016/SVG/main" r:embed="rId5"/>
-              </a:ext>
-            </a:extLst>
-          </a:blip>
-          <a:stretch>
-            <a:fillRect/>
-          </a:stretch>
-        </p:blipFill>
-        <p:spPr>
-          <a:xfrm>
-            <a:off x="3736543" y="5256595"/>
-            <a:ext cx="215781" cy="215781"/>
-          </a:xfrm>
-          <a:prstGeom prst="rect">
-            <a:avLst/>
-          </a:prstGeom>
-        </p:spPr>
-      </p:pic>
-      <p:pic>
-        <p:nvPicPr>
-          <p:cNvPr id="30" name="Рисунок 29" descr="Флажок со сплошной заливкой">
-            <a:extLst>
-              <a:ext uri="{FF2B5EF4-FFF2-40B4-BE49-F238E27FC236}">
-                <a16:creationId xmlns:a16="http://schemas.microsoft.com/office/drawing/2014/main" id="{2B84FBB8-C3C9-B7E3-40B3-74B0091F7F12}"/>
-              </a:ext>
-            </a:extLst>
-          </p:cNvPr>
-          <p:cNvPicPr>
-            <a:picLocks noChangeAspect="1"/>
-          </p:cNvPicPr>
-          <p:nvPr/>
-        </p:nvPicPr>
-        <p:blipFill>
-          <a:blip r:embed="rId4">
-            <a:extLst>
-              <a:ext uri="{96DAC541-7B7A-43D3-8B79-37D633B846F1}">
-                <asvg:svgBlip xmlns:asvg="http://schemas.microsoft.com/office/drawing/2016/SVG/main" r:embed="rId5"/>
-              </a:ext>
-            </a:extLst>
-          </a:blip>
-          <a:stretch>
-            <a:fillRect/>
-          </a:stretch>
-        </p:blipFill>
-        <p:spPr>
-          <a:xfrm>
-            <a:off x="5011394" y="3837419"/>
-            <a:ext cx="215781" cy="215781"/>
-          </a:xfrm>
-          <a:prstGeom prst="rect">
-            <a:avLst/>
-          </a:prstGeom>
-        </p:spPr>
-      </p:pic>
-      <p:pic>
-        <p:nvPicPr>
-          <p:cNvPr id="31" name="Рисунок 30" descr="Флажок со сплошной заливкой">
-            <a:extLst>
-              <a:ext uri="{FF2B5EF4-FFF2-40B4-BE49-F238E27FC236}">
-                <a16:creationId xmlns:a16="http://schemas.microsoft.com/office/drawing/2014/main" id="{EC10CA84-8782-BAF9-7A15-DCA5C6797BED}"/>
-              </a:ext>
-            </a:extLst>
-          </p:cNvPr>
-          <p:cNvPicPr>
-            <a:picLocks noChangeAspect="1"/>
-          </p:cNvPicPr>
-          <p:nvPr/>
-        </p:nvPicPr>
-        <p:blipFill>
-          <a:blip r:embed="rId4">
-            <a:extLst>
-              <a:ext uri="{96DAC541-7B7A-43D3-8B79-37D633B846F1}">
-                <asvg:svgBlip xmlns:asvg="http://schemas.microsoft.com/office/drawing/2016/SVG/main" r:embed="rId5"/>
-              </a:ext>
-            </a:extLst>
-          </a:blip>
-          <a:stretch>
-            <a:fillRect/>
-          </a:stretch>
-        </p:blipFill>
-        <p:spPr>
-          <a:xfrm>
-            <a:off x="5011392" y="4412470"/>
-            <a:ext cx="215781" cy="215781"/>
-          </a:xfrm>
-          <a:prstGeom prst="rect">
-            <a:avLst/>
-          </a:prstGeom>
-        </p:spPr>
-      </p:pic>
-      <p:pic>
-        <p:nvPicPr>
-          <p:cNvPr id="33" name="Рисунок 32" descr="Флажок со сплошной заливкой">
-            <a:extLst>
-              <a:ext uri="{FF2B5EF4-FFF2-40B4-BE49-F238E27FC236}">
-                <a16:creationId xmlns:a16="http://schemas.microsoft.com/office/drawing/2014/main" id="{9AA3C890-D138-1611-4464-5C1F1A569F38}"/>
-              </a:ext>
-            </a:extLst>
-          </p:cNvPr>
-          <p:cNvPicPr>
-            <a:picLocks noChangeAspect="1"/>
-          </p:cNvPicPr>
-          <p:nvPr/>
-        </p:nvPicPr>
-        <p:blipFill>
-          <a:blip r:embed="rId4">
-            <a:extLst>
-              <a:ext uri="{96DAC541-7B7A-43D3-8B79-37D633B846F1}">
-                <asvg:svgBlip xmlns:asvg="http://schemas.microsoft.com/office/drawing/2016/SVG/main" r:embed="rId5"/>
-              </a:ext>
-            </a:extLst>
-          </a:blip>
-          <a:stretch>
-            <a:fillRect/>
-          </a:stretch>
-        </p:blipFill>
-        <p:spPr>
-          <a:xfrm>
-            <a:off x="5011393" y="5256595"/>
-            <a:ext cx="215781" cy="215781"/>
-          </a:xfrm>
-          <a:prstGeom prst="rect">
-            <a:avLst/>
-          </a:prstGeom>
-        </p:spPr>
-      </p:pic>
-      <p:pic>
-        <p:nvPicPr>
-          <p:cNvPr id="35" name="Рисунок 34" descr="Флажок со сплошной заливкой">
-            <a:extLst>
-              <a:ext uri="{FF2B5EF4-FFF2-40B4-BE49-F238E27FC236}">
-                <a16:creationId xmlns:a16="http://schemas.microsoft.com/office/drawing/2014/main" id="{995FD483-88A5-66B9-2C60-7D85C385DA91}"/>
-              </a:ext>
-            </a:extLst>
-          </p:cNvPr>
-          <p:cNvPicPr>
-            <a:picLocks noChangeAspect="1"/>
-          </p:cNvPicPr>
-          <p:nvPr/>
-        </p:nvPicPr>
-        <p:blipFill>
-          <a:blip r:embed="rId4">
-            <a:extLst>
-              <a:ext uri="{96DAC541-7B7A-43D3-8B79-37D633B846F1}">
-                <asvg:svgBlip xmlns:asvg="http://schemas.microsoft.com/office/drawing/2016/SVG/main" r:embed="rId5"/>
-              </a:ext>
-            </a:extLst>
-          </a:blip>
-          <a:stretch>
-            <a:fillRect/>
-          </a:stretch>
-        </p:blipFill>
-        <p:spPr>
-          <a:xfrm>
-            <a:off x="5011393" y="6329960"/>
-            <a:ext cx="215781" cy="215781"/>
-          </a:xfrm>
-          <a:prstGeom prst="rect">
-            <a:avLst/>
-          </a:prstGeom>
-        </p:spPr>
-      </p:pic>
-      <p:pic>
-        <p:nvPicPr>
-          <p:cNvPr id="36" name="Рисунок 35" descr="Флажок со сплошной заливкой">
-            <a:extLst>
-              <a:ext uri="{FF2B5EF4-FFF2-40B4-BE49-F238E27FC236}">
-                <a16:creationId xmlns:a16="http://schemas.microsoft.com/office/drawing/2014/main" id="{73F37EB9-0AAB-ECCF-9FCB-21F41FFCE41C}"/>
-              </a:ext>
-            </a:extLst>
-          </p:cNvPr>
-          <p:cNvPicPr>
-            <a:picLocks noChangeAspect="1"/>
-          </p:cNvPicPr>
-          <p:nvPr/>
-        </p:nvPicPr>
-        <p:blipFill>
-          <a:blip r:embed="rId4">
-            <a:extLst>
-              <a:ext uri="{96DAC541-7B7A-43D3-8B79-37D633B846F1}">
-                <asvg:svgBlip xmlns:asvg="http://schemas.microsoft.com/office/drawing/2016/SVG/main" r:embed="rId5"/>
-              </a:ext>
-            </a:extLst>
-          </a:blip>
-          <a:stretch>
-            <a:fillRect/>
-          </a:stretch>
-        </p:blipFill>
-        <p:spPr>
-          <a:xfrm>
-            <a:off x="6318902" y="2339410"/>
-            <a:ext cx="215781" cy="215781"/>
-          </a:xfrm>
-          <a:prstGeom prst="rect">
-            <a:avLst/>
-          </a:prstGeom>
-        </p:spPr>
-      </p:pic>
-      <p:pic>
-        <p:nvPicPr>
-          <p:cNvPr id="37" name="Рисунок 36" descr="Флажок со сплошной заливкой">
-            <a:extLst>
-              <a:ext uri="{FF2B5EF4-FFF2-40B4-BE49-F238E27FC236}">
-                <a16:creationId xmlns:a16="http://schemas.microsoft.com/office/drawing/2014/main" id="{CB8BEC06-9B7B-55FB-AC9D-3839F5F6CDA6}"/>
-              </a:ext>
-            </a:extLst>
-          </p:cNvPr>
-          <p:cNvPicPr>
-            <a:picLocks noChangeAspect="1"/>
-          </p:cNvPicPr>
-          <p:nvPr/>
-        </p:nvPicPr>
-        <p:blipFill>
-          <a:blip r:embed="rId4">
-            <a:extLst>
-              <a:ext uri="{96DAC541-7B7A-43D3-8B79-37D633B846F1}">
-                <asvg:svgBlip xmlns:asvg="http://schemas.microsoft.com/office/drawing/2016/SVG/main" r:embed="rId5"/>
-              </a:ext>
-            </a:extLst>
-          </a:blip>
-          <a:stretch>
-            <a:fillRect/>
-          </a:stretch>
-        </p:blipFill>
-        <p:spPr>
-          <a:xfrm>
-            <a:off x="6318902" y="2718650"/>
-            <a:ext cx="215781" cy="215781"/>
-          </a:xfrm>
-          <a:prstGeom prst="rect">
-            <a:avLst/>
-          </a:prstGeom>
-        </p:spPr>
-      </p:pic>
-      <p:pic>
-        <p:nvPicPr>
-          <p:cNvPr id="38" name="Рисунок 37" descr="Флажок со сплошной заливкой">
-            <a:extLst>
-              <a:ext uri="{FF2B5EF4-FFF2-40B4-BE49-F238E27FC236}">
-                <a16:creationId xmlns:a16="http://schemas.microsoft.com/office/drawing/2014/main" id="{FC85D110-C48B-1BDE-B9DF-83D8E0D82E9E}"/>
-              </a:ext>
-            </a:extLst>
-          </p:cNvPr>
-          <p:cNvPicPr>
-            <a:picLocks noChangeAspect="1"/>
-          </p:cNvPicPr>
-          <p:nvPr/>
-        </p:nvPicPr>
-        <p:blipFill>
-          <a:blip r:embed="rId4">
-            <a:extLst>
-              <a:ext uri="{96DAC541-7B7A-43D3-8B79-37D633B846F1}">
-                <asvg:svgBlip xmlns:asvg="http://schemas.microsoft.com/office/drawing/2016/SVG/main" r:embed="rId5"/>
-              </a:ext>
-            </a:extLst>
-          </a:blip>
-          <a:stretch>
-            <a:fillRect/>
-          </a:stretch>
-        </p:blipFill>
-        <p:spPr>
-          <a:xfrm>
-            <a:off x="6318902" y="3837419"/>
-            <a:ext cx="215781" cy="215781"/>
-          </a:xfrm>
-          <a:prstGeom prst="rect">
-            <a:avLst/>
-          </a:prstGeom>
-        </p:spPr>
-      </p:pic>
-      <p:pic>
-        <p:nvPicPr>
-          <p:cNvPr id="39" name="Рисунок 38" descr="Флажок со сплошной заливкой">
-            <a:extLst>
-              <a:ext uri="{FF2B5EF4-FFF2-40B4-BE49-F238E27FC236}">
-                <a16:creationId xmlns:a16="http://schemas.microsoft.com/office/drawing/2014/main" id="{DC0F4E42-C41F-2A34-9009-B58C50F170B9}"/>
-              </a:ext>
-            </a:extLst>
-          </p:cNvPr>
-          <p:cNvPicPr>
-            <a:picLocks noChangeAspect="1"/>
-          </p:cNvPicPr>
-          <p:nvPr/>
-        </p:nvPicPr>
-        <p:blipFill>
-          <a:blip r:embed="rId4">
-            <a:extLst>
-              <a:ext uri="{96DAC541-7B7A-43D3-8B79-37D633B846F1}">
-                <asvg:svgBlip xmlns:asvg="http://schemas.microsoft.com/office/drawing/2016/SVG/main" r:embed="rId5"/>
-              </a:ext>
-            </a:extLst>
-          </a:blip>
-          <a:stretch>
-            <a:fillRect/>
-          </a:stretch>
-        </p:blipFill>
-        <p:spPr>
-          <a:xfrm>
-            <a:off x="6318901" y="4409388"/>
-            <a:ext cx="215781" cy="215781"/>
-          </a:xfrm>
-          <a:prstGeom prst="rect">
-            <a:avLst/>
-          </a:prstGeom>
-        </p:spPr>
-      </p:pic>
-      <p:pic>
-        <p:nvPicPr>
-          <p:cNvPr id="41" name="Рисунок 40" descr="Флажок со сплошной заливкой">
-            <a:extLst>
-              <a:ext uri="{FF2B5EF4-FFF2-40B4-BE49-F238E27FC236}">
-                <a16:creationId xmlns:a16="http://schemas.microsoft.com/office/drawing/2014/main" id="{827CB795-FF92-7511-B630-A4FE9ECC7143}"/>
-              </a:ext>
-            </a:extLst>
-          </p:cNvPr>
-          <p:cNvPicPr>
-            <a:picLocks noChangeAspect="1"/>
-          </p:cNvPicPr>
-          <p:nvPr/>
-        </p:nvPicPr>
-        <p:blipFill>
-          <a:blip r:embed="rId4">
-            <a:extLst>
-              <a:ext uri="{96DAC541-7B7A-43D3-8B79-37D633B846F1}">
-                <asvg:svgBlip xmlns:asvg="http://schemas.microsoft.com/office/drawing/2016/SVG/main" r:embed="rId5"/>
-              </a:ext>
-            </a:extLst>
-          </a:blip>
-          <a:stretch>
-            <a:fillRect/>
-          </a:stretch>
-        </p:blipFill>
-        <p:spPr>
-          <a:xfrm>
-            <a:off x="6318901" y="4877355"/>
-            <a:ext cx="215781" cy="215781"/>
-          </a:xfrm>
-          <a:prstGeom prst="rect">
-            <a:avLst/>
-          </a:prstGeom>
-        </p:spPr>
-      </p:pic>
-      <p:pic>
-        <p:nvPicPr>
-          <p:cNvPr id="42" name="Рисунок 41" descr="Флажок со сплошной заливкой">
-            <a:extLst>
-              <a:ext uri="{FF2B5EF4-FFF2-40B4-BE49-F238E27FC236}">
-                <a16:creationId xmlns:a16="http://schemas.microsoft.com/office/drawing/2014/main" id="{E4ED4040-547E-D89B-1E6E-6281F263A41F}"/>
-              </a:ext>
-            </a:extLst>
-          </p:cNvPr>
-          <p:cNvPicPr>
-            <a:picLocks noChangeAspect="1"/>
-          </p:cNvPicPr>
-          <p:nvPr/>
-        </p:nvPicPr>
-        <p:blipFill>
-          <a:blip r:embed="rId4">
-            <a:extLst>
-              <a:ext uri="{96DAC541-7B7A-43D3-8B79-37D633B846F1}">
-                <asvg:svgBlip xmlns:asvg="http://schemas.microsoft.com/office/drawing/2016/SVG/main" r:embed="rId5"/>
-              </a:ext>
-            </a:extLst>
-          </a:blip>
-          <a:stretch>
-            <a:fillRect/>
-          </a:stretch>
-        </p:blipFill>
-        <p:spPr>
-          <a:xfrm>
-            <a:off x="6318901" y="5256595"/>
-            <a:ext cx="215781" cy="215781"/>
-          </a:xfrm>
-          <a:prstGeom prst="rect">
-            <a:avLst/>
-          </a:prstGeom>
-        </p:spPr>
-      </p:pic>
-      <p:pic>
-        <p:nvPicPr>
-          <p:cNvPr id="43" name="Рисунок 42" descr="Флажок со сплошной заливкой">
-            <a:extLst>
-              <a:ext uri="{FF2B5EF4-FFF2-40B4-BE49-F238E27FC236}">
-                <a16:creationId xmlns:a16="http://schemas.microsoft.com/office/drawing/2014/main" id="{C6F011C5-1741-C67C-FB4E-65DE2D101039}"/>
-              </a:ext>
-            </a:extLst>
-          </p:cNvPr>
-          <p:cNvPicPr>
-            <a:picLocks noChangeAspect="1"/>
-          </p:cNvPicPr>
-          <p:nvPr/>
-        </p:nvPicPr>
-        <p:blipFill>
-          <a:blip r:embed="rId4">
-            <a:extLst>
-              <a:ext uri="{96DAC541-7B7A-43D3-8B79-37D633B846F1}">
-                <asvg:svgBlip xmlns:asvg="http://schemas.microsoft.com/office/drawing/2016/SVG/main" r:embed="rId5"/>
-              </a:ext>
-            </a:extLst>
-          </a:blip>
-          <a:stretch>
-            <a:fillRect/>
-          </a:stretch>
-        </p:blipFill>
-        <p:spPr>
-          <a:xfrm>
-            <a:off x="7803524" y="3213219"/>
-            <a:ext cx="215781" cy="215781"/>
-          </a:xfrm>
-          <a:prstGeom prst="rect">
-            <a:avLst/>
-          </a:prstGeom>
-        </p:spPr>
-      </p:pic>
-      <p:pic>
-        <p:nvPicPr>
-          <p:cNvPr id="44" name="Рисунок 43" descr="Флажок со сплошной заливкой">
-            <a:extLst>
-              <a:ext uri="{FF2B5EF4-FFF2-40B4-BE49-F238E27FC236}">
-                <a16:creationId xmlns:a16="http://schemas.microsoft.com/office/drawing/2014/main" id="{3A8C710B-95A5-7CAA-4F1A-E0AC842E93A5}"/>
-              </a:ext>
-            </a:extLst>
-          </p:cNvPr>
-          <p:cNvPicPr>
-            <a:picLocks noChangeAspect="1"/>
-          </p:cNvPicPr>
-          <p:nvPr/>
-        </p:nvPicPr>
-        <p:blipFill>
-          <a:blip r:embed="rId4">
-            <a:extLst>
-              <a:ext uri="{96DAC541-7B7A-43D3-8B79-37D633B846F1}">
-                <asvg:svgBlip xmlns:asvg="http://schemas.microsoft.com/office/drawing/2016/SVG/main" r:embed="rId5"/>
-              </a:ext>
-            </a:extLst>
-          </a:blip>
-          <a:stretch>
-            <a:fillRect/>
-          </a:stretch>
-        </p:blipFill>
-        <p:spPr>
-          <a:xfrm>
-            <a:off x="7822757" y="3837418"/>
-            <a:ext cx="215781" cy="215781"/>
-          </a:xfrm>
-          <a:prstGeom prst="rect">
-            <a:avLst/>
-          </a:prstGeom>
-        </p:spPr>
-      </p:pic>
-      <p:pic>
-        <p:nvPicPr>
-          <p:cNvPr id="45" name="Рисунок 44" descr="Флажок со сплошной заливкой">
-            <a:extLst>
-              <a:ext uri="{FF2B5EF4-FFF2-40B4-BE49-F238E27FC236}">
-                <a16:creationId xmlns:a16="http://schemas.microsoft.com/office/drawing/2014/main" id="{6985B64B-9CA7-9E73-2BD0-49193FAE708D}"/>
-              </a:ext>
-            </a:extLst>
-          </p:cNvPr>
-          <p:cNvPicPr>
-            <a:picLocks noChangeAspect="1"/>
-          </p:cNvPicPr>
-          <p:nvPr/>
-        </p:nvPicPr>
-        <p:blipFill>
-          <a:blip r:embed="rId4">
-            <a:extLst>
-              <a:ext uri="{96DAC541-7B7A-43D3-8B79-37D633B846F1}">
-                <asvg:svgBlip xmlns:asvg="http://schemas.microsoft.com/office/drawing/2016/SVG/main" r:embed="rId5"/>
-              </a:ext>
-            </a:extLst>
-          </a:blip>
-          <a:stretch>
-            <a:fillRect/>
-          </a:stretch>
-        </p:blipFill>
-        <p:spPr>
-          <a:xfrm>
-            <a:off x="7807231" y="5256595"/>
-            <a:ext cx="215781" cy="215781"/>
-          </a:xfrm>
-          <a:prstGeom prst="rect">
-            <a:avLst/>
-          </a:prstGeom>
-        </p:spPr>
-      </p:pic>
-      <p:pic>
-        <p:nvPicPr>
-          <p:cNvPr id="46" name="Рисунок 45" descr="Флажок со сплошной заливкой">
-            <a:extLst>
-              <a:ext uri="{FF2B5EF4-FFF2-40B4-BE49-F238E27FC236}">
-                <a16:creationId xmlns:a16="http://schemas.microsoft.com/office/drawing/2014/main" id="{69B07ACD-D106-243B-AC32-318C51EF39A1}"/>
-              </a:ext>
-            </a:extLst>
-          </p:cNvPr>
-          <p:cNvPicPr>
-            <a:picLocks noChangeAspect="1"/>
-          </p:cNvPicPr>
-          <p:nvPr/>
-        </p:nvPicPr>
-        <p:blipFill>
-          <a:blip r:embed="rId4">
-            <a:extLst>
-              <a:ext uri="{96DAC541-7B7A-43D3-8B79-37D633B846F1}">
-                <asvg:svgBlip xmlns:asvg="http://schemas.microsoft.com/office/drawing/2016/SVG/main" r:embed="rId5"/>
-              </a:ext>
-            </a:extLst>
-          </a:blip>
-          <a:stretch>
-            <a:fillRect/>
-          </a:stretch>
-        </p:blipFill>
-        <p:spPr>
-          <a:xfrm>
-            <a:off x="7810377" y="5787915"/>
-            <a:ext cx="215781" cy="215781"/>
-          </a:xfrm>
-          <a:prstGeom prst="rect">
-            <a:avLst/>
-          </a:prstGeom>
-        </p:spPr>
-      </p:pic>
-      <p:pic>
-        <p:nvPicPr>
-          <p:cNvPr id="47" name="Рисунок 46" descr="Флажок со сплошной заливкой">
-            <a:extLst>
-              <a:ext uri="{FF2B5EF4-FFF2-40B4-BE49-F238E27FC236}">
-                <a16:creationId xmlns:a16="http://schemas.microsoft.com/office/drawing/2014/main" id="{F568689F-B657-F0B7-FB2D-EB9C4DFB3A0A}"/>
-              </a:ext>
-            </a:extLst>
-          </p:cNvPr>
-          <p:cNvPicPr>
-            <a:picLocks noChangeAspect="1"/>
-          </p:cNvPicPr>
-          <p:nvPr/>
-        </p:nvPicPr>
-        <p:blipFill>
-          <a:blip r:embed="rId4">
-            <a:extLst>
-              <a:ext uri="{96DAC541-7B7A-43D3-8B79-37D633B846F1}">
-                <asvg:svgBlip xmlns:asvg="http://schemas.microsoft.com/office/drawing/2016/SVG/main" r:embed="rId5"/>
-              </a:ext>
-            </a:extLst>
-          </a:blip>
-          <a:stretch>
-            <a:fillRect/>
-          </a:stretch>
-        </p:blipFill>
-        <p:spPr>
-          <a:xfrm>
-            <a:off x="9288146" y="2339409"/>
-            <a:ext cx="215781" cy="215781"/>
-          </a:xfrm>
-          <a:prstGeom prst="rect">
-            <a:avLst/>
-          </a:prstGeom>
-        </p:spPr>
-      </p:pic>
-      <p:pic>
-        <p:nvPicPr>
-          <p:cNvPr id="49" name="Рисунок 48" descr="Флажок со сплошной заливкой">
-            <a:extLst>
-              <a:ext uri="{FF2B5EF4-FFF2-40B4-BE49-F238E27FC236}">
-                <a16:creationId xmlns:a16="http://schemas.microsoft.com/office/drawing/2014/main" id="{8C9C23EE-C97C-588D-93F3-444CD5073905}"/>
-              </a:ext>
-            </a:extLst>
-          </p:cNvPr>
-          <p:cNvPicPr>
-            <a:picLocks noChangeAspect="1"/>
-          </p:cNvPicPr>
-          <p:nvPr/>
-        </p:nvPicPr>
-        <p:blipFill>
-          <a:blip r:embed="rId4">
-            <a:extLst>
-              <a:ext uri="{96DAC541-7B7A-43D3-8B79-37D633B846F1}">
-                <asvg:svgBlip xmlns:asvg="http://schemas.microsoft.com/office/drawing/2016/SVG/main" r:embed="rId5"/>
-              </a:ext>
-            </a:extLst>
-          </a:blip>
-          <a:stretch>
-            <a:fillRect/>
-          </a:stretch>
-        </p:blipFill>
-        <p:spPr>
-          <a:xfrm>
-            <a:off x="9288145" y="3208642"/>
-            <a:ext cx="215781" cy="215781"/>
-          </a:xfrm>
-          <a:prstGeom prst="rect">
-            <a:avLst/>
-          </a:prstGeom>
-        </p:spPr>
-      </p:pic>
-      <p:pic>
-        <p:nvPicPr>
-          <p:cNvPr id="50" name="Рисунок 49" descr="Флажок со сплошной заливкой">
-            <a:extLst>
-              <a:ext uri="{FF2B5EF4-FFF2-40B4-BE49-F238E27FC236}">
-                <a16:creationId xmlns:a16="http://schemas.microsoft.com/office/drawing/2014/main" id="{5470C8FD-928A-F165-DE9D-8B7FE13B9702}"/>
-              </a:ext>
-            </a:extLst>
-          </p:cNvPr>
-          <p:cNvPicPr>
-            <a:picLocks noChangeAspect="1"/>
-          </p:cNvPicPr>
-          <p:nvPr/>
-        </p:nvPicPr>
-        <p:blipFill>
-          <a:blip r:embed="rId4">
-            <a:extLst>
-              <a:ext uri="{96DAC541-7B7A-43D3-8B79-37D633B846F1}">
-                <asvg:svgBlip xmlns:asvg="http://schemas.microsoft.com/office/drawing/2016/SVG/main" r:embed="rId5"/>
-              </a:ext>
-            </a:extLst>
-          </a:blip>
-          <a:stretch>
-            <a:fillRect/>
-          </a:stretch>
-        </p:blipFill>
-        <p:spPr>
-          <a:xfrm>
-            <a:off x="9288144" y="3837418"/>
-            <a:ext cx="215781" cy="215781"/>
-          </a:xfrm>
-          <a:prstGeom prst="rect">
-            <a:avLst/>
-          </a:prstGeom>
-        </p:spPr>
-      </p:pic>
-      <p:pic>
-        <p:nvPicPr>
-          <p:cNvPr id="51" name="Рисунок 50" descr="Флажок со сплошной заливкой">
-            <a:extLst>
-              <a:ext uri="{FF2B5EF4-FFF2-40B4-BE49-F238E27FC236}">
-                <a16:creationId xmlns:a16="http://schemas.microsoft.com/office/drawing/2014/main" id="{380EA8B4-9DB0-B466-F0C2-FA3804ACDC53}"/>
-              </a:ext>
-            </a:extLst>
-          </p:cNvPr>
-          <p:cNvPicPr>
-            <a:picLocks noChangeAspect="1"/>
-          </p:cNvPicPr>
-          <p:nvPr/>
-        </p:nvPicPr>
-        <p:blipFill>
-          <a:blip r:embed="rId4">
-            <a:extLst>
-              <a:ext uri="{96DAC541-7B7A-43D3-8B79-37D633B846F1}">
-                <asvg:svgBlip xmlns:asvg="http://schemas.microsoft.com/office/drawing/2016/SVG/main" r:embed="rId5"/>
-              </a:ext>
-            </a:extLst>
-          </a:blip>
-          <a:stretch>
-            <a:fillRect/>
-          </a:stretch>
-        </p:blipFill>
-        <p:spPr>
-          <a:xfrm>
-            <a:off x="9288143" y="4877531"/>
-            <a:ext cx="215781" cy="215781"/>
-          </a:xfrm>
-          <a:prstGeom prst="rect">
-            <a:avLst/>
-          </a:prstGeom>
-        </p:spPr>
-      </p:pic>
-      <p:pic>
-        <p:nvPicPr>
-          <p:cNvPr id="52" name="Рисунок 51" descr="Флажок со сплошной заливкой">
-            <a:extLst>
-              <a:ext uri="{FF2B5EF4-FFF2-40B4-BE49-F238E27FC236}">
-                <a16:creationId xmlns:a16="http://schemas.microsoft.com/office/drawing/2014/main" id="{E16FC2ED-8BE6-CAFA-BB72-A445FB89C912}"/>
-              </a:ext>
-            </a:extLst>
-          </p:cNvPr>
-          <p:cNvPicPr>
-            <a:picLocks noChangeAspect="1"/>
-          </p:cNvPicPr>
-          <p:nvPr/>
-        </p:nvPicPr>
-        <p:blipFill>
-          <a:blip r:embed="rId4">
-            <a:extLst>
-              <a:ext uri="{96DAC541-7B7A-43D3-8B79-37D633B846F1}">
-                <asvg:svgBlip xmlns:asvg="http://schemas.microsoft.com/office/drawing/2016/SVG/main" r:embed="rId5"/>
-              </a:ext>
-            </a:extLst>
-          </a:blip>
-          <a:stretch>
-            <a:fillRect/>
-          </a:stretch>
-        </p:blipFill>
-        <p:spPr>
-          <a:xfrm>
-            <a:off x="9298072" y="5256595"/>
-            <a:ext cx="215781" cy="215781"/>
-          </a:xfrm>
-          <a:prstGeom prst="rect">
-            <a:avLst/>
-          </a:prstGeom>
-        </p:spPr>
-      </p:pic>
-      <p:pic>
-        <p:nvPicPr>
-          <p:cNvPr id="56" name="Рисунок 55" descr="Флажок со сплошной заливкой">
-            <a:extLst>
-              <a:ext uri="{FF2B5EF4-FFF2-40B4-BE49-F238E27FC236}">
-                <a16:creationId xmlns:a16="http://schemas.microsoft.com/office/drawing/2014/main" id="{498E5C13-08B4-2240-3EE1-003D1513F213}"/>
-              </a:ext>
-            </a:extLst>
-          </p:cNvPr>
-          <p:cNvPicPr>
-            <a:picLocks noChangeAspect="1"/>
-          </p:cNvPicPr>
-          <p:nvPr/>
-        </p:nvPicPr>
-        <p:blipFill>
-          <a:blip r:embed="rId4">
-            <a:extLst>
-              <a:ext uri="{96DAC541-7B7A-43D3-8B79-37D633B846F1}">
-                <asvg:svgBlip xmlns:asvg="http://schemas.microsoft.com/office/drawing/2016/SVG/main" r:embed="rId5"/>
-              </a:ext>
-            </a:extLst>
-          </a:blip>
-          <a:stretch>
-            <a:fillRect/>
-          </a:stretch>
-        </p:blipFill>
-        <p:spPr>
-          <a:xfrm>
-            <a:off x="10978849" y="2331972"/>
-            <a:ext cx="215781" cy="215781"/>
-          </a:xfrm>
-          <a:prstGeom prst="rect">
-            <a:avLst/>
-          </a:prstGeom>
-        </p:spPr>
-      </p:pic>
-      <p:pic>
-        <p:nvPicPr>
-          <p:cNvPr id="58" name="Рисунок 57" descr="Флажок со сплошной заливкой">
-            <a:extLst>
-              <a:ext uri="{FF2B5EF4-FFF2-40B4-BE49-F238E27FC236}">
-                <a16:creationId xmlns:a16="http://schemas.microsoft.com/office/drawing/2014/main" id="{DACE33A1-F116-0F7F-26B6-FE5BB8F01E27}"/>
-              </a:ext>
-            </a:extLst>
-          </p:cNvPr>
-          <p:cNvPicPr>
-            <a:picLocks noChangeAspect="1"/>
-          </p:cNvPicPr>
-          <p:nvPr/>
-        </p:nvPicPr>
-        <p:blipFill>
-          <a:blip r:embed="rId4">
-            <a:extLst>
-              <a:ext uri="{96DAC541-7B7A-43D3-8B79-37D633B846F1}">
-                <asvg:svgBlip xmlns:asvg="http://schemas.microsoft.com/office/drawing/2016/SVG/main" r:embed="rId5"/>
-              </a:ext>
-            </a:extLst>
-          </a:blip>
-          <a:stretch>
-            <a:fillRect/>
-          </a:stretch>
-        </p:blipFill>
-        <p:spPr>
-          <a:xfrm>
-            <a:off x="10981699" y="2718650"/>
-            <a:ext cx="215781" cy="215781"/>
-          </a:xfrm>
-          <a:prstGeom prst="rect">
-            <a:avLst/>
-          </a:prstGeom>
-        </p:spPr>
-      </p:pic>
-      <p:pic>
-        <p:nvPicPr>
-          <p:cNvPr id="64" name="Рисунок 63" descr="Флажок со сплошной заливкой">
-            <a:extLst>
-              <a:ext uri="{FF2B5EF4-FFF2-40B4-BE49-F238E27FC236}">
-                <a16:creationId xmlns:a16="http://schemas.microsoft.com/office/drawing/2014/main" id="{DE6A682C-D9CE-832E-1FD6-D014A2529186}"/>
-              </a:ext>
-            </a:extLst>
-          </p:cNvPr>
-          <p:cNvPicPr>
-            <a:picLocks noChangeAspect="1"/>
-          </p:cNvPicPr>
-          <p:nvPr/>
-        </p:nvPicPr>
-        <p:blipFill>
-          <a:blip r:embed="rId4">
-            <a:extLst>
-              <a:ext uri="{96DAC541-7B7A-43D3-8B79-37D633B846F1}">
-                <asvg:svgBlip xmlns:asvg="http://schemas.microsoft.com/office/drawing/2016/SVG/main" r:embed="rId5"/>
-              </a:ext>
-            </a:extLst>
-          </a:blip>
-          <a:stretch>
-            <a:fillRect/>
-          </a:stretch>
-        </p:blipFill>
-        <p:spPr>
-          <a:xfrm>
-            <a:off x="10978849" y="3208641"/>
-            <a:ext cx="215781" cy="215781"/>
-          </a:xfrm>
-          <a:prstGeom prst="rect">
-            <a:avLst/>
-          </a:prstGeom>
-        </p:spPr>
-      </p:pic>
-      <p:pic>
-        <p:nvPicPr>
-          <p:cNvPr id="65" name="Рисунок 64" descr="Флажок со сплошной заливкой">
-            <a:extLst>
-              <a:ext uri="{FF2B5EF4-FFF2-40B4-BE49-F238E27FC236}">
-                <a16:creationId xmlns:a16="http://schemas.microsoft.com/office/drawing/2014/main" id="{3F3AB4C7-B8B6-3BD5-BD05-41DA3AB860F0}"/>
-              </a:ext>
-            </a:extLst>
-          </p:cNvPr>
-          <p:cNvPicPr>
-            <a:picLocks noChangeAspect="1"/>
-          </p:cNvPicPr>
-          <p:nvPr/>
-        </p:nvPicPr>
-        <p:blipFill>
-          <a:blip r:embed="rId4">
-            <a:extLst>
-              <a:ext uri="{96DAC541-7B7A-43D3-8B79-37D633B846F1}">
-                <asvg:svgBlip xmlns:asvg="http://schemas.microsoft.com/office/drawing/2016/SVG/main" r:embed="rId5"/>
-              </a:ext>
-            </a:extLst>
-          </a:blip>
-          <a:stretch>
-            <a:fillRect/>
-          </a:stretch>
-        </p:blipFill>
-        <p:spPr>
-          <a:xfrm>
-            <a:off x="10978848" y="3857187"/>
-            <a:ext cx="215781" cy="215781"/>
-          </a:xfrm>
-          <a:prstGeom prst="rect">
-            <a:avLst/>
-          </a:prstGeom>
-        </p:spPr>
-      </p:pic>
-      <p:pic>
-        <p:nvPicPr>
-          <p:cNvPr id="67" name="Рисунок 66" descr="Флажок со сплошной заливкой">
-            <a:extLst>
-              <a:ext uri="{FF2B5EF4-FFF2-40B4-BE49-F238E27FC236}">
-                <a16:creationId xmlns:a16="http://schemas.microsoft.com/office/drawing/2014/main" id="{9748F9BA-E735-99EE-6ED2-7DCAAF9888B2}"/>
-              </a:ext>
-            </a:extLst>
-          </p:cNvPr>
-          <p:cNvPicPr>
-            <a:picLocks noChangeAspect="1"/>
-          </p:cNvPicPr>
-          <p:nvPr/>
-        </p:nvPicPr>
-        <p:blipFill>
-          <a:blip r:embed="rId4">
-            <a:extLst>
-              <a:ext uri="{96DAC541-7B7A-43D3-8B79-37D633B846F1}">
-                <asvg:svgBlip xmlns:asvg="http://schemas.microsoft.com/office/drawing/2016/SVG/main" r:embed="rId5"/>
-              </a:ext>
-            </a:extLst>
-          </a:blip>
-          <a:stretch>
-            <a:fillRect/>
-          </a:stretch>
-        </p:blipFill>
-        <p:spPr>
-          <a:xfrm>
-            <a:off x="10978846" y="4397842"/>
-            <a:ext cx="215781" cy="215781"/>
-          </a:xfrm>
-          <a:prstGeom prst="rect">
-            <a:avLst/>
-          </a:prstGeom>
-        </p:spPr>
-      </p:pic>
-      <p:pic>
-        <p:nvPicPr>
-          <p:cNvPr id="68" name="Рисунок 67" descr="Флажок со сплошной заливкой">
-            <a:extLst>
-              <a:ext uri="{FF2B5EF4-FFF2-40B4-BE49-F238E27FC236}">
-                <a16:creationId xmlns:a16="http://schemas.microsoft.com/office/drawing/2014/main" id="{4AAFD0C4-9E06-63A7-C332-235CB9DBBE61}"/>
-              </a:ext>
-            </a:extLst>
-          </p:cNvPr>
-          <p:cNvPicPr>
-            <a:picLocks noChangeAspect="1"/>
-          </p:cNvPicPr>
-          <p:nvPr/>
-        </p:nvPicPr>
-        <p:blipFill>
-          <a:blip r:embed="rId4">
-            <a:extLst>
-              <a:ext uri="{96DAC541-7B7A-43D3-8B79-37D633B846F1}">
-                <asvg:svgBlip xmlns:asvg="http://schemas.microsoft.com/office/drawing/2016/SVG/main" r:embed="rId5"/>
-              </a:ext>
-            </a:extLst>
-          </a:blip>
-          <a:stretch>
-            <a:fillRect/>
-          </a:stretch>
-        </p:blipFill>
-        <p:spPr>
-          <a:xfrm>
-            <a:off x="10978847" y="4861497"/>
-            <a:ext cx="215781" cy="215781"/>
-          </a:xfrm>
-          <a:prstGeom prst="rect">
-            <a:avLst/>
-          </a:prstGeom>
-        </p:spPr>
-      </p:pic>
-      <p:pic>
-        <p:nvPicPr>
-          <p:cNvPr id="71" name="Рисунок 70" descr="Флажок со сплошной заливкой">
-            <a:extLst>
-              <a:ext uri="{FF2B5EF4-FFF2-40B4-BE49-F238E27FC236}">
-                <a16:creationId xmlns:a16="http://schemas.microsoft.com/office/drawing/2014/main" id="{127017A6-5F55-E0AC-A2BE-A61119B9525C}"/>
-              </a:ext>
-            </a:extLst>
-          </p:cNvPr>
-          <p:cNvPicPr>
-            <a:picLocks noChangeAspect="1"/>
-          </p:cNvPicPr>
-          <p:nvPr/>
-        </p:nvPicPr>
-        <p:blipFill>
-          <a:blip r:embed="rId4">
-            <a:extLst>
-              <a:ext uri="{96DAC541-7B7A-43D3-8B79-37D633B846F1}">
-                <asvg:svgBlip xmlns:asvg="http://schemas.microsoft.com/office/drawing/2016/SVG/main" r:embed="rId5"/>
-              </a:ext>
-            </a:extLst>
-          </a:blip>
-          <a:stretch>
-            <a:fillRect/>
-          </a:stretch>
-        </p:blipFill>
-        <p:spPr>
-          <a:xfrm>
-            <a:off x="10981689" y="5787916"/>
-            <a:ext cx="215781" cy="215781"/>
-          </a:xfrm>
-          <a:prstGeom prst="rect">
-            <a:avLst/>
-          </a:prstGeom>
-        </p:spPr>
-      </p:pic>
-      <p:pic>
-        <p:nvPicPr>
-          <p:cNvPr id="72" name="Рисунок 71" descr="Флажок со сплошной заливкой">
-            <a:extLst>
-              <a:ext uri="{FF2B5EF4-FFF2-40B4-BE49-F238E27FC236}">
-                <a16:creationId xmlns:a16="http://schemas.microsoft.com/office/drawing/2014/main" id="{FEB77E8E-A67E-A395-4634-02FEC570D98A}"/>
-              </a:ext>
-            </a:extLst>
-          </p:cNvPr>
-          <p:cNvPicPr>
-            <a:picLocks noChangeAspect="1"/>
-          </p:cNvPicPr>
-          <p:nvPr/>
-        </p:nvPicPr>
-        <p:blipFill>
-          <a:blip r:embed="rId4">
-            <a:extLst>
-              <a:ext uri="{96DAC541-7B7A-43D3-8B79-37D633B846F1}">
-                <asvg:svgBlip xmlns:asvg="http://schemas.microsoft.com/office/drawing/2016/SVG/main" r:embed="rId5"/>
-              </a:ext>
-            </a:extLst>
-          </a:blip>
-          <a:stretch>
-            <a:fillRect/>
-          </a:stretch>
-        </p:blipFill>
-        <p:spPr>
-          <a:xfrm>
-            <a:off x="10978847" y="6329960"/>
-            <a:ext cx="215781" cy="215781"/>
-          </a:xfrm>
-          <a:prstGeom prst="rect">
-            <a:avLst/>
-          </a:prstGeom>
-        </p:spPr>
-      </p:pic>
-      <p:pic>
-        <p:nvPicPr>
-          <p:cNvPr id="24" name="Рисунок 23" descr="Флажок со сплошной заливкой">
-            <a:extLst>
-              <a:ext uri="{FF2B5EF4-FFF2-40B4-BE49-F238E27FC236}">
-                <a16:creationId xmlns:a16="http://schemas.microsoft.com/office/drawing/2014/main" id="{940009C4-905C-1E5A-58B5-F934211DC655}"/>
-              </a:ext>
-            </a:extLst>
-          </p:cNvPr>
-          <p:cNvPicPr>
-            <a:picLocks noChangeAspect="1"/>
-          </p:cNvPicPr>
-          <p:nvPr/>
-        </p:nvPicPr>
-        <p:blipFill>
-          <a:blip r:embed="rId4">
-            <a:extLst>
-              <a:ext uri="{96DAC541-7B7A-43D3-8B79-37D633B846F1}">
-                <asvg:svgBlip xmlns:asvg="http://schemas.microsoft.com/office/drawing/2016/SVG/main" r:embed="rId5"/>
-              </a:ext>
-            </a:extLst>
-          </a:blip>
-          <a:stretch>
-            <a:fillRect/>
-          </a:stretch>
-        </p:blipFill>
-        <p:spPr>
-          <a:xfrm>
-            <a:off x="6324417" y="6329959"/>
-            <a:ext cx="215781" cy="215781"/>
-          </a:xfrm>
-          <a:prstGeom prst="rect">
-            <a:avLst/>
-          </a:prstGeom>
-        </p:spPr>
-      </p:pic>
-      <p:pic>
-        <p:nvPicPr>
-          <p:cNvPr id="27" name="Рисунок 26" descr="Флажок со сплошной заливкой">
-            <a:extLst>
-              <a:ext uri="{FF2B5EF4-FFF2-40B4-BE49-F238E27FC236}">
-                <a16:creationId xmlns:a16="http://schemas.microsoft.com/office/drawing/2014/main" id="{F0E87B9F-6FE7-A7B2-9C24-D94DDA425E19}"/>
-              </a:ext>
-            </a:extLst>
-          </p:cNvPr>
-          <p:cNvPicPr>
-            <a:picLocks noChangeAspect="1"/>
-          </p:cNvPicPr>
-          <p:nvPr/>
-        </p:nvPicPr>
-        <p:blipFill>
-          <a:blip r:embed="rId4">
-            <a:extLst>
-              <a:ext uri="{96DAC541-7B7A-43D3-8B79-37D633B846F1}">
-                <asvg:svgBlip xmlns:asvg="http://schemas.microsoft.com/office/drawing/2016/SVG/main" r:embed="rId5"/>
-              </a:ext>
-            </a:extLst>
-          </a:blip>
-          <a:stretch>
-            <a:fillRect/>
-          </a:stretch>
-        </p:blipFill>
-        <p:spPr>
-          <a:xfrm>
-            <a:off x="9321097" y="6371822"/>
-            <a:ext cx="215781" cy="215781"/>
-          </a:xfrm>
-          <a:prstGeom prst="rect">
-            <a:avLst/>
-          </a:prstGeom>
-        </p:spPr>
-      </p:pic>
-      <p:pic>
-        <p:nvPicPr>
-          <p:cNvPr id="32" name="Рисунок 31" descr="Флажок со сплошной заливкой">
-            <a:extLst>
-              <a:ext uri="{FF2B5EF4-FFF2-40B4-BE49-F238E27FC236}">
-                <a16:creationId xmlns:a16="http://schemas.microsoft.com/office/drawing/2014/main" id="{4A296B31-E528-6269-0F7F-32C55EC42F26}"/>
-              </a:ext>
-            </a:extLst>
-          </p:cNvPr>
-          <p:cNvPicPr>
-            <a:picLocks noChangeAspect="1"/>
-          </p:cNvPicPr>
-          <p:nvPr/>
-        </p:nvPicPr>
-        <p:blipFill>
-          <a:blip r:embed="rId4">
-            <a:extLst>
-              <a:ext uri="{96DAC541-7B7A-43D3-8B79-37D633B846F1}">
-                <asvg:svgBlip xmlns:asvg="http://schemas.microsoft.com/office/drawing/2016/SVG/main" r:embed="rId5"/>
-              </a:ext>
-            </a:extLst>
-          </a:blip>
-          <a:stretch>
-            <a:fillRect/>
-          </a:stretch>
-        </p:blipFill>
-        <p:spPr>
-          <a:xfrm>
-            <a:off x="9298071" y="4417805"/>
-            <a:ext cx="215781" cy="215781"/>
-          </a:xfrm>
-          <a:prstGeom prst="rect">
-            <a:avLst/>
-          </a:prstGeom>
-        </p:spPr>
-      </p:pic>
-      <p:pic>
-        <p:nvPicPr>
-          <p:cNvPr id="40" name="Рисунок 39" descr="Закрыть со сплошной заливкой">
-            <a:extLst>
-              <a:ext uri="{FF2B5EF4-FFF2-40B4-BE49-F238E27FC236}">
-                <a16:creationId xmlns:a16="http://schemas.microsoft.com/office/drawing/2014/main" id="{C0131FDA-12B2-3215-3657-DF98DC1404F2}"/>
-              </a:ext>
-            </a:extLst>
-          </p:cNvPr>
-          <p:cNvPicPr>
-            <a:picLocks noChangeAspect="1"/>
-          </p:cNvPicPr>
-          <p:nvPr/>
-        </p:nvPicPr>
-        <p:blipFill>
-          <a:blip r:embed="rId2">
-            <a:extLst>
-              <a:ext uri="{96DAC541-7B7A-43D3-8B79-37D633B846F1}">
-                <asvg:svgBlip xmlns:asvg="http://schemas.microsoft.com/office/drawing/2016/SVG/main" r:embed="rId3"/>
-              </a:ext>
-            </a:extLst>
-          </a:blip>
-          <a:stretch>
-            <a:fillRect/>
-          </a:stretch>
-        </p:blipFill>
-        <p:spPr>
-          <a:xfrm>
-            <a:off x="7817718" y="4861497"/>
-            <a:ext cx="215781" cy="215781"/>
-          </a:xfrm>
-          <a:prstGeom prst="rect">
-            <a:avLst/>
-          </a:prstGeom>
-        </p:spPr>
-      </p:pic>
     </p:spTree>
     <p:extLst>
       <p:ext uri="{BB962C8B-B14F-4D97-AF65-F5344CB8AC3E}">

--- a/VKR_Volkova_VMO41.pptx
+++ b/VKR_Volkova_VMO41.pptx
@@ -1036,7 +1036,7 @@
             <a:fld id="{B61BEF0D-F0BB-DE4B-95CE-6DB70DBA9567}" type="datetimeFigureOut">
               <a:rPr lang="en-US" dirty="0"/>
               <a:pPr/>
-              <a:t>6/20/2025</a:t>
+              <a:t>6/21/2025</a:t>
             </a:fld>
             <a:endParaRPr lang="en-US" dirty="0"/>
           </a:p>
@@ -1288,7 +1288,7 @@
             <a:fld id="{B61BEF0D-F0BB-DE4B-95CE-6DB70DBA9567}" type="datetimeFigureOut">
               <a:rPr lang="en-US" dirty="0"/>
               <a:pPr/>
-              <a:t>6/20/2025</a:t>
+              <a:t>6/21/2025</a:t>
             </a:fld>
             <a:endParaRPr lang="en-US" dirty="0"/>
           </a:p>
@@ -1603,7 +1603,7 @@
             <a:fld id="{B61BEF0D-F0BB-DE4B-95CE-6DB70DBA9567}" type="datetimeFigureOut">
               <a:rPr lang="en-US" dirty="0"/>
               <a:pPr/>
-              <a:t>6/20/2025</a:t>
+              <a:t>6/21/2025</a:t>
             </a:fld>
             <a:endParaRPr lang="en-US" dirty="0"/>
           </a:p>
@@ -1937,7 +1937,7 @@
             <a:fld id="{B61BEF0D-F0BB-DE4B-95CE-6DB70DBA9567}" type="datetimeFigureOut">
               <a:rPr lang="en-US" dirty="0"/>
               <a:pPr/>
-              <a:t>6/20/2025</a:t>
+              <a:t>6/21/2025</a:t>
             </a:fld>
             <a:endParaRPr lang="en-US" dirty="0"/>
           </a:p>
@@ -2252,7 +2252,7 @@
             <a:fld id="{B61BEF0D-F0BB-DE4B-95CE-6DB70DBA9567}" type="datetimeFigureOut">
               <a:rPr lang="en-US" dirty="0"/>
               <a:pPr/>
-              <a:t>6/20/2025</a:t>
+              <a:t>6/21/2025</a:t>
             </a:fld>
             <a:endParaRPr lang="en-US" dirty="0"/>
           </a:p>
@@ -2646,7 +2646,7 @@
             <a:fld id="{B61BEF0D-F0BB-DE4B-95CE-6DB70DBA9567}" type="datetimeFigureOut">
               <a:rPr lang="en-US" dirty="0"/>
               <a:pPr/>
-              <a:t>6/20/2025</a:t>
+              <a:t>6/21/2025</a:t>
             </a:fld>
             <a:endParaRPr lang="en-US" dirty="0"/>
           </a:p>
@@ -2815,7 +2815,7 @@
           <a:p>
             <a:fld id="{55C6B4A9-1611-4792-9094-5F34BCA07E0B}" type="datetimeFigureOut">
               <a:rPr lang="en-US" dirty="0"/>
-              <a:t>6/20/2025</a:t>
+              <a:t>6/21/2025</a:t>
             </a:fld>
             <a:endParaRPr lang="en-US" dirty="0"/>
           </a:p>
@@ -2994,7 +2994,7 @@
             <a:fld id="{B61BEF0D-F0BB-DE4B-95CE-6DB70DBA9567}" type="datetimeFigureOut">
               <a:rPr lang="en-US" dirty="0"/>
               <a:pPr/>
-              <a:t>6/20/2025</a:t>
+              <a:t>6/21/2025</a:t>
             </a:fld>
             <a:endParaRPr lang="en-US" dirty="0"/>
           </a:p>
@@ -3163,7 +3163,7 @@
           <a:p>
             <a:fld id="{42A54C80-263E-416B-A8E0-580EDEADCBDC}" type="datetimeFigureOut">
               <a:rPr lang="en-US" dirty="0"/>
-              <a:t>6/20/2025</a:t>
+              <a:t>6/21/2025</a:t>
             </a:fld>
             <a:endParaRPr lang="en-US" dirty="0"/>
           </a:p>
@@ -3410,7 +3410,7 @@
             <a:fld id="{B61BEF0D-F0BB-DE4B-95CE-6DB70DBA9567}" type="datetimeFigureOut">
               <a:rPr lang="en-US" dirty="0"/>
               <a:pPr/>
-              <a:t>6/20/2025</a:t>
+              <a:t>6/21/2025</a:t>
             </a:fld>
             <a:endParaRPr lang="en-US" dirty="0"/>
           </a:p>
@@ -3640,7 +3640,7 @@
           <a:p>
             <a:fld id="{42A54C80-263E-416B-A8E0-580EDEADCBDC}" type="datetimeFigureOut">
               <a:rPr lang="en-US" dirty="0"/>
-              <a:t>6/20/2025</a:t>
+              <a:t>6/21/2025</a:t>
             </a:fld>
             <a:endParaRPr lang="en-US" dirty="0"/>
           </a:p>
@@ -4012,7 +4012,7 @@
             <a:fld id="{B61BEF0D-F0BB-DE4B-95CE-6DB70DBA9567}" type="datetimeFigureOut">
               <a:rPr lang="en-US" dirty="0"/>
               <a:pPr/>
-              <a:t>6/20/2025</a:t>
+              <a:t>6/21/2025</a:t>
             </a:fld>
             <a:endParaRPr lang="en-US" dirty="0"/>
           </a:p>
@@ -4136,7 +4136,7 @@
             <a:fld id="{B61BEF0D-F0BB-DE4B-95CE-6DB70DBA9567}" type="datetimeFigureOut">
               <a:rPr lang="en-US" dirty="0"/>
               <a:pPr/>
-              <a:t>6/20/2025</a:t>
+              <a:t>6/21/2025</a:t>
             </a:fld>
             <a:endParaRPr lang="en-US" dirty="0"/>
           </a:p>
@@ -4233,7 +4233,7 @@
             <a:fld id="{B61BEF0D-F0BB-DE4B-95CE-6DB70DBA9567}" type="datetimeFigureOut">
               <a:rPr lang="en-US" dirty="0"/>
               <a:pPr/>
-              <a:t>6/20/2025</a:t>
+              <a:t>6/21/2025</a:t>
             </a:fld>
             <a:endParaRPr lang="en-US" dirty="0"/>
           </a:p>
@@ -4487,7 +4487,7 @@
           <a:p>
             <a:fld id="{42A54C80-263E-416B-A8E0-580EDEADCBDC}" type="datetimeFigureOut">
               <a:rPr lang="en-US" dirty="0"/>
-              <a:t>6/20/2025</a:t>
+              <a:t>6/21/2025</a:t>
             </a:fld>
             <a:endParaRPr lang="en-US" dirty="0"/>
           </a:p>
@@ -4789,7 +4789,7 @@
             <a:fld id="{B61BEF0D-F0BB-DE4B-95CE-6DB70DBA9567}" type="datetimeFigureOut">
               <a:rPr lang="en-US" dirty="0"/>
               <a:pPr/>
-              <a:t>6/20/2025</a:t>
+              <a:t>6/21/2025</a:t>
             </a:fld>
             <a:endParaRPr lang="en-US" dirty="0"/>
           </a:p>
@@ -5490,7 +5490,7 @@
             <a:fld id="{B61BEF0D-F0BB-DE4B-95CE-6DB70DBA9567}" type="datetimeFigureOut">
               <a:rPr lang="en-US" dirty="0"/>
               <a:pPr/>
-              <a:t>6/20/2025</a:t>
+              <a:t>6/21/2025</a:t>
             </a:fld>
             <a:endParaRPr lang="en-US" dirty="0"/>
           </a:p>
@@ -7178,8 +7178,8 @@
           </a:p>
         </p:txBody>
       </p:sp>
-      <mc:AlternateContent xmlns:mc="http://schemas.openxmlformats.org/markup-compatibility/2006" xmlns:a14="http://schemas.microsoft.com/office/drawing/2010/main">
-        <mc:Choice Requires="a14">
+      <mc:AlternateContent xmlns:mc="http://schemas.openxmlformats.org/markup-compatibility/2006">
+        <mc:Choice xmlns:a14="http://schemas.microsoft.com/office/drawing/2010/main" Requires="a14">
           <p:sp>
             <p:nvSpPr>
               <p:cNvPr id="19" name="TextBox 18">
@@ -7243,11 +7243,18 @@
                   <a:t> </a:t>
                 </a:r>
                 <a:r>
+                  <a:rPr lang="en-US" sz="2000" dirty="0">
+                    <a:latin typeface="Times New Roman"/>
+                    <a:cs typeface="Times New Roman"/>
+                  </a:rPr>
+                  <a:t> –</a:t>
+                </a:r>
+                <a:r>
                   <a:rPr lang="ru-RU" sz="2000" dirty="0">
                     <a:latin typeface="Times New Roman"/>
                     <a:cs typeface="Times New Roman"/>
                   </a:rPr>
-                  <a:t>— скорость передачи инфекции;</a:t>
+                  <a:t> скорость передачи инфекции;</a:t>
                 </a:r>
               </a:p>
               <a:p>
@@ -7262,14 +7269,11 @@
                   <a:t>γ </a:t>
                 </a:r>
                 <a:r>
-                  <a:rPr lang="ru-RU" sz="2000" dirty="0">
-                    <a:solidFill>
-                      <a:srgbClr val="000000"/>
-                    </a:solidFill>
+                  <a:rPr lang="en-US" sz="2000" dirty="0">
                     <a:latin typeface="Times New Roman"/>
                     <a:cs typeface="Times New Roman"/>
                   </a:rPr>
-                  <a:t>—</a:t>
+                  <a:t>– </a:t>
                 </a:r>
                 <a:r>
                   <a:rPr lang="ru-RU" sz="2000" dirty="0">
@@ -7308,14 +7312,11 @@
                   <a:t> </a:t>
                 </a:r>
                 <a:r>
-                  <a:rPr lang="ru-RU" dirty="0">
-                    <a:solidFill>
-                      <a:srgbClr val="000000"/>
-                    </a:solidFill>
+                  <a:rPr lang="en-US" dirty="0">
                     <a:latin typeface="Times New Roman"/>
                     <a:cs typeface="Times New Roman"/>
                   </a:rPr>
-                  <a:t>—</a:t>
+                  <a:t>–</a:t>
                 </a:r>
                 <a:r>
                   <a:rPr lang="ru-RU" dirty="0"/>
@@ -7346,7 +7347,7 @@
             </p:txBody>
           </p:sp>
         </mc:Choice>
-        <mc:Fallback xmlns="">
+        <mc:Fallback>
           <p:sp>
             <p:nvSpPr>
               <p:cNvPr id="19" name="TextBox 18">
@@ -10514,10 +10515,10 @@
       </p:sp>
       <p:pic>
         <p:nvPicPr>
-          <p:cNvPr id="12" name="Рисунок 11">
+          <p:cNvPr id="16" name="Рисунок 15">
             <a:extLst>
               <a:ext uri="{FF2B5EF4-FFF2-40B4-BE49-F238E27FC236}">
-                <a16:creationId xmlns:a16="http://schemas.microsoft.com/office/drawing/2014/main" id="{7AF60B91-421C-6DEE-DEAD-568770FA6B36}"/>
+                <a16:creationId xmlns:a16="http://schemas.microsoft.com/office/drawing/2014/main" id="{6CB1D561-6B1B-8080-004A-414E1F6534EF}"/>
               </a:ext>
             </a:extLst>
           </p:cNvPr>
@@ -10534,8 +10535,8 @@
         </p:blipFill>
         <p:spPr>
           <a:xfrm>
-            <a:off x="6817728" y="2125457"/>
-            <a:ext cx="5250131" cy="3640981"/>
+            <a:off x="6859287" y="2345353"/>
+            <a:ext cx="5139008" cy="3552175"/>
           </a:xfrm>
           <a:prstGeom prst="rect">
             <a:avLst/>
@@ -12395,8 +12396,8 @@
           </p:sp>
         </mc:Fallback>
       </mc:AlternateContent>
-      <mc:AlternateContent xmlns:mc="http://schemas.openxmlformats.org/markup-compatibility/2006" xmlns:a14="http://schemas.microsoft.com/office/drawing/2010/main">
-        <mc:Choice Requires="a14">
+      <mc:AlternateContent xmlns:mc="http://schemas.openxmlformats.org/markup-compatibility/2006">
+        <mc:Choice xmlns:a14="http://schemas.microsoft.com/office/drawing/2010/main" Requires="a14">
           <p:sp>
             <p:nvSpPr>
               <p:cNvPr id="40" name="Прямоугольник 39"/>
@@ -12406,7 +12407,7 @@
             <p:spPr>
               <a:xfrm>
                 <a:off x="3365950" y="5296938"/>
-                <a:ext cx="3623118" cy="1477328"/>
+                <a:ext cx="3623118" cy="1508105"/>
               </a:xfrm>
               <a:prstGeom prst="rect">
                 <a:avLst/>
@@ -12439,7 +12440,22 @@
                     <a:ea typeface="+mn-lt"/>
                     <a:cs typeface="+mn-lt"/>
                   </a:rPr>
-                  <a:t>β — скорость заражения;</a:t>
+                  <a:t>β </a:t>
+                </a:r>
+                <a:r>
+                  <a:rPr lang="en-US" dirty="0">
+                    <a:latin typeface="Times New Roman"/>
+                    <a:cs typeface="Times New Roman"/>
+                  </a:rPr>
+                  <a:t>–</a:t>
+                </a:r>
+                <a:r>
+                  <a:rPr lang="ru-RU" dirty="0">
+                    <a:latin typeface="Times New Roman"/>
+                    <a:ea typeface="+mn-lt"/>
+                    <a:cs typeface="+mn-lt"/>
+                  </a:rPr>
+                  <a:t> скорость заражения;</a:t>
                 </a:r>
                 <a:endParaRPr lang="en-US" dirty="0">
                   <a:latin typeface="Times New Roman"/>
@@ -12485,15 +12501,7 @@
                     <a:latin typeface="Times New Roman"/>
                     <a:cs typeface="Times New Roman"/>
                   </a:rPr>
-                  <a:t> </a:t>
-                </a:r>
-                <a:r>
-                  <a:rPr lang="ru-RU" dirty="0">
-                    <a:latin typeface="Times New Roman"/>
-                    <a:ea typeface="+mn-lt"/>
-                    <a:cs typeface="+mn-lt"/>
-                  </a:rPr>
-                  <a:t>—</a:t>
+                  <a:t> –</a:t>
                 </a:r>
                 <a:r>
                   <a:rPr lang="en-US" dirty="0">
@@ -12523,7 +12531,22 @@
                     <a:ea typeface="+mn-lt"/>
                     <a:cs typeface="+mn-lt"/>
                   </a:rPr>
-                  <a:t>γ — скорость потери иммунитета.</a:t>
+                  <a:t>γ </a:t>
+                </a:r>
+                <a:r>
+                  <a:rPr lang="en-US" dirty="0">
+                    <a:latin typeface="Times New Roman"/>
+                    <a:cs typeface="Times New Roman"/>
+                  </a:rPr>
+                  <a:t>–</a:t>
+                </a:r>
+                <a:r>
+                  <a:rPr lang="ru-RU" dirty="0">
+                    <a:latin typeface="Times New Roman"/>
+                    <a:ea typeface="+mn-lt"/>
+                    <a:cs typeface="+mn-lt"/>
+                  </a:rPr>
+                  <a:t> скорость потери иммунитета.</a:t>
                 </a:r>
                 <a:endParaRPr lang="ru-RU" dirty="0">
                   <a:latin typeface="Times New Roman"/>
@@ -12533,7 +12556,7 @@
             </p:txBody>
           </p:sp>
         </mc:Choice>
-        <mc:Fallback xmlns="">
+        <mc:Fallback>
           <p:sp>
             <p:nvSpPr>
               <p:cNvPr id="40" name="Прямоугольник 39"/>
@@ -12545,7 +12568,7 @@
             <p:spPr>
               <a:xfrm>
                 <a:off x="3365950" y="5296938"/>
-                <a:ext cx="3623118" cy="1477328"/>
+                <a:ext cx="3623118" cy="1508105"/>
               </a:xfrm>
               <a:prstGeom prst="rect">
                 <a:avLst/>
@@ -12553,7 +12576,7 @@
               <a:blipFill>
                 <a:blip r:embed="rId10"/>
                 <a:stretch>
-                  <a:fillRect l="-1345" t="-2479" b="-5785"/>
+                  <a:fillRect l="-1345" t="-2429" b="-3644"/>
                 </a:stretch>
               </a:blipFill>
             </p:spPr>
@@ -14195,8 +14218,8 @@
         </p:nvSpPr>
         <p:spPr>
           <a:xfrm>
-            <a:off x="1719638" y="158233"/>
-            <a:ext cx="6819899" cy="954107"/>
+            <a:off x="1566054" y="158233"/>
+            <a:ext cx="7964757" cy="523220"/>
           </a:xfrm>
           <a:prstGeom prst="rect">
             <a:avLst/>
@@ -14249,8 +14272,8 @@
         </p:blipFill>
         <p:spPr>
           <a:xfrm>
-            <a:off x="2907783" y="1112340"/>
-            <a:ext cx="4135962" cy="5542189"/>
+            <a:off x="5574070" y="736570"/>
+            <a:ext cx="4450147" cy="5963197"/>
           </a:xfrm>
           <a:prstGeom prst="rect">
             <a:avLst/>
@@ -14345,6 +14368,83 @@
           </a:p>
         </p:txBody>
       </p:sp>
+      <p:pic>
+        <p:nvPicPr>
+          <p:cNvPr id="11" name="Рисунок 10">
+            <a:extLst>
+              <a:ext uri="{FF2B5EF4-FFF2-40B4-BE49-F238E27FC236}">
+                <a16:creationId xmlns:a16="http://schemas.microsoft.com/office/drawing/2014/main" id="{8764DB8B-5149-5E5A-5707-6AE840DE20A8}"/>
+              </a:ext>
+            </a:extLst>
+          </p:cNvPr>
+          <p:cNvPicPr>
+            <a:picLocks noChangeAspect="1"/>
+          </p:cNvPicPr>
+          <p:nvPr/>
+        </p:nvPicPr>
+        <p:blipFill>
+          <a:blip r:embed="rId3">
+            <a:extLst>
+              <a:ext uri="{28A0092B-C50C-407E-A947-70E740481C1C}">
+                <a14:useLocalDpi xmlns:a14="http://schemas.microsoft.com/office/drawing/2010/main" val="0"/>
+              </a:ext>
+            </a:extLst>
+          </a:blip>
+          <a:stretch>
+            <a:fillRect/>
+          </a:stretch>
+        </p:blipFill>
+        <p:spPr>
+          <a:xfrm>
+            <a:off x="433481" y="839069"/>
+            <a:ext cx="4796545" cy="5758148"/>
+          </a:xfrm>
+          <a:prstGeom prst="rect">
+            <a:avLst/>
+          </a:prstGeom>
+        </p:spPr>
+      </p:pic>
+      <p:cxnSp>
+        <p:nvCxnSpPr>
+          <p:cNvPr id="13" name="Прямая со стрелкой 12">
+            <a:extLst>
+              <a:ext uri="{FF2B5EF4-FFF2-40B4-BE49-F238E27FC236}">
+                <a16:creationId xmlns:a16="http://schemas.microsoft.com/office/drawing/2014/main" id="{F9537AE0-9C3E-57A2-57BE-5D65D472D345}"/>
+              </a:ext>
+            </a:extLst>
+          </p:cNvPr>
+          <p:cNvCxnSpPr>
+            <a:cxnSpLocks/>
+          </p:cNvCxnSpPr>
+          <p:nvPr/>
+        </p:nvCxnSpPr>
+        <p:spPr>
+          <a:xfrm flipH="1" flipV="1">
+            <a:off x="5129587" y="4153256"/>
+            <a:ext cx="767011" cy="282011"/>
+          </a:xfrm>
+          <a:prstGeom prst="straightConnector1">
+            <a:avLst/>
+          </a:prstGeom>
+          <a:ln>
+            <a:tailEnd type="triangle"/>
+          </a:ln>
+        </p:spPr>
+        <p:style>
+          <a:lnRef idx="3">
+            <a:schemeClr val="accent1"/>
+          </a:lnRef>
+          <a:fillRef idx="0">
+            <a:schemeClr val="accent1"/>
+          </a:fillRef>
+          <a:effectRef idx="2">
+            <a:schemeClr val="accent1"/>
+          </a:effectRef>
+          <a:fontRef idx="minor">
+            <a:schemeClr val="tx1"/>
+          </a:fontRef>
+        </p:style>
+      </p:cxnSp>
     </p:spTree>
     <p:extLst>
       <p:ext uri="{BB962C8B-B14F-4D97-AF65-F5344CB8AC3E}">
@@ -14456,8 +14556,8 @@
         </p:blipFill>
         <p:spPr>
           <a:xfrm>
-            <a:off x="3030017" y="1230595"/>
-            <a:ext cx="3815957" cy="5221836"/>
+            <a:off x="1252492" y="1187866"/>
+            <a:ext cx="3849347" cy="5267527"/>
           </a:xfrm>
           <a:prstGeom prst="rect">
             <a:avLst/>
@@ -14575,6 +14675,93 @@
           </a:p>
         </p:txBody>
       </p:sp>
+      <p:pic>
+        <p:nvPicPr>
+          <p:cNvPr id="13" name="Рисунок 12">
+            <a:extLst>
+              <a:ext uri="{FF2B5EF4-FFF2-40B4-BE49-F238E27FC236}">
+                <a16:creationId xmlns:a16="http://schemas.microsoft.com/office/drawing/2014/main" id="{0D423506-0E2D-5F7A-3F3A-B132FC43F845}"/>
+              </a:ext>
+            </a:extLst>
+          </p:cNvPr>
+          <p:cNvPicPr>
+            <a:picLocks noChangeAspect="1"/>
+          </p:cNvPicPr>
+          <p:nvPr/>
+        </p:nvPicPr>
+        <p:blipFill>
+          <a:blip r:embed="rId3"/>
+          <a:stretch>
+            <a:fillRect/>
+          </a:stretch>
+        </p:blipFill>
+        <p:spPr>
+          <a:xfrm>
+            <a:off x="5657315" y="1541569"/>
+            <a:ext cx="5379791" cy="3774861"/>
+          </a:xfrm>
+          <a:prstGeom prst="rect">
+            <a:avLst/>
+          </a:prstGeom>
+          <a:ln w="38100" cap="sq">
+            <a:solidFill>
+              <a:schemeClr val="bg2">
+                <a:lumMod val="75000"/>
+              </a:schemeClr>
+            </a:solidFill>
+            <a:prstDash val="solid"/>
+            <a:miter lim="800000"/>
+          </a:ln>
+          <a:effectLst>
+            <a:outerShdw blurRad="50800" dist="38100" dir="2700000" algn="tl" rotWithShape="0">
+              <a:srgbClr val="000000">
+                <a:alpha val="43000"/>
+              </a:srgbClr>
+            </a:outerShdw>
+          </a:effectLst>
+        </p:spPr>
+      </p:pic>
+      <p:cxnSp>
+        <p:nvCxnSpPr>
+          <p:cNvPr id="15" name="Прямая со стрелкой 14">
+            <a:extLst>
+              <a:ext uri="{FF2B5EF4-FFF2-40B4-BE49-F238E27FC236}">
+                <a16:creationId xmlns:a16="http://schemas.microsoft.com/office/drawing/2014/main" id="{0438924A-272C-8E7D-BD29-C59C553F3765}"/>
+              </a:ext>
+            </a:extLst>
+          </p:cNvPr>
+          <p:cNvCxnSpPr>
+            <a:cxnSpLocks/>
+          </p:cNvCxnSpPr>
+          <p:nvPr/>
+        </p:nvCxnSpPr>
+        <p:spPr>
+          <a:xfrm flipV="1">
+            <a:off x="3674692" y="2512464"/>
+            <a:ext cx="2076628" cy="307648"/>
+          </a:xfrm>
+          <a:prstGeom prst="straightConnector1">
+            <a:avLst/>
+          </a:prstGeom>
+          <a:ln>
+            <a:tailEnd type="triangle"/>
+          </a:ln>
+        </p:spPr>
+        <p:style>
+          <a:lnRef idx="3">
+            <a:schemeClr val="accent1"/>
+          </a:lnRef>
+          <a:fillRef idx="0">
+            <a:schemeClr val="accent1"/>
+          </a:fillRef>
+          <a:effectRef idx="2">
+            <a:schemeClr val="accent1"/>
+          </a:effectRef>
+          <a:fontRef idx="minor">
+            <a:schemeClr val="tx1"/>
+          </a:fontRef>
+        </p:style>
+      </p:cxnSp>
     </p:spTree>
     <p:extLst>
       <p:ext uri="{BB962C8B-B14F-4D97-AF65-F5344CB8AC3E}">
@@ -14619,8 +14806,8 @@
         </p:nvSpPr>
         <p:spPr>
           <a:xfrm>
-            <a:off x="1976928" y="102645"/>
-            <a:ext cx="6101696" cy="954107"/>
+            <a:off x="2306634" y="160450"/>
+            <a:ext cx="7578731" cy="954107"/>
           </a:xfrm>
           <a:prstGeom prst="rect">
             <a:avLst/>
@@ -14673,8 +14860,8 @@
         </p:blipFill>
         <p:spPr>
           <a:xfrm>
-            <a:off x="2456026" y="1183912"/>
-            <a:ext cx="5143500" cy="5429250"/>
+            <a:off x="3589190" y="1273323"/>
+            <a:ext cx="4992709" cy="5270082"/>
           </a:xfrm>
           <a:prstGeom prst="rect">
             <a:avLst/>
@@ -14769,6 +14956,284 @@
           </a:p>
         </p:txBody>
       </p:sp>
+      <p:pic>
+        <p:nvPicPr>
+          <p:cNvPr id="30" name="Рисунок 29">
+            <a:extLst>
+              <a:ext uri="{FF2B5EF4-FFF2-40B4-BE49-F238E27FC236}">
+                <a16:creationId xmlns:a16="http://schemas.microsoft.com/office/drawing/2014/main" id="{FC33BFC1-E7CC-2F00-DADD-FFD1E175B240}"/>
+              </a:ext>
+            </a:extLst>
+          </p:cNvPr>
+          <p:cNvPicPr>
+            <a:picLocks noChangeAspect="1"/>
+          </p:cNvPicPr>
+          <p:nvPr/>
+        </p:nvPicPr>
+        <p:blipFill>
+          <a:blip r:embed="rId3"/>
+          <a:stretch>
+            <a:fillRect/>
+          </a:stretch>
+        </p:blipFill>
+        <p:spPr>
+          <a:xfrm>
+            <a:off x="9115279" y="2171098"/>
+            <a:ext cx="2464858" cy="1397856"/>
+          </a:xfrm>
+          <a:prstGeom prst="rect">
+            <a:avLst/>
+          </a:prstGeom>
+        </p:spPr>
+      </p:pic>
+      <p:cxnSp>
+        <p:nvCxnSpPr>
+          <p:cNvPr id="32" name="Прямая со стрелкой 31">
+            <a:extLst>
+              <a:ext uri="{FF2B5EF4-FFF2-40B4-BE49-F238E27FC236}">
+                <a16:creationId xmlns:a16="http://schemas.microsoft.com/office/drawing/2014/main" id="{8820E0A3-B325-78EF-2309-FC6EAD90E564}"/>
+              </a:ext>
+            </a:extLst>
+          </p:cNvPr>
+          <p:cNvCxnSpPr/>
+          <p:nvPr/>
+        </p:nvCxnSpPr>
+        <p:spPr>
+          <a:xfrm flipV="1">
+            <a:off x="8272329" y="3110669"/>
+            <a:ext cx="1008404" cy="820019"/>
+          </a:xfrm>
+          <a:prstGeom prst="straightConnector1">
+            <a:avLst/>
+          </a:prstGeom>
+          <a:ln>
+            <a:tailEnd type="triangle"/>
+          </a:ln>
+        </p:spPr>
+        <p:style>
+          <a:lnRef idx="3">
+            <a:schemeClr val="accent1"/>
+          </a:lnRef>
+          <a:fillRef idx="0">
+            <a:schemeClr val="accent1"/>
+          </a:fillRef>
+          <a:effectRef idx="2">
+            <a:schemeClr val="accent1"/>
+          </a:effectRef>
+          <a:fontRef idx="minor">
+            <a:schemeClr val="tx1"/>
+          </a:fontRef>
+        </p:style>
+      </p:cxnSp>
+      <p:pic>
+        <p:nvPicPr>
+          <p:cNvPr id="34" name="Рисунок 33">
+            <a:extLst>
+              <a:ext uri="{FF2B5EF4-FFF2-40B4-BE49-F238E27FC236}">
+                <a16:creationId xmlns:a16="http://schemas.microsoft.com/office/drawing/2014/main" id="{295A4B07-2462-8854-F9B1-D4A95B303A47}"/>
+              </a:ext>
+            </a:extLst>
+          </p:cNvPr>
+          <p:cNvPicPr>
+            <a:picLocks noChangeAspect="1"/>
+          </p:cNvPicPr>
+          <p:nvPr/>
+        </p:nvPicPr>
+        <p:blipFill>
+          <a:blip r:embed="rId4"/>
+          <a:stretch>
+            <a:fillRect/>
+          </a:stretch>
+        </p:blipFill>
+        <p:spPr>
+          <a:xfrm>
+            <a:off x="9021275" y="4870259"/>
+            <a:ext cx="2340735" cy="1185972"/>
+          </a:xfrm>
+          <a:prstGeom prst="rect">
+            <a:avLst/>
+          </a:prstGeom>
+        </p:spPr>
+      </p:pic>
+      <p:cxnSp>
+        <p:nvCxnSpPr>
+          <p:cNvPr id="36" name="Прямая со стрелкой 35">
+            <a:extLst>
+              <a:ext uri="{FF2B5EF4-FFF2-40B4-BE49-F238E27FC236}">
+                <a16:creationId xmlns:a16="http://schemas.microsoft.com/office/drawing/2014/main" id="{9ED9F640-7203-F773-9AB6-DAB3E772AAA5}"/>
+              </a:ext>
+            </a:extLst>
+          </p:cNvPr>
+          <p:cNvCxnSpPr>
+            <a:cxnSpLocks/>
+          </p:cNvCxnSpPr>
+          <p:nvPr/>
+        </p:nvCxnSpPr>
+        <p:spPr>
+          <a:xfrm>
+            <a:off x="8195417" y="4455811"/>
+            <a:ext cx="919862" cy="620391"/>
+          </a:xfrm>
+          <a:prstGeom prst="straightConnector1">
+            <a:avLst/>
+          </a:prstGeom>
+          <a:ln>
+            <a:tailEnd type="triangle"/>
+          </a:ln>
+        </p:spPr>
+        <p:style>
+          <a:lnRef idx="3">
+            <a:schemeClr val="accent1"/>
+          </a:lnRef>
+          <a:fillRef idx="0">
+            <a:schemeClr val="accent1"/>
+          </a:fillRef>
+          <a:effectRef idx="2">
+            <a:schemeClr val="accent1"/>
+          </a:effectRef>
+          <a:fontRef idx="minor">
+            <a:schemeClr val="tx1"/>
+          </a:fontRef>
+        </p:style>
+      </p:cxnSp>
+      <p:pic>
+        <p:nvPicPr>
+          <p:cNvPr id="40" name="Рисунок 39">
+            <a:extLst>
+              <a:ext uri="{FF2B5EF4-FFF2-40B4-BE49-F238E27FC236}">
+                <a16:creationId xmlns:a16="http://schemas.microsoft.com/office/drawing/2014/main" id="{83782CAA-E66F-6E27-4CE3-27C02BBBE214}"/>
+              </a:ext>
+            </a:extLst>
+          </p:cNvPr>
+          <p:cNvPicPr>
+            <a:picLocks noChangeAspect="1"/>
+          </p:cNvPicPr>
+          <p:nvPr/>
+        </p:nvPicPr>
+        <p:blipFill>
+          <a:blip r:embed="rId5"/>
+          <a:stretch>
+            <a:fillRect/>
+          </a:stretch>
+        </p:blipFill>
+        <p:spPr>
+          <a:xfrm>
+            <a:off x="533796" y="4220961"/>
+            <a:ext cx="2886264" cy="2484568"/>
+          </a:xfrm>
+          <a:prstGeom prst="rect">
+            <a:avLst/>
+          </a:prstGeom>
+        </p:spPr>
+      </p:pic>
+      <p:pic>
+        <p:nvPicPr>
+          <p:cNvPr id="42" name="Рисунок 41">
+            <a:extLst>
+              <a:ext uri="{FF2B5EF4-FFF2-40B4-BE49-F238E27FC236}">
+                <a16:creationId xmlns:a16="http://schemas.microsoft.com/office/drawing/2014/main" id="{5971DB70-96DE-A59A-395A-1E74F0C4E172}"/>
+              </a:ext>
+            </a:extLst>
+          </p:cNvPr>
+          <p:cNvPicPr>
+            <a:picLocks noChangeAspect="1"/>
+          </p:cNvPicPr>
+          <p:nvPr/>
+        </p:nvPicPr>
+        <p:blipFill>
+          <a:blip r:embed="rId6"/>
+          <a:stretch>
+            <a:fillRect/>
+          </a:stretch>
+        </p:blipFill>
+        <p:spPr>
+          <a:xfrm>
+            <a:off x="156673" y="1191658"/>
+            <a:ext cx="3868395" cy="2349662"/>
+          </a:xfrm>
+          <a:prstGeom prst="rect">
+            <a:avLst/>
+          </a:prstGeom>
+        </p:spPr>
+      </p:pic>
+      <p:cxnSp>
+        <p:nvCxnSpPr>
+          <p:cNvPr id="45" name="Прямая со стрелкой 44">
+            <a:extLst>
+              <a:ext uri="{FF2B5EF4-FFF2-40B4-BE49-F238E27FC236}">
+                <a16:creationId xmlns:a16="http://schemas.microsoft.com/office/drawing/2014/main" id="{5E44356E-AD7E-A2D5-92AE-3B988A3F68FA}"/>
+              </a:ext>
+            </a:extLst>
+          </p:cNvPr>
+          <p:cNvCxnSpPr/>
+          <p:nvPr/>
+        </p:nvCxnSpPr>
+        <p:spPr>
+          <a:xfrm flipH="1" flipV="1">
+            <a:off x="3230310" y="3273039"/>
+            <a:ext cx="709301" cy="760576"/>
+          </a:xfrm>
+          <a:prstGeom prst="straightConnector1">
+            <a:avLst/>
+          </a:prstGeom>
+          <a:ln>
+            <a:tailEnd type="triangle"/>
+          </a:ln>
+        </p:spPr>
+        <p:style>
+          <a:lnRef idx="3">
+            <a:schemeClr val="accent1"/>
+          </a:lnRef>
+          <a:fillRef idx="0">
+            <a:schemeClr val="accent1"/>
+          </a:fillRef>
+          <a:effectRef idx="2">
+            <a:schemeClr val="accent1"/>
+          </a:effectRef>
+          <a:fontRef idx="minor">
+            <a:schemeClr val="tx1"/>
+          </a:fontRef>
+        </p:style>
+      </p:cxnSp>
+      <p:cxnSp>
+        <p:nvCxnSpPr>
+          <p:cNvPr id="47" name="Прямая со стрелкой 46">
+            <a:extLst>
+              <a:ext uri="{FF2B5EF4-FFF2-40B4-BE49-F238E27FC236}">
+                <a16:creationId xmlns:a16="http://schemas.microsoft.com/office/drawing/2014/main" id="{845E9972-2B75-67E8-1CC5-6E1FED59007B}"/>
+              </a:ext>
+            </a:extLst>
+          </p:cNvPr>
+          <p:cNvCxnSpPr/>
+          <p:nvPr/>
+        </p:nvCxnSpPr>
+        <p:spPr>
+          <a:xfrm flipH="1">
+            <a:off x="3230310" y="4332718"/>
+            <a:ext cx="709301" cy="433288"/>
+          </a:xfrm>
+          <a:prstGeom prst="straightConnector1">
+            <a:avLst/>
+          </a:prstGeom>
+          <a:ln>
+            <a:tailEnd type="triangle"/>
+          </a:ln>
+        </p:spPr>
+        <p:style>
+          <a:lnRef idx="3">
+            <a:schemeClr val="accent1"/>
+          </a:lnRef>
+          <a:fillRef idx="0">
+            <a:schemeClr val="accent1"/>
+          </a:fillRef>
+          <a:effectRef idx="2">
+            <a:schemeClr val="accent1"/>
+          </a:effectRef>
+          <a:fontRef idx="minor">
+            <a:schemeClr val="tx1"/>
+          </a:fontRef>
+        </p:style>
+      </p:cxnSp>
     </p:spTree>
     <p:extLst>
       <p:ext uri="{BB962C8B-B14F-4D97-AF65-F5344CB8AC3E}">
@@ -15726,7 +16191,7 @@
         </p:nvSpPr>
         <p:spPr>
           <a:xfrm>
-            <a:off x="1858710" y="333477"/>
+            <a:off x="659424" y="180965"/>
             <a:ext cx="6101696" cy="584775"/>
           </a:xfrm>
           <a:prstGeom prst="rect">
@@ -15765,8 +16230,8 @@
         </p:nvSpPr>
         <p:spPr>
           <a:xfrm>
-            <a:off x="555475" y="1968584"/>
-            <a:ext cx="8708165" cy="3170099"/>
+            <a:off x="595646" y="1042739"/>
+            <a:ext cx="4876222" cy="3785652"/>
           </a:xfrm>
           <a:prstGeom prst="rect">
             <a:avLst/>
@@ -15781,43 +16246,56 @@
           <a:p>
             <a:pPr algn="just"/>
             <a:r>
-              <a:rPr lang="ru-RU" sz="2000" dirty="0">
+              <a:rPr lang="ru-RU" sz="1600" dirty="0">
                 <a:latin typeface="Times New Roman" panose="02020603050405020304" pitchFamily="18" charset="0"/>
                 <a:cs typeface="Times New Roman" panose="02020603050405020304" pitchFamily="18" charset="0"/>
               </a:rPr>
               <a:t>	В 2020 году мир потрясла пандемия </a:t>
             </a:r>
             <a:r>
-              <a:rPr lang="en-US" sz="2000" dirty="0">
+              <a:rPr lang="en-US" sz="1600" dirty="0">
                 <a:latin typeface="Times New Roman" panose="02020603050405020304" pitchFamily="18" charset="0"/>
                 <a:cs typeface="Times New Roman" panose="02020603050405020304" pitchFamily="18" charset="0"/>
               </a:rPr>
               <a:t>COVID-19</a:t>
             </a:r>
             <a:r>
-              <a:rPr lang="ru-RU" sz="2000" dirty="0">
+              <a:rPr lang="ru-RU" sz="1600" dirty="0">
                 <a:latin typeface="Times New Roman" panose="02020603050405020304" pitchFamily="18" charset="0"/>
                 <a:cs typeface="Times New Roman" panose="02020603050405020304" pitchFamily="18" charset="0"/>
               </a:rPr>
               <a:t>, из-за которой многим </a:t>
             </a:r>
             <a:br>
-              <a:rPr lang="ru-RU" sz="2000" dirty="0">
+              <a:rPr lang="ru-RU" sz="1600" dirty="0">
                 <a:latin typeface="Times New Roman" panose="02020603050405020304" pitchFamily="18" charset="0"/>
                 <a:cs typeface="Times New Roman" panose="02020603050405020304" pitchFamily="18" charset="0"/>
               </a:rPr>
             </a:br>
             <a:r>
-              <a:rPr lang="ru-RU" sz="2000" dirty="0">
+              <a:rPr lang="ru-RU" sz="1600" dirty="0">
                 <a:latin typeface="Times New Roman" panose="02020603050405020304" pitchFamily="18" charset="0"/>
                 <a:cs typeface="Times New Roman" panose="02020603050405020304" pitchFamily="18" charset="0"/>
               </a:rPr>
-              <a:t>странам пришлось ввести социальные ограничения, с целью замедления распространения заболевания среди населения. В 2025 году Россия столкнулась с ухудшением ситуации по заболеваемостью корью, последняя крупная вспышка которой произошла в 1994 году. </a:t>
+              <a:t>странам пришлось ввести социальные ограничения, с целью замедления распространения заболевания среди населения. В 2025 году Россия столкнулась с ухудшением ситуации по заболеваемостью корью, последняя крупная вспышка которой произошла </a:t>
+            </a:r>
+            <a:br>
+              <a:rPr lang="ru-RU" sz="1600" dirty="0">
+                <a:latin typeface="Times New Roman" panose="02020603050405020304" pitchFamily="18" charset="0"/>
+                <a:cs typeface="Times New Roman" panose="02020603050405020304" pitchFamily="18" charset="0"/>
+              </a:rPr>
+            </a:br>
+            <a:r>
+              <a:rPr lang="ru-RU" sz="1600" dirty="0">
+                <a:latin typeface="Times New Roman" panose="02020603050405020304" pitchFamily="18" charset="0"/>
+                <a:cs typeface="Times New Roman" panose="02020603050405020304" pitchFamily="18" charset="0"/>
+              </a:rPr>
+              <a:t>в 1994 году. </a:t>
             </a:r>
           </a:p>
           <a:p>
             <a:pPr algn="just"/>
-            <a:endParaRPr lang="ru-RU" sz="2000" dirty="0">
+            <a:endParaRPr lang="ru-RU" sz="1600" dirty="0">
               <a:latin typeface="Times New Roman" panose="02020603050405020304" pitchFamily="18" charset="0"/>
               <a:cs typeface="Times New Roman" panose="02020603050405020304" pitchFamily="18" charset="0"/>
             </a:endParaRPr>
@@ -15825,7 +16303,7 @@
           <a:p>
             <a:pPr algn="just"/>
             <a:r>
-              <a:rPr lang="ru-RU" sz="2000" dirty="0">
+              <a:rPr lang="ru-RU" sz="1600" dirty="0">
                 <a:latin typeface="Times New Roman" panose="02020603050405020304" pitchFamily="18" charset="0"/>
                 <a:cs typeface="Times New Roman" panose="02020603050405020304" pitchFamily="18" charset="0"/>
               </a:rPr>
@@ -15918,6 +16396,172 @@
                 </a:effectLst>
               </a:rPr>
               <a:t>2</a:t>
+            </a:r>
+          </a:p>
+        </p:txBody>
+      </p:sp>
+      <p:sp>
+        <p:nvSpPr>
+          <p:cNvPr id="9" name="TextBox 8">
+            <a:extLst>
+              <a:ext uri="{FF2B5EF4-FFF2-40B4-BE49-F238E27FC236}">
+                <a16:creationId xmlns:a16="http://schemas.microsoft.com/office/drawing/2014/main" id="{996C2D07-3374-75FC-6C49-1BB066356D58}"/>
+              </a:ext>
+            </a:extLst>
+          </p:cNvPr>
+          <p:cNvSpPr txBox="1"/>
+          <p:nvPr/>
+        </p:nvSpPr>
+        <p:spPr>
+          <a:xfrm>
+            <a:off x="478027" y="5996226"/>
+            <a:ext cx="5384659" cy="861774"/>
+          </a:xfrm>
+          <a:prstGeom prst="rect">
+            <a:avLst/>
+          </a:prstGeom>
+          <a:noFill/>
+        </p:spPr>
+        <p:txBody>
+          <a:bodyPr wrap="square" rtlCol="0">
+            <a:spAutoFit/>
+          </a:bodyPr>
+          <a:lstStyle/>
+          <a:p>
+            <a:pPr algn="just"/>
+            <a:r>
+              <a:rPr lang="ru-RU" sz="1000" dirty="0"/>
+              <a:t>* из информационного бюллетеня № 42 Федеральной службы по надзору в сфере защиты прав потребителей и благополучия человека ФБУН «Московский научно-исследовательский институт эпидемиологии и микробиологии им. Г.Н. Габричевского» Роспотребнадзора, Национальный научно-методический центр по надзору за корью и краснухой</a:t>
+            </a:r>
+          </a:p>
+        </p:txBody>
+      </p:sp>
+      <p:pic>
+        <p:nvPicPr>
+          <p:cNvPr id="14" name="Рисунок 13">
+            <a:extLst>
+              <a:ext uri="{FF2B5EF4-FFF2-40B4-BE49-F238E27FC236}">
+                <a16:creationId xmlns:a16="http://schemas.microsoft.com/office/drawing/2014/main" id="{4558DF44-72F1-EA7B-C940-FA28559F54A5}"/>
+              </a:ext>
+            </a:extLst>
+          </p:cNvPr>
+          <p:cNvPicPr>
+            <a:picLocks noChangeAspect="1"/>
+          </p:cNvPicPr>
+          <p:nvPr/>
+        </p:nvPicPr>
+        <p:blipFill>
+          <a:blip r:embed="rId2"/>
+          <a:stretch>
+            <a:fillRect/>
+          </a:stretch>
+        </p:blipFill>
+        <p:spPr>
+          <a:xfrm>
+            <a:off x="6131003" y="776310"/>
+            <a:ext cx="5384659" cy="3008096"/>
+          </a:xfrm>
+          <a:prstGeom prst="rect">
+            <a:avLst/>
+          </a:prstGeom>
+        </p:spPr>
+      </p:pic>
+      <p:pic>
+        <p:nvPicPr>
+          <p:cNvPr id="16" name="Рисунок 15">
+            <a:extLst>
+              <a:ext uri="{FF2B5EF4-FFF2-40B4-BE49-F238E27FC236}">
+                <a16:creationId xmlns:a16="http://schemas.microsoft.com/office/drawing/2014/main" id="{393EB515-AFE2-FBFD-2A82-BB991D13E2A0}"/>
+              </a:ext>
+            </a:extLst>
+          </p:cNvPr>
+          <p:cNvPicPr>
+            <a:picLocks noChangeAspect="1"/>
+          </p:cNvPicPr>
+          <p:nvPr/>
+        </p:nvPicPr>
+        <p:blipFill>
+          <a:blip r:embed="rId3"/>
+          <a:stretch>
+            <a:fillRect/>
+          </a:stretch>
+        </p:blipFill>
+        <p:spPr>
+          <a:xfrm>
+            <a:off x="6131003" y="3773039"/>
+            <a:ext cx="5384659" cy="2959088"/>
+          </a:xfrm>
+          <a:prstGeom prst="rect">
+            <a:avLst/>
+          </a:prstGeom>
+        </p:spPr>
+      </p:pic>
+      <p:sp>
+        <p:nvSpPr>
+          <p:cNvPr id="17" name="TextBox 16">
+            <a:extLst>
+              <a:ext uri="{FF2B5EF4-FFF2-40B4-BE49-F238E27FC236}">
+                <a16:creationId xmlns:a16="http://schemas.microsoft.com/office/drawing/2014/main" id="{16E241FC-C517-4312-89AD-08A50274E406}"/>
+              </a:ext>
+            </a:extLst>
+          </p:cNvPr>
+          <p:cNvSpPr txBox="1"/>
+          <p:nvPr/>
+        </p:nvSpPr>
+        <p:spPr>
+          <a:xfrm>
+            <a:off x="10383141" y="765740"/>
+            <a:ext cx="162370" cy="276999"/>
+          </a:xfrm>
+          <a:prstGeom prst="rect">
+            <a:avLst/>
+          </a:prstGeom>
+          <a:noFill/>
+        </p:spPr>
+        <p:txBody>
+          <a:bodyPr wrap="square" rtlCol="0">
+            <a:spAutoFit/>
+          </a:bodyPr>
+          <a:lstStyle/>
+          <a:p>
+            <a:r>
+              <a:rPr lang="ru-RU" sz="1200" dirty="0"/>
+              <a:t>*</a:t>
+            </a:r>
+          </a:p>
+        </p:txBody>
+      </p:sp>
+      <p:sp>
+        <p:nvSpPr>
+          <p:cNvPr id="18" name="TextBox 17">
+            <a:extLst>
+              <a:ext uri="{FF2B5EF4-FFF2-40B4-BE49-F238E27FC236}">
+                <a16:creationId xmlns:a16="http://schemas.microsoft.com/office/drawing/2014/main" id="{8C222339-9EBB-68AD-4B24-C79B336E1B11}"/>
+              </a:ext>
+            </a:extLst>
+          </p:cNvPr>
+          <p:cNvSpPr txBox="1"/>
+          <p:nvPr/>
+        </p:nvSpPr>
+        <p:spPr>
+          <a:xfrm>
+            <a:off x="10259228" y="3784406"/>
+            <a:ext cx="162370" cy="276999"/>
+          </a:xfrm>
+          <a:prstGeom prst="rect">
+            <a:avLst/>
+          </a:prstGeom>
+          <a:noFill/>
+        </p:spPr>
+        <p:txBody>
+          <a:bodyPr wrap="square" rtlCol="0">
+            <a:spAutoFit/>
+          </a:bodyPr>
+          <a:lstStyle/>
+          <a:p>
+            <a:r>
+              <a:rPr lang="ru-RU" sz="1200" dirty="0"/>
+              <a:t>*</a:t>
             </a:r>
           </a:p>
         </p:txBody>
@@ -17046,7 +17690,7 @@
         </p:blipFill>
         <p:spPr>
           <a:xfrm>
-            <a:off x="7831171" y="5975751"/>
+            <a:off x="7742905" y="5944987"/>
             <a:ext cx="4324954" cy="695422"/>
           </a:xfrm>
           <a:prstGeom prst="rect">
@@ -17307,7 +17951,7 @@
         </p:nvCxnSpPr>
         <p:spPr>
           <a:xfrm flipH="1" flipV="1">
-            <a:off x="7425886" y="5879507"/>
+            <a:off x="7337620" y="5848743"/>
             <a:ext cx="405285" cy="443955"/>
           </a:xfrm>
           <a:prstGeom prst="straightConnector1">
@@ -17507,7 +18151,7 @@
                 <a:latin typeface="Times New Roman" panose="02020603050405020304" pitchFamily="18" charset="0"/>
                 <a:cs typeface="Times New Roman" panose="02020603050405020304" pitchFamily="18" charset="0"/>
               </a:rPr>
-              <a:t>Функциональные возможности программного средства можно расширить, благодаря внедрению других моделей и численных методов в качестве дальнейшего направления развития проекта.</a:t>
+              <a:t>В качестве дальнейшего направления развития проекта функциональные возможности программного средства можно расширить, благодаря внедрению других моделей и численных методов.</a:t>
             </a:r>
           </a:p>
           <a:p>
@@ -21177,114 +21821,407 @@
           </a:p>
         </p:txBody>
       </p:sp>
-      <p:sp>
-        <p:nvSpPr>
-          <p:cNvPr id="19" name="TextBox 18">
-            <a:extLst>
-              <a:ext uri="{FF2B5EF4-FFF2-40B4-BE49-F238E27FC236}">
-                <a16:creationId xmlns:a16="http://schemas.microsoft.com/office/drawing/2014/main" id="{0F8C1F8F-1AD8-3B17-A3BA-08FCA0FE8332}"/>
-              </a:ext>
-            </a:extLst>
-          </p:cNvPr>
-          <p:cNvSpPr txBox="1"/>
-          <p:nvPr/>
-        </p:nvSpPr>
-        <p:spPr>
-          <a:xfrm>
-            <a:off x="564882" y="5531910"/>
-            <a:ext cx="4354285" cy="1015663"/>
-          </a:xfrm>
-          <a:prstGeom prst="rect">
-            <a:avLst/>
-          </a:prstGeom>
-          <a:noFill/>
-        </p:spPr>
-        <p:txBody>
-          <a:bodyPr rot="0" spcFirstLastPara="0" vertOverflow="overflow" horzOverflow="overflow" vert="horz" wrap="square" lIns="91440" tIns="45720" rIns="91440" bIns="45720" numCol="1" spcCol="0" rtlCol="0" fromWordArt="0" anchor="t" anchorCtr="0" forceAA="0" compatLnSpc="1">
-            <a:prstTxWarp prst="textNoShape">
-              <a:avLst/>
-            </a:prstTxWarp>
-            <a:spAutoFit/>
-          </a:bodyPr>
-          <a:lstStyle/>
-          <a:p>
-            <a:r>
-              <a:rPr lang="ru-RU" sz="2000" dirty="0">
-                <a:latin typeface="Times New Roman"/>
-                <a:cs typeface="Times New Roman"/>
-              </a:rPr>
-              <a:t>где </a:t>
-            </a:r>
-            <a:endParaRPr lang="ru-RU" dirty="0"/>
-          </a:p>
-          <a:p>
-            <a:r>
-              <a:rPr lang="ru-RU" sz="2000" dirty="0">
-                <a:solidFill>
-                  <a:srgbClr val="202122"/>
-                </a:solidFill>
-                <a:latin typeface="Times New Roman"/>
-                <a:cs typeface="Times New Roman"/>
-              </a:rPr>
-              <a:t>β</a:t>
-            </a:r>
-            <a:r>
-              <a:rPr lang="ru-RU" sz="2000" dirty="0">
-                <a:solidFill>
-                  <a:srgbClr val="202122"/>
-                </a:solidFill>
-                <a:latin typeface="Times New Roman"/>
-                <a:ea typeface="+mn-lt"/>
-                <a:cs typeface="+mn-lt"/>
-              </a:rPr>
-              <a:t> </a:t>
-            </a:r>
-            <a:r>
-              <a:rPr lang="ru-RU" sz="2000" dirty="0">
-                <a:latin typeface="Times New Roman"/>
-                <a:cs typeface="Times New Roman"/>
-              </a:rPr>
-              <a:t>— скорость передачи инфекции;</a:t>
-            </a:r>
-          </a:p>
-          <a:p>
-            <a:r>
-              <a:rPr lang="ru-RU" sz="2000" dirty="0">
-                <a:solidFill>
-                  <a:srgbClr val="202122"/>
-                </a:solidFill>
-                <a:latin typeface="Times New Roman"/>
-                <a:cs typeface="Times New Roman"/>
-              </a:rPr>
-              <a:t>γ </a:t>
-            </a:r>
-            <a:r>
-              <a:rPr lang="ru-RU" sz="2000" dirty="0">
-                <a:solidFill>
-                  <a:srgbClr val="000000"/>
-                </a:solidFill>
-                <a:latin typeface="Times New Roman"/>
-                <a:cs typeface="Times New Roman"/>
-              </a:rPr>
-              <a:t>—</a:t>
-            </a:r>
-            <a:r>
-              <a:rPr lang="ru-RU" sz="2000" dirty="0">
-                <a:solidFill>
-                  <a:srgbClr val="202122"/>
-                </a:solidFill>
-                <a:latin typeface="Times New Roman"/>
-                <a:cs typeface="Times New Roman"/>
-              </a:rPr>
-              <a:t> скорость выздоровления.</a:t>
-            </a:r>
-            <a:endParaRPr lang="ru-RU" sz="2000" dirty="0">
-              <a:latin typeface="Times New Roman"/>
-              <a:cs typeface="Times New Roman"/>
-            </a:endParaRPr>
-          </a:p>
-        </p:txBody>
-      </p:sp>
+      <mc:AlternateContent xmlns:mc="http://schemas.openxmlformats.org/markup-compatibility/2006">
+        <mc:Choice xmlns:a14="http://schemas.microsoft.com/office/drawing/2010/main" Requires="a14">
+          <p:sp>
+            <p:nvSpPr>
+              <p:cNvPr id="19" name="TextBox 18">
+                <a:extLst>
+                  <a:ext uri="{FF2B5EF4-FFF2-40B4-BE49-F238E27FC236}">
+                    <a16:creationId xmlns:a16="http://schemas.microsoft.com/office/drawing/2014/main" id="{0F8C1F8F-1AD8-3B17-A3BA-08FCA0FE8332}"/>
+                  </a:ext>
+                </a:extLst>
+              </p:cNvPr>
+              <p:cNvSpPr txBox="1"/>
+              <p:nvPr/>
+            </p:nvSpPr>
+            <p:spPr>
+              <a:xfrm>
+                <a:off x="506085" y="5389176"/>
+                <a:ext cx="6391395" cy="1323439"/>
+              </a:xfrm>
+              <a:prstGeom prst="rect">
+                <a:avLst/>
+              </a:prstGeom>
+              <a:noFill/>
+            </p:spPr>
+            <p:txBody>
+              <a:bodyPr rot="0" spcFirstLastPara="0" vertOverflow="overflow" horzOverflow="overflow" vert="horz" wrap="square" lIns="91440" tIns="45720" rIns="91440" bIns="45720" numCol="1" spcCol="0" rtlCol="0" fromWordArt="0" anchor="t" anchorCtr="0" forceAA="0" compatLnSpc="1">
+                <a:prstTxWarp prst="textNoShape">
+                  <a:avLst/>
+                </a:prstTxWarp>
+                <a:spAutoFit/>
+              </a:bodyPr>
+              <a:lstStyle/>
+              <a:p>
+                <a:r>
+                  <a:rPr lang="ru-RU" sz="2000" dirty="0">
+                    <a:latin typeface="Times New Roman"/>
+                    <a:cs typeface="Times New Roman"/>
+                  </a:rPr>
+                  <a:t>где </a:t>
+                </a:r>
+                <a:endParaRPr lang="ru-RU" dirty="0"/>
+              </a:p>
+              <a:p>
+                <a:r>
+                  <a:rPr lang="ru-RU" sz="2000" dirty="0">
+                    <a:solidFill>
+                      <a:srgbClr val="202122"/>
+                    </a:solidFill>
+                    <a:latin typeface="Times New Roman"/>
+                    <a:cs typeface="Times New Roman"/>
+                  </a:rPr>
+                  <a:t>β</a:t>
+                </a:r>
+                <a:r>
+                  <a:rPr lang="ru-RU" sz="2000" dirty="0">
+                    <a:solidFill>
+                      <a:srgbClr val="202122"/>
+                    </a:solidFill>
+                    <a:latin typeface="Times New Roman"/>
+                    <a:ea typeface="+mn-lt"/>
+                    <a:cs typeface="+mn-lt"/>
+                  </a:rPr>
+                  <a:t> </a:t>
+                </a:r>
+                <a:r>
+                  <a:rPr lang="en-US" sz="2000" dirty="0">
+                    <a:latin typeface="Times New Roman"/>
+                    <a:cs typeface="Times New Roman"/>
+                  </a:rPr>
+                  <a:t>–</a:t>
+                </a:r>
+                <a:r>
+                  <a:rPr lang="ru-RU" sz="2000" dirty="0">
+                    <a:latin typeface="Times New Roman"/>
+                    <a:cs typeface="Times New Roman"/>
+                  </a:rPr>
+                  <a:t> скорость передачи инфекции;</a:t>
+                </a:r>
+              </a:p>
+              <a:p>
+                <a:r>
+                  <a:rPr lang="ru-RU" sz="2000" dirty="0">
+                    <a:solidFill>
+                      <a:srgbClr val="202122"/>
+                    </a:solidFill>
+                    <a:latin typeface="Times New Roman"/>
+                    <a:cs typeface="Times New Roman"/>
+                  </a:rPr>
+                  <a:t>γ </a:t>
+                </a:r>
+                <a:r>
+                  <a:rPr lang="en-US" sz="2000" dirty="0">
+                    <a:latin typeface="Times New Roman"/>
+                    <a:cs typeface="Times New Roman"/>
+                  </a:rPr>
+                  <a:t>– </a:t>
+                </a:r>
+                <a:r>
+                  <a:rPr lang="ru-RU" sz="2000" dirty="0">
+                    <a:solidFill>
+                      <a:srgbClr val="202122"/>
+                    </a:solidFill>
+                    <a:latin typeface="Times New Roman"/>
+                    <a:cs typeface="Times New Roman"/>
+                  </a:rPr>
+                  <a:t>скорость выздоровления</a:t>
+                </a:r>
+                <a:r>
+                  <a:rPr lang="en-US" sz="2000" dirty="0">
+                    <a:solidFill>
+                      <a:srgbClr val="202122"/>
+                    </a:solidFill>
+                    <a:latin typeface="Times New Roman"/>
+                    <a:cs typeface="Times New Roman"/>
+                  </a:rPr>
+                  <a:t>;</a:t>
+                </a:r>
+                <a:br>
+                  <a:rPr lang="ru-RU" sz="2000" dirty="0">
+                    <a:solidFill>
+                      <a:srgbClr val="202122"/>
+                    </a:solidFill>
+                    <a:latin typeface="Times New Roman"/>
+                    <a:cs typeface="Times New Roman"/>
+                  </a:rPr>
+                </a:br>
+                <a14:m>
+                  <m:oMath xmlns:m="http://schemas.openxmlformats.org/officeDocument/2006/math">
+                    <m:r>
+                      <a:rPr lang="en-US" sz="2000" i="1">
+                        <a:latin typeface="Cambria Math" panose="02040503050406030204" pitchFamily="18" charset="0"/>
+                        <a:ea typeface="Cambria Math" panose="02040503050406030204" pitchFamily="18" charset="0"/>
+                      </a:rPr>
+                      <m:t>𝑆</m:t>
+                    </m:r>
+                    <m:d>
+                      <m:dPr>
+                        <m:ctrlPr>
+                          <a:rPr lang="ru-RU" sz="2000" i="1">
+                            <a:latin typeface="Cambria Math" panose="02040503050406030204" pitchFamily="18" charset="0"/>
+                            <a:ea typeface="Cambria Math" panose="02040503050406030204" pitchFamily="18" charset="0"/>
+                          </a:rPr>
+                        </m:ctrlPr>
+                      </m:dPr>
+                      <m:e>
+                        <m:r>
+                          <a:rPr lang="ru-RU" sz="2000" b="0" i="1" smtClean="0">
+                            <a:latin typeface="Cambria Math" panose="02040503050406030204" pitchFamily="18" charset="0"/>
+                            <a:ea typeface="Cambria Math" panose="02040503050406030204" pitchFamily="18" charset="0"/>
+                          </a:rPr>
+                          <m:t>0</m:t>
+                        </m:r>
+                      </m:e>
+                    </m:d>
+                    <m:r>
+                      <a:rPr lang="en-US" sz="2000" b="0" i="1" smtClean="0">
+                        <a:latin typeface="Cambria Math" panose="02040503050406030204" pitchFamily="18" charset="0"/>
+                        <a:ea typeface="Cambria Math" panose="02040503050406030204" pitchFamily="18" charset="0"/>
+                      </a:rPr>
+                      <m:t>=</m:t>
+                    </m:r>
+                    <m:sSub>
+                      <m:sSubPr>
+                        <m:ctrlPr>
+                          <a:rPr lang="en-US" sz="2000" b="0" i="1" smtClean="0">
+                            <a:latin typeface="Cambria Math" panose="02040503050406030204" pitchFamily="18" charset="0"/>
+                            <a:ea typeface="Cambria Math" panose="02040503050406030204" pitchFamily="18" charset="0"/>
+                          </a:rPr>
+                        </m:ctrlPr>
+                      </m:sSubPr>
+                      <m:e>
+                        <m:r>
+                          <a:rPr lang="en-US" sz="2000" b="0" i="1" smtClean="0">
+                            <a:latin typeface="Cambria Math" panose="02040503050406030204" pitchFamily="18" charset="0"/>
+                            <a:ea typeface="Cambria Math" panose="02040503050406030204" pitchFamily="18" charset="0"/>
+                          </a:rPr>
+                          <m:t>𝑆</m:t>
+                        </m:r>
+                      </m:e>
+                      <m:sub>
+                        <m:r>
+                          <a:rPr lang="en-US" sz="2000" b="0" i="1" smtClean="0">
+                            <a:latin typeface="Cambria Math" panose="02040503050406030204" pitchFamily="18" charset="0"/>
+                            <a:ea typeface="Cambria Math" panose="02040503050406030204" pitchFamily="18" charset="0"/>
+                          </a:rPr>
+                          <m:t>0</m:t>
+                        </m:r>
+                      </m:sub>
+                    </m:sSub>
+                    <m:r>
+                      <a:rPr lang="en-US" sz="2000" b="0" i="1" smtClean="0">
+                        <a:latin typeface="Cambria Math" panose="02040503050406030204" pitchFamily="18" charset="0"/>
+                        <a:ea typeface="Cambria Math" panose="02040503050406030204" pitchFamily="18" charset="0"/>
+                      </a:rPr>
+                      <m:t>,</m:t>
+                    </m:r>
+                    <m:r>
+                      <a:rPr lang="en-US" sz="2000" b="0" i="1" smtClean="0">
+                        <a:latin typeface="Cambria Math" panose="02040503050406030204" pitchFamily="18" charset="0"/>
+                        <a:ea typeface="Cambria Math" panose="02040503050406030204" pitchFamily="18" charset="0"/>
+                      </a:rPr>
+                      <m:t>𝐼</m:t>
+                    </m:r>
+                    <m:d>
+                      <m:dPr>
+                        <m:ctrlPr>
+                          <a:rPr lang="ru-RU" sz="2000" b="0" i="1" smtClean="0">
+                            <a:latin typeface="Cambria Math" panose="02040503050406030204" pitchFamily="18" charset="0"/>
+                            <a:ea typeface="Cambria Math" panose="02040503050406030204" pitchFamily="18" charset="0"/>
+                          </a:rPr>
+                        </m:ctrlPr>
+                      </m:dPr>
+                      <m:e>
+                        <m:r>
+                          <a:rPr lang="en-US" sz="2000" b="0" i="1" smtClean="0">
+                            <a:latin typeface="Cambria Math" panose="02040503050406030204" pitchFamily="18" charset="0"/>
+                            <a:ea typeface="Cambria Math" panose="02040503050406030204" pitchFamily="18" charset="0"/>
+                          </a:rPr>
+                          <m:t>0</m:t>
+                        </m:r>
+                      </m:e>
+                    </m:d>
+                    <m:r>
+                      <a:rPr lang="en-US" sz="2000" b="0" i="1" smtClean="0">
+                        <a:latin typeface="Cambria Math" panose="02040503050406030204" pitchFamily="18" charset="0"/>
+                        <a:ea typeface="Cambria Math" panose="02040503050406030204" pitchFamily="18" charset="0"/>
+                      </a:rPr>
+                      <m:t>=</m:t>
+                    </m:r>
+                    <m:sSub>
+                      <m:sSubPr>
+                        <m:ctrlPr>
+                          <a:rPr lang="en-US" sz="2000" i="1">
+                            <a:latin typeface="Cambria Math" panose="02040503050406030204" pitchFamily="18" charset="0"/>
+                            <a:ea typeface="Cambria Math" panose="02040503050406030204" pitchFamily="18" charset="0"/>
+                          </a:rPr>
+                        </m:ctrlPr>
+                      </m:sSubPr>
+                      <m:e>
+                        <m:r>
+                          <a:rPr lang="en-US" sz="2000" b="0" i="1" smtClean="0">
+                            <a:latin typeface="Cambria Math" panose="02040503050406030204" pitchFamily="18" charset="0"/>
+                            <a:ea typeface="Cambria Math" panose="02040503050406030204" pitchFamily="18" charset="0"/>
+                          </a:rPr>
+                          <m:t>𝐼</m:t>
+                        </m:r>
+                      </m:e>
+                      <m:sub>
+                        <m:r>
+                          <a:rPr lang="en-US" sz="2000" i="1">
+                            <a:latin typeface="Cambria Math" panose="02040503050406030204" pitchFamily="18" charset="0"/>
+                            <a:ea typeface="Cambria Math" panose="02040503050406030204" pitchFamily="18" charset="0"/>
+                          </a:rPr>
+                          <m:t>0</m:t>
+                        </m:r>
+                      </m:sub>
+                    </m:sSub>
+                    <m:r>
+                      <a:rPr lang="en-US" sz="2000" b="0" i="1" smtClean="0">
+                        <a:latin typeface="Cambria Math" panose="02040503050406030204" pitchFamily="18" charset="0"/>
+                        <a:ea typeface="Cambria Math" panose="02040503050406030204" pitchFamily="18" charset="0"/>
+                      </a:rPr>
+                      <m:t>,</m:t>
+                    </m:r>
+                    <m:r>
+                      <a:rPr lang="en-US" sz="2000" b="0" i="1" smtClean="0">
+                        <a:latin typeface="Cambria Math" panose="02040503050406030204" pitchFamily="18" charset="0"/>
+                        <a:ea typeface="Cambria Math" panose="02040503050406030204" pitchFamily="18" charset="0"/>
+                      </a:rPr>
+                      <m:t>𝑅</m:t>
+                    </m:r>
+                    <m:d>
+                      <m:dPr>
+                        <m:ctrlPr>
+                          <a:rPr lang="ru-RU" sz="2000" b="0" i="1" smtClean="0">
+                            <a:latin typeface="Cambria Math" panose="02040503050406030204" pitchFamily="18" charset="0"/>
+                            <a:ea typeface="Cambria Math" panose="02040503050406030204" pitchFamily="18" charset="0"/>
+                          </a:rPr>
+                        </m:ctrlPr>
+                      </m:dPr>
+                      <m:e>
+                        <m:r>
+                          <a:rPr lang="en-US" sz="2000" b="0" i="1" smtClean="0">
+                            <a:latin typeface="Cambria Math" panose="02040503050406030204" pitchFamily="18" charset="0"/>
+                            <a:ea typeface="Cambria Math" panose="02040503050406030204" pitchFamily="18" charset="0"/>
+                          </a:rPr>
+                          <m:t>0</m:t>
+                        </m:r>
+                      </m:e>
+                    </m:d>
+                    <m:r>
+                      <a:rPr lang="en-US" sz="2000" b="0" i="1" smtClean="0">
+                        <a:latin typeface="Cambria Math" panose="02040503050406030204" pitchFamily="18" charset="0"/>
+                        <a:ea typeface="Cambria Math" panose="02040503050406030204" pitchFamily="18" charset="0"/>
+                      </a:rPr>
+                      <m:t>=</m:t>
+                    </m:r>
+                    <m:sSub>
+                      <m:sSubPr>
+                        <m:ctrlPr>
+                          <a:rPr lang="en-US" sz="2000" i="1">
+                            <a:latin typeface="Cambria Math" panose="02040503050406030204" pitchFamily="18" charset="0"/>
+                            <a:ea typeface="Cambria Math" panose="02040503050406030204" pitchFamily="18" charset="0"/>
+                          </a:rPr>
+                        </m:ctrlPr>
+                      </m:sSubPr>
+                      <m:e>
+                        <m:r>
+                          <a:rPr lang="en-US" sz="2000" b="0" i="1" smtClean="0">
+                            <a:latin typeface="Cambria Math" panose="02040503050406030204" pitchFamily="18" charset="0"/>
+                            <a:ea typeface="Cambria Math" panose="02040503050406030204" pitchFamily="18" charset="0"/>
+                          </a:rPr>
+                          <m:t>𝑅</m:t>
+                        </m:r>
+                      </m:e>
+                      <m:sub>
+                        <m:r>
+                          <a:rPr lang="en-US" sz="2000" i="1">
+                            <a:latin typeface="Cambria Math" panose="02040503050406030204" pitchFamily="18" charset="0"/>
+                            <a:ea typeface="Cambria Math" panose="02040503050406030204" pitchFamily="18" charset="0"/>
+                          </a:rPr>
+                          <m:t>0</m:t>
+                        </m:r>
+                      </m:sub>
+                    </m:sSub>
+                  </m:oMath>
+                </a14:m>
+                <a:r>
+                  <a:rPr lang="en-US" sz="2000" dirty="0">
+                    <a:latin typeface="Times New Roman"/>
+                    <a:cs typeface="Times New Roman"/>
+                  </a:rPr>
+                  <a:t> – </a:t>
+                </a:r>
+                <a:r>
+                  <a:rPr lang="ru-RU" sz="2000" dirty="0">
+                    <a:latin typeface="Times New Roman"/>
+                    <a:cs typeface="Times New Roman"/>
+                  </a:rPr>
+                  <a:t>начальные условия</a:t>
+                </a:r>
+                <a:r>
+                  <a:rPr lang="en-US" sz="2000" dirty="0">
+                    <a:latin typeface="Times New Roman"/>
+                    <a:cs typeface="Times New Roman"/>
+                  </a:rPr>
+                  <a:t>.</a:t>
+                </a:r>
+                <a:endParaRPr lang="ru-RU" sz="2000" dirty="0">
+                  <a:latin typeface="Times New Roman"/>
+                  <a:cs typeface="Times New Roman"/>
+                </a:endParaRPr>
+              </a:p>
+            </p:txBody>
+          </p:sp>
+        </mc:Choice>
+        <mc:Fallback>
+          <p:sp>
+            <p:nvSpPr>
+              <p:cNvPr id="19" name="TextBox 18">
+                <a:extLst>
+                  <a:ext uri="{FF2B5EF4-FFF2-40B4-BE49-F238E27FC236}">
+                    <a16:creationId xmlns:a16="http://schemas.microsoft.com/office/drawing/2014/main" id="{0F8C1F8F-1AD8-3B17-A3BA-08FCA0FE8332}"/>
+                  </a:ext>
+                </a:extLst>
+              </p:cNvPr>
+              <p:cNvSpPr txBox="1">
+                <a:spLocks noRot="1" noChangeAspect="1" noMove="1" noResize="1" noEditPoints="1" noAdjustHandles="1" noChangeArrowheads="1" noChangeShapeType="1" noTextEdit="1"/>
+              </p:cNvSpPr>
+              <p:nvPr/>
+            </p:nvSpPr>
+            <p:spPr>
+              <a:xfrm>
+                <a:off x="506085" y="5389176"/>
+                <a:ext cx="6391395" cy="1323439"/>
+              </a:xfrm>
+              <a:prstGeom prst="rect">
+                <a:avLst/>
+              </a:prstGeom>
+              <a:blipFill>
+                <a:blip r:embed="rId2"/>
+                <a:stretch>
+                  <a:fillRect l="-954" t="-2304" b="-7373"/>
+                </a:stretch>
+              </a:blipFill>
+            </p:spPr>
+            <p:txBody>
+              <a:bodyPr/>
+              <a:lstStyle/>
+              <a:p>
+                <a:r>
+                  <a:rPr lang="ru-RU">
+                    <a:noFill/>
+                  </a:rPr>
+                  <a:t> </a:t>
+                </a:r>
+              </a:p>
+            </p:txBody>
+          </p:sp>
+        </mc:Fallback>
+      </mc:AlternateContent>
       <p:sp>
         <p:nvSpPr>
           <p:cNvPr id="22" name="TextBox 21">
@@ -21968,7 +22905,7 @@
         </p:blipFill>
         <p:spPr>
           <a:xfrm>
-            <a:off x="5686367" y="2403180"/>
+            <a:off x="5686367" y="2235198"/>
             <a:ext cx="5940751" cy="4126459"/>
           </a:xfrm>
           <a:prstGeom prst="rect">
@@ -22335,78 +23272,378 @@
           </a:p>
         </p:txBody>
       </p:sp>
-      <p:sp>
-        <p:nvSpPr>
-          <p:cNvPr id="27" name="TextBox 26">
-            <a:extLst>
-              <a:ext uri="{FF2B5EF4-FFF2-40B4-BE49-F238E27FC236}">
-                <a16:creationId xmlns:a16="http://schemas.microsoft.com/office/drawing/2014/main" id="{57990D4F-5173-33FB-FF15-3CB8AF49197D}"/>
-              </a:ext>
-            </a:extLst>
-          </p:cNvPr>
-          <p:cNvSpPr txBox="1"/>
-          <p:nvPr/>
-        </p:nvSpPr>
-        <p:spPr>
-          <a:xfrm>
-            <a:off x="1320101" y="5349365"/>
-            <a:ext cx="4114799" cy="707886"/>
-          </a:xfrm>
-          <a:prstGeom prst="rect">
-            <a:avLst/>
-          </a:prstGeom>
-          <a:noFill/>
-        </p:spPr>
-        <p:txBody>
-          <a:bodyPr rot="0" spcFirstLastPara="0" vertOverflow="overflow" horzOverflow="overflow" vert="horz" wrap="square" lIns="91440" tIns="45720" rIns="91440" bIns="45720" numCol="1" spcCol="0" rtlCol="0" fromWordArt="0" anchor="t" anchorCtr="0" forceAA="0" compatLnSpc="1">
-            <a:prstTxWarp prst="textNoShape">
-              <a:avLst/>
-            </a:prstTxWarp>
-            <a:spAutoFit/>
-          </a:bodyPr>
-          <a:lstStyle/>
-          <a:p>
-            <a:r>
-              <a:rPr lang="ru-RU" sz="2000" dirty="0">
-                <a:latin typeface="Times New Roman"/>
-                <a:cs typeface="Times New Roman"/>
-              </a:rPr>
-              <a:t>где </a:t>
-            </a:r>
-            <a:endParaRPr lang="ru-RU" dirty="0"/>
-          </a:p>
-          <a:p>
-            <a:r>
-              <a:rPr lang="ru-RU" sz="2000" dirty="0">
-                <a:solidFill>
-                  <a:srgbClr val="202122"/>
-                </a:solidFill>
-                <a:latin typeface="Times New Roman"/>
-                <a:cs typeface="Times New Roman"/>
-              </a:rPr>
-              <a:t>β</a:t>
-            </a:r>
-            <a:r>
-              <a:rPr lang="ru-RU" sz="2000" dirty="0">
-                <a:solidFill>
-                  <a:srgbClr val="202122"/>
-                </a:solidFill>
-                <a:latin typeface="Times New Roman"/>
-                <a:ea typeface="+mn-lt"/>
-                <a:cs typeface="+mn-lt"/>
-              </a:rPr>
-              <a:t> </a:t>
-            </a:r>
-            <a:r>
-              <a:rPr lang="ru-RU" sz="2000" dirty="0">
-                <a:latin typeface="Times New Roman"/>
-                <a:cs typeface="Times New Roman"/>
-              </a:rPr>
-              <a:t>— скорость передачи инфекции.</a:t>
-            </a:r>
-          </a:p>
-        </p:txBody>
-      </p:sp>
+      <mc:AlternateContent xmlns:mc="http://schemas.openxmlformats.org/markup-compatibility/2006">
+        <mc:Choice xmlns:a14="http://schemas.microsoft.com/office/drawing/2010/main" Requires="a14">
+          <p:sp>
+            <p:nvSpPr>
+              <p:cNvPr id="27" name="TextBox 26">
+                <a:extLst>
+                  <a:ext uri="{FF2B5EF4-FFF2-40B4-BE49-F238E27FC236}">
+                    <a16:creationId xmlns:a16="http://schemas.microsoft.com/office/drawing/2014/main" id="{57990D4F-5173-33FB-FF15-3CB8AF49197D}"/>
+                  </a:ext>
+                </a:extLst>
+              </p:cNvPr>
+              <p:cNvSpPr txBox="1"/>
+              <p:nvPr/>
+            </p:nvSpPr>
+            <p:spPr>
+              <a:xfrm>
+                <a:off x="734248" y="5186084"/>
+                <a:ext cx="4627503" cy="1323439"/>
+              </a:xfrm>
+              <a:prstGeom prst="rect">
+                <a:avLst/>
+              </a:prstGeom>
+              <a:noFill/>
+            </p:spPr>
+            <p:txBody>
+              <a:bodyPr rot="0" spcFirstLastPara="0" vertOverflow="overflow" horzOverflow="overflow" vert="horz" wrap="square" lIns="91440" tIns="45720" rIns="91440" bIns="45720" numCol="1" spcCol="0" rtlCol="0" fromWordArt="0" anchor="t" anchorCtr="0" forceAA="0" compatLnSpc="1">
+                <a:prstTxWarp prst="textNoShape">
+                  <a:avLst/>
+                </a:prstTxWarp>
+                <a:spAutoFit/>
+              </a:bodyPr>
+              <a:lstStyle/>
+              <a:p>
+                <a:r>
+                  <a:rPr lang="ru-RU" sz="2000" dirty="0">
+                    <a:latin typeface="Times New Roman"/>
+                    <a:cs typeface="Times New Roman"/>
+                  </a:rPr>
+                  <a:t>где </a:t>
+                </a:r>
+                <a:endParaRPr lang="ru-RU" dirty="0"/>
+              </a:p>
+              <a:p>
+                <a:r>
+                  <a:rPr lang="ru-RU" sz="2000" dirty="0">
+                    <a:solidFill>
+                      <a:srgbClr val="202122"/>
+                    </a:solidFill>
+                    <a:latin typeface="Times New Roman"/>
+                    <a:cs typeface="Times New Roman"/>
+                  </a:rPr>
+                  <a:t>β</a:t>
+                </a:r>
+                <a:r>
+                  <a:rPr lang="ru-RU" sz="2000" dirty="0">
+                    <a:solidFill>
+                      <a:srgbClr val="202122"/>
+                    </a:solidFill>
+                    <a:latin typeface="Times New Roman"/>
+                    <a:ea typeface="+mn-lt"/>
+                    <a:cs typeface="+mn-lt"/>
+                  </a:rPr>
+                  <a:t> </a:t>
+                </a:r>
+                <a:r>
+                  <a:rPr lang="en-US" sz="2000" dirty="0">
+                    <a:latin typeface="Times New Roman"/>
+                    <a:cs typeface="Times New Roman"/>
+                  </a:rPr>
+                  <a:t> –</a:t>
+                </a:r>
+                <a:r>
+                  <a:rPr lang="ru-RU" sz="2000" dirty="0">
+                    <a:latin typeface="Times New Roman"/>
+                    <a:cs typeface="Times New Roman"/>
+                  </a:rPr>
+                  <a:t> скорость передачи инфекции</a:t>
+                </a:r>
+                <a:r>
+                  <a:rPr lang="en-US" sz="2000" dirty="0">
+                    <a:solidFill>
+                      <a:srgbClr val="202122"/>
+                    </a:solidFill>
+                    <a:latin typeface="Times New Roman"/>
+                    <a:cs typeface="Times New Roman"/>
+                  </a:rPr>
+                  <a:t>;</a:t>
+                </a:r>
+                <a:br>
+                  <a:rPr lang="ru-RU" sz="2000" dirty="0">
+                    <a:solidFill>
+                      <a:srgbClr val="202122"/>
+                    </a:solidFill>
+                    <a:latin typeface="Times New Roman"/>
+                    <a:cs typeface="Times New Roman"/>
+                  </a:rPr>
+                </a:br>
+                <a14:m>
+                  <m:oMath xmlns:m="http://schemas.openxmlformats.org/officeDocument/2006/math">
+                    <m:r>
+                      <a:rPr lang="en-US" sz="2000" i="1">
+                        <a:latin typeface="Cambria Math" panose="02040503050406030204" pitchFamily="18" charset="0"/>
+                        <a:ea typeface="Cambria Math" panose="02040503050406030204" pitchFamily="18" charset="0"/>
+                      </a:rPr>
+                      <m:t>𝑆</m:t>
+                    </m:r>
+                    <m:d>
+                      <m:dPr>
+                        <m:ctrlPr>
+                          <a:rPr lang="ru-RU" sz="2000" i="1">
+                            <a:latin typeface="Cambria Math" panose="02040503050406030204" pitchFamily="18" charset="0"/>
+                            <a:ea typeface="Cambria Math" panose="02040503050406030204" pitchFamily="18" charset="0"/>
+                          </a:rPr>
+                        </m:ctrlPr>
+                      </m:dPr>
+                      <m:e>
+                        <m:r>
+                          <a:rPr lang="ru-RU" sz="2000" i="1">
+                            <a:latin typeface="Cambria Math" panose="02040503050406030204" pitchFamily="18" charset="0"/>
+                            <a:ea typeface="Cambria Math" panose="02040503050406030204" pitchFamily="18" charset="0"/>
+                          </a:rPr>
+                          <m:t>0</m:t>
+                        </m:r>
+                      </m:e>
+                    </m:d>
+                    <m:r>
+                      <a:rPr lang="en-US" sz="2000" i="1">
+                        <a:latin typeface="Cambria Math" panose="02040503050406030204" pitchFamily="18" charset="0"/>
+                        <a:ea typeface="Cambria Math" panose="02040503050406030204" pitchFamily="18" charset="0"/>
+                      </a:rPr>
+                      <m:t>=</m:t>
+                    </m:r>
+                    <m:sSub>
+                      <m:sSubPr>
+                        <m:ctrlPr>
+                          <a:rPr lang="en-US" sz="2000" i="1">
+                            <a:latin typeface="Cambria Math" panose="02040503050406030204" pitchFamily="18" charset="0"/>
+                            <a:ea typeface="Cambria Math" panose="02040503050406030204" pitchFamily="18" charset="0"/>
+                          </a:rPr>
+                        </m:ctrlPr>
+                      </m:sSubPr>
+                      <m:e>
+                        <m:r>
+                          <a:rPr lang="en-US" sz="2000" i="1">
+                            <a:latin typeface="Cambria Math" panose="02040503050406030204" pitchFamily="18" charset="0"/>
+                            <a:ea typeface="Cambria Math" panose="02040503050406030204" pitchFamily="18" charset="0"/>
+                          </a:rPr>
+                          <m:t>𝑆</m:t>
+                        </m:r>
+                      </m:e>
+                      <m:sub>
+                        <m:r>
+                          <a:rPr lang="en-US" sz="2000" i="1">
+                            <a:latin typeface="Cambria Math" panose="02040503050406030204" pitchFamily="18" charset="0"/>
+                            <a:ea typeface="Cambria Math" panose="02040503050406030204" pitchFamily="18" charset="0"/>
+                          </a:rPr>
+                          <m:t>0</m:t>
+                        </m:r>
+                      </m:sub>
+                    </m:sSub>
+                    <m:r>
+                      <a:rPr lang="en-US" sz="2000" i="1">
+                        <a:latin typeface="Cambria Math" panose="02040503050406030204" pitchFamily="18" charset="0"/>
+                        <a:ea typeface="Cambria Math" panose="02040503050406030204" pitchFamily="18" charset="0"/>
+                      </a:rPr>
+                      <m:t>,</m:t>
+                    </m:r>
+                    <m:r>
+                      <a:rPr lang="en-US" sz="2000" i="1">
+                        <a:latin typeface="Cambria Math" panose="02040503050406030204" pitchFamily="18" charset="0"/>
+                        <a:ea typeface="Cambria Math" panose="02040503050406030204" pitchFamily="18" charset="0"/>
+                      </a:rPr>
+                      <m:t>𝐼</m:t>
+                    </m:r>
+                    <m:d>
+                      <m:dPr>
+                        <m:ctrlPr>
+                          <a:rPr lang="ru-RU" sz="2000" i="1">
+                            <a:latin typeface="Cambria Math" panose="02040503050406030204" pitchFamily="18" charset="0"/>
+                            <a:ea typeface="Cambria Math" panose="02040503050406030204" pitchFamily="18" charset="0"/>
+                          </a:rPr>
+                        </m:ctrlPr>
+                      </m:dPr>
+                      <m:e>
+                        <m:r>
+                          <a:rPr lang="en-US" sz="2000" i="1">
+                            <a:latin typeface="Cambria Math" panose="02040503050406030204" pitchFamily="18" charset="0"/>
+                            <a:ea typeface="Cambria Math" panose="02040503050406030204" pitchFamily="18" charset="0"/>
+                          </a:rPr>
+                          <m:t>0</m:t>
+                        </m:r>
+                      </m:e>
+                    </m:d>
+                    <m:r>
+                      <a:rPr lang="en-US" sz="2000" i="1">
+                        <a:latin typeface="Cambria Math" panose="02040503050406030204" pitchFamily="18" charset="0"/>
+                        <a:ea typeface="Cambria Math" panose="02040503050406030204" pitchFamily="18" charset="0"/>
+                      </a:rPr>
+                      <m:t>=</m:t>
+                    </m:r>
+                    <m:sSub>
+                      <m:sSubPr>
+                        <m:ctrlPr>
+                          <a:rPr lang="en-US" sz="2000" i="1">
+                            <a:latin typeface="Cambria Math" panose="02040503050406030204" pitchFamily="18" charset="0"/>
+                            <a:ea typeface="Cambria Math" panose="02040503050406030204" pitchFamily="18" charset="0"/>
+                          </a:rPr>
+                        </m:ctrlPr>
+                      </m:sSubPr>
+                      <m:e>
+                        <m:r>
+                          <a:rPr lang="en-US" sz="2000" i="1">
+                            <a:latin typeface="Cambria Math" panose="02040503050406030204" pitchFamily="18" charset="0"/>
+                            <a:ea typeface="Cambria Math" panose="02040503050406030204" pitchFamily="18" charset="0"/>
+                          </a:rPr>
+                          <m:t>𝐼</m:t>
+                        </m:r>
+                      </m:e>
+                      <m:sub>
+                        <m:r>
+                          <a:rPr lang="en-US" sz="2000" i="1">
+                            <a:latin typeface="Cambria Math" panose="02040503050406030204" pitchFamily="18" charset="0"/>
+                            <a:ea typeface="Cambria Math" panose="02040503050406030204" pitchFamily="18" charset="0"/>
+                          </a:rPr>
+                          <m:t>0</m:t>
+                        </m:r>
+                      </m:sub>
+                    </m:sSub>
+                    <m:r>
+                      <a:rPr lang="en-US" sz="2000" i="1">
+                        <a:latin typeface="Cambria Math" panose="02040503050406030204" pitchFamily="18" charset="0"/>
+                        <a:ea typeface="Cambria Math" panose="02040503050406030204" pitchFamily="18" charset="0"/>
+                      </a:rPr>
+                      <m:t>,</m:t>
+                    </m:r>
+                    <m:r>
+                      <a:rPr lang="en-US" sz="2000" i="1">
+                        <a:latin typeface="Cambria Math" panose="02040503050406030204" pitchFamily="18" charset="0"/>
+                        <a:ea typeface="Cambria Math" panose="02040503050406030204" pitchFamily="18" charset="0"/>
+                      </a:rPr>
+                      <m:t>𝑅</m:t>
+                    </m:r>
+                    <m:d>
+                      <m:dPr>
+                        <m:ctrlPr>
+                          <a:rPr lang="ru-RU" sz="2000" i="1">
+                            <a:latin typeface="Cambria Math" panose="02040503050406030204" pitchFamily="18" charset="0"/>
+                            <a:ea typeface="Cambria Math" panose="02040503050406030204" pitchFamily="18" charset="0"/>
+                          </a:rPr>
+                        </m:ctrlPr>
+                      </m:dPr>
+                      <m:e>
+                        <m:r>
+                          <a:rPr lang="en-US" sz="2000" i="1">
+                            <a:latin typeface="Cambria Math" panose="02040503050406030204" pitchFamily="18" charset="0"/>
+                            <a:ea typeface="Cambria Math" panose="02040503050406030204" pitchFamily="18" charset="0"/>
+                          </a:rPr>
+                          <m:t>0</m:t>
+                        </m:r>
+                      </m:e>
+                    </m:d>
+                    <m:r>
+                      <a:rPr lang="en-US" sz="2000" i="1">
+                        <a:latin typeface="Cambria Math" panose="02040503050406030204" pitchFamily="18" charset="0"/>
+                        <a:ea typeface="Cambria Math" panose="02040503050406030204" pitchFamily="18" charset="0"/>
+                      </a:rPr>
+                      <m:t>=</m:t>
+                    </m:r>
+                    <m:sSub>
+                      <m:sSubPr>
+                        <m:ctrlPr>
+                          <a:rPr lang="en-US" sz="2000" i="1">
+                            <a:latin typeface="Cambria Math" panose="02040503050406030204" pitchFamily="18" charset="0"/>
+                            <a:ea typeface="Cambria Math" panose="02040503050406030204" pitchFamily="18" charset="0"/>
+                          </a:rPr>
+                        </m:ctrlPr>
+                      </m:sSubPr>
+                      <m:e>
+                        <m:r>
+                          <a:rPr lang="en-US" sz="2000" i="1">
+                            <a:latin typeface="Cambria Math" panose="02040503050406030204" pitchFamily="18" charset="0"/>
+                            <a:ea typeface="Cambria Math" panose="02040503050406030204" pitchFamily="18" charset="0"/>
+                          </a:rPr>
+                          <m:t>𝑅</m:t>
+                        </m:r>
+                      </m:e>
+                      <m:sub>
+                        <m:r>
+                          <a:rPr lang="en-US" sz="2000" i="1">
+                            <a:latin typeface="Cambria Math" panose="02040503050406030204" pitchFamily="18" charset="0"/>
+                            <a:ea typeface="Cambria Math" panose="02040503050406030204" pitchFamily="18" charset="0"/>
+                          </a:rPr>
+                          <m:t>0</m:t>
+                        </m:r>
+                      </m:sub>
+                    </m:sSub>
+                  </m:oMath>
+                </a14:m>
+                <a:r>
+                  <a:rPr lang="en-US" sz="2000" dirty="0">
+                    <a:latin typeface="Times New Roman"/>
+                    <a:cs typeface="Times New Roman"/>
+                  </a:rPr>
+                  <a:t> – </a:t>
+                </a:r>
+                <a:r>
+                  <a:rPr lang="ru-RU" sz="2000" dirty="0">
+                    <a:latin typeface="Times New Roman"/>
+                    <a:cs typeface="Times New Roman"/>
+                  </a:rPr>
+                  <a:t>начальные условия</a:t>
+                </a:r>
+                <a:r>
+                  <a:rPr lang="en-US" sz="2000" dirty="0">
+                    <a:latin typeface="Times New Roman"/>
+                    <a:cs typeface="Times New Roman"/>
+                  </a:rPr>
+                  <a:t>.</a:t>
+                </a:r>
+                <a:endParaRPr lang="ru-RU" sz="2000" dirty="0">
+                  <a:latin typeface="Times New Roman"/>
+                  <a:cs typeface="Times New Roman"/>
+                </a:endParaRPr>
+              </a:p>
+            </p:txBody>
+          </p:sp>
+        </mc:Choice>
+        <mc:Fallback>
+          <p:sp>
+            <p:nvSpPr>
+              <p:cNvPr id="27" name="TextBox 26">
+                <a:extLst>
+                  <a:ext uri="{FF2B5EF4-FFF2-40B4-BE49-F238E27FC236}">
+                    <a16:creationId xmlns:a16="http://schemas.microsoft.com/office/drawing/2014/main" id="{57990D4F-5173-33FB-FF15-3CB8AF49197D}"/>
+                  </a:ext>
+                </a:extLst>
+              </p:cNvPr>
+              <p:cNvSpPr txBox="1">
+                <a:spLocks noRot="1" noChangeAspect="1" noMove="1" noResize="1" noEditPoints="1" noAdjustHandles="1" noChangeArrowheads="1" noChangeShapeType="1" noTextEdit="1"/>
+              </p:cNvSpPr>
+              <p:nvPr/>
+            </p:nvSpPr>
+            <p:spPr>
+              <a:xfrm>
+                <a:off x="734248" y="5186084"/>
+                <a:ext cx="4627503" cy="1323439"/>
+              </a:xfrm>
+              <a:prstGeom prst="rect">
+                <a:avLst/>
+              </a:prstGeom>
+              <a:blipFill>
+                <a:blip r:embed="rId2"/>
+                <a:stretch>
+                  <a:fillRect l="-1316" t="-2765" b="-7373"/>
+                </a:stretch>
+              </a:blipFill>
+            </p:spPr>
+            <p:txBody>
+              <a:bodyPr/>
+              <a:lstStyle/>
+              <a:p>
+                <a:r>
+                  <a:rPr lang="ru-RU">
+                    <a:noFill/>
+                  </a:rPr>
+                  <a:t> </a:t>
+                </a:r>
+              </a:p>
+            </p:txBody>
+          </p:sp>
+        </mc:Fallback>
+      </mc:AlternateContent>
       <p:sp>
         <p:nvSpPr>
           <p:cNvPr id="31" name="TextBox 30">
@@ -23390,8 +24627,8 @@
           </a:p>
         </p:txBody>
       </p:sp>
-      <mc:AlternateContent xmlns:mc="http://schemas.openxmlformats.org/markup-compatibility/2006" xmlns:a14="http://schemas.microsoft.com/office/drawing/2010/main">
-        <mc:Choice Requires="a14">
+      <mc:AlternateContent xmlns:mc="http://schemas.openxmlformats.org/markup-compatibility/2006">
+        <mc:Choice xmlns:a14="http://schemas.microsoft.com/office/drawing/2010/main" Requires="a14">
           <p:sp>
             <p:nvSpPr>
               <p:cNvPr id="12" name="TextBox 11">
@@ -23407,7 +24644,7 @@
             <p:spPr>
               <a:xfrm>
                 <a:off x="412250" y="4808049"/>
-                <a:ext cx="4354285" cy="1323439"/>
+                <a:ext cx="4354285" cy="1938992"/>
               </a:xfrm>
               <a:prstGeom prst="rect">
                 <a:avLst/>
@@ -23455,14 +24692,11 @@
                   <a:t> </a:t>
                 </a:r>
                 <a:r>
-                  <a:rPr lang="ru-RU" sz="2000" dirty="0">
-                    <a:solidFill>
-                      <a:srgbClr val="000000"/>
-                    </a:solidFill>
+                  <a:rPr lang="en-US" sz="2000" dirty="0">
                     <a:latin typeface="Times New Roman"/>
                     <a:cs typeface="Times New Roman"/>
                   </a:rPr>
-                  <a:t>—</a:t>
+                  <a:t>–</a:t>
                 </a:r>
                 <a:r>
                   <a:rPr lang="ru-RU" sz="2000" dirty="0">
@@ -23484,6 +24718,13 @@
                   <a:t>γ </a:t>
                 </a:r>
                 <a:r>
+                  <a:rPr lang="en-US" sz="2000" dirty="0">
+                    <a:latin typeface="Times New Roman"/>
+                    <a:cs typeface="Times New Roman"/>
+                  </a:rPr>
+                  <a:t>–</a:t>
+                </a:r>
+                <a:r>
                   <a:rPr lang="ru-RU" sz="2000" dirty="0">
                     <a:solidFill>
                       <a:srgbClr val="000000"/>
@@ -23491,7 +24732,7 @@
                     <a:latin typeface="Times New Roman"/>
                     <a:cs typeface="Times New Roman"/>
                   </a:rPr>
-                  <a:t>— </a:t>
+                  <a:t> </a:t>
                 </a:r>
                 <a:r>
                   <a:rPr lang="ru-RU" sz="2000" dirty="0">
@@ -23532,6 +24773,13 @@
                   </m:oMath>
                 </a14:m>
                 <a:r>
+                  <a:rPr lang="en-US" sz="2000" dirty="0">
+                    <a:latin typeface="Times New Roman"/>
+                    <a:cs typeface="Times New Roman"/>
+                  </a:rPr>
+                  <a:t>–</a:t>
+                </a:r>
+                <a:r>
                   <a:rPr lang="ru-RU" sz="2000" dirty="0">
                     <a:solidFill>
                       <a:srgbClr val="000000"/>
@@ -23539,7 +24787,7 @@
                     <a:latin typeface="Times New Roman" panose="02020603050405020304" pitchFamily="18" charset="0"/>
                     <a:cs typeface="Times New Roman" panose="02020603050405020304" pitchFamily="18" charset="0"/>
                   </a:rPr>
-                  <a:t>— </a:t>
+                  <a:t> </a:t>
                 </a:r>
                 <a:r>
                   <a:rPr lang="ru-RU" sz="2000" dirty="0">
@@ -23550,8 +24798,242 @@
                 </a:r>
                 <a:r>
                   <a:rPr lang="en-US" sz="2000" dirty="0">
-                    <a:latin typeface="Times New Roman" panose="02020603050405020304" pitchFamily="18" charset="0"/>
-                    <a:cs typeface="Times New Roman" panose="02020603050405020304" pitchFamily="18" charset="0"/>
+                    <a:solidFill>
+                      <a:srgbClr val="202122"/>
+                    </a:solidFill>
+                    <a:latin typeface="Times New Roman"/>
+                    <a:cs typeface="Times New Roman"/>
+                  </a:rPr>
+                  <a:t>;</a:t>
+                </a:r>
+                <a:br>
+                  <a:rPr lang="ru-RU" sz="2000" dirty="0">
+                    <a:solidFill>
+                      <a:srgbClr val="202122"/>
+                    </a:solidFill>
+                    <a:latin typeface="Times New Roman"/>
+                    <a:cs typeface="Times New Roman"/>
+                  </a:rPr>
+                </a:br>
+                <a14:m>
+                  <m:oMath xmlns:m="http://schemas.openxmlformats.org/officeDocument/2006/math">
+                    <m:r>
+                      <a:rPr lang="en-US" sz="2000" i="1">
+                        <a:latin typeface="Cambria Math" panose="02040503050406030204" pitchFamily="18" charset="0"/>
+                        <a:ea typeface="Cambria Math" panose="02040503050406030204" pitchFamily="18" charset="0"/>
+                      </a:rPr>
+                      <m:t>𝑆</m:t>
+                    </m:r>
+                    <m:d>
+                      <m:dPr>
+                        <m:ctrlPr>
+                          <a:rPr lang="ru-RU" sz="2000" i="1">
+                            <a:latin typeface="Cambria Math" panose="02040503050406030204" pitchFamily="18" charset="0"/>
+                            <a:ea typeface="Cambria Math" panose="02040503050406030204" pitchFamily="18" charset="0"/>
+                          </a:rPr>
+                        </m:ctrlPr>
+                      </m:dPr>
+                      <m:e>
+                        <m:r>
+                          <a:rPr lang="ru-RU" sz="2000" i="1">
+                            <a:latin typeface="Cambria Math" panose="02040503050406030204" pitchFamily="18" charset="0"/>
+                            <a:ea typeface="Cambria Math" panose="02040503050406030204" pitchFamily="18" charset="0"/>
+                          </a:rPr>
+                          <m:t>0</m:t>
+                        </m:r>
+                      </m:e>
+                    </m:d>
+                    <m:r>
+                      <a:rPr lang="en-US" sz="2000" i="1">
+                        <a:latin typeface="Cambria Math" panose="02040503050406030204" pitchFamily="18" charset="0"/>
+                        <a:ea typeface="Cambria Math" panose="02040503050406030204" pitchFamily="18" charset="0"/>
+                      </a:rPr>
+                      <m:t>=</m:t>
+                    </m:r>
+                    <m:sSub>
+                      <m:sSubPr>
+                        <m:ctrlPr>
+                          <a:rPr lang="en-US" sz="2000" i="1">
+                            <a:latin typeface="Cambria Math" panose="02040503050406030204" pitchFamily="18" charset="0"/>
+                            <a:ea typeface="Cambria Math" panose="02040503050406030204" pitchFamily="18" charset="0"/>
+                          </a:rPr>
+                        </m:ctrlPr>
+                      </m:sSubPr>
+                      <m:e>
+                        <m:r>
+                          <a:rPr lang="en-US" sz="2000" i="1">
+                            <a:latin typeface="Cambria Math" panose="02040503050406030204" pitchFamily="18" charset="0"/>
+                            <a:ea typeface="Cambria Math" panose="02040503050406030204" pitchFamily="18" charset="0"/>
+                          </a:rPr>
+                          <m:t>𝑆</m:t>
+                        </m:r>
+                      </m:e>
+                      <m:sub>
+                        <m:r>
+                          <a:rPr lang="en-US" sz="2000" i="1">
+                            <a:latin typeface="Cambria Math" panose="02040503050406030204" pitchFamily="18" charset="0"/>
+                            <a:ea typeface="Cambria Math" panose="02040503050406030204" pitchFamily="18" charset="0"/>
+                          </a:rPr>
+                          <m:t>0</m:t>
+                        </m:r>
+                      </m:sub>
+                    </m:sSub>
+                    <m:r>
+                      <a:rPr lang="en-US" sz="2000" i="1">
+                        <a:latin typeface="Cambria Math" panose="02040503050406030204" pitchFamily="18" charset="0"/>
+                        <a:ea typeface="Cambria Math" panose="02040503050406030204" pitchFamily="18" charset="0"/>
+                      </a:rPr>
+                      <m:t>,</m:t>
+                    </m:r>
+                    <m:r>
+                      <a:rPr lang="en-US" sz="2000" i="1">
+                        <a:latin typeface="Cambria Math" panose="02040503050406030204" pitchFamily="18" charset="0"/>
+                        <a:ea typeface="Cambria Math" panose="02040503050406030204" pitchFamily="18" charset="0"/>
+                      </a:rPr>
+                      <m:t>𝐼</m:t>
+                    </m:r>
+                    <m:d>
+                      <m:dPr>
+                        <m:ctrlPr>
+                          <a:rPr lang="ru-RU" sz="2000" i="1">
+                            <a:latin typeface="Cambria Math" panose="02040503050406030204" pitchFamily="18" charset="0"/>
+                            <a:ea typeface="Cambria Math" panose="02040503050406030204" pitchFamily="18" charset="0"/>
+                          </a:rPr>
+                        </m:ctrlPr>
+                      </m:dPr>
+                      <m:e>
+                        <m:r>
+                          <a:rPr lang="en-US" sz="2000" i="1">
+                            <a:latin typeface="Cambria Math" panose="02040503050406030204" pitchFamily="18" charset="0"/>
+                            <a:ea typeface="Cambria Math" panose="02040503050406030204" pitchFamily="18" charset="0"/>
+                          </a:rPr>
+                          <m:t>0</m:t>
+                        </m:r>
+                      </m:e>
+                    </m:d>
+                    <m:r>
+                      <a:rPr lang="en-US" sz="2000" i="1">
+                        <a:latin typeface="Cambria Math" panose="02040503050406030204" pitchFamily="18" charset="0"/>
+                        <a:ea typeface="Cambria Math" panose="02040503050406030204" pitchFamily="18" charset="0"/>
+                      </a:rPr>
+                      <m:t>=</m:t>
+                    </m:r>
+                    <m:sSub>
+                      <m:sSubPr>
+                        <m:ctrlPr>
+                          <a:rPr lang="en-US" sz="2000" i="1">
+                            <a:latin typeface="Cambria Math" panose="02040503050406030204" pitchFamily="18" charset="0"/>
+                            <a:ea typeface="Cambria Math" panose="02040503050406030204" pitchFamily="18" charset="0"/>
+                          </a:rPr>
+                        </m:ctrlPr>
+                      </m:sSubPr>
+                      <m:e>
+                        <m:r>
+                          <a:rPr lang="en-US" sz="2000" i="1">
+                            <a:latin typeface="Cambria Math" panose="02040503050406030204" pitchFamily="18" charset="0"/>
+                            <a:ea typeface="Cambria Math" panose="02040503050406030204" pitchFamily="18" charset="0"/>
+                          </a:rPr>
+                          <m:t>𝐼</m:t>
+                        </m:r>
+                      </m:e>
+                      <m:sub>
+                        <m:r>
+                          <a:rPr lang="en-US" sz="2000" i="1">
+                            <a:latin typeface="Cambria Math" panose="02040503050406030204" pitchFamily="18" charset="0"/>
+                            <a:ea typeface="Cambria Math" panose="02040503050406030204" pitchFamily="18" charset="0"/>
+                          </a:rPr>
+                          <m:t>0</m:t>
+                        </m:r>
+                      </m:sub>
+                    </m:sSub>
+                    <m:r>
+                      <a:rPr lang="en-US" sz="2000" i="1">
+                        <a:latin typeface="Cambria Math" panose="02040503050406030204" pitchFamily="18" charset="0"/>
+                        <a:ea typeface="Cambria Math" panose="02040503050406030204" pitchFamily="18" charset="0"/>
+                      </a:rPr>
+                      <m:t>,</m:t>
+                    </m:r>
+                    <m:r>
+                      <a:rPr lang="en-US" sz="2000" i="1">
+                        <a:latin typeface="Cambria Math" panose="02040503050406030204" pitchFamily="18" charset="0"/>
+                        <a:ea typeface="Cambria Math" panose="02040503050406030204" pitchFamily="18" charset="0"/>
+                      </a:rPr>
+                      <m:t>𝑅</m:t>
+                    </m:r>
+                    <m:d>
+                      <m:dPr>
+                        <m:ctrlPr>
+                          <a:rPr lang="ru-RU" sz="2000" i="1">
+                            <a:latin typeface="Cambria Math" panose="02040503050406030204" pitchFamily="18" charset="0"/>
+                            <a:ea typeface="Cambria Math" panose="02040503050406030204" pitchFamily="18" charset="0"/>
+                          </a:rPr>
+                        </m:ctrlPr>
+                      </m:dPr>
+                      <m:e>
+                        <m:r>
+                          <a:rPr lang="en-US" sz="2000" i="1">
+                            <a:latin typeface="Cambria Math" panose="02040503050406030204" pitchFamily="18" charset="0"/>
+                            <a:ea typeface="Cambria Math" panose="02040503050406030204" pitchFamily="18" charset="0"/>
+                          </a:rPr>
+                          <m:t>0</m:t>
+                        </m:r>
+                      </m:e>
+                    </m:d>
+                    <m:r>
+                      <a:rPr lang="en-US" sz="2000" i="1">
+                        <a:latin typeface="Cambria Math" panose="02040503050406030204" pitchFamily="18" charset="0"/>
+                        <a:ea typeface="Cambria Math" panose="02040503050406030204" pitchFamily="18" charset="0"/>
+                      </a:rPr>
+                      <m:t>=</m:t>
+                    </m:r>
+                    <m:sSub>
+                      <m:sSubPr>
+                        <m:ctrlPr>
+                          <a:rPr lang="en-US" sz="2000" i="1">
+                            <a:latin typeface="Cambria Math" panose="02040503050406030204" pitchFamily="18" charset="0"/>
+                            <a:ea typeface="Cambria Math" panose="02040503050406030204" pitchFamily="18" charset="0"/>
+                          </a:rPr>
+                        </m:ctrlPr>
+                      </m:sSubPr>
+                      <m:e>
+                        <m:r>
+                          <a:rPr lang="en-US" sz="2000" i="1">
+                            <a:latin typeface="Cambria Math" panose="02040503050406030204" pitchFamily="18" charset="0"/>
+                            <a:ea typeface="Cambria Math" panose="02040503050406030204" pitchFamily="18" charset="0"/>
+                          </a:rPr>
+                          <m:t>𝑅</m:t>
+                        </m:r>
+                      </m:e>
+                      <m:sub>
+                        <m:r>
+                          <a:rPr lang="en-US" sz="2000" i="1">
+                            <a:latin typeface="Cambria Math" panose="02040503050406030204" pitchFamily="18" charset="0"/>
+                            <a:ea typeface="Cambria Math" panose="02040503050406030204" pitchFamily="18" charset="0"/>
+                          </a:rPr>
+                          <m:t>0</m:t>
+                        </m:r>
+                      </m:sub>
+                    </m:sSub>
+                  </m:oMath>
+                </a14:m>
+                <a:r>
+                  <a:rPr lang="en-US" sz="2000" dirty="0">
+                    <a:latin typeface="Times New Roman"/>
+                    <a:cs typeface="Times New Roman"/>
+                  </a:rPr>
+                  <a:t> – </a:t>
+                </a:r>
+                <a:r>
+                  <a:rPr lang="ru-RU" sz="2000" dirty="0">
+                    <a:latin typeface="Times New Roman"/>
+                    <a:cs typeface="Times New Roman"/>
+                  </a:rPr>
+                  <a:t>начальные условия</a:t>
+                </a:r>
+                <a:r>
+                  <a:rPr lang="en-US" sz="2000" dirty="0">
+                    <a:latin typeface="Times New Roman"/>
+                    <a:cs typeface="Times New Roman"/>
                   </a:rPr>
                   <a:t>.</a:t>
                 </a:r>
@@ -23563,7 +25045,7 @@
             </p:txBody>
           </p:sp>
         </mc:Choice>
-        <mc:Fallback xmlns="">
+        <mc:Fallback>
           <p:sp>
             <p:nvSpPr>
               <p:cNvPr id="12" name="TextBox 11">
@@ -23581,7 +25063,7 @@
             <p:spPr>
               <a:xfrm>
                 <a:off x="412250" y="4808049"/>
-                <a:ext cx="4354285" cy="1323439"/>
+                <a:ext cx="4354285" cy="1938992"/>
               </a:xfrm>
               <a:prstGeom prst="rect">
                 <a:avLst/>
@@ -23589,7 +25071,7 @@
               <a:blipFill>
                 <a:blip r:embed="rId2"/>
                 <a:stretch>
-                  <a:fillRect l="-1541" t="-2765" b="-7373"/>
+                  <a:fillRect l="-1541" t="-1887" b="-4717"/>
                 </a:stretch>
               </a:blipFill>
             </p:spPr>
@@ -24945,8 +26427,8 @@
         </p:nvSpPr>
         <p:spPr>
           <a:xfrm>
-            <a:off x="2533278" y="4918816"/>
-            <a:ext cx="4042227" cy="1754326"/>
+            <a:off x="2473115" y="5103674"/>
+            <a:ext cx="4042227" cy="1785104"/>
           </a:xfrm>
           <a:prstGeom prst="rect">
             <a:avLst/>
@@ -24983,7 +26465,22 @@
                 <a:ea typeface="+mn-lt"/>
                 <a:cs typeface="+mn-lt"/>
               </a:rPr>
-              <a:t>β — скорость заражения;</a:t>
+              <a:t>β </a:t>
+            </a:r>
+            <a:r>
+              <a:rPr lang="en-US" dirty="0">
+                <a:latin typeface="Times New Roman"/>
+                <a:cs typeface="Times New Roman"/>
+              </a:rPr>
+              <a:t>–</a:t>
+            </a:r>
+            <a:r>
+              <a:rPr lang="ru-RU" dirty="0">
+                <a:latin typeface="Times New Roman"/>
+                <a:ea typeface="+mn-lt"/>
+                <a:cs typeface="+mn-lt"/>
+              </a:rPr>
+              <a:t> скорость заражения;</a:t>
             </a:r>
             <a:endParaRPr lang="ru-RU" dirty="0">
               <a:latin typeface="Times New Roman"/>
@@ -24997,7 +26494,22 @@
                 <a:ea typeface="+mn-lt"/>
                 <a:cs typeface="+mn-lt"/>
               </a:rPr>
-              <a:t>γ — скорость выздоровления;</a:t>
+              <a:t>γ </a:t>
+            </a:r>
+            <a:r>
+              <a:rPr lang="en-US" dirty="0">
+                <a:latin typeface="Times New Roman"/>
+                <a:cs typeface="Times New Roman"/>
+              </a:rPr>
+              <a:t>–</a:t>
+            </a:r>
+            <a:r>
+              <a:rPr lang="ru-RU" dirty="0">
+                <a:latin typeface="Times New Roman"/>
+                <a:ea typeface="+mn-lt"/>
+                <a:cs typeface="+mn-lt"/>
+              </a:rPr>
+              <a:t> скорость выздоровления;</a:t>
             </a:r>
             <a:endParaRPr lang="ru-RU" dirty="0">
               <a:latin typeface="Times New Roman"/>
@@ -25011,7 +26523,22 @@
                 <a:ea typeface="+mn-lt"/>
                 <a:cs typeface="+mn-lt"/>
               </a:rPr>
-              <a:t>δ — скорость помещения в карантин;</a:t>
+              <a:t>δ </a:t>
+            </a:r>
+            <a:r>
+              <a:rPr lang="en-US" dirty="0">
+                <a:latin typeface="Times New Roman"/>
+                <a:cs typeface="Times New Roman"/>
+              </a:rPr>
+              <a:t>–</a:t>
+            </a:r>
+            <a:r>
+              <a:rPr lang="ru-RU" dirty="0">
+                <a:latin typeface="Times New Roman"/>
+                <a:ea typeface="+mn-lt"/>
+                <a:cs typeface="+mn-lt"/>
+              </a:rPr>
+              <a:t> скорость помещения в карантин;</a:t>
             </a:r>
             <a:endParaRPr lang="en-US" dirty="0">
               <a:latin typeface="Times New Roman"/>
@@ -25026,7 +26553,22 @@
                 <a:ea typeface="+mn-lt"/>
                 <a:cs typeface="+mn-lt"/>
               </a:rPr>
-              <a:t>μ — скорость выздоровления людей, находящихся на карантине.</a:t>
+              <a:t>μ </a:t>
+            </a:r>
+            <a:r>
+              <a:rPr lang="en-US" dirty="0">
+                <a:latin typeface="Times New Roman"/>
+                <a:cs typeface="Times New Roman"/>
+              </a:rPr>
+              <a:t>–</a:t>
+            </a:r>
+            <a:r>
+              <a:rPr lang="ru-RU" dirty="0">
+                <a:latin typeface="Times New Roman"/>
+                <a:ea typeface="+mn-lt"/>
+                <a:cs typeface="+mn-lt"/>
+              </a:rPr>
+              <a:t> скорость выздоровления людей, находящихся на карантине.</a:t>
             </a:r>
             <a:endParaRPr lang="ru-RU" dirty="0">
               <a:latin typeface="Times New Roman"/>
@@ -25424,8 +26966,8 @@
           </a:p>
         </p:txBody>
       </p:sp>
-      <mc:AlternateContent xmlns:mc="http://schemas.openxmlformats.org/markup-compatibility/2006" xmlns:a14="http://schemas.microsoft.com/office/drawing/2010/main">
-        <mc:Choice Requires="a14">
+      <mc:AlternateContent xmlns:mc="http://schemas.openxmlformats.org/markup-compatibility/2006">
+        <mc:Choice xmlns:a14="http://schemas.microsoft.com/office/drawing/2010/main" Requires="a14">
           <p:sp>
             <p:nvSpPr>
               <p:cNvPr id="3" name="Прямоугольник 2"/>
@@ -25790,7 +27332,7 @@
             </p:txBody>
           </p:sp>
         </mc:Choice>
-        <mc:Fallback xmlns="">
+        <mc:Fallback>
           <p:sp>
             <p:nvSpPr>
               <p:cNvPr id="3" name="Прямоугольник 2"/>
@@ -25808,7 +27350,7 @@
                 <a:avLst/>
               </a:prstGeom>
               <a:blipFill>
-                <a:blip r:embed="rId3"/>
+                <a:blip r:embed="rId2"/>
                 <a:stretch>
                   <a:fillRect/>
                 </a:stretch>
@@ -25932,7 +27474,7 @@
           <p:nvPr/>
         </p:nvPicPr>
         <p:blipFill>
-          <a:blip r:embed="rId4"/>
+          <a:blip r:embed="rId3"/>
           <a:stretch>
             <a:fillRect/>
           </a:stretch>

--- a/VKR_Volkova_VMO41.pptx
+++ b/VKR_Volkova_VMO41.pptx
@@ -7178,8 +7178,8 @@
           </a:p>
         </p:txBody>
       </p:sp>
-      <mc:AlternateContent xmlns:mc="http://schemas.openxmlformats.org/markup-compatibility/2006">
-        <mc:Choice xmlns:a14="http://schemas.microsoft.com/office/drawing/2010/main" Requires="a14">
+      <mc:AlternateContent xmlns:mc="http://schemas.openxmlformats.org/markup-compatibility/2006" xmlns:a14="http://schemas.microsoft.com/office/drawing/2010/main">
+        <mc:Choice Requires="a14">
           <p:sp>
             <p:nvSpPr>
               <p:cNvPr id="19" name="TextBox 18">
@@ -7347,7 +7347,7 @@
             </p:txBody>
           </p:sp>
         </mc:Choice>
-        <mc:Fallback>
+        <mc:Fallback xmlns="">
           <p:sp>
             <p:nvSpPr>
               <p:cNvPr id="19" name="TextBox 18">
@@ -12396,8 +12396,8 @@
           </p:sp>
         </mc:Fallback>
       </mc:AlternateContent>
-      <mc:AlternateContent xmlns:mc="http://schemas.openxmlformats.org/markup-compatibility/2006">
-        <mc:Choice xmlns:a14="http://schemas.microsoft.com/office/drawing/2010/main" Requires="a14">
+      <mc:AlternateContent xmlns:mc="http://schemas.openxmlformats.org/markup-compatibility/2006" xmlns:a14="http://schemas.microsoft.com/office/drawing/2010/main">
+        <mc:Choice Requires="a14">
           <p:sp>
             <p:nvSpPr>
               <p:cNvPr id="40" name="Прямоугольник 39"/>
@@ -12556,7 +12556,7 @@
             </p:txBody>
           </p:sp>
         </mc:Choice>
-        <mc:Fallback>
+        <mc:Fallback xmlns="">
           <p:sp>
             <p:nvSpPr>
               <p:cNvPr id="40" name="Прямоугольник 39"/>
@@ -14370,10 +14370,10 @@
       </p:sp>
       <p:pic>
         <p:nvPicPr>
-          <p:cNvPr id="11" name="Рисунок 10">
+          <p:cNvPr id="7" name="Рисунок 6">
             <a:extLst>
               <a:ext uri="{FF2B5EF4-FFF2-40B4-BE49-F238E27FC236}">
-                <a16:creationId xmlns:a16="http://schemas.microsoft.com/office/drawing/2014/main" id="{8764DB8B-5149-5E5A-5707-6AE840DE20A8}"/>
+                <a16:creationId xmlns:a16="http://schemas.microsoft.com/office/drawing/2014/main" id="{347BA40C-AF2C-4F55-C549-CACB5344B942}"/>
               </a:ext>
             </a:extLst>
           </p:cNvPr>
@@ -14396,8 +14396,8 @@
         </p:blipFill>
         <p:spPr>
           <a:xfrm>
-            <a:off x="433481" y="839069"/>
-            <a:ext cx="4796545" cy="5758148"/>
+            <a:off x="454931" y="846034"/>
+            <a:ext cx="5083505" cy="5853733"/>
           </a:xfrm>
           <a:prstGeom prst="rect">
             <a:avLst/>
@@ -14406,10 +14406,10 @@
       </p:pic>
       <p:cxnSp>
         <p:nvCxnSpPr>
-          <p:cNvPr id="13" name="Прямая со стрелкой 12">
+          <p:cNvPr id="9" name="Прямая со стрелкой 8">
             <a:extLst>
               <a:ext uri="{FF2B5EF4-FFF2-40B4-BE49-F238E27FC236}">
-                <a16:creationId xmlns:a16="http://schemas.microsoft.com/office/drawing/2014/main" id="{F9537AE0-9C3E-57A2-57BE-5D65D472D345}"/>
+                <a16:creationId xmlns:a16="http://schemas.microsoft.com/office/drawing/2014/main" id="{8CBE1338-1CA4-7381-0D4A-4290D245748F}"/>
               </a:ext>
             </a:extLst>
           </p:cNvPr>
@@ -14420,8 +14420,8 @@
         </p:nvCxnSpPr>
         <p:spPr>
           <a:xfrm flipH="1" flipV="1">
-            <a:off x="5129587" y="4153256"/>
-            <a:ext cx="767011" cy="282011"/>
+            <a:off x="5050564" y="4050707"/>
+            <a:ext cx="803305" cy="384560"/>
           </a:xfrm>
           <a:prstGeom prst="straightConnector1">
             <a:avLst/>
@@ -21821,8 +21821,8 @@
           </a:p>
         </p:txBody>
       </p:sp>
-      <mc:AlternateContent xmlns:mc="http://schemas.openxmlformats.org/markup-compatibility/2006">
-        <mc:Choice xmlns:a14="http://schemas.microsoft.com/office/drawing/2010/main" Requires="a14">
+      <mc:AlternateContent xmlns:mc="http://schemas.openxmlformats.org/markup-compatibility/2006" xmlns:a14="http://schemas.microsoft.com/office/drawing/2010/main">
+        <mc:Choice Requires="a14">
           <p:sp>
             <p:nvSpPr>
               <p:cNvPr id="19" name="TextBox 18">
@@ -22177,7 +22177,7 @@
             </p:txBody>
           </p:sp>
         </mc:Choice>
-        <mc:Fallback>
+        <mc:Fallback xmlns="">
           <p:sp>
             <p:nvSpPr>
               <p:cNvPr id="19" name="TextBox 18">
@@ -23272,8 +23272,8 @@
           </a:p>
         </p:txBody>
       </p:sp>
-      <mc:AlternateContent xmlns:mc="http://schemas.openxmlformats.org/markup-compatibility/2006">
-        <mc:Choice xmlns:a14="http://schemas.microsoft.com/office/drawing/2010/main" Requires="a14">
+      <mc:AlternateContent xmlns:mc="http://schemas.openxmlformats.org/markup-compatibility/2006" xmlns:a14="http://schemas.microsoft.com/office/drawing/2010/main">
+        <mc:Choice Requires="a14">
           <p:sp>
             <p:nvSpPr>
               <p:cNvPr id="27" name="TextBox 26">
@@ -23599,7 +23599,7 @@
             </p:txBody>
           </p:sp>
         </mc:Choice>
-        <mc:Fallback>
+        <mc:Fallback xmlns="">
           <p:sp>
             <p:nvSpPr>
               <p:cNvPr id="27" name="TextBox 26">
@@ -24627,8 +24627,8 @@
           </a:p>
         </p:txBody>
       </p:sp>
-      <mc:AlternateContent xmlns:mc="http://schemas.openxmlformats.org/markup-compatibility/2006">
-        <mc:Choice xmlns:a14="http://schemas.microsoft.com/office/drawing/2010/main" Requires="a14">
+      <mc:AlternateContent xmlns:mc="http://schemas.openxmlformats.org/markup-compatibility/2006" xmlns:a14="http://schemas.microsoft.com/office/drawing/2010/main">
+        <mc:Choice Requires="a14">
           <p:sp>
             <p:nvSpPr>
               <p:cNvPr id="12" name="TextBox 11">
@@ -25045,7 +25045,7 @@
             </p:txBody>
           </p:sp>
         </mc:Choice>
-        <mc:Fallback>
+        <mc:Fallback xmlns="">
           <p:sp>
             <p:nvSpPr>
               <p:cNvPr id="12" name="TextBox 11">
@@ -26966,8 +26966,8 @@
           </a:p>
         </p:txBody>
       </p:sp>
-      <mc:AlternateContent xmlns:mc="http://schemas.openxmlformats.org/markup-compatibility/2006">
-        <mc:Choice xmlns:a14="http://schemas.microsoft.com/office/drawing/2010/main" Requires="a14">
+      <mc:AlternateContent xmlns:mc="http://schemas.openxmlformats.org/markup-compatibility/2006" xmlns:a14="http://schemas.microsoft.com/office/drawing/2010/main">
+        <mc:Choice Requires="a14">
           <p:sp>
             <p:nvSpPr>
               <p:cNvPr id="3" name="Прямоугольник 2"/>
@@ -27332,7 +27332,7 @@
             </p:txBody>
           </p:sp>
         </mc:Choice>
-        <mc:Fallback>
+        <mc:Fallback xmlns="">
           <p:sp>
             <p:nvSpPr>
               <p:cNvPr id="3" name="Прямоугольник 2"/>

--- a/VKR_Volkova_VMO41.pptx
+++ b/VKR_Volkova_VMO41.pptx
@@ -1036,7 +1036,7 @@
             <a:fld id="{B61BEF0D-F0BB-DE4B-95CE-6DB70DBA9567}" type="datetimeFigureOut">
               <a:rPr lang="en-US" dirty="0"/>
               <a:pPr/>
-              <a:t>6/21/2025</a:t>
+              <a:t>6/22/2025</a:t>
             </a:fld>
             <a:endParaRPr lang="en-US" dirty="0"/>
           </a:p>
@@ -1288,7 +1288,7 @@
             <a:fld id="{B61BEF0D-F0BB-DE4B-95CE-6DB70DBA9567}" type="datetimeFigureOut">
               <a:rPr lang="en-US" dirty="0"/>
               <a:pPr/>
-              <a:t>6/21/2025</a:t>
+              <a:t>6/22/2025</a:t>
             </a:fld>
             <a:endParaRPr lang="en-US" dirty="0"/>
           </a:p>
@@ -1603,7 +1603,7 @@
             <a:fld id="{B61BEF0D-F0BB-DE4B-95CE-6DB70DBA9567}" type="datetimeFigureOut">
               <a:rPr lang="en-US" dirty="0"/>
               <a:pPr/>
-              <a:t>6/21/2025</a:t>
+              <a:t>6/22/2025</a:t>
             </a:fld>
             <a:endParaRPr lang="en-US" dirty="0"/>
           </a:p>
@@ -1937,7 +1937,7 @@
             <a:fld id="{B61BEF0D-F0BB-DE4B-95CE-6DB70DBA9567}" type="datetimeFigureOut">
               <a:rPr lang="en-US" dirty="0"/>
               <a:pPr/>
-              <a:t>6/21/2025</a:t>
+              <a:t>6/22/2025</a:t>
             </a:fld>
             <a:endParaRPr lang="en-US" dirty="0"/>
           </a:p>
@@ -2252,7 +2252,7 @@
             <a:fld id="{B61BEF0D-F0BB-DE4B-95CE-6DB70DBA9567}" type="datetimeFigureOut">
               <a:rPr lang="en-US" dirty="0"/>
               <a:pPr/>
-              <a:t>6/21/2025</a:t>
+              <a:t>6/22/2025</a:t>
             </a:fld>
             <a:endParaRPr lang="en-US" dirty="0"/>
           </a:p>
@@ -2646,7 +2646,7 @@
             <a:fld id="{B61BEF0D-F0BB-DE4B-95CE-6DB70DBA9567}" type="datetimeFigureOut">
               <a:rPr lang="en-US" dirty="0"/>
               <a:pPr/>
-              <a:t>6/21/2025</a:t>
+              <a:t>6/22/2025</a:t>
             </a:fld>
             <a:endParaRPr lang="en-US" dirty="0"/>
           </a:p>
@@ -2815,7 +2815,7 @@
           <a:p>
             <a:fld id="{55C6B4A9-1611-4792-9094-5F34BCA07E0B}" type="datetimeFigureOut">
               <a:rPr lang="en-US" dirty="0"/>
-              <a:t>6/21/2025</a:t>
+              <a:t>6/22/2025</a:t>
             </a:fld>
             <a:endParaRPr lang="en-US" dirty="0"/>
           </a:p>
@@ -2994,7 +2994,7 @@
             <a:fld id="{B61BEF0D-F0BB-DE4B-95CE-6DB70DBA9567}" type="datetimeFigureOut">
               <a:rPr lang="en-US" dirty="0"/>
               <a:pPr/>
-              <a:t>6/21/2025</a:t>
+              <a:t>6/22/2025</a:t>
             </a:fld>
             <a:endParaRPr lang="en-US" dirty="0"/>
           </a:p>
@@ -3163,7 +3163,7 @@
           <a:p>
             <a:fld id="{42A54C80-263E-416B-A8E0-580EDEADCBDC}" type="datetimeFigureOut">
               <a:rPr lang="en-US" dirty="0"/>
-              <a:t>6/21/2025</a:t>
+              <a:t>6/22/2025</a:t>
             </a:fld>
             <a:endParaRPr lang="en-US" dirty="0"/>
           </a:p>
@@ -3410,7 +3410,7 @@
             <a:fld id="{B61BEF0D-F0BB-DE4B-95CE-6DB70DBA9567}" type="datetimeFigureOut">
               <a:rPr lang="en-US" dirty="0"/>
               <a:pPr/>
-              <a:t>6/21/2025</a:t>
+              <a:t>6/22/2025</a:t>
             </a:fld>
             <a:endParaRPr lang="en-US" dirty="0"/>
           </a:p>
@@ -3640,7 +3640,7 @@
           <a:p>
             <a:fld id="{42A54C80-263E-416B-A8E0-580EDEADCBDC}" type="datetimeFigureOut">
               <a:rPr lang="en-US" dirty="0"/>
-              <a:t>6/21/2025</a:t>
+              <a:t>6/22/2025</a:t>
             </a:fld>
             <a:endParaRPr lang="en-US" dirty="0"/>
           </a:p>
@@ -4012,7 +4012,7 @@
             <a:fld id="{B61BEF0D-F0BB-DE4B-95CE-6DB70DBA9567}" type="datetimeFigureOut">
               <a:rPr lang="en-US" dirty="0"/>
               <a:pPr/>
-              <a:t>6/21/2025</a:t>
+              <a:t>6/22/2025</a:t>
             </a:fld>
             <a:endParaRPr lang="en-US" dirty="0"/>
           </a:p>
@@ -4136,7 +4136,7 @@
             <a:fld id="{B61BEF0D-F0BB-DE4B-95CE-6DB70DBA9567}" type="datetimeFigureOut">
               <a:rPr lang="en-US" dirty="0"/>
               <a:pPr/>
-              <a:t>6/21/2025</a:t>
+              <a:t>6/22/2025</a:t>
             </a:fld>
             <a:endParaRPr lang="en-US" dirty="0"/>
           </a:p>
@@ -4233,7 +4233,7 @@
             <a:fld id="{B61BEF0D-F0BB-DE4B-95CE-6DB70DBA9567}" type="datetimeFigureOut">
               <a:rPr lang="en-US" dirty="0"/>
               <a:pPr/>
-              <a:t>6/21/2025</a:t>
+              <a:t>6/22/2025</a:t>
             </a:fld>
             <a:endParaRPr lang="en-US" dirty="0"/>
           </a:p>
@@ -4487,7 +4487,7 @@
           <a:p>
             <a:fld id="{42A54C80-263E-416B-A8E0-580EDEADCBDC}" type="datetimeFigureOut">
               <a:rPr lang="en-US" dirty="0"/>
-              <a:t>6/21/2025</a:t>
+              <a:t>6/22/2025</a:t>
             </a:fld>
             <a:endParaRPr lang="en-US" dirty="0"/>
           </a:p>
@@ -4789,7 +4789,7 @@
             <a:fld id="{B61BEF0D-F0BB-DE4B-95CE-6DB70DBA9567}" type="datetimeFigureOut">
               <a:rPr lang="en-US" dirty="0"/>
               <a:pPr/>
-              <a:t>6/21/2025</a:t>
+              <a:t>6/22/2025</a:t>
             </a:fld>
             <a:endParaRPr lang="en-US" dirty="0"/>
           </a:p>
@@ -5490,7 +5490,7 @@
             <a:fld id="{B61BEF0D-F0BB-DE4B-95CE-6DB70DBA9567}" type="datetimeFigureOut">
               <a:rPr lang="en-US" dirty="0"/>
               <a:pPr/>
-              <a:t>6/21/2025</a:t>
+              <a:t>6/22/2025</a:t>
             </a:fld>
             <a:endParaRPr lang="en-US" dirty="0"/>
           </a:p>
@@ -14396,7 +14396,7 @@
         </p:blipFill>
         <p:spPr>
           <a:xfrm>
-            <a:off x="454931" y="846034"/>
+            <a:off x="490565" y="846034"/>
             <a:ext cx="5083505" cy="5853733"/>
           </a:xfrm>
           <a:prstGeom prst="rect">
@@ -14832,42 +14832,6 @@
           </a:p>
         </p:txBody>
       </p:sp>
-      <p:pic>
-        <p:nvPicPr>
-          <p:cNvPr id="5" name="Рисунок 4">
-            <a:extLst>
-              <a:ext uri="{FF2B5EF4-FFF2-40B4-BE49-F238E27FC236}">
-                <a16:creationId xmlns:a16="http://schemas.microsoft.com/office/drawing/2014/main" id="{448770EB-0B87-07E6-DB69-08EBCB8EA4BE}"/>
-              </a:ext>
-            </a:extLst>
-          </p:cNvPr>
-          <p:cNvPicPr>
-            <a:picLocks noChangeAspect="1"/>
-          </p:cNvPicPr>
-          <p:nvPr/>
-        </p:nvPicPr>
-        <p:blipFill>
-          <a:blip r:embed="rId2">
-            <a:extLst>
-              <a:ext uri="{28A0092B-C50C-407E-A947-70E740481C1C}">
-                <a14:useLocalDpi xmlns:a14="http://schemas.microsoft.com/office/drawing/2010/main" val="0"/>
-              </a:ext>
-            </a:extLst>
-          </a:blip>
-          <a:stretch>
-            <a:fillRect/>
-          </a:stretch>
-        </p:blipFill>
-        <p:spPr>
-          <a:xfrm>
-            <a:off x="3589190" y="1273323"/>
-            <a:ext cx="4992709" cy="5270082"/>
-          </a:xfrm>
-          <a:prstGeom prst="rect">
-            <a:avLst/>
-          </a:prstGeom>
-        </p:spPr>
-      </p:pic>
       <p:sp>
         <p:nvSpPr>
           <p:cNvPr id="6" name="Прямоугольник: скругленные углы 5">
@@ -14971,6 +14935,36 @@
           <p:nvPr/>
         </p:nvPicPr>
         <p:blipFill>
+          <a:blip r:embed="rId2"/>
+          <a:stretch>
+            <a:fillRect/>
+          </a:stretch>
+        </p:blipFill>
+        <p:spPr>
+          <a:xfrm>
+            <a:off x="9115279" y="2171098"/>
+            <a:ext cx="2464858" cy="1397856"/>
+          </a:xfrm>
+          <a:prstGeom prst="rect">
+            <a:avLst/>
+          </a:prstGeom>
+        </p:spPr>
+      </p:pic>
+      <p:pic>
+        <p:nvPicPr>
+          <p:cNvPr id="34" name="Рисунок 33">
+            <a:extLst>
+              <a:ext uri="{FF2B5EF4-FFF2-40B4-BE49-F238E27FC236}">
+                <a16:creationId xmlns:a16="http://schemas.microsoft.com/office/drawing/2014/main" id="{295A4B07-2462-8854-F9B1-D4A95B303A47}"/>
+              </a:ext>
+            </a:extLst>
+          </p:cNvPr>
+          <p:cNvPicPr>
+            <a:picLocks noChangeAspect="1"/>
+          </p:cNvPicPr>
+          <p:nvPr/>
+        </p:nvPicPr>
+        <p:blipFill>
           <a:blip r:embed="rId3"/>
           <a:stretch>
             <a:fillRect/>
@@ -14978,30 +14972,98 @@
         </p:blipFill>
         <p:spPr>
           <a:xfrm>
-            <a:off x="9115279" y="2171098"/>
-            <a:ext cx="2464858" cy="1397856"/>
+            <a:off x="9021275" y="4870259"/>
+            <a:ext cx="2340735" cy="1185972"/>
           </a:xfrm>
           <a:prstGeom prst="rect">
             <a:avLst/>
           </a:prstGeom>
         </p:spPr>
       </p:pic>
-      <p:cxnSp>
-        <p:nvCxnSpPr>
-          <p:cNvPr id="32" name="Прямая со стрелкой 31">
+      <p:pic>
+        <p:nvPicPr>
+          <p:cNvPr id="20" name="Рисунок 19">
             <a:extLst>
               <a:ext uri="{FF2B5EF4-FFF2-40B4-BE49-F238E27FC236}">
-                <a16:creationId xmlns:a16="http://schemas.microsoft.com/office/drawing/2014/main" id="{8820E0A3-B325-78EF-2309-FC6EAD90E564}"/>
+                <a16:creationId xmlns:a16="http://schemas.microsoft.com/office/drawing/2014/main" id="{A663BE04-2B58-D6BF-A92A-90DD341E0EBE}"/>
               </a:ext>
             </a:extLst>
           </p:cNvPr>
-          <p:cNvCxnSpPr/>
+          <p:cNvPicPr>
+            <a:picLocks noChangeAspect="1"/>
+          </p:cNvPicPr>
+          <p:nvPr/>
+        </p:nvPicPr>
+        <p:blipFill>
+          <a:blip r:embed="rId4">
+            <a:extLst>
+              <a:ext uri="{28A0092B-C50C-407E-A947-70E740481C1C}">
+                <a14:useLocalDpi xmlns:a14="http://schemas.microsoft.com/office/drawing/2010/main" val="0"/>
+              </a:ext>
+            </a:extLst>
+          </a:blip>
+          <a:stretch>
+            <a:fillRect/>
+          </a:stretch>
+        </p:blipFill>
+        <p:spPr>
+          <a:xfrm>
+            <a:off x="3553400" y="1004521"/>
+            <a:ext cx="5143500" cy="5429250"/>
+          </a:xfrm>
+          <a:prstGeom prst="rect">
+            <a:avLst/>
+          </a:prstGeom>
+        </p:spPr>
+      </p:pic>
+      <p:pic>
+        <p:nvPicPr>
+          <p:cNvPr id="42" name="Рисунок 41">
+            <a:extLst>
+              <a:ext uri="{FF2B5EF4-FFF2-40B4-BE49-F238E27FC236}">
+                <a16:creationId xmlns:a16="http://schemas.microsoft.com/office/drawing/2014/main" id="{5971DB70-96DE-A59A-395A-1E74F0C4E172}"/>
+              </a:ext>
+            </a:extLst>
+          </p:cNvPr>
+          <p:cNvPicPr>
+            <a:picLocks noChangeAspect="1"/>
+          </p:cNvPicPr>
+          <p:nvPr/>
+        </p:nvPicPr>
+        <p:blipFill>
+          <a:blip r:embed="rId5"/>
+          <a:stretch>
+            <a:fillRect/>
+          </a:stretch>
+        </p:blipFill>
+        <p:spPr>
+          <a:xfrm>
+            <a:off x="165630" y="996267"/>
+            <a:ext cx="3868395" cy="2349662"/>
+          </a:xfrm>
+          <a:prstGeom prst="rect">
+            <a:avLst/>
+          </a:prstGeom>
+        </p:spPr>
+      </p:pic>
+      <p:cxnSp>
+        <p:nvCxnSpPr>
+          <p:cNvPr id="22" name="Прямая со стрелкой 21">
+            <a:extLst>
+              <a:ext uri="{FF2B5EF4-FFF2-40B4-BE49-F238E27FC236}">
+                <a16:creationId xmlns:a16="http://schemas.microsoft.com/office/drawing/2014/main" id="{C0F5D7B3-E92A-E652-83C2-6A3E0A817562}"/>
+              </a:ext>
+            </a:extLst>
+          </p:cNvPr>
+          <p:cNvCxnSpPr>
+            <a:cxnSpLocks/>
+          </p:cNvCxnSpPr>
           <p:nvPr/>
         </p:nvCxnSpPr>
         <p:spPr>
-          <a:xfrm flipV="1">
-            <a:off x="8272329" y="3110669"/>
-            <a:ext cx="1008404" cy="820019"/>
+          <a:xfrm flipH="1" flipV="1">
+            <a:off x="3420060" y="3161944"/>
+            <a:ext cx="536643" cy="658026"/>
           </a:xfrm>
           <a:prstGeom prst="straightConnector1">
             <a:avLst/>
@@ -15027,111 +15089,10 @@
       </p:cxnSp>
       <p:pic>
         <p:nvPicPr>
-          <p:cNvPr id="34" name="Рисунок 33">
+          <p:cNvPr id="26" name="Рисунок 25">
             <a:extLst>
               <a:ext uri="{FF2B5EF4-FFF2-40B4-BE49-F238E27FC236}">
-                <a16:creationId xmlns:a16="http://schemas.microsoft.com/office/drawing/2014/main" id="{295A4B07-2462-8854-F9B1-D4A95B303A47}"/>
-              </a:ext>
-            </a:extLst>
-          </p:cNvPr>
-          <p:cNvPicPr>
-            <a:picLocks noChangeAspect="1"/>
-          </p:cNvPicPr>
-          <p:nvPr/>
-        </p:nvPicPr>
-        <p:blipFill>
-          <a:blip r:embed="rId4"/>
-          <a:stretch>
-            <a:fillRect/>
-          </a:stretch>
-        </p:blipFill>
-        <p:spPr>
-          <a:xfrm>
-            <a:off x="9021275" y="4870259"/>
-            <a:ext cx="2340735" cy="1185972"/>
-          </a:xfrm>
-          <a:prstGeom prst="rect">
-            <a:avLst/>
-          </a:prstGeom>
-        </p:spPr>
-      </p:pic>
-      <p:cxnSp>
-        <p:nvCxnSpPr>
-          <p:cNvPr id="36" name="Прямая со стрелкой 35">
-            <a:extLst>
-              <a:ext uri="{FF2B5EF4-FFF2-40B4-BE49-F238E27FC236}">
-                <a16:creationId xmlns:a16="http://schemas.microsoft.com/office/drawing/2014/main" id="{9ED9F640-7203-F773-9AB6-DAB3E772AAA5}"/>
-              </a:ext>
-            </a:extLst>
-          </p:cNvPr>
-          <p:cNvCxnSpPr>
-            <a:cxnSpLocks/>
-          </p:cNvCxnSpPr>
-          <p:nvPr/>
-        </p:nvCxnSpPr>
-        <p:spPr>
-          <a:xfrm>
-            <a:off x="8195417" y="4455811"/>
-            <a:ext cx="919862" cy="620391"/>
-          </a:xfrm>
-          <a:prstGeom prst="straightConnector1">
-            <a:avLst/>
-          </a:prstGeom>
-          <a:ln>
-            <a:tailEnd type="triangle"/>
-          </a:ln>
-        </p:spPr>
-        <p:style>
-          <a:lnRef idx="3">
-            <a:schemeClr val="accent1"/>
-          </a:lnRef>
-          <a:fillRef idx="0">
-            <a:schemeClr val="accent1"/>
-          </a:fillRef>
-          <a:effectRef idx="2">
-            <a:schemeClr val="accent1"/>
-          </a:effectRef>
-          <a:fontRef idx="minor">
-            <a:schemeClr val="tx1"/>
-          </a:fontRef>
-        </p:style>
-      </p:cxnSp>
-      <p:pic>
-        <p:nvPicPr>
-          <p:cNvPr id="40" name="Рисунок 39">
-            <a:extLst>
-              <a:ext uri="{FF2B5EF4-FFF2-40B4-BE49-F238E27FC236}">
-                <a16:creationId xmlns:a16="http://schemas.microsoft.com/office/drawing/2014/main" id="{83782CAA-E66F-6E27-4CE3-27C02BBBE214}"/>
-              </a:ext>
-            </a:extLst>
-          </p:cNvPr>
-          <p:cNvPicPr>
-            <a:picLocks noChangeAspect="1"/>
-          </p:cNvPicPr>
-          <p:nvPr/>
-        </p:nvPicPr>
-        <p:blipFill>
-          <a:blip r:embed="rId5"/>
-          <a:stretch>
-            <a:fillRect/>
-          </a:stretch>
-        </p:blipFill>
-        <p:spPr>
-          <a:xfrm>
-            <a:off x="533796" y="4220961"/>
-            <a:ext cx="2886264" cy="2484568"/>
-          </a:xfrm>
-          <a:prstGeom prst="rect">
-            <a:avLst/>
-          </a:prstGeom>
-        </p:spPr>
-      </p:pic>
-      <p:pic>
-        <p:nvPicPr>
-          <p:cNvPr id="42" name="Рисунок 41">
-            <a:extLst>
-              <a:ext uri="{FF2B5EF4-FFF2-40B4-BE49-F238E27FC236}">
-                <a16:creationId xmlns:a16="http://schemas.microsoft.com/office/drawing/2014/main" id="{5971DB70-96DE-A59A-395A-1E74F0C4E172}"/>
+                <a16:creationId xmlns:a16="http://schemas.microsoft.com/office/drawing/2014/main" id="{4BA562F6-2C9D-97B6-7097-80ECB30EB80C}"/>
               </a:ext>
             </a:extLst>
           </p:cNvPr>
@@ -15148,8 +15109,8 @@
         </p:blipFill>
         <p:spPr>
           <a:xfrm>
-            <a:off x="156673" y="1191658"/>
-            <a:ext cx="3868395" cy="2349662"/>
+            <a:off x="450778" y="4181746"/>
+            <a:ext cx="2778247" cy="2501957"/>
           </a:xfrm>
           <a:prstGeom prst="rect">
             <a:avLst/>
@@ -15158,10 +15119,10 @@
       </p:pic>
       <p:cxnSp>
         <p:nvCxnSpPr>
-          <p:cNvPr id="45" name="Прямая со стрелкой 44">
+          <p:cNvPr id="28" name="Прямая со стрелкой 27">
             <a:extLst>
               <a:ext uri="{FF2B5EF4-FFF2-40B4-BE49-F238E27FC236}">
-                <a16:creationId xmlns:a16="http://schemas.microsoft.com/office/drawing/2014/main" id="{5E44356E-AD7E-A2D5-92AE-3B988A3F68FA}"/>
+                <a16:creationId xmlns:a16="http://schemas.microsoft.com/office/drawing/2014/main" id="{5DE7C082-2608-915D-48C3-6B0B87C6C2D6}"/>
               </a:ext>
             </a:extLst>
           </p:cNvPr>
@@ -15169,9 +15130,9 @@
           <p:nvPr/>
         </p:nvCxnSpPr>
         <p:spPr>
-          <a:xfrm flipH="1" flipV="1">
-            <a:off x="3230310" y="3273039"/>
-            <a:ext cx="709301" cy="760576"/>
+          <a:xfrm flipH="1">
+            <a:off x="2965391" y="4213077"/>
+            <a:ext cx="991312" cy="393106"/>
           </a:xfrm>
           <a:prstGeom prst="straightConnector1">
             <a:avLst/>
@@ -15197,10 +15158,10 @@
       </p:cxnSp>
       <p:cxnSp>
         <p:nvCxnSpPr>
-          <p:cNvPr id="47" name="Прямая со стрелкой 46">
+          <p:cNvPr id="33" name="Прямая со стрелкой 32">
             <a:extLst>
               <a:ext uri="{FF2B5EF4-FFF2-40B4-BE49-F238E27FC236}">
-                <a16:creationId xmlns:a16="http://schemas.microsoft.com/office/drawing/2014/main" id="{845E9972-2B75-67E8-1CC5-6E1FED59007B}"/>
+                <a16:creationId xmlns:a16="http://schemas.microsoft.com/office/drawing/2014/main" id="{FFED5B72-3727-2C42-5098-65629A663FDB}"/>
               </a:ext>
             </a:extLst>
           </p:cNvPr>
@@ -15208,9 +15169,48 @@
           <p:nvPr/>
         </p:nvCxnSpPr>
         <p:spPr>
-          <a:xfrm flipH="1">
-            <a:off x="3230310" y="4332718"/>
-            <a:ext cx="709301" cy="433288"/>
+          <a:xfrm flipV="1">
+            <a:off x="8391970" y="3161944"/>
+            <a:ext cx="854580" cy="658026"/>
+          </a:xfrm>
+          <a:prstGeom prst="straightConnector1">
+            <a:avLst/>
+          </a:prstGeom>
+          <a:ln>
+            <a:tailEnd type="triangle"/>
+          </a:ln>
+        </p:spPr>
+        <p:style>
+          <a:lnRef idx="3">
+            <a:schemeClr val="accent1"/>
+          </a:lnRef>
+          <a:fillRef idx="0">
+            <a:schemeClr val="accent1"/>
+          </a:fillRef>
+          <a:effectRef idx="2">
+            <a:schemeClr val="accent1"/>
+          </a:effectRef>
+          <a:fontRef idx="minor">
+            <a:schemeClr val="tx1"/>
+          </a:fontRef>
+        </p:style>
+      </p:cxnSp>
+      <p:cxnSp>
+        <p:nvCxnSpPr>
+          <p:cNvPr id="37" name="Прямая со стрелкой 36">
+            <a:extLst>
+              <a:ext uri="{FF2B5EF4-FFF2-40B4-BE49-F238E27FC236}">
+                <a16:creationId xmlns:a16="http://schemas.microsoft.com/office/drawing/2014/main" id="{74428BC3-1CC1-8457-3800-ED914DBC12C7}"/>
+              </a:ext>
+            </a:extLst>
+          </p:cNvPr>
+          <p:cNvCxnSpPr/>
+          <p:nvPr/>
+        </p:nvCxnSpPr>
+        <p:spPr>
+          <a:xfrm>
+            <a:off x="8323604" y="4181746"/>
+            <a:ext cx="914400" cy="885910"/>
           </a:xfrm>
           <a:prstGeom prst="straightConnector1">
             <a:avLst/>
@@ -17845,10 +17845,10 @@
       </p:sp>
       <p:pic>
         <p:nvPicPr>
-          <p:cNvPr id="9" name="Рисунок 8">
+          <p:cNvPr id="7" name="Рисунок 6">
             <a:extLst>
               <a:ext uri="{FF2B5EF4-FFF2-40B4-BE49-F238E27FC236}">
-                <a16:creationId xmlns:a16="http://schemas.microsoft.com/office/drawing/2014/main" id="{236610CA-30E9-3269-2572-469BDB81DFBA}"/>
+                <a16:creationId xmlns:a16="http://schemas.microsoft.com/office/drawing/2014/main" id="{42FEED52-5AF5-416B-1EC7-450C7F1CFE15}"/>
               </a:ext>
             </a:extLst>
           </p:cNvPr>
@@ -17865,74 +17865,12 @@
         </p:blipFill>
         <p:spPr>
           <a:xfrm>
-            <a:off x="81210" y="2861362"/>
-            <a:ext cx="4178429" cy="2543019"/>
+            <a:off x="4667377" y="3868615"/>
+            <a:ext cx="2737157" cy="2507786"/>
           </a:xfrm>
           <a:prstGeom prst="rect">
             <a:avLst/>
           </a:prstGeom>
-          <a:ln w="38100" cap="sq">
-            <a:solidFill>
-              <a:schemeClr val="bg2">
-                <a:lumMod val="75000"/>
-              </a:schemeClr>
-            </a:solidFill>
-            <a:prstDash val="solid"/>
-            <a:miter lim="800000"/>
-          </a:ln>
-          <a:effectLst>
-            <a:outerShdw blurRad="50800" dist="38100" dir="2700000" algn="tl" rotWithShape="0">
-              <a:srgbClr val="000000">
-                <a:alpha val="43000"/>
-              </a:srgbClr>
-            </a:outerShdw>
-          </a:effectLst>
-        </p:spPr>
-      </p:pic>
-      <p:pic>
-        <p:nvPicPr>
-          <p:cNvPr id="15" name="Рисунок 14">
-            <a:extLst>
-              <a:ext uri="{FF2B5EF4-FFF2-40B4-BE49-F238E27FC236}">
-                <a16:creationId xmlns:a16="http://schemas.microsoft.com/office/drawing/2014/main" id="{E781ECE5-F9F6-DE28-6D8A-984B35374E0B}"/>
-              </a:ext>
-            </a:extLst>
-          </p:cNvPr>
-          <p:cNvPicPr>
-            <a:picLocks noChangeAspect="1"/>
-          </p:cNvPicPr>
-          <p:nvPr/>
-        </p:nvPicPr>
-        <p:blipFill>
-          <a:blip r:embed="rId9"/>
-          <a:stretch>
-            <a:fillRect/>
-          </a:stretch>
-        </p:blipFill>
-        <p:spPr>
-          <a:xfrm>
-            <a:off x="4455236" y="4015119"/>
-            <a:ext cx="3115914" cy="2247544"/>
-          </a:xfrm>
-          <a:prstGeom prst="rect">
-            <a:avLst/>
-          </a:prstGeom>
-          <a:ln w="38100" cap="sq">
-            <a:solidFill>
-              <a:schemeClr val="bg2">
-                <a:lumMod val="75000"/>
-              </a:schemeClr>
-            </a:solidFill>
-            <a:prstDash val="solid"/>
-            <a:miter lim="800000"/>
-          </a:ln>
-          <a:effectLst>
-            <a:outerShdw blurRad="50800" dist="38100" dir="2700000" algn="tl" rotWithShape="0">
-              <a:srgbClr val="000000">
-                <a:alpha val="43000"/>
-              </a:srgbClr>
-            </a:outerShdw>
-          </a:effectLst>
         </p:spPr>
       </p:pic>
       <p:cxnSp>
@@ -17945,14 +17883,15 @@
             </a:extLst>
           </p:cNvPr>
           <p:cNvCxnSpPr>
+            <a:cxnSpLocks/>
             <a:stCxn id="26" idx="1"/>
           </p:cNvCxnSpPr>
           <p:nvPr/>
         </p:nvCxnSpPr>
         <p:spPr>
           <a:xfrm flipH="1" flipV="1">
-            <a:off x="7337620" y="5848743"/>
-            <a:ext cx="405285" cy="443955"/>
+            <a:off x="7169921" y="5768411"/>
+            <a:ext cx="572984" cy="524287"/>
           </a:xfrm>
           <a:prstGeom prst="straightConnector1">
             <a:avLst/>
@@ -17976,6 +17915,36 @@
           </a:fontRef>
         </p:style>
       </p:cxnSp>
+      <p:pic>
+        <p:nvPicPr>
+          <p:cNvPr id="19" name="Рисунок 18">
+            <a:extLst>
+              <a:ext uri="{FF2B5EF4-FFF2-40B4-BE49-F238E27FC236}">
+                <a16:creationId xmlns:a16="http://schemas.microsoft.com/office/drawing/2014/main" id="{D5319A21-9A07-536B-3D1E-284468BA8540}"/>
+              </a:ext>
+            </a:extLst>
+          </p:cNvPr>
+          <p:cNvPicPr>
+            <a:picLocks noChangeAspect="1"/>
+          </p:cNvPicPr>
+          <p:nvPr/>
+        </p:nvPicPr>
+        <p:blipFill>
+          <a:blip r:embed="rId9"/>
+          <a:stretch>
+            <a:fillRect/>
+          </a:stretch>
+        </p:blipFill>
+        <p:spPr>
+          <a:xfrm>
+            <a:off x="119892" y="2810961"/>
+            <a:ext cx="4178429" cy="2521540"/>
+          </a:xfrm>
+          <a:prstGeom prst="rect">
+            <a:avLst/>
+          </a:prstGeom>
+        </p:spPr>
+      </p:pic>
       <p:cxnSp>
         <p:nvCxnSpPr>
           <p:cNvPr id="21" name="Прямая со стрелкой 20">
@@ -17985,13 +17954,15 @@
               </a:ext>
             </a:extLst>
           </p:cNvPr>
-          <p:cNvCxnSpPr/>
+          <p:cNvCxnSpPr>
+            <a:cxnSpLocks/>
+          </p:cNvCxnSpPr>
           <p:nvPr/>
         </p:nvCxnSpPr>
         <p:spPr>
           <a:xfrm flipH="1" flipV="1">
             <a:off x="4067798" y="4913832"/>
-            <a:ext cx="581114" cy="555476"/>
+            <a:ext cx="735486" cy="564022"/>
           </a:xfrm>
           <a:prstGeom prst="straightConnector1">
             <a:avLst/>
@@ -18117,7 +18088,7 @@
                 <a:latin typeface="Times New Roman" panose="02020603050405020304" pitchFamily="18" charset="0"/>
                 <a:cs typeface="Times New Roman" panose="02020603050405020304" pitchFamily="18" charset="0"/>
               </a:rPr>
-              <a:t>В ходе работы над выпускной квалификационной работой создано программное средство, отвечающее всем заявленным функциональным требованиям.</a:t>
+              <a:t>В ходе выполнения выпускной квалификационной работы создано программное средство, отвечающее всем заявленным функциональным требованиям.</a:t>
             </a:r>
           </a:p>
           <a:p>
@@ -18316,8 +18287,8 @@
         </p:nvSpPr>
         <p:spPr>
           <a:xfrm>
-            <a:off x="870399" y="2076710"/>
-            <a:ext cx="7870371" cy="830997"/>
+            <a:off x="1606610" y="1375956"/>
+            <a:ext cx="6330857" cy="830997"/>
           </a:xfrm>
           <a:prstGeom prst="rect">
             <a:avLst/>
@@ -18438,13 +18409,15 @@
               </a:ext>
             </a:extLst>
           </p:cNvPr>
-          <p:cNvCxnSpPr/>
+          <p:cNvCxnSpPr>
+            <a:cxnSpLocks/>
+          </p:cNvCxnSpPr>
           <p:nvPr/>
         </p:nvCxnSpPr>
         <p:spPr>
           <a:xfrm>
-            <a:off x="1563880" y="2907707"/>
-            <a:ext cx="6546079" cy="0"/>
+            <a:off x="2041048" y="2206953"/>
+            <a:ext cx="5265608" cy="0"/>
           </a:xfrm>
           <a:prstGeom prst="line">
             <a:avLst/>
@@ -18465,6 +18438,42 @@
           </a:fontRef>
         </p:style>
       </p:cxnSp>
+      <p:pic>
+        <p:nvPicPr>
+          <p:cNvPr id="6" name="Рисунок 5">
+            <a:extLst>
+              <a:ext uri="{FF2B5EF4-FFF2-40B4-BE49-F238E27FC236}">
+                <a16:creationId xmlns:a16="http://schemas.microsoft.com/office/drawing/2014/main" id="{417DE64E-91A5-FAE4-9634-445660F85367}"/>
+              </a:ext>
+            </a:extLst>
+          </p:cNvPr>
+          <p:cNvPicPr>
+            <a:picLocks noChangeAspect="1"/>
+          </p:cNvPicPr>
+          <p:nvPr/>
+        </p:nvPicPr>
+        <p:blipFill>
+          <a:blip r:embed="rId2" cstate="print">
+            <a:extLst>
+              <a:ext uri="{28A0092B-C50C-407E-A947-70E740481C1C}">
+                <a14:useLocalDpi xmlns:a14="http://schemas.microsoft.com/office/drawing/2010/main" val="0"/>
+              </a:ext>
+            </a:extLst>
+          </a:blip>
+          <a:stretch>
+            <a:fillRect/>
+          </a:stretch>
+        </p:blipFill>
+        <p:spPr>
+          <a:xfrm>
+            <a:off x="1974078" y="2907625"/>
+            <a:ext cx="5532676" cy="3226341"/>
+          </a:xfrm>
+          <a:prstGeom prst="rect">
+            <a:avLst/>
+          </a:prstGeom>
+        </p:spPr>
+      </p:pic>
     </p:spTree>
     <p:extLst>
       <p:ext uri="{BB962C8B-B14F-4D97-AF65-F5344CB8AC3E}">

--- a/VKR_Volkova_VMO41.pptx
+++ b/VKR_Volkova_VMO41.pptx
@@ -1036,7 +1036,7 @@
             <a:fld id="{B61BEF0D-F0BB-DE4B-95CE-6DB70DBA9567}" type="datetimeFigureOut">
               <a:rPr lang="en-US" dirty="0"/>
               <a:pPr/>
-              <a:t>6/22/2025</a:t>
+              <a:t>6/25/2025</a:t>
             </a:fld>
             <a:endParaRPr lang="en-US" dirty="0"/>
           </a:p>
@@ -1288,7 +1288,7 @@
             <a:fld id="{B61BEF0D-F0BB-DE4B-95CE-6DB70DBA9567}" type="datetimeFigureOut">
               <a:rPr lang="en-US" dirty="0"/>
               <a:pPr/>
-              <a:t>6/22/2025</a:t>
+              <a:t>6/25/2025</a:t>
             </a:fld>
             <a:endParaRPr lang="en-US" dirty="0"/>
           </a:p>
@@ -1603,7 +1603,7 @@
             <a:fld id="{B61BEF0D-F0BB-DE4B-95CE-6DB70DBA9567}" type="datetimeFigureOut">
               <a:rPr lang="en-US" dirty="0"/>
               <a:pPr/>
-              <a:t>6/22/2025</a:t>
+              <a:t>6/25/2025</a:t>
             </a:fld>
             <a:endParaRPr lang="en-US" dirty="0"/>
           </a:p>
@@ -1937,7 +1937,7 @@
             <a:fld id="{B61BEF0D-F0BB-DE4B-95CE-6DB70DBA9567}" type="datetimeFigureOut">
               <a:rPr lang="en-US" dirty="0"/>
               <a:pPr/>
-              <a:t>6/22/2025</a:t>
+              <a:t>6/25/2025</a:t>
             </a:fld>
             <a:endParaRPr lang="en-US" dirty="0"/>
           </a:p>
@@ -2252,7 +2252,7 @@
             <a:fld id="{B61BEF0D-F0BB-DE4B-95CE-6DB70DBA9567}" type="datetimeFigureOut">
               <a:rPr lang="en-US" dirty="0"/>
               <a:pPr/>
-              <a:t>6/22/2025</a:t>
+              <a:t>6/25/2025</a:t>
             </a:fld>
             <a:endParaRPr lang="en-US" dirty="0"/>
           </a:p>
@@ -2646,7 +2646,7 @@
             <a:fld id="{B61BEF0D-F0BB-DE4B-95CE-6DB70DBA9567}" type="datetimeFigureOut">
               <a:rPr lang="en-US" dirty="0"/>
               <a:pPr/>
-              <a:t>6/22/2025</a:t>
+              <a:t>6/25/2025</a:t>
             </a:fld>
             <a:endParaRPr lang="en-US" dirty="0"/>
           </a:p>
@@ -2815,7 +2815,7 @@
           <a:p>
             <a:fld id="{55C6B4A9-1611-4792-9094-5F34BCA07E0B}" type="datetimeFigureOut">
               <a:rPr lang="en-US" dirty="0"/>
-              <a:t>6/22/2025</a:t>
+              <a:t>6/25/2025</a:t>
             </a:fld>
             <a:endParaRPr lang="en-US" dirty="0"/>
           </a:p>
@@ -2994,7 +2994,7 @@
             <a:fld id="{B61BEF0D-F0BB-DE4B-95CE-6DB70DBA9567}" type="datetimeFigureOut">
               <a:rPr lang="en-US" dirty="0"/>
               <a:pPr/>
-              <a:t>6/22/2025</a:t>
+              <a:t>6/25/2025</a:t>
             </a:fld>
             <a:endParaRPr lang="en-US" dirty="0"/>
           </a:p>
@@ -3163,7 +3163,7 @@
           <a:p>
             <a:fld id="{42A54C80-263E-416B-A8E0-580EDEADCBDC}" type="datetimeFigureOut">
               <a:rPr lang="en-US" dirty="0"/>
-              <a:t>6/22/2025</a:t>
+              <a:t>6/25/2025</a:t>
             </a:fld>
             <a:endParaRPr lang="en-US" dirty="0"/>
           </a:p>
@@ -3410,7 +3410,7 @@
             <a:fld id="{B61BEF0D-F0BB-DE4B-95CE-6DB70DBA9567}" type="datetimeFigureOut">
               <a:rPr lang="en-US" dirty="0"/>
               <a:pPr/>
-              <a:t>6/22/2025</a:t>
+              <a:t>6/25/2025</a:t>
             </a:fld>
             <a:endParaRPr lang="en-US" dirty="0"/>
           </a:p>
@@ -3640,7 +3640,7 @@
           <a:p>
             <a:fld id="{42A54C80-263E-416B-A8E0-580EDEADCBDC}" type="datetimeFigureOut">
               <a:rPr lang="en-US" dirty="0"/>
-              <a:t>6/22/2025</a:t>
+              <a:t>6/25/2025</a:t>
             </a:fld>
             <a:endParaRPr lang="en-US" dirty="0"/>
           </a:p>
@@ -4012,7 +4012,7 @@
             <a:fld id="{B61BEF0D-F0BB-DE4B-95CE-6DB70DBA9567}" type="datetimeFigureOut">
               <a:rPr lang="en-US" dirty="0"/>
               <a:pPr/>
-              <a:t>6/22/2025</a:t>
+              <a:t>6/25/2025</a:t>
             </a:fld>
             <a:endParaRPr lang="en-US" dirty="0"/>
           </a:p>
@@ -4136,7 +4136,7 @@
             <a:fld id="{B61BEF0D-F0BB-DE4B-95CE-6DB70DBA9567}" type="datetimeFigureOut">
               <a:rPr lang="en-US" dirty="0"/>
               <a:pPr/>
-              <a:t>6/22/2025</a:t>
+              <a:t>6/25/2025</a:t>
             </a:fld>
             <a:endParaRPr lang="en-US" dirty="0"/>
           </a:p>
@@ -4233,7 +4233,7 @@
             <a:fld id="{B61BEF0D-F0BB-DE4B-95CE-6DB70DBA9567}" type="datetimeFigureOut">
               <a:rPr lang="en-US" dirty="0"/>
               <a:pPr/>
-              <a:t>6/22/2025</a:t>
+              <a:t>6/25/2025</a:t>
             </a:fld>
             <a:endParaRPr lang="en-US" dirty="0"/>
           </a:p>
@@ -4487,7 +4487,7 @@
           <a:p>
             <a:fld id="{42A54C80-263E-416B-A8E0-580EDEADCBDC}" type="datetimeFigureOut">
               <a:rPr lang="en-US" dirty="0"/>
-              <a:t>6/22/2025</a:t>
+              <a:t>6/25/2025</a:t>
             </a:fld>
             <a:endParaRPr lang="en-US" dirty="0"/>
           </a:p>
@@ -4789,7 +4789,7 @@
             <a:fld id="{B61BEF0D-F0BB-DE4B-95CE-6DB70DBA9567}" type="datetimeFigureOut">
               <a:rPr lang="en-US" dirty="0"/>
               <a:pPr/>
-              <a:t>6/22/2025</a:t>
+              <a:t>6/25/2025</a:t>
             </a:fld>
             <a:endParaRPr lang="en-US" dirty="0"/>
           </a:p>
@@ -5490,7 +5490,7 @@
             <a:fld id="{B61BEF0D-F0BB-DE4B-95CE-6DB70DBA9567}" type="datetimeFigureOut">
               <a:rPr lang="en-US" dirty="0"/>
               <a:pPr/>
-              <a:t>6/22/2025</a:t>
+              <a:t>6/25/2025</a:t>
             </a:fld>
             <a:endParaRPr lang="en-US" dirty="0"/>
           </a:p>
@@ -14489,8 +14489,8 @@
         </p:nvSpPr>
         <p:spPr>
           <a:xfrm>
-            <a:off x="1900015" y="102645"/>
-            <a:ext cx="6101696" cy="954107"/>
+            <a:off x="1900014" y="102645"/>
+            <a:ext cx="7261077" cy="523220"/>
           </a:xfrm>
           <a:prstGeom prst="rect">
             <a:avLst/>
@@ -14556,8 +14556,8 @@
         </p:blipFill>
         <p:spPr>
           <a:xfrm>
-            <a:off x="1252492" y="1187866"/>
-            <a:ext cx="3849347" cy="5267527"/>
+            <a:off x="840015" y="625866"/>
+            <a:ext cx="4479243" cy="6129490"/>
           </a:xfrm>
           <a:prstGeom prst="rect">
             <a:avLst/>
@@ -14737,8 +14737,8 @@
         </p:nvCxnSpPr>
         <p:spPr>
           <a:xfrm flipV="1">
-            <a:off x="3674692" y="2512464"/>
-            <a:ext cx="2076628" cy="307648"/>
+            <a:off x="3631963" y="2512464"/>
+            <a:ext cx="2119357" cy="85457"/>
           </a:xfrm>
           <a:prstGeom prst="straightConnector1">
             <a:avLst/>
@@ -14806,8 +14806,8 @@
         </p:nvSpPr>
         <p:spPr>
           <a:xfrm>
-            <a:off x="2306634" y="160450"/>
-            <a:ext cx="7578731" cy="954107"/>
+            <a:off x="392376" y="126362"/>
+            <a:ext cx="8845628" cy="523220"/>
           </a:xfrm>
           <a:prstGeom prst="rect">
             <a:avLst/>
@@ -15008,8 +15008,8 @@
         </p:blipFill>
         <p:spPr>
           <a:xfrm>
-            <a:off x="3553400" y="1004521"/>
-            <a:ext cx="5143500" cy="5429250"/>
+            <a:off x="3553400" y="649582"/>
+            <a:ext cx="5479758" cy="5784189"/>
           </a:xfrm>
           <a:prstGeom prst="rect">
             <a:avLst/>
@@ -15063,7 +15063,7 @@
         <p:spPr>
           <a:xfrm flipH="1" flipV="1">
             <a:off x="3420060" y="3161944"/>
-            <a:ext cx="536643" cy="658026"/>
+            <a:ext cx="536643" cy="407010"/>
           </a:xfrm>
           <a:prstGeom prst="straightConnector1">
             <a:avLst/>
@@ -15126,13 +15126,15 @@
               </a:ext>
             </a:extLst>
           </p:cNvPr>
-          <p:cNvCxnSpPr/>
+          <p:cNvCxnSpPr>
+            <a:cxnSpLocks/>
+          </p:cNvCxnSpPr>
           <p:nvPr/>
         </p:nvCxnSpPr>
         <p:spPr>
           <a:xfrm flipH="1">
-            <a:off x="2965391" y="4213077"/>
-            <a:ext cx="991312" cy="393106"/>
+            <a:off x="2965391" y="4092174"/>
+            <a:ext cx="991312" cy="514009"/>
           </a:xfrm>
           <a:prstGeom prst="straightConnector1">
             <a:avLst/>
@@ -15165,13 +15167,15 @@
               </a:ext>
             </a:extLst>
           </p:cNvPr>
-          <p:cNvCxnSpPr/>
+          <p:cNvCxnSpPr>
+            <a:cxnSpLocks/>
+          </p:cNvCxnSpPr>
           <p:nvPr/>
         </p:nvCxnSpPr>
         <p:spPr>
           <a:xfrm flipV="1">
-            <a:off x="8391970" y="3161944"/>
-            <a:ext cx="854580" cy="658026"/>
+            <a:off x="8520157" y="3161944"/>
+            <a:ext cx="726393" cy="407010"/>
           </a:xfrm>
           <a:prstGeom prst="straightConnector1">
             <a:avLst/>
@@ -15204,13 +15208,15 @@
               </a:ext>
             </a:extLst>
           </p:cNvPr>
-          <p:cNvCxnSpPr/>
+          <p:cNvCxnSpPr>
+            <a:cxnSpLocks/>
+          </p:cNvCxnSpPr>
           <p:nvPr/>
         </p:nvCxnSpPr>
         <p:spPr>
           <a:xfrm>
-            <a:off x="8323604" y="4181746"/>
-            <a:ext cx="914400" cy="885910"/>
+            <a:off x="8520157" y="4092174"/>
+            <a:ext cx="717847" cy="975482"/>
           </a:xfrm>
           <a:prstGeom prst="straightConnector1">
             <a:avLst/>
@@ -15778,10 +15784,10 @@
       </p:sp>
       <p:pic>
         <p:nvPicPr>
-          <p:cNvPr id="5" name="Рисунок 4">
+          <p:cNvPr id="4" name="Рисунок 3">
             <a:extLst>
               <a:ext uri="{FF2B5EF4-FFF2-40B4-BE49-F238E27FC236}">
-                <a16:creationId xmlns:a16="http://schemas.microsoft.com/office/drawing/2014/main" id="{D2011B30-BD0C-1A8E-DBB1-1562D0CB2A84}"/>
+                <a16:creationId xmlns:a16="http://schemas.microsoft.com/office/drawing/2014/main" id="{D497BD45-6045-64A1-8E1F-CAA96F4E0D5F}"/>
               </a:ext>
             </a:extLst>
           </p:cNvPr>
@@ -15804,8 +15810,8 @@
         </p:blipFill>
         <p:spPr>
           <a:xfrm>
-            <a:off x="3110114" y="834000"/>
-            <a:ext cx="2985886" cy="5849438"/>
+            <a:off x="131579" y="1942406"/>
+            <a:ext cx="11671418" cy="2973187"/>
           </a:xfrm>
           <a:prstGeom prst="rect">
             <a:avLst/>
@@ -16307,7 +16313,7 @@
                 <a:latin typeface="Times New Roman" panose="02020603050405020304" pitchFamily="18" charset="0"/>
                 <a:cs typeface="Times New Roman" panose="02020603050405020304" pitchFamily="18" charset="0"/>
               </a:rPr>
-              <a:t>	В такие момент государству необходимо принимать стратегически верные решения, с чем могут помочь математические модели. Некоторые из них рассматривают не только течение эпидемиологической ситуации, но и влияние мер противодействия на распространение инфекции.</a:t>
+              <a:t>	В такие моменты государству необходимо принимать стратегически верные решения, с чем могут помочь математические модели. Некоторые из них рассматривают не только течение эпидемиологической ситуации, но и влияние мер противодействия на распространение инфекции.</a:t>
             </a:r>
           </a:p>
         </p:txBody>
@@ -18560,7 +18566,7 @@
         </p:nvSpPr>
         <p:spPr>
           <a:xfrm>
-            <a:off x="812111" y="1484293"/>
+            <a:off x="812109" y="1262800"/>
             <a:ext cx="8535234" cy="1323439"/>
           </a:xfrm>
           <a:prstGeom prst="rect">
@@ -18613,7 +18619,7 @@
                 <a:ea typeface="+mn-lt"/>
                 <a:cs typeface="+mn-lt"/>
               </a:rPr>
-              <a:t>исследование и анализ математических моделей, применяемых для оценки и прогнозирования развития эпидемиологических ситуаций, с целью выявления их эффективности и применимости в различных условиях.</a:t>
+              <a:t>разработка и анализ математических моделей, применяемых для оценки и прогнозирования развития эпидемиологических ситуаций, с целью выявления их эффективности и применимости в различных условиях на основе численных экспериментов.</a:t>
             </a:r>
           </a:p>
         </p:txBody>
@@ -18632,7 +18638,7 @@
         </p:nvSpPr>
         <p:spPr>
           <a:xfrm>
-            <a:off x="839247" y="2994208"/>
+            <a:off x="839246" y="2992343"/>
             <a:ext cx="8480961" cy="400110"/>
           </a:xfrm>
           <a:prstGeom prst="rect">

--- a/VKR_Volkova_VMO41.pptx
+++ b/VKR_Volkova_VMO41.pptx
@@ -1036,7 +1036,7 @@
             <a:fld id="{B61BEF0D-F0BB-DE4B-95CE-6DB70DBA9567}" type="datetimeFigureOut">
               <a:rPr lang="en-US" dirty="0"/>
               <a:pPr/>
-              <a:t>6/25/2025</a:t>
+              <a:t>6/26/2025</a:t>
             </a:fld>
             <a:endParaRPr lang="en-US" dirty="0"/>
           </a:p>
@@ -1288,7 +1288,7 @@
             <a:fld id="{B61BEF0D-F0BB-DE4B-95CE-6DB70DBA9567}" type="datetimeFigureOut">
               <a:rPr lang="en-US" dirty="0"/>
               <a:pPr/>
-              <a:t>6/25/2025</a:t>
+              <a:t>6/26/2025</a:t>
             </a:fld>
             <a:endParaRPr lang="en-US" dirty="0"/>
           </a:p>
@@ -1603,7 +1603,7 @@
             <a:fld id="{B61BEF0D-F0BB-DE4B-95CE-6DB70DBA9567}" type="datetimeFigureOut">
               <a:rPr lang="en-US" dirty="0"/>
               <a:pPr/>
-              <a:t>6/25/2025</a:t>
+              <a:t>6/26/2025</a:t>
             </a:fld>
             <a:endParaRPr lang="en-US" dirty="0"/>
           </a:p>
@@ -1937,7 +1937,7 @@
             <a:fld id="{B61BEF0D-F0BB-DE4B-95CE-6DB70DBA9567}" type="datetimeFigureOut">
               <a:rPr lang="en-US" dirty="0"/>
               <a:pPr/>
-              <a:t>6/25/2025</a:t>
+              <a:t>6/26/2025</a:t>
             </a:fld>
             <a:endParaRPr lang="en-US" dirty="0"/>
           </a:p>
@@ -2252,7 +2252,7 @@
             <a:fld id="{B61BEF0D-F0BB-DE4B-95CE-6DB70DBA9567}" type="datetimeFigureOut">
               <a:rPr lang="en-US" dirty="0"/>
               <a:pPr/>
-              <a:t>6/25/2025</a:t>
+              <a:t>6/26/2025</a:t>
             </a:fld>
             <a:endParaRPr lang="en-US" dirty="0"/>
           </a:p>
@@ -2646,7 +2646,7 @@
             <a:fld id="{B61BEF0D-F0BB-DE4B-95CE-6DB70DBA9567}" type="datetimeFigureOut">
               <a:rPr lang="en-US" dirty="0"/>
               <a:pPr/>
-              <a:t>6/25/2025</a:t>
+              <a:t>6/26/2025</a:t>
             </a:fld>
             <a:endParaRPr lang="en-US" dirty="0"/>
           </a:p>
@@ -2815,7 +2815,7 @@
           <a:p>
             <a:fld id="{55C6B4A9-1611-4792-9094-5F34BCA07E0B}" type="datetimeFigureOut">
               <a:rPr lang="en-US" dirty="0"/>
-              <a:t>6/25/2025</a:t>
+              <a:t>6/26/2025</a:t>
             </a:fld>
             <a:endParaRPr lang="en-US" dirty="0"/>
           </a:p>
@@ -2994,7 +2994,7 @@
             <a:fld id="{B61BEF0D-F0BB-DE4B-95CE-6DB70DBA9567}" type="datetimeFigureOut">
               <a:rPr lang="en-US" dirty="0"/>
               <a:pPr/>
-              <a:t>6/25/2025</a:t>
+              <a:t>6/26/2025</a:t>
             </a:fld>
             <a:endParaRPr lang="en-US" dirty="0"/>
           </a:p>
@@ -3163,7 +3163,7 @@
           <a:p>
             <a:fld id="{42A54C80-263E-416B-A8E0-580EDEADCBDC}" type="datetimeFigureOut">
               <a:rPr lang="en-US" dirty="0"/>
-              <a:t>6/25/2025</a:t>
+              <a:t>6/26/2025</a:t>
             </a:fld>
             <a:endParaRPr lang="en-US" dirty="0"/>
           </a:p>
@@ -3410,7 +3410,7 @@
             <a:fld id="{B61BEF0D-F0BB-DE4B-95CE-6DB70DBA9567}" type="datetimeFigureOut">
               <a:rPr lang="en-US" dirty="0"/>
               <a:pPr/>
-              <a:t>6/25/2025</a:t>
+              <a:t>6/26/2025</a:t>
             </a:fld>
             <a:endParaRPr lang="en-US" dirty="0"/>
           </a:p>
@@ -3640,7 +3640,7 @@
           <a:p>
             <a:fld id="{42A54C80-263E-416B-A8E0-580EDEADCBDC}" type="datetimeFigureOut">
               <a:rPr lang="en-US" dirty="0"/>
-              <a:t>6/25/2025</a:t>
+              <a:t>6/26/2025</a:t>
             </a:fld>
             <a:endParaRPr lang="en-US" dirty="0"/>
           </a:p>
@@ -4012,7 +4012,7 @@
             <a:fld id="{B61BEF0D-F0BB-DE4B-95CE-6DB70DBA9567}" type="datetimeFigureOut">
               <a:rPr lang="en-US" dirty="0"/>
               <a:pPr/>
-              <a:t>6/25/2025</a:t>
+              <a:t>6/26/2025</a:t>
             </a:fld>
             <a:endParaRPr lang="en-US" dirty="0"/>
           </a:p>
@@ -4136,7 +4136,7 @@
             <a:fld id="{B61BEF0D-F0BB-DE4B-95CE-6DB70DBA9567}" type="datetimeFigureOut">
               <a:rPr lang="en-US" dirty="0"/>
               <a:pPr/>
-              <a:t>6/25/2025</a:t>
+              <a:t>6/26/2025</a:t>
             </a:fld>
             <a:endParaRPr lang="en-US" dirty="0"/>
           </a:p>
@@ -4233,7 +4233,7 @@
             <a:fld id="{B61BEF0D-F0BB-DE4B-95CE-6DB70DBA9567}" type="datetimeFigureOut">
               <a:rPr lang="en-US" dirty="0"/>
               <a:pPr/>
-              <a:t>6/25/2025</a:t>
+              <a:t>6/26/2025</a:t>
             </a:fld>
             <a:endParaRPr lang="en-US" dirty="0"/>
           </a:p>
@@ -4487,7 +4487,7 @@
           <a:p>
             <a:fld id="{42A54C80-263E-416B-A8E0-580EDEADCBDC}" type="datetimeFigureOut">
               <a:rPr lang="en-US" dirty="0"/>
-              <a:t>6/25/2025</a:t>
+              <a:t>6/26/2025</a:t>
             </a:fld>
             <a:endParaRPr lang="en-US" dirty="0"/>
           </a:p>
@@ -4789,7 +4789,7 @@
             <a:fld id="{B61BEF0D-F0BB-DE4B-95CE-6DB70DBA9567}" type="datetimeFigureOut">
               <a:rPr lang="en-US" dirty="0"/>
               <a:pPr/>
-              <a:t>6/25/2025</a:t>
+              <a:t>6/26/2025</a:t>
             </a:fld>
             <a:endParaRPr lang="en-US" dirty="0"/>
           </a:p>
@@ -5490,7 +5490,7 @@
             <a:fld id="{B61BEF0D-F0BB-DE4B-95CE-6DB70DBA9567}" type="datetimeFigureOut">
               <a:rPr lang="en-US" dirty="0"/>
               <a:pPr/>
-              <a:t>6/25/2025</a:t>
+              <a:t>6/26/2025</a:t>
             </a:fld>
             <a:endParaRPr lang="en-US" dirty="0"/>
           </a:p>
@@ -18566,7 +18566,7 @@
         </p:nvSpPr>
         <p:spPr>
           <a:xfrm>
-            <a:off x="812109" y="1262800"/>
+            <a:off x="839246" y="1262800"/>
             <a:ext cx="8535234" cy="1323439"/>
           </a:xfrm>
           <a:prstGeom prst="rect">
@@ -18619,7 +18619,7 @@
                 <a:ea typeface="+mn-lt"/>
                 <a:cs typeface="+mn-lt"/>
               </a:rPr>
-              <a:t>разработка и анализ математических моделей, применяемых для оценки и прогнозирования развития эпидемиологических ситуаций, с целью выявления их эффективности и применимости в различных условиях на основе численных экспериментов.</a:t>
+              <a:t>разработка программного средства для моделирования развития эпидемиологических ситуаций и анализ математических моделей с целью выявления их эффективности и применимости в различных условиях на основе численных экспериментов.</a:t>
             </a:r>
           </a:p>
         </p:txBody>
